--- a/control_task/stimuli/originals_SAPC_Task.pptx
+++ b/control_task/stimuli/originals_SAPC_Task.pptx
@@ -9,50 +9,33 @@
     <p:sldId id="258" r:id="rId3"/>
     <p:sldId id="282" r:id="rId4"/>
     <p:sldId id="3497" r:id="rId5"/>
-    <p:sldId id="283" r:id="rId6"/>
-    <p:sldId id="3503" r:id="rId7"/>
-    <p:sldId id="3504" r:id="rId8"/>
-    <p:sldId id="3505" r:id="rId9"/>
-    <p:sldId id="3506" r:id="rId10"/>
-    <p:sldId id="3507" r:id="rId11"/>
-    <p:sldId id="3508" r:id="rId12"/>
-    <p:sldId id="3509" r:id="rId13"/>
-    <p:sldId id="3513" r:id="rId14"/>
-    <p:sldId id="3510" r:id="rId15"/>
-    <p:sldId id="3512" r:id="rId16"/>
-    <p:sldId id="3517" r:id="rId17"/>
-    <p:sldId id="3514" r:id="rId18"/>
-    <p:sldId id="3515" r:id="rId19"/>
-    <p:sldId id="3516" r:id="rId20"/>
-    <p:sldId id="3518" r:id="rId21"/>
-    <p:sldId id="3511" r:id="rId22"/>
-    <p:sldId id="3475" r:id="rId23"/>
-    <p:sldId id="3474" r:id="rId24"/>
-    <p:sldId id="3498" r:id="rId25"/>
-    <p:sldId id="3502" r:id="rId26"/>
-    <p:sldId id="3500" r:id="rId27"/>
-    <p:sldId id="3501" r:id="rId28"/>
-    <p:sldId id="3499" r:id="rId29"/>
-    <p:sldId id="3473" r:id="rId30"/>
-    <p:sldId id="3478" r:id="rId31"/>
-    <p:sldId id="284" r:id="rId32"/>
-    <p:sldId id="286" r:id="rId33"/>
-    <p:sldId id="287" r:id="rId34"/>
-    <p:sldId id="3465" r:id="rId35"/>
-    <p:sldId id="3466" r:id="rId36"/>
-    <p:sldId id="294" r:id="rId37"/>
-    <p:sldId id="3487" r:id="rId38"/>
-    <p:sldId id="3488" r:id="rId39"/>
-    <p:sldId id="3489" r:id="rId40"/>
-    <p:sldId id="3490" r:id="rId41"/>
-    <p:sldId id="3491" r:id="rId42"/>
-    <p:sldId id="3492" r:id="rId43"/>
-    <p:sldId id="3493" r:id="rId44"/>
-    <p:sldId id="3494" r:id="rId45"/>
-    <p:sldId id="3495" r:id="rId46"/>
-    <p:sldId id="3468" r:id="rId47"/>
-    <p:sldId id="3476" r:id="rId48"/>
-    <p:sldId id="3477" r:id="rId49"/>
+    <p:sldId id="3519" r:id="rId6"/>
+    <p:sldId id="3480" r:id="rId7"/>
+    <p:sldId id="3482" r:id="rId8"/>
+    <p:sldId id="3484" r:id="rId9"/>
+    <p:sldId id="3486" r:id="rId10"/>
+    <p:sldId id="3521" r:id="rId11"/>
+    <p:sldId id="3523" r:id="rId12"/>
+    <p:sldId id="3525" r:id="rId13"/>
+    <p:sldId id="3527" r:id="rId14"/>
+    <p:sldId id="283" r:id="rId15"/>
+    <p:sldId id="3503" r:id="rId16"/>
+    <p:sldId id="3504" r:id="rId17"/>
+    <p:sldId id="3505" r:id="rId18"/>
+    <p:sldId id="3506" r:id="rId19"/>
+    <p:sldId id="3507" r:id="rId20"/>
+    <p:sldId id="3508" r:id="rId21"/>
+    <p:sldId id="3509" r:id="rId22"/>
+    <p:sldId id="3513" r:id="rId23"/>
+    <p:sldId id="3510" r:id="rId24"/>
+    <p:sldId id="3512" r:id="rId25"/>
+    <p:sldId id="3517" r:id="rId26"/>
+    <p:sldId id="3514" r:id="rId27"/>
+    <p:sldId id="3515" r:id="rId28"/>
+    <p:sldId id="3516" r:id="rId29"/>
+    <p:sldId id="3518" r:id="rId30"/>
+    <p:sldId id="3476" r:id="rId31"/>
+    <p:sldId id="3477" r:id="rId32"/>
   </p:sldIdLst>
   <p:sldSz cx="12192000" cy="6858000"/>
   <p:notesSz cx="6858000" cy="9144000"/>
@@ -308,7 +291,7 @@
           <a:p>
             <a:fld id="{9B916260-F45C-B647-88A4-C91F6BA5DC4E}" type="datetimeFigureOut">
               <a:rPr lang="en-CH" smtClean="0"/>
-              <a:t>24.09.24</a:t>
+              <a:t>25.09.24</a:t>
             </a:fld>
             <a:endParaRPr lang="en-CH"/>
           </a:p>
@@ -508,7 +491,7 @@
           <a:p>
             <a:fld id="{9B916260-F45C-B647-88A4-C91F6BA5DC4E}" type="datetimeFigureOut">
               <a:rPr lang="en-CH" smtClean="0"/>
-              <a:t>24.09.24</a:t>
+              <a:t>25.09.24</a:t>
             </a:fld>
             <a:endParaRPr lang="en-CH"/>
           </a:p>
@@ -718,7 +701,7 @@
           <a:p>
             <a:fld id="{9B916260-F45C-B647-88A4-C91F6BA5DC4E}" type="datetimeFigureOut">
               <a:rPr lang="en-CH" smtClean="0"/>
-              <a:t>24.09.24</a:t>
+              <a:t>25.09.24</a:t>
             </a:fld>
             <a:endParaRPr lang="en-CH"/>
           </a:p>
@@ -918,7 +901,7 @@
           <a:p>
             <a:fld id="{9B916260-F45C-B647-88A4-C91F6BA5DC4E}" type="datetimeFigureOut">
               <a:rPr lang="en-CH" smtClean="0"/>
-              <a:t>24.09.24</a:t>
+              <a:t>25.09.24</a:t>
             </a:fld>
             <a:endParaRPr lang="en-CH"/>
           </a:p>
@@ -1194,7 +1177,7 @@
           <a:p>
             <a:fld id="{9B916260-F45C-B647-88A4-C91F6BA5DC4E}" type="datetimeFigureOut">
               <a:rPr lang="en-CH" smtClean="0"/>
-              <a:t>24.09.24</a:t>
+              <a:t>25.09.24</a:t>
             </a:fld>
             <a:endParaRPr lang="en-CH"/>
           </a:p>
@@ -1462,7 +1445,7 @@
           <a:p>
             <a:fld id="{9B916260-F45C-B647-88A4-C91F6BA5DC4E}" type="datetimeFigureOut">
               <a:rPr lang="en-CH" smtClean="0"/>
-              <a:t>24.09.24</a:t>
+              <a:t>25.09.24</a:t>
             </a:fld>
             <a:endParaRPr lang="en-CH"/>
           </a:p>
@@ -1877,7 +1860,7 @@
           <a:p>
             <a:fld id="{9B916260-F45C-B647-88A4-C91F6BA5DC4E}" type="datetimeFigureOut">
               <a:rPr lang="en-CH" smtClean="0"/>
-              <a:t>24.09.24</a:t>
+              <a:t>25.09.24</a:t>
             </a:fld>
             <a:endParaRPr lang="en-CH"/>
           </a:p>
@@ -2019,7 +2002,7 @@
           <a:p>
             <a:fld id="{9B916260-F45C-B647-88A4-C91F6BA5DC4E}" type="datetimeFigureOut">
               <a:rPr lang="en-CH" smtClean="0"/>
-              <a:t>24.09.24</a:t>
+              <a:t>25.09.24</a:t>
             </a:fld>
             <a:endParaRPr lang="en-CH"/>
           </a:p>
@@ -2132,7 +2115,7 @@
           <a:p>
             <a:fld id="{9B916260-F45C-B647-88A4-C91F6BA5DC4E}" type="datetimeFigureOut">
               <a:rPr lang="en-CH" smtClean="0"/>
-              <a:t>24.09.24</a:t>
+              <a:t>25.09.24</a:t>
             </a:fld>
             <a:endParaRPr lang="en-CH"/>
           </a:p>
@@ -2445,7 +2428,7 @@
           <a:p>
             <a:fld id="{9B916260-F45C-B647-88A4-C91F6BA5DC4E}" type="datetimeFigureOut">
               <a:rPr lang="en-CH" smtClean="0"/>
-              <a:t>24.09.24</a:t>
+              <a:t>25.09.24</a:t>
             </a:fld>
             <a:endParaRPr lang="en-CH"/>
           </a:p>
@@ -2734,7 +2717,7 @@
           <a:p>
             <a:fld id="{9B916260-F45C-B647-88A4-C91F6BA5DC4E}" type="datetimeFigureOut">
               <a:rPr lang="en-CH" smtClean="0"/>
-              <a:t>24.09.24</a:t>
+              <a:t>25.09.24</a:t>
             </a:fld>
             <a:endParaRPr lang="en-CH"/>
           </a:p>
@@ -2977,7 +2960,7 @@
           <a:p>
             <a:fld id="{9B916260-F45C-B647-88A4-C91F6BA5DC4E}" type="datetimeFigureOut">
               <a:rPr lang="en-CH" smtClean="0"/>
-              <a:t>24.09.24</a:t>
+              <a:t>25.09.24</a:t>
             </a:fld>
             <a:endParaRPr lang="en-CH"/>
           </a:p>
@@ -3485,6 +3468,672 @@
     <p:bg>
       <p:bgPr>
         <a:solidFill>
+          <a:srgbClr val="5C5C5C"/>
+        </a:solidFill>
+        <a:effectLst/>
+      </p:bgPr>
+    </p:bg>
+    <p:spTree>
+      <p:nvGrpSpPr>
+        <p:cNvPr id="1" name="">
+          <a:extLst>
+            <a:ext uri="{FF2B5EF4-FFF2-40B4-BE49-F238E27FC236}">
+              <a16:creationId xmlns:a16="http://schemas.microsoft.com/office/drawing/2014/main" id="{4F82EEEB-5F99-A93B-5E9E-5D82D68710C1}"/>
+            </a:ext>
+          </a:extLst>
+        </p:cNvPr>
+        <p:cNvGrpSpPr/>
+        <p:nvPr/>
+      </p:nvGrpSpPr>
+      <p:grpSpPr>
+        <a:xfrm>
+          <a:off x="0" y="0"/>
+          <a:ext cx="0" cy="0"/>
+          <a:chOff x="0" y="0"/>
+          <a:chExt cx="0" cy="0"/>
+        </a:xfrm>
+      </p:grpSpPr>
+      <p:pic>
+        <p:nvPicPr>
+          <p:cNvPr id="3" name="Picture 2">
+            <a:extLst>
+              <a:ext uri="{FF2B5EF4-FFF2-40B4-BE49-F238E27FC236}">
+                <a16:creationId xmlns:a16="http://schemas.microsoft.com/office/drawing/2014/main" id="{32D8A1C4-3478-B45A-354F-72CA4C81BADD}"/>
+              </a:ext>
+            </a:extLst>
+          </p:cNvPr>
+          <p:cNvPicPr>
+            <a:picLocks noChangeAspect="1"/>
+          </p:cNvPicPr>
+          <p:nvPr/>
+        </p:nvPicPr>
+        <p:blipFill>
+          <a:blip r:embed="rId2"/>
+          <a:stretch>
+            <a:fillRect/>
+          </a:stretch>
+        </p:blipFill>
+        <p:spPr>
+          <a:xfrm>
+            <a:off x="3501517" y="1449000"/>
+            <a:ext cx="5188966" cy="3960000"/>
+          </a:xfrm>
+          <a:prstGeom prst="rect">
+            <a:avLst/>
+          </a:prstGeom>
+        </p:spPr>
+      </p:pic>
+    </p:spTree>
+    <p:extLst>
+      <p:ext uri="{BB962C8B-B14F-4D97-AF65-F5344CB8AC3E}">
+        <p14:creationId xmlns:p14="http://schemas.microsoft.com/office/powerpoint/2010/main" val="1190118351"/>
+      </p:ext>
+    </p:extLst>
+  </p:cSld>
+  <p:clrMapOvr>
+    <a:masterClrMapping/>
+  </p:clrMapOvr>
+</p:sld>
+</file>
+
+<file path=ppt/slides/slide11.xml><?xml version="1.0" encoding="utf-8"?>
+<p:sld xmlns:a="http://schemas.openxmlformats.org/drawingml/2006/main" xmlns:r="http://schemas.openxmlformats.org/officeDocument/2006/relationships" xmlns:p="http://schemas.openxmlformats.org/presentationml/2006/main">
+  <p:cSld>
+    <p:bg>
+      <p:bgPr>
+        <a:solidFill>
+          <a:srgbClr val="5C5C5C"/>
+        </a:solidFill>
+        <a:effectLst/>
+      </p:bgPr>
+    </p:bg>
+    <p:spTree>
+      <p:nvGrpSpPr>
+        <p:cNvPr id="1" name="">
+          <a:extLst>
+            <a:ext uri="{FF2B5EF4-FFF2-40B4-BE49-F238E27FC236}">
+              <a16:creationId xmlns:a16="http://schemas.microsoft.com/office/drawing/2014/main" id="{39E149A9-7180-D359-9879-95854E5C4A54}"/>
+            </a:ext>
+          </a:extLst>
+        </p:cNvPr>
+        <p:cNvGrpSpPr/>
+        <p:nvPr/>
+      </p:nvGrpSpPr>
+      <p:grpSpPr>
+        <a:xfrm>
+          <a:off x="0" y="0"/>
+          <a:ext cx="0" cy="0"/>
+          <a:chOff x="0" y="0"/>
+          <a:chExt cx="0" cy="0"/>
+        </a:xfrm>
+      </p:grpSpPr>
+      <p:pic>
+        <p:nvPicPr>
+          <p:cNvPr id="3" name="Picture 2">
+            <a:extLst>
+              <a:ext uri="{FF2B5EF4-FFF2-40B4-BE49-F238E27FC236}">
+                <a16:creationId xmlns:a16="http://schemas.microsoft.com/office/drawing/2014/main" id="{56484E80-68E0-6B00-9A2B-EE6BDE3C1FD2}"/>
+              </a:ext>
+            </a:extLst>
+          </p:cNvPr>
+          <p:cNvPicPr>
+            <a:picLocks noChangeAspect="1"/>
+          </p:cNvPicPr>
+          <p:nvPr/>
+        </p:nvPicPr>
+        <p:blipFill>
+          <a:blip r:embed="rId2"/>
+          <a:stretch>
+            <a:fillRect/>
+          </a:stretch>
+        </p:blipFill>
+        <p:spPr>
+          <a:xfrm>
+            <a:off x="3501517" y="1449000"/>
+            <a:ext cx="5188966" cy="3960000"/>
+          </a:xfrm>
+          <a:prstGeom prst="rect">
+            <a:avLst/>
+          </a:prstGeom>
+        </p:spPr>
+      </p:pic>
+    </p:spTree>
+    <p:extLst>
+      <p:ext uri="{BB962C8B-B14F-4D97-AF65-F5344CB8AC3E}">
+        <p14:creationId xmlns:p14="http://schemas.microsoft.com/office/powerpoint/2010/main" val="3723639791"/>
+      </p:ext>
+    </p:extLst>
+  </p:cSld>
+  <p:clrMapOvr>
+    <a:masterClrMapping/>
+  </p:clrMapOvr>
+</p:sld>
+</file>
+
+<file path=ppt/slides/slide12.xml><?xml version="1.0" encoding="utf-8"?>
+<p:sld xmlns:a="http://schemas.openxmlformats.org/drawingml/2006/main" xmlns:r="http://schemas.openxmlformats.org/officeDocument/2006/relationships" xmlns:p="http://schemas.openxmlformats.org/presentationml/2006/main">
+  <p:cSld>
+    <p:bg>
+      <p:bgPr>
+        <a:solidFill>
+          <a:srgbClr val="5C5C5C"/>
+        </a:solidFill>
+        <a:effectLst/>
+      </p:bgPr>
+    </p:bg>
+    <p:spTree>
+      <p:nvGrpSpPr>
+        <p:cNvPr id="1" name="">
+          <a:extLst>
+            <a:ext uri="{FF2B5EF4-FFF2-40B4-BE49-F238E27FC236}">
+              <a16:creationId xmlns:a16="http://schemas.microsoft.com/office/drawing/2014/main" id="{F3F2F404-A47E-A10E-83A1-6BDE7975BF7F}"/>
+            </a:ext>
+          </a:extLst>
+        </p:cNvPr>
+        <p:cNvGrpSpPr/>
+        <p:nvPr/>
+      </p:nvGrpSpPr>
+      <p:grpSpPr>
+        <a:xfrm>
+          <a:off x="0" y="0"/>
+          <a:ext cx="0" cy="0"/>
+          <a:chOff x="0" y="0"/>
+          <a:chExt cx="0" cy="0"/>
+        </a:xfrm>
+      </p:grpSpPr>
+      <p:pic>
+        <p:nvPicPr>
+          <p:cNvPr id="3" name="Picture 2">
+            <a:extLst>
+              <a:ext uri="{FF2B5EF4-FFF2-40B4-BE49-F238E27FC236}">
+                <a16:creationId xmlns:a16="http://schemas.microsoft.com/office/drawing/2014/main" id="{D4FA992D-5DF9-8C9A-88EB-4B32614E1F0F}"/>
+              </a:ext>
+            </a:extLst>
+          </p:cNvPr>
+          <p:cNvPicPr>
+            <a:picLocks noChangeAspect="1"/>
+          </p:cNvPicPr>
+          <p:nvPr/>
+        </p:nvPicPr>
+        <p:blipFill>
+          <a:blip r:embed="rId2"/>
+          <a:stretch>
+            <a:fillRect/>
+          </a:stretch>
+        </p:blipFill>
+        <p:spPr>
+          <a:xfrm>
+            <a:off x="3501517" y="1449000"/>
+            <a:ext cx="5188966" cy="3960000"/>
+          </a:xfrm>
+          <a:prstGeom prst="rect">
+            <a:avLst/>
+          </a:prstGeom>
+        </p:spPr>
+      </p:pic>
+    </p:spTree>
+    <p:extLst>
+      <p:ext uri="{BB962C8B-B14F-4D97-AF65-F5344CB8AC3E}">
+        <p14:creationId xmlns:p14="http://schemas.microsoft.com/office/powerpoint/2010/main" val="167649608"/>
+      </p:ext>
+    </p:extLst>
+  </p:cSld>
+  <p:clrMapOvr>
+    <a:masterClrMapping/>
+  </p:clrMapOvr>
+</p:sld>
+</file>
+
+<file path=ppt/slides/slide13.xml><?xml version="1.0" encoding="utf-8"?>
+<p:sld xmlns:a="http://schemas.openxmlformats.org/drawingml/2006/main" xmlns:r="http://schemas.openxmlformats.org/officeDocument/2006/relationships" xmlns:p="http://schemas.openxmlformats.org/presentationml/2006/main">
+  <p:cSld>
+    <p:bg>
+      <p:bgPr>
+        <a:solidFill>
+          <a:srgbClr val="5C5C5C"/>
+        </a:solidFill>
+        <a:effectLst/>
+      </p:bgPr>
+    </p:bg>
+    <p:spTree>
+      <p:nvGrpSpPr>
+        <p:cNvPr id="1" name=""/>
+        <p:cNvGrpSpPr/>
+        <p:nvPr/>
+      </p:nvGrpSpPr>
+      <p:grpSpPr>
+        <a:xfrm>
+          <a:off x="0" y="0"/>
+          <a:ext cx="0" cy="0"/>
+          <a:chOff x="0" y="0"/>
+          <a:chExt cx="0" cy="0"/>
+        </a:xfrm>
+      </p:grpSpPr>
+      <p:sp>
+        <p:nvSpPr>
+          <p:cNvPr id="5" name="TextBox 4">
+            <a:extLst>
+              <a:ext uri="{FF2B5EF4-FFF2-40B4-BE49-F238E27FC236}">
+                <a16:creationId xmlns:a16="http://schemas.microsoft.com/office/drawing/2014/main" id="{5C3101FE-916F-7AC8-03CF-F8680EC21ADF}"/>
+              </a:ext>
+            </a:extLst>
+          </p:cNvPr>
+          <p:cNvSpPr txBox="1"/>
+          <p:nvPr/>
+        </p:nvSpPr>
+        <p:spPr>
+          <a:xfrm>
+            <a:off x="373856" y="2510165"/>
+            <a:ext cx="11444287" cy="1569660"/>
+          </a:xfrm>
+          <a:prstGeom prst="rect">
+            <a:avLst/>
+          </a:prstGeom>
+          <a:noFill/>
+        </p:spPr>
+        <p:txBody>
+          <a:bodyPr wrap="square" rtlCol="0">
+            <a:spAutoFit/>
+          </a:bodyPr>
+          <a:lstStyle/>
+          <a:p>
+            <a:pPr algn="ctr"/>
+            <a:r>
+              <a:rPr lang="en-CH" sz="9600" dirty="0">
+                <a:solidFill>
+                  <a:schemeClr val="bg1"/>
+                </a:solidFill>
+                <a:latin typeface="Avenir Light" panose="020B0402020203020204" pitchFamily="34" charset="77"/>
+                <a:cs typeface="Arial" panose="020B0604020202020204" pitchFamily="34" charset="0"/>
+              </a:rPr>
+              <a:t>+</a:t>
+            </a:r>
+          </a:p>
+        </p:txBody>
+      </p:sp>
+    </p:spTree>
+    <p:extLst>
+      <p:ext uri="{BB962C8B-B14F-4D97-AF65-F5344CB8AC3E}">
+        <p14:creationId xmlns:p14="http://schemas.microsoft.com/office/powerpoint/2010/main" val="3372457678"/>
+      </p:ext>
+    </p:extLst>
+  </p:cSld>
+  <p:clrMapOvr>
+    <a:masterClrMapping/>
+  </p:clrMapOvr>
+</p:sld>
+</file>
+
+<file path=ppt/slides/slide14.xml><?xml version="1.0" encoding="utf-8"?>
+<p:sld xmlns:a="http://schemas.openxmlformats.org/drawingml/2006/main" xmlns:r="http://schemas.openxmlformats.org/officeDocument/2006/relationships" xmlns:p="http://schemas.openxmlformats.org/presentationml/2006/main">
+  <p:cSld>
+    <p:bg>
+      <p:bgPr>
+        <a:solidFill>
+          <a:srgbClr val="646464"/>
+        </a:solidFill>
+        <a:effectLst/>
+      </p:bgPr>
+    </p:bg>
+    <p:spTree>
+      <p:nvGrpSpPr>
+        <p:cNvPr id="1" name=""/>
+        <p:cNvGrpSpPr/>
+        <p:nvPr/>
+      </p:nvGrpSpPr>
+      <p:grpSpPr>
+        <a:xfrm>
+          <a:off x="0" y="0"/>
+          <a:ext cx="0" cy="0"/>
+          <a:chOff x="0" y="0"/>
+          <a:chExt cx="0" cy="0"/>
+        </a:xfrm>
+      </p:grpSpPr>
+      <p:pic>
+        <p:nvPicPr>
+          <p:cNvPr id="4" name="Picture 3">
+            <a:extLst>
+              <a:ext uri="{FF2B5EF4-FFF2-40B4-BE49-F238E27FC236}">
+                <a16:creationId xmlns:a16="http://schemas.microsoft.com/office/drawing/2014/main" id="{98A99499-E62E-36AE-E9CC-5AD602FD0030}"/>
+              </a:ext>
+            </a:extLst>
+          </p:cNvPr>
+          <p:cNvPicPr>
+            <a:picLocks noChangeAspect="1"/>
+          </p:cNvPicPr>
+          <p:nvPr/>
+        </p:nvPicPr>
+        <p:blipFill>
+          <a:blip r:embed="rId2"/>
+          <a:stretch>
+            <a:fillRect/>
+          </a:stretch>
+        </p:blipFill>
+        <p:spPr>
+          <a:xfrm>
+            <a:off x="4121400" y="1454400"/>
+            <a:ext cx="3949200" cy="3949200"/>
+          </a:xfrm>
+          <a:prstGeom prst="rect">
+            <a:avLst/>
+          </a:prstGeom>
+        </p:spPr>
+      </p:pic>
+    </p:spTree>
+    <p:extLst>
+      <p:ext uri="{BB962C8B-B14F-4D97-AF65-F5344CB8AC3E}">
+        <p14:creationId xmlns:p14="http://schemas.microsoft.com/office/powerpoint/2010/main" val="3024732115"/>
+      </p:ext>
+    </p:extLst>
+  </p:cSld>
+  <p:clrMapOvr>
+    <a:masterClrMapping/>
+  </p:clrMapOvr>
+</p:sld>
+</file>
+
+<file path=ppt/slides/slide15.xml><?xml version="1.0" encoding="utf-8"?>
+<p:sld xmlns:a="http://schemas.openxmlformats.org/drawingml/2006/main" xmlns:r="http://schemas.openxmlformats.org/officeDocument/2006/relationships" xmlns:p="http://schemas.openxmlformats.org/presentationml/2006/main">
+  <p:cSld>
+    <p:bg>
+      <p:bgPr>
+        <a:solidFill>
+          <a:srgbClr val="646464"/>
+        </a:solidFill>
+        <a:effectLst/>
+      </p:bgPr>
+    </p:bg>
+    <p:spTree>
+      <p:nvGrpSpPr>
+        <p:cNvPr id="1" name="">
+          <a:extLst>
+            <a:ext uri="{FF2B5EF4-FFF2-40B4-BE49-F238E27FC236}">
+              <a16:creationId xmlns:a16="http://schemas.microsoft.com/office/drawing/2014/main" id="{757EBA9A-231D-6E98-F53D-42C881A06F99}"/>
+            </a:ext>
+          </a:extLst>
+        </p:cNvPr>
+        <p:cNvGrpSpPr/>
+        <p:nvPr/>
+      </p:nvGrpSpPr>
+      <p:grpSpPr>
+        <a:xfrm>
+          <a:off x="0" y="0"/>
+          <a:ext cx="0" cy="0"/>
+          <a:chOff x="0" y="0"/>
+          <a:chExt cx="0" cy="0"/>
+        </a:xfrm>
+      </p:grpSpPr>
+      <p:pic>
+        <p:nvPicPr>
+          <p:cNvPr id="3" name="Picture 2">
+            <a:extLst>
+              <a:ext uri="{FF2B5EF4-FFF2-40B4-BE49-F238E27FC236}">
+                <a16:creationId xmlns:a16="http://schemas.microsoft.com/office/drawing/2014/main" id="{A66ACF03-06CF-DEEF-B6C6-3EB4F093909D}"/>
+              </a:ext>
+            </a:extLst>
+          </p:cNvPr>
+          <p:cNvPicPr>
+            <a:picLocks noChangeAspect="1"/>
+          </p:cNvPicPr>
+          <p:nvPr/>
+        </p:nvPicPr>
+        <p:blipFill>
+          <a:blip r:embed="rId2"/>
+          <a:stretch>
+            <a:fillRect/>
+          </a:stretch>
+        </p:blipFill>
+        <p:spPr>
+          <a:xfrm>
+            <a:off x="4121400" y="1454400"/>
+            <a:ext cx="3949200" cy="3949200"/>
+          </a:xfrm>
+          <a:prstGeom prst="rect">
+            <a:avLst/>
+          </a:prstGeom>
+        </p:spPr>
+      </p:pic>
+    </p:spTree>
+    <p:extLst>
+      <p:ext uri="{BB962C8B-B14F-4D97-AF65-F5344CB8AC3E}">
+        <p14:creationId xmlns:p14="http://schemas.microsoft.com/office/powerpoint/2010/main" val="2494584724"/>
+      </p:ext>
+    </p:extLst>
+  </p:cSld>
+  <p:clrMapOvr>
+    <a:masterClrMapping/>
+  </p:clrMapOvr>
+</p:sld>
+</file>
+
+<file path=ppt/slides/slide16.xml><?xml version="1.0" encoding="utf-8"?>
+<p:sld xmlns:a="http://schemas.openxmlformats.org/drawingml/2006/main" xmlns:r="http://schemas.openxmlformats.org/officeDocument/2006/relationships" xmlns:p="http://schemas.openxmlformats.org/presentationml/2006/main">
+  <p:cSld>
+    <p:bg>
+      <p:bgPr>
+        <a:solidFill>
+          <a:srgbClr val="646464"/>
+        </a:solidFill>
+        <a:effectLst/>
+      </p:bgPr>
+    </p:bg>
+    <p:spTree>
+      <p:nvGrpSpPr>
+        <p:cNvPr id="1" name="">
+          <a:extLst>
+            <a:ext uri="{FF2B5EF4-FFF2-40B4-BE49-F238E27FC236}">
+              <a16:creationId xmlns:a16="http://schemas.microsoft.com/office/drawing/2014/main" id="{AFCECEE9-9371-4319-429F-28F48D23EDB2}"/>
+            </a:ext>
+          </a:extLst>
+        </p:cNvPr>
+        <p:cNvGrpSpPr/>
+        <p:nvPr/>
+      </p:nvGrpSpPr>
+      <p:grpSpPr>
+        <a:xfrm>
+          <a:off x="0" y="0"/>
+          <a:ext cx="0" cy="0"/>
+          <a:chOff x="0" y="0"/>
+          <a:chExt cx="0" cy="0"/>
+        </a:xfrm>
+      </p:grpSpPr>
+      <p:pic>
+        <p:nvPicPr>
+          <p:cNvPr id="3" name="Picture 2">
+            <a:extLst>
+              <a:ext uri="{FF2B5EF4-FFF2-40B4-BE49-F238E27FC236}">
+                <a16:creationId xmlns:a16="http://schemas.microsoft.com/office/drawing/2014/main" id="{E00D12FB-B502-2141-84DB-699677F44440}"/>
+              </a:ext>
+            </a:extLst>
+          </p:cNvPr>
+          <p:cNvPicPr>
+            <a:picLocks noChangeAspect="1"/>
+          </p:cNvPicPr>
+          <p:nvPr/>
+        </p:nvPicPr>
+        <p:blipFill>
+          <a:blip r:embed="rId2"/>
+          <a:stretch>
+            <a:fillRect/>
+          </a:stretch>
+        </p:blipFill>
+        <p:spPr>
+          <a:xfrm>
+            <a:off x="4121400" y="1454400"/>
+            <a:ext cx="3949200" cy="3949200"/>
+          </a:xfrm>
+          <a:prstGeom prst="rect">
+            <a:avLst/>
+          </a:prstGeom>
+        </p:spPr>
+      </p:pic>
+    </p:spTree>
+    <p:extLst>
+      <p:ext uri="{BB962C8B-B14F-4D97-AF65-F5344CB8AC3E}">
+        <p14:creationId xmlns:p14="http://schemas.microsoft.com/office/powerpoint/2010/main" val="3633927710"/>
+      </p:ext>
+    </p:extLst>
+  </p:cSld>
+  <p:clrMapOvr>
+    <a:masterClrMapping/>
+  </p:clrMapOvr>
+</p:sld>
+</file>
+
+<file path=ppt/slides/slide17.xml><?xml version="1.0" encoding="utf-8"?>
+<p:sld xmlns:a="http://schemas.openxmlformats.org/drawingml/2006/main" xmlns:r="http://schemas.openxmlformats.org/officeDocument/2006/relationships" xmlns:p="http://schemas.openxmlformats.org/presentationml/2006/main">
+  <p:cSld>
+    <p:bg>
+      <p:bgPr>
+        <a:solidFill>
+          <a:srgbClr val="646464"/>
+        </a:solidFill>
+        <a:effectLst/>
+      </p:bgPr>
+    </p:bg>
+    <p:spTree>
+      <p:nvGrpSpPr>
+        <p:cNvPr id="1" name="">
+          <a:extLst>
+            <a:ext uri="{FF2B5EF4-FFF2-40B4-BE49-F238E27FC236}">
+              <a16:creationId xmlns:a16="http://schemas.microsoft.com/office/drawing/2014/main" id="{ED77651F-EE57-6D85-6805-98313E03CD52}"/>
+            </a:ext>
+          </a:extLst>
+        </p:cNvPr>
+        <p:cNvGrpSpPr/>
+        <p:nvPr/>
+      </p:nvGrpSpPr>
+      <p:grpSpPr>
+        <a:xfrm>
+          <a:off x="0" y="0"/>
+          <a:ext cx="0" cy="0"/>
+          <a:chOff x="0" y="0"/>
+          <a:chExt cx="0" cy="0"/>
+        </a:xfrm>
+      </p:grpSpPr>
+      <p:pic>
+        <p:nvPicPr>
+          <p:cNvPr id="3" name="Picture 2">
+            <a:extLst>
+              <a:ext uri="{FF2B5EF4-FFF2-40B4-BE49-F238E27FC236}">
+                <a16:creationId xmlns:a16="http://schemas.microsoft.com/office/drawing/2014/main" id="{709742A0-4437-4626-486F-DED455F4D8EC}"/>
+              </a:ext>
+            </a:extLst>
+          </p:cNvPr>
+          <p:cNvPicPr>
+            <a:picLocks noChangeAspect="1"/>
+          </p:cNvPicPr>
+          <p:nvPr/>
+        </p:nvPicPr>
+        <p:blipFill>
+          <a:blip r:embed="rId2"/>
+          <a:stretch>
+            <a:fillRect/>
+          </a:stretch>
+        </p:blipFill>
+        <p:spPr>
+          <a:xfrm>
+            <a:off x="4121400" y="1454400"/>
+            <a:ext cx="3949200" cy="3949200"/>
+          </a:xfrm>
+          <a:prstGeom prst="rect">
+            <a:avLst/>
+          </a:prstGeom>
+        </p:spPr>
+      </p:pic>
+    </p:spTree>
+    <p:extLst>
+      <p:ext uri="{BB962C8B-B14F-4D97-AF65-F5344CB8AC3E}">
+        <p14:creationId xmlns:p14="http://schemas.microsoft.com/office/powerpoint/2010/main" val="2984104329"/>
+      </p:ext>
+    </p:extLst>
+  </p:cSld>
+  <p:clrMapOvr>
+    <a:masterClrMapping/>
+  </p:clrMapOvr>
+</p:sld>
+</file>
+
+<file path=ppt/slides/slide18.xml><?xml version="1.0" encoding="utf-8"?>
+<p:sld xmlns:a="http://schemas.openxmlformats.org/drawingml/2006/main" xmlns:r="http://schemas.openxmlformats.org/officeDocument/2006/relationships" xmlns:p="http://schemas.openxmlformats.org/presentationml/2006/main">
+  <p:cSld>
+    <p:bg>
+      <p:bgPr>
+        <a:solidFill>
+          <a:srgbClr val="646464"/>
+        </a:solidFill>
+        <a:effectLst/>
+      </p:bgPr>
+    </p:bg>
+    <p:spTree>
+      <p:nvGrpSpPr>
+        <p:cNvPr id="1" name="">
+          <a:extLst>
+            <a:ext uri="{FF2B5EF4-FFF2-40B4-BE49-F238E27FC236}">
+              <a16:creationId xmlns:a16="http://schemas.microsoft.com/office/drawing/2014/main" id="{1F8AAB88-DD21-6A50-E0D3-955F767C2037}"/>
+            </a:ext>
+          </a:extLst>
+        </p:cNvPr>
+        <p:cNvGrpSpPr/>
+        <p:nvPr/>
+      </p:nvGrpSpPr>
+      <p:grpSpPr>
+        <a:xfrm>
+          <a:off x="0" y="0"/>
+          <a:ext cx="0" cy="0"/>
+          <a:chOff x="0" y="0"/>
+          <a:chExt cx="0" cy="0"/>
+        </a:xfrm>
+      </p:grpSpPr>
+      <p:pic>
+        <p:nvPicPr>
+          <p:cNvPr id="3" name="Picture 2">
+            <a:extLst>
+              <a:ext uri="{FF2B5EF4-FFF2-40B4-BE49-F238E27FC236}">
+                <a16:creationId xmlns:a16="http://schemas.microsoft.com/office/drawing/2014/main" id="{207EA149-F988-ACAE-AD3F-A45C3309A941}"/>
+              </a:ext>
+            </a:extLst>
+          </p:cNvPr>
+          <p:cNvPicPr>
+            <a:picLocks noChangeAspect="1"/>
+          </p:cNvPicPr>
+          <p:nvPr/>
+        </p:nvPicPr>
+        <p:blipFill>
+          <a:blip r:embed="rId2"/>
+          <a:stretch>
+            <a:fillRect/>
+          </a:stretch>
+        </p:blipFill>
+        <p:spPr>
+          <a:xfrm>
+            <a:off x="4121400" y="1454400"/>
+            <a:ext cx="3949200" cy="3949200"/>
+          </a:xfrm>
+          <a:prstGeom prst="rect">
+            <a:avLst/>
+          </a:prstGeom>
+        </p:spPr>
+      </p:pic>
+    </p:spTree>
+    <p:extLst>
+      <p:ext uri="{BB962C8B-B14F-4D97-AF65-F5344CB8AC3E}">
+        <p14:creationId xmlns:p14="http://schemas.microsoft.com/office/powerpoint/2010/main" val="1223329335"/>
+      </p:ext>
+    </p:extLst>
+  </p:cSld>
+  <p:clrMapOvr>
+    <a:masterClrMapping/>
+  </p:clrMapOvr>
+</p:sld>
+</file>
+
+<file path=ppt/slides/slide19.xml><?xml version="1.0" encoding="utf-8"?>
+<p:sld xmlns:a="http://schemas.openxmlformats.org/drawingml/2006/main" xmlns:r="http://schemas.openxmlformats.org/officeDocument/2006/relationships" xmlns:p="http://schemas.openxmlformats.org/presentationml/2006/main">
+  <p:cSld>
+    <p:bg>
+      <p:bgPr>
+        <a:solidFill>
           <a:srgbClr val="646464"/>
         </a:solidFill>
         <a:effectLst/>
@@ -3553,7 +4202,74 @@
 </p:sld>
 </file>
 
-<file path=ppt/slides/slide11.xml><?xml version="1.0" encoding="utf-8"?>
+<file path=ppt/slides/slide2.xml><?xml version="1.0" encoding="utf-8"?>
+<p:sld xmlns:a="http://schemas.openxmlformats.org/drawingml/2006/main" xmlns:r="http://schemas.openxmlformats.org/officeDocument/2006/relationships" xmlns:p="http://schemas.openxmlformats.org/presentationml/2006/main">
+  <p:cSld>
+    <p:spTree>
+      <p:nvGrpSpPr>
+        <p:cNvPr id="1" name=""/>
+        <p:cNvGrpSpPr/>
+        <p:nvPr/>
+      </p:nvGrpSpPr>
+      <p:grpSpPr>
+        <a:xfrm>
+          <a:off x="0" y="0"/>
+          <a:ext cx="0" cy="0"/>
+          <a:chOff x="0" y="0"/>
+          <a:chExt cx="0" cy="0"/>
+        </a:xfrm>
+      </p:grpSpPr>
+      <p:sp>
+        <p:nvSpPr>
+          <p:cNvPr id="2" name="Title 1">
+            <a:extLst>
+              <a:ext uri="{FF2B5EF4-FFF2-40B4-BE49-F238E27FC236}">
+                <a16:creationId xmlns:a16="http://schemas.microsoft.com/office/drawing/2014/main" id="{0A1FA53E-25A0-0960-0FCC-4CC105416AC1}"/>
+              </a:ext>
+            </a:extLst>
+          </p:cNvPr>
+          <p:cNvSpPr>
+            <a:spLocks noGrp="1"/>
+          </p:cNvSpPr>
+          <p:nvPr>
+            <p:ph type="title"/>
+          </p:nvPr>
+        </p:nvSpPr>
+        <p:spPr>
+          <a:xfrm>
+            <a:off x="410688" y="365125"/>
+            <a:ext cx="10943112" cy="584901"/>
+          </a:xfrm>
+        </p:spPr>
+        <p:txBody>
+          <a:bodyPr>
+            <a:normAutofit/>
+          </a:bodyPr>
+          <a:lstStyle/>
+          <a:p>
+            <a:r>
+              <a:rPr lang="en-CH" sz="2800" b="1" dirty="0">
+                <a:latin typeface="Avenir Book" panose="02000503020000020003" pitchFamily="2" charset="0"/>
+              </a:rPr>
+              <a:t>Practice Task Slides (12 trials)</a:t>
+            </a:r>
+          </a:p>
+        </p:txBody>
+      </p:sp>
+    </p:spTree>
+    <p:extLst>
+      <p:ext uri="{BB962C8B-B14F-4D97-AF65-F5344CB8AC3E}">
+        <p14:creationId xmlns:p14="http://schemas.microsoft.com/office/powerpoint/2010/main" val="2739542140"/>
+      </p:ext>
+    </p:extLst>
+  </p:cSld>
+  <p:clrMapOvr>
+    <a:masterClrMapping/>
+  </p:clrMapOvr>
+</p:sld>
+</file>
+
+<file path=ppt/slides/slide20.xml><?xml version="1.0" encoding="utf-8"?>
 <p:sld xmlns:a="http://schemas.openxmlformats.org/drawingml/2006/main" xmlns:r="http://schemas.openxmlformats.org/officeDocument/2006/relationships" xmlns:p="http://schemas.openxmlformats.org/presentationml/2006/main">
   <p:cSld>
     <p:bg>
@@ -3627,7 +4343,7 @@
 </p:sld>
 </file>
 
-<file path=ppt/slides/slide12.xml><?xml version="1.0" encoding="utf-8"?>
+<file path=ppt/slides/slide21.xml><?xml version="1.0" encoding="utf-8"?>
 <p:sld xmlns:a="http://schemas.openxmlformats.org/drawingml/2006/main" xmlns:r="http://schemas.openxmlformats.org/officeDocument/2006/relationships" xmlns:p="http://schemas.openxmlformats.org/presentationml/2006/main">
   <p:cSld>
     <p:bg>
@@ -3701,7 +4417,7 @@
 </p:sld>
 </file>
 
-<file path=ppt/slides/slide13.xml><?xml version="1.0" encoding="utf-8"?>
+<file path=ppt/slides/slide22.xml><?xml version="1.0" encoding="utf-8"?>
 <p:sld xmlns:a="http://schemas.openxmlformats.org/drawingml/2006/main" xmlns:r="http://schemas.openxmlformats.org/officeDocument/2006/relationships" xmlns:p="http://schemas.openxmlformats.org/presentationml/2006/main">
   <p:cSld>
     <p:bg>
@@ -3775,7 +4491,7 @@
 </p:sld>
 </file>
 
-<file path=ppt/slides/slide14.xml><?xml version="1.0" encoding="utf-8"?>
+<file path=ppt/slides/slide23.xml><?xml version="1.0" encoding="utf-8"?>
 <p:sld xmlns:a="http://schemas.openxmlformats.org/drawingml/2006/main" xmlns:r="http://schemas.openxmlformats.org/officeDocument/2006/relationships" xmlns:p="http://schemas.openxmlformats.org/presentationml/2006/main">
   <p:cSld>
     <p:bg>
@@ -3849,7 +4565,7 @@
 </p:sld>
 </file>
 
-<file path=ppt/slides/slide15.xml><?xml version="1.0" encoding="utf-8"?>
+<file path=ppt/slides/slide24.xml><?xml version="1.0" encoding="utf-8"?>
 <p:sld xmlns:a="http://schemas.openxmlformats.org/drawingml/2006/main" xmlns:r="http://schemas.openxmlformats.org/officeDocument/2006/relationships" xmlns:p="http://schemas.openxmlformats.org/presentationml/2006/main">
   <p:cSld>
     <p:bg>
@@ -3923,7 +4639,7 @@
 </p:sld>
 </file>
 
-<file path=ppt/slides/slide16.xml><?xml version="1.0" encoding="utf-8"?>
+<file path=ppt/slides/slide25.xml><?xml version="1.0" encoding="utf-8"?>
 <p:sld xmlns:a="http://schemas.openxmlformats.org/drawingml/2006/main" xmlns:r="http://schemas.openxmlformats.org/officeDocument/2006/relationships" xmlns:p="http://schemas.openxmlformats.org/presentationml/2006/main">
   <p:cSld>
     <p:bg>
@@ -3997,7 +4713,7 @@
 </p:sld>
 </file>
 
-<file path=ppt/slides/slide17.xml><?xml version="1.0" encoding="utf-8"?>
+<file path=ppt/slides/slide26.xml><?xml version="1.0" encoding="utf-8"?>
 <p:sld xmlns:a="http://schemas.openxmlformats.org/drawingml/2006/main" xmlns:r="http://schemas.openxmlformats.org/officeDocument/2006/relationships" xmlns:p="http://schemas.openxmlformats.org/presentationml/2006/main">
   <p:cSld>
     <p:bg>
@@ -4071,7 +4787,7 @@
 </p:sld>
 </file>
 
-<file path=ppt/slides/slide18.xml><?xml version="1.0" encoding="utf-8"?>
+<file path=ppt/slides/slide27.xml><?xml version="1.0" encoding="utf-8"?>
 <p:sld xmlns:a="http://schemas.openxmlformats.org/drawingml/2006/main" xmlns:r="http://schemas.openxmlformats.org/officeDocument/2006/relationships" xmlns:p="http://schemas.openxmlformats.org/presentationml/2006/main">
   <p:cSld>
     <p:bg>
@@ -4145,7 +4861,7 @@
 </p:sld>
 </file>
 
-<file path=ppt/slides/slide19.xml><?xml version="1.0" encoding="utf-8"?>
+<file path=ppt/slides/slide28.xml><?xml version="1.0" encoding="utf-8"?>
 <p:sld xmlns:a="http://schemas.openxmlformats.org/drawingml/2006/main" xmlns:r="http://schemas.openxmlformats.org/officeDocument/2006/relationships" xmlns:p="http://schemas.openxmlformats.org/presentationml/2006/main">
   <p:cSld>
     <p:bg>
@@ -4219,74 +4935,7 @@
 </p:sld>
 </file>
 
-<file path=ppt/slides/slide2.xml><?xml version="1.0" encoding="utf-8"?>
-<p:sld xmlns:a="http://schemas.openxmlformats.org/drawingml/2006/main" xmlns:r="http://schemas.openxmlformats.org/officeDocument/2006/relationships" xmlns:p="http://schemas.openxmlformats.org/presentationml/2006/main">
-  <p:cSld>
-    <p:spTree>
-      <p:nvGrpSpPr>
-        <p:cNvPr id="1" name=""/>
-        <p:cNvGrpSpPr/>
-        <p:nvPr/>
-      </p:nvGrpSpPr>
-      <p:grpSpPr>
-        <a:xfrm>
-          <a:off x="0" y="0"/>
-          <a:ext cx="0" cy="0"/>
-          <a:chOff x="0" y="0"/>
-          <a:chExt cx="0" cy="0"/>
-        </a:xfrm>
-      </p:grpSpPr>
-      <p:sp>
-        <p:nvSpPr>
-          <p:cNvPr id="2" name="Title 1">
-            <a:extLst>
-              <a:ext uri="{FF2B5EF4-FFF2-40B4-BE49-F238E27FC236}">
-                <a16:creationId xmlns:a16="http://schemas.microsoft.com/office/drawing/2014/main" id="{0A1FA53E-25A0-0960-0FCC-4CC105416AC1}"/>
-              </a:ext>
-            </a:extLst>
-          </p:cNvPr>
-          <p:cNvSpPr>
-            <a:spLocks noGrp="1"/>
-          </p:cNvSpPr>
-          <p:nvPr>
-            <p:ph type="title"/>
-          </p:nvPr>
-        </p:nvSpPr>
-        <p:spPr>
-          <a:xfrm>
-            <a:off x="410688" y="365125"/>
-            <a:ext cx="10943112" cy="584901"/>
-          </a:xfrm>
-        </p:spPr>
-        <p:txBody>
-          <a:bodyPr>
-            <a:normAutofit/>
-          </a:bodyPr>
-          <a:lstStyle/>
-          <a:p>
-            <a:r>
-              <a:rPr lang="en-CH" sz="2800" b="1" dirty="0">
-                <a:latin typeface="Avenir Book" panose="02000503020000020003" pitchFamily="2" charset="0"/>
-              </a:rPr>
-              <a:t>Practice Task Slides (12 trials)</a:t>
-            </a:r>
-          </a:p>
-        </p:txBody>
-      </p:sp>
-    </p:spTree>
-    <p:extLst>
-      <p:ext uri="{BB962C8B-B14F-4D97-AF65-F5344CB8AC3E}">
-        <p14:creationId xmlns:p14="http://schemas.microsoft.com/office/powerpoint/2010/main" val="2739542140"/>
-      </p:ext>
-    </p:extLst>
-  </p:cSld>
-  <p:clrMapOvr>
-    <a:masterClrMapping/>
-  </p:clrMapOvr>
-</p:sld>
-</file>
-
-<file path=ppt/slides/slide20.xml><?xml version="1.0" encoding="utf-8"?>
+<file path=ppt/slides/slide29.xml><?xml version="1.0" encoding="utf-8"?>
 <p:sld xmlns:a="http://schemas.openxmlformats.org/drawingml/2006/main" xmlns:r="http://schemas.openxmlformats.org/officeDocument/2006/relationships" xmlns:p="http://schemas.openxmlformats.org/presentationml/2006/main">
   <p:cSld>
     <p:bg>
@@ -4360,1190 +5009,6 @@
 </p:sld>
 </file>
 
-<file path=ppt/slides/slide21.xml><?xml version="1.0" encoding="utf-8"?>
-<p:sld xmlns:a="http://schemas.openxmlformats.org/drawingml/2006/main" xmlns:r="http://schemas.openxmlformats.org/officeDocument/2006/relationships" xmlns:p="http://schemas.openxmlformats.org/presentationml/2006/main">
-  <p:cSld>
-    <p:spTree>
-      <p:nvGrpSpPr>
-        <p:cNvPr id="1" name=""/>
-        <p:cNvGrpSpPr/>
-        <p:nvPr/>
-      </p:nvGrpSpPr>
-      <p:grpSpPr>
-        <a:xfrm>
-          <a:off x="0" y="0"/>
-          <a:ext cx="0" cy="0"/>
-          <a:chOff x="0" y="0"/>
-          <a:chExt cx="0" cy="0"/>
-        </a:xfrm>
-      </p:grpSpPr>
-      <p:sp>
-        <p:nvSpPr>
-          <p:cNvPr id="2" name="Title 1">
-            <a:extLst>
-              <a:ext uri="{FF2B5EF4-FFF2-40B4-BE49-F238E27FC236}">
-                <a16:creationId xmlns:a16="http://schemas.microsoft.com/office/drawing/2014/main" id="{BB4E2B32-FDB6-DA51-1D0A-39A67A5A66BE}"/>
-              </a:ext>
-            </a:extLst>
-          </p:cNvPr>
-          <p:cNvSpPr>
-            <a:spLocks noGrp="1"/>
-          </p:cNvSpPr>
-          <p:nvPr>
-            <p:ph type="title"/>
-          </p:nvPr>
-        </p:nvSpPr>
-        <p:spPr/>
-        <p:txBody>
-          <a:bodyPr/>
-          <a:lstStyle/>
-          <a:p>
-            <a:endParaRPr lang="en-CH"/>
-          </a:p>
-        </p:txBody>
-      </p:sp>
-    </p:spTree>
-    <p:extLst>
-      <p:ext uri="{BB962C8B-B14F-4D97-AF65-F5344CB8AC3E}">
-        <p14:creationId xmlns:p14="http://schemas.microsoft.com/office/powerpoint/2010/main" val="623573749"/>
-      </p:ext>
-    </p:extLst>
-  </p:cSld>
-  <p:clrMapOvr>
-    <a:masterClrMapping/>
-  </p:clrMapOvr>
-</p:sld>
-</file>
-
-<file path=ppt/slides/slide22.xml><?xml version="1.0" encoding="utf-8"?>
-<p:sld xmlns:a="http://schemas.openxmlformats.org/drawingml/2006/main" xmlns:r="http://schemas.openxmlformats.org/officeDocument/2006/relationships" xmlns:p="http://schemas.openxmlformats.org/presentationml/2006/main">
-  <p:cSld>
-    <p:bg>
-      <p:bgPr>
-        <a:solidFill>
-          <a:srgbClr val="5C5C5C"/>
-        </a:solidFill>
-        <a:effectLst/>
-      </p:bgPr>
-    </p:bg>
-    <p:spTree>
-      <p:nvGrpSpPr>
-        <p:cNvPr id="1" name=""/>
-        <p:cNvGrpSpPr/>
-        <p:nvPr/>
-      </p:nvGrpSpPr>
-      <p:grpSpPr>
-        <a:xfrm>
-          <a:off x="0" y="0"/>
-          <a:ext cx="0" cy="0"/>
-          <a:chOff x="0" y="0"/>
-          <a:chExt cx="0" cy="0"/>
-        </a:xfrm>
-      </p:grpSpPr>
-      <p:sp>
-        <p:nvSpPr>
-          <p:cNvPr id="5" name="TextBox 4">
-            <a:extLst>
-              <a:ext uri="{FF2B5EF4-FFF2-40B4-BE49-F238E27FC236}">
-                <a16:creationId xmlns:a16="http://schemas.microsoft.com/office/drawing/2014/main" id="{5C3101FE-916F-7AC8-03CF-F8680EC21ADF}"/>
-              </a:ext>
-            </a:extLst>
-          </p:cNvPr>
-          <p:cNvSpPr txBox="1"/>
-          <p:nvPr/>
-        </p:nvSpPr>
-        <p:spPr>
-          <a:xfrm>
-            <a:off x="373856" y="2510165"/>
-            <a:ext cx="11444287" cy="1569660"/>
-          </a:xfrm>
-          <a:prstGeom prst="rect">
-            <a:avLst/>
-          </a:prstGeom>
-          <a:noFill/>
-        </p:spPr>
-        <p:txBody>
-          <a:bodyPr wrap="square" rtlCol="0">
-            <a:spAutoFit/>
-          </a:bodyPr>
-          <a:lstStyle/>
-          <a:p>
-            <a:pPr algn="ctr"/>
-            <a:r>
-              <a:rPr lang="en-CH" sz="9600" dirty="0">
-                <a:solidFill>
-                  <a:schemeClr val="bg1"/>
-                </a:solidFill>
-                <a:latin typeface="Arial" panose="020B0604020202020204" pitchFamily="34" charset="0"/>
-                <a:cs typeface="Arial" panose="020B0604020202020204" pitchFamily="34" charset="0"/>
-              </a:rPr>
-              <a:t>+</a:t>
-            </a:r>
-          </a:p>
-        </p:txBody>
-      </p:sp>
-    </p:spTree>
-    <p:extLst>
-      <p:ext uri="{BB962C8B-B14F-4D97-AF65-F5344CB8AC3E}">
-        <p14:creationId xmlns:p14="http://schemas.microsoft.com/office/powerpoint/2010/main" val="1400167985"/>
-      </p:ext>
-    </p:extLst>
-  </p:cSld>
-  <p:clrMapOvr>
-    <a:masterClrMapping/>
-  </p:clrMapOvr>
-</p:sld>
-</file>
-
-<file path=ppt/slides/slide23.xml><?xml version="1.0" encoding="utf-8"?>
-<p:sld xmlns:a="http://schemas.openxmlformats.org/drawingml/2006/main" xmlns:r="http://schemas.openxmlformats.org/officeDocument/2006/relationships" xmlns:p="http://schemas.openxmlformats.org/presentationml/2006/main">
-  <p:cSld>
-    <p:spTree>
-      <p:nvGrpSpPr>
-        <p:cNvPr id="1" name=""/>
-        <p:cNvGrpSpPr/>
-        <p:nvPr/>
-      </p:nvGrpSpPr>
-      <p:grpSpPr>
-        <a:xfrm>
-          <a:off x="0" y="0"/>
-          <a:ext cx="0" cy="0"/>
-          <a:chOff x="0" y="0"/>
-          <a:chExt cx="0" cy="0"/>
-        </a:xfrm>
-      </p:grpSpPr>
-      <p:sp>
-        <p:nvSpPr>
-          <p:cNvPr id="2" name="Title 1">
-            <a:extLst>
-              <a:ext uri="{FF2B5EF4-FFF2-40B4-BE49-F238E27FC236}">
-                <a16:creationId xmlns:a16="http://schemas.microsoft.com/office/drawing/2014/main" id="{0A1FA53E-25A0-0960-0FCC-4CC105416AC1}"/>
-              </a:ext>
-            </a:extLst>
-          </p:cNvPr>
-          <p:cNvSpPr>
-            <a:spLocks noGrp="1"/>
-          </p:cNvSpPr>
-          <p:nvPr>
-            <p:ph type="title"/>
-          </p:nvPr>
-        </p:nvSpPr>
-        <p:spPr>
-          <a:xfrm>
-            <a:off x="410688" y="365125"/>
-            <a:ext cx="10943112" cy="584901"/>
-          </a:xfrm>
-        </p:spPr>
-        <p:txBody>
-          <a:bodyPr>
-            <a:normAutofit/>
-          </a:bodyPr>
-          <a:lstStyle/>
-          <a:p>
-            <a:r>
-              <a:rPr lang="en-CH" sz="2800" b="1" dirty="0">
-                <a:latin typeface="Avenir Book" panose="02000503020000020003" pitchFamily="2" charset="0"/>
-              </a:rPr>
-              <a:t>Practice Task Slides in scanner (4 trials)</a:t>
-            </a:r>
-          </a:p>
-        </p:txBody>
-      </p:sp>
-    </p:spTree>
-    <p:extLst>
-      <p:ext uri="{BB962C8B-B14F-4D97-AF65-F5344CB8AC3E}">
-        <p14:creationId xmlns:p14="http://schemas.microsoft.com/office/powerpoint/2010/main" val="1730170648"/>
-      </p:ext>
-    </p:extLst>
-  </p:cSld>
-  <p:clrMapOvr>
-    <a:masterClrMapping/>
-  </p:clrMapOvr>
-</p:sld>
-</file>
-
-<file path=ppt/slides/slide24.xml><?xml version="1.0" encoding="utf-8"?>
-<p:sld xmlns:a="http://schemas.openxmlformats.org/drawingml/2006/main" xmlns:r="http://schemas.openxmlformats.org/officeDocument/2006/relationships" xmlns:p="http://schemas.openxmlformats.org/presentationml/2006/main">
-  <p:cSld>
-    <p:bg>
-      <p:bgPr>
-        <a:solidFill>
-          <a:srgbClr val="5C5C5C"/>
-        </a:solidFill>
-        <a:effectLst/>
-      </p:bgPr>
-    </p:bg>
-    <p:spTree>
-      <p:nvGrpSpPr>
-        <p:cNvPr id="1" name=""/>
-        <p:cNvGrpSpPr/>
-        <p:nvPr/>
-      </p:nvGrpSpPr>
-      <p:grpSpPr>
-        <a:xfrm>
-          <a:off x="0" y="0"/>
-          <a:ext cx="0" cy="0"/>
-          <a:chOff x="0" y="0"/>
-          <a:chExt cx="0" cy="0"/>
-        </a:xfrm>
-      </p:grpSpPr>
-      <p:sp>
-        <p:nvSpPr>
-          <p:cNvPr id="5" name="TextBox 4">
-            <a:extLst>
-              <a:ext uri="{FF2B5EF4-FFF2-40B4-BE49-F238E27FC236}">
-                <a16:creationId xmlns:a16="http://schemas.microsoft.com/office/drawing/2014/main" id="{5C3101FE-916F-7AC8-03CF-F8680EC21ADF}"/>
-              </a:ext>
-            </a:extLst>
-          </p:cNvPr>
-          <p:cNvSpPr txBox="1"/>
-          <p:nvPr/>
-        </p:nvSpPr>
-        <p:spPr>
-          <a:xfrm>
-            <a:off x="391886" y="130629"/>
-            <a:ext cx="11614067" cy="4216539"/>
-          </a:xfrm>
-          <a:prstGeom prst="rect">
-            <a:avLst/>
-          </a:prstGeom>
-          <a:noFill/>
-          <a:ln>
-            <a:noFill/>
-          </a:ln>
-        </p:spPr>
-        <p:txBody>
-          <a:bodyPr wrap="square" rtlCol="0">
-            <a:spAutoFit/>
-          </a:bodyPr>
-          <a:lstStyle/>
-          <a:p>
-            <a:pPr algn="ctr"/>
-            <a:r>
-              <a:rPr lang="en-CH" sz="2400" dirty="0">
-                <a:solidFill>
-                  <a:schemeClr val="bg1"/>
-                </a:solidFill>
-                <a:latin typeface="Arial" panose="020B0604020202020204" pitchFamily="34" charset="0"/>
-                <a:cs typeface="Arial" panose="020B0604020202020204" pitchFamily="34" charset="0"/>
-              </a:rPr>
-              <a:t>Welcome to the </a:t>
-            </a:r>
-            <a:r>
-              <a:rPr lang="en-GB" sz="2400" dirty="0">
-                <a:solidFill>
-                  <a:schemeClr val="bg1"/>
-                </a:solidFill>
-                <a:latin typeface="Arial" panose="020B0604020202020204" pitchFamily="34" charset="0"/>
-                <a:cs typeface="Arial" panose="020B0604020202020204" pitchFamily="34" charset="0"/>
-              </a:rPr>
-              <a:t>S</a:t>
-            </a:r>
-            <a:r>
-              <a:rPr lang="en-CH" sz="2400" dirty="0">
-                <a:solidFill>
-                  <a:schemeClr val="bg1"/>
-                </a:solidFill>
-                <a:latin typeface="Arial" panose="020B0604020202020204" pitchFamily="34" charset="0"/>
-                <a:cs typeface="Arial" panose="020B0604020202020204" pitchFamily="34" charset="0"/>
-              </a:rPr>
-              <a:t>canner Practice Round of the SAP task.</a:t>
-            </a:r>
-          </a:p>
-          <a:p>
-            <a:endParaRPr lang="en-CH" sz="2400" dirty="0">
-              <a:solidFill>
-                <a:schemeClr val="bg1"/>
-              </a:solidFill>
-              <a:latin typeface="Arial" panose="020B0604020202020204" pitchFamily="34" charset="0"/>
-              <a:cs typeface="Arial" panose="020B0604020202020204" pitchFamily="34" charset="0"/>
-            </a:endParaRPr>
-          </a:p>
-          <a:p>
-            <a:endParaRPr lang="en-CH" sz="2200" dirty="0">
-              <a:solidFill>
-                <a:schemeClr val="bg1"/>
-              </a:solidFill>
-              <a:latin typeface="Arial" panose="020B0604020202020204" pitchFamily="34" charset="0"/>
-              <a:cs typeface="Arial" panose="020B0604020202020204" pitchFamily="34" charset="0"/>
-            </a:endParaRPr>
-          </a:p>
-          <a:p>
-            <a:r>
-              <a:rPr lang="en-CH" sz="2200" dirty="0">
-                <a:solidFill>
-                  <a:schemeClr val="bg1"/>
-                </a:solidFill>
-                <a:latin typeface="Arial" panose="020B0604020202020204" pitchFamily="34" charset="0"/>
-                <a:cs typeface="Arial" panose="020B0604020202020204" pitchFamily="34" charset="0"/>
-              </a:rPr>
-              <a:t>You are now getting a chance to practice the task in the scanner with the button box.</a:t>
-            </a:r>
-          </a:p>
-          <a:p>
-            <a:endParaRPr lang="en-CH" sz="2200" dirty="0">
-              <a:solidFill>
-                <a:schemeClr val="bg1"/>
-              </a:solidFill>
-              <a:latin typeface="Arial" panose="020B0604020202020204" pitchFamily="34" charset="0"/>
-              <a:cs typeface="Arial" panose="020B0604020202020204" pitchFamily="34" charset="0"/>
-            </a:endParaRPr>
-          </a:p>
-          <a:p>
-            <a:r>
-              <a:rPr lang="en-CH" sz="2200" dirty="0">
-                <a:solidFill>
-                  <a:schemeClr val="bg1"/>
-                </a:solidFill>
-                <a:latin typeface="Arial" panose="020B0604020202020204" pitchFamily="34" charset="0"/>
-                <a:cs typeface="Arial" panose="020B0604020202020204" pitchFamily="34" charset="0"/>
-              </a:rPr>
-              <a:t>This is just so that you can get used to the setup with the button box and you laying down. You will see two faces here again. They will not be the same faces that you will interact with in the task later.</a:t>
-            </a:r>
-          </a:p>
-          <a:p>
-            <a:endParaRPr lang="en-CH" sz="2200" dirty="0">
-              <a:solidFill>
-                <a:schemeClr val="bg1"/>
-              </a:solidFill>
-              <a:latin typeface="Arial" panose="020B0604020202020204" pitchFamily="34" charset="0"/>
-              <a:cs typeface="Arial" panose="020B0604020202020204" pitchFamily="34" charset="0"/>
-            </a:endParaRPr>
-          </a:p>
-          <a:p>
-            <a:r>
-              <a:rPr lang="en-CH" sz="2200" dirty="0">
-                <a:solidFill>
-                  <a:schemeClr val="bg1"/>
-                </a:solidFill>
-                <a:latin typeface="Arial" panose="020B0604020202020204" pitchFamily="34" charset="0"/>
-                <a:cs typeface="Arial" panose="020B0604020202020204" pitchFamily="34" charset="0"/>
-              </a:rPr>
-              <a:t>This practice will only involve 4 rounds.</a:t>
-            </a:r>
-          </a:p>
-          <a:p>
-            <a:endParaRPr lang="en-CH" sz="2200" dirty="0">
-              <a:solidFill>
-                <a:schemeClr val="bg1"/>
-              </a:solidFill>
-              <a:latin typeface="Arial" panose="020B0604020202020204" pitchFamily="34" charset="0"/>
-              <a:cs typeface="Arial" panose="020B0604020202020204" pitchFamily="34" charset="0"/>
-            </a:endParaRPr>
-          </a:p>
-          <a:p>
-            <a:r>
-              <a:rPr lang="en-CH" sz="2200" dirty="0">
-                <a:solidFill>
-                  <a:schemeClr val="bg1"/>
-                </a:solidFill>
-                <a:latin typeface="Arial" panose="020B0604020202020204" pitchFamily="34" charset="0"/>
-                <a:cs typeface="Arial" panose="020B0604020202020204" pitchFamily="34" charset="0"/>
-              </a:rPr>
-              <a:t>If you have any questions, you can ask anytime during this short practice.</a:t>
-            </a:r>
-          </a:p>
-        </p:txBody>
-      </p:sp>
-    </p:spTree>
-    <p:extLst>
-      <p:ext uri="{BB962C8B-B14F-4D97-AF65-F5344CB8AC3E}">
-        <p14:creationId xmlns:p14="http://schemas.microsoft.com/office/powerpoint/2010/main" val="1894031005"/>
-      </p:ext>
-    </p:extLst>
-  </p:cSld>
-  <p:clrMapOvr>
-    <a:masterClrMapping/>
-  </p:clrMapOvr>
-</p:sld>
-</file>
-
-<file path=ppt/slides/slide25.xml><?xml version="1.0" encoding="utf-8"?>
-<p:sld xmlns:a="http://schemas.openxmlformats.org/drawingml/2006/main" xmlns:r="http://schemas.openxmlformats.org/officeDocument/2006/relationships" xmlns:p="http://schemas.openxmlformats.org/presentationml/2006/main">
-  <p:cSld>
-    <p:spTree>
-      <p:nvGrpSpPr>
-        <p:cNvPr id="1" name=""/>
-        <p:cNvGrpSpPr/>
-        <p:nvPr/>
-      </p:nvGrpSpPr>
-      <p:grpSpPr>
-        <a:xfrm>
-          <a:off x="0" y="0"/>
-          <a:ext cx="0" cy="0"/>
-          <a:chOff x="0" y="0"/>
-          <a:chExt cx="0" cy="0"/>
-        </a:xfrm>
-      </p:grpSpPr>
-      <p:sp>
-        <p:nvSpPr>
-          <p:cNvPr id="2" name="Title 1">
-            <a:extLst>
-              <a:ext uri="{FF2B5EF4-FFF2-40B4-BE49-F238E27FC236}">
-                <a16:creationId xmlns:a16="http://schemas.microsoft.com/office/drawing/2014/main" id="{0A1FA53E-25A0-0960-0FCC-4CC105416AC1}"/>
-              </a:ext>
-            </a:extLst>
-          </p:cNvPr>
-          <p:cNvSpPr>
-            <a:spLocks noGrp="1"/>
-          </p:cNvSpPr>
-          <p:nvPr>
-            <p:ph type="title"/>
-          </p:nvPr>
-        </p:nvSpPr>
-        <p:spPr>
-          <a:xfrm>
-            <a:off x="410688" y="365125"/>
-            <a:ext cx="10943112" cy="584901"/>
-          </a:xfrm>
-        </p:spPr>
-        <p:txBody>
-          <a:bodyPr>
-            <a:normAutofit/>
-          </a:bodyPr>
-          <a:lstStyle/>
-          <a:p>
-            <a:r>
-              <a:rPr lang="en-CH" sz="2800" b="1" dirty="0">
-                <a:latin typeface="Avenir Book" panose="02000503020000020003" pitchFamily="2" charset="0"/>
-              </a:rPr>
-              <a:t>Main Task Slides</a:t>
-            </a:r>
-          </a:p>
-        </p:txBody>
-      </p:sp>
-    </p:spTree>
-    <p:extLst>
-      <p:ext uri="{BB962C8B-B14F-4D97-AF65-F5344CB8AC3E}">
-        <p14:creationId xmlns:p14="http://schemas.microsoft.com/office/powerpoint/2010/main" val="4119700243"/>
-      </p:ext>
-    </p:extLst>
-  </p:cSld>
-  <p:clrMapOvr>
-    <a:masterClrMapping/>
-  </p:clrMapOvr>
-</p:sld>
-</file>
-
-<file path=ppt/slides/slide26.xml><?xml version="1.0" encoding="utf-8"?>
-<p:sld xmlns:a="http://schemas.openxmlformats.org/drawingml/2006/main" xmlns:r="http://schemas.openxmlformats.org/officeDocument/2006/relationships" xmlns:p="http://schemas.openxmlformats.org/presentationml/2006/main">
-  <p:cSld>
-    <p:bg>
-      <p:bgPr>
-        <a:solidFill>
-          <a:srgbClr val="5C5C5C"/>
-        </a:solidFill>
-        <a:effectLst/>
-      </p:bgPr>
-    </p:bg>
-    <p:spTree>
-      <p:nvGrpSpPr>
-        <p:cNvPr id="1" name=""/>
-        <p:cNvGrpSpPr/>
-        <p:nvPr/>
-      </p:nvGrpSpPr>
-      <p:grpSpPr>
-        <a:xfrm>
-          <a:off x="0" y="0"/>
-          <a:ext cx="0" cy="0"/>
-          <a:chOff x="0" y="0"/>
-          <a:chExt cx="0" cy="0"/>
-        </a:xfrm>
-      </p:grpSpPr>
-      <p:sp>
-        <p:nvSpPr>
-          <p:cNvPr id="5" name="TextBox 4">
-            <a:extLst>
-              <a:ext uri="{FF2B5EF4-FFF2-40B4-BE49-F238E27FC236}">
-                <a16:creationId xmlns:a16="http://schemas.microsoft.com/office/drawing/2014/main" id="{5C3101FE-916F-7AC8-03CF-F8680EC21ADF}"/>
-              </a:ext>
-            </a:extLst>
-          </p:cNvPr>
-          <p:cNvSpPr txBox="1"/>
-          <p:nvPr/>
-        </p:nvSpPr>
-        <p:spPr>
-          <a:xfrm>
-            <a:off x="391886" y="130629"/>
-            <a:ext cx="11614067" cy="6555641"/>
-          </a:xfrm>
-          <a:prstGeom prst="rect">
-            <a:avLst/>
-          </a:prstGeom>
-          <a:noFill/>
-          <a:ln>
-            <a:noFill/>
-          </a:ln>
-        </p:spPr>
-        <p:txBody>
-          <a:bodyPr wrap="square" rtlCol="0">
-            <a:spAutoFit/>
-          </a:bodyPr>
-          <a:lstStyle/>
-          <a:p>
-            <a:pPr algn="ctr"/>
-            <a:r>
-              <a:rPr lang="en-CH" sz="2400" dirty="0">
-                <a:solidFill>
-                  <a:schemeClr val="bg1"/>
-                </a:solidFill>
-                <a:latin typeface="Arial" panose="020B0604020202020204" pitchFamily="34" charset="0"/>
-                <a:cs typeface="Arial" panose="020B0604020202020204" pitchFamily="34" charset="0"/>
-              </a:rPr>
-              <a:t>Welcome to the SAP task.</a:t>
-            </a:r>
-          </a:p>
-          <a:p>
-            <a:endParaRPr lang="en-CH" sz="2200" dirty="0">
-              <a:solidFill>
-                <a:schemeClr val="bg1"/>
-              </a:solidFill>
-              <a:latin typeface="Arial" panose="020B0604020202020204" pitchFamily="34" charset="0"/>
-              <a:cs typeface="Arial" panose="020B0604020202020204" pitchFamily="34" charset="0"/>
-            </a:endParaRPr>
-          </a:p>
-          <a:p>
-            <a:r>
-              <a:rPr lang="en-CH" sz="2200" dirty="0">
-                <a:solidFill>
-                  <a:schemeClr val="bg1"/>
-                </a:solidFill>
-                <a:latin typeface="Arial" panose="020B0604020202020204" pitchFamily="34" charset="0"/>
-                <a:cs typeface="Arial" panose="020B0604020202020204" pitchFamily="34" charset="0"/>
-              </a:rPr>
-              <a:t>This is the SAP task that you have practiced already.</a:t>
-            </a:r>
-          </a:p>
-          <a:p>
-            <a:endParaRPr lang="en-CH" sz="2200" dirty="0">
-              <a:solidFill>
-                <a:schemeClr val="bg1"/>
-              </a:solidFill>
-              <a:latin typeface="Arial" panose="020B0604020202020204" pitchFamily="34" charset="0"/>
-              <a:cs typeface="Arial" panose="020B0604020202020204" pitchFamily="34" charset="0"/>
-            </a:endParaRPr>
-          </a:p>
-          <a:p>
-            <a:pPr marL="342900" indent="-342900">
-              <a:buFont typeface="Arial" panose="020B0604020202020204" pitchFamily="34" charset="0"/>
-              <a:buChar char="•"/>
-            </a:pPr>
-            <a:r>
-              <a:rPr lang="en-CH" sz="2200" dirty="0">
-                <a:solidFill>
-                  <a:schemeClr val="bg1"/>
-                </a:solidFill>
-                <a:latin typeface="Arial" panose="020B0604020202020204" pitchFamily="34" charset="0"/>
-                <a:cs typeface="Arial" panose="020B0604020202020204" pitchFamily="34" charset="0"/>
-              </a:rPr>
-              <a:t>During the main task you cannot ask any questions. So if you have any questions, please ask now.</a:t>
-            </a:r>
-          </a:p>
-          <a:p>
-            <a:pPr marL="342900" indent="-342900">
-              <a:buFont typeface="Arial" panose="020B0604020202020204" pitchFamily="34" charset="0"/>
-              <a:buChar char="•"/>
-            </a:pPr>
-            <a:endParaRPr lang="en-CH" sz="2200" dirty="0">
-              <a:solidFill>
-                <a:schemeClr val="bg1"/>
-              </a:solidFill>
-              <a:latin typeface="Arial" panose="020B0604020202020204" pitchFamily="34" charset="0"/>
-              <a:cs typeface="Arial" panose="020B0604020202020204" pitchFamily="34" charset="0"/>
-            </a:endParaRPr>
-          </a:p>
-          <a:p>
-            <a:pPr marL="342900" indent="-342900">
-              <a:buFont typeface="Arial" panose="020B0604020202020204" pitchFamily="34" charset="0"/>
-              <a:buChar char="•"/>
-            </a:pPr>
-            <a:r>
-              <a:rPr lang="en-CH" sz="2200" dirty="0">
-                <a:solidFill>
-                  <a:schemeClr val="bg1"/>
-                </a:solidFill>
-                <a:latin typeface="Arial" panose="020B0604020202020204" pitchFamily="34" charset="0"/>
-                <a:cs typeface="Arial" panose="020B0604020202020204" pitchFamily="34" charset="0"/>
-              </a:rPr>
-              <a:t>Because we are recording brain and physiological activity, please move as little as possible. If you move too much (incl. yawning, clenching your fists or yaw, wiggling your toes) the data cannot be used. So if you are uncomfortable, please let us know at this point. The data quality will be best if you are relaxed and still. Try not to tensen up any muscles, also keep your face relaxed when you are not asked to smile. </a:t>
-            </a:r>
-            <a:r>
-              <a:rPr lang="en-CH" sz="2200" dirty="0">
-                <a:solidFill>
-                  <a:schemeClr val="bg1"/>
-                </a:solidFill>
-                <a:latin typeface="Arial" panose="020B0604020202020204" pitchFamily="34" charset="0"/>
-                <a:cs typeface="Arial" panose="020B0604020202020204" pitchFamily="34" charset="0"/>
-                <a:sym typeface="Wingdings" pitchFamily="2" charset="2"/>
-              </a:rPr>
-              <a:t></a:t>
-            </a:r>
-          </a:p>
-          <a:p>
-            <a:pPr marL="342900" indent="-342900">
-              <a:buFont typeface="Arial" panose="020B0604020202020204" pitchFamily="34" charset="0"/>
-              <a:buChar char="•"/>
-            </a:pPr>
-            <a:endParaRPr lang="en-CH" sz="2200" dirty="0">
-              <a:solidFill>
-                <a:schemeClr val="bg1"/>
-              </a:solidFill>
-              <a:latin typeface="Arial" panose="020B0604020202020204" pitchFamily="34" charset="0"/>
-              <a:cs typeface="Arial" panose="020B0604020202020204" pitchFamily="34" charset="0"/>
-              <a:sym typeface="Wingdings" pitchFamily="2" charset="2"/>
-            </a:endParaRPr>
-          </a:p>
-          <a:p>
-            <a:pPr marL="342900" indent="-342900">
-              <a:buFont typeface="Arial" panose="020B0604020202020204" pitchFamily="34" charset="0"/>
-              <a:buChar char="•"/>
-            </a:pPr>
-            <a:r>
-              <a:rPr lang="en-CH" sz="2200" dirty="0">
-                <a:solidFill>
-                  <a:schemeClr val="bg1"/>
-                </a:solidFill>
-                <a:latin typeface="Arial" panose="020B0604020202020204" pitchFamily="34" charset="0"/>
-                <a:cs typeface="Arial" panose="020B0604020202020204" pitchFamily="34" charset="0"/>
-              </a:rPr>
-              <a:t>Everytime you predict correctly and receive a congruent reaction (you smile – t</a:t>
-            </a:r>
-            <a:r>
-              <a:rPr lang="en-GB" sz="2200" dirty="0">
-                <a:solidFill>
-                  <a:schemeClr val="bg1"/>
-                </a:solidFill>
-                <a:latin typeface="Arial" panose="020B0604020202020204" pitchFamily="34" charset="0"/>
-                <a:cs typeface="Arial" panose="020B0604020202020204" pitchFamily="34" charset="0"/>
-              </a:rPr>
-              <a:t>he</a:t>
-            </a:r>
-            <a:r>
-              <a:rPr lang="en-CH" sz="2200" dirty="0">
-                <a:solidFill>
-                  <a:schemeClr val="bg1"/>
-                </a:solidFill>
-                <a:latin typeface="Arial" panose="020B0604020202020204" pitchFamily="34" charset="0"/>
-                <a:cs typeface="Arial" panose="020B0604020202020204" pitchFamily="34" charset="0"/>
-              </a:rPr>
-              <a:t> face smiles or you stay neutral – the face stays neutral) you earn a point. If you collect 70 points you get an additional bonus of AUD 5, if you colledt 120 points you get a bonus of AUD 10.</a:t>
-            </a:r>
-          </a:p>
-          <a:p>
-            <a:pPr marL="342900" indent="-342900">
-              <a:buFont typeface="Arial" panose="020B0604020202020204" pitchFamily="34" charset="0"/>
-              <a:buChar char="•"/>
-            </a:pPr>
-            <a:endParaRPr lang="en-CH" sz="2200" dirty="0">
-              <a:solidFill>
-                <a:schemeClr val="bg1"/>
-              </a:solidFill>
-              <a:latin typeface="Arial" panose="020B0604020202020204" pitchFamily="34" charset="0"/>
-              <a:cs typeface="Arial" panose="020B0604020202020204" pitchFamily="34" charset="0"/>
-            </a:endParaRPr>
-          </a:p>
-          <a:p>
-            <a:pPr marL="342900" indent="-342900">
-              <a:buFont typeface="Arial" panose="020B0604020202020204" pitchFamily="34" charset="0"/>
-              <a:buChar char="•"/>
-            </a:pPr>
-            <a:r>
-              <a:rPr lang="en-CH" sz="2200" dirty="0">
-                <a:solidFill>
-                  <a:schemeClr val="bg1"/>
-                </a:solidFill>
-                <a:latin typeface="Arial" panose="020B0604020202020204" pitchFamily="34" charset="0"/>
-                <a:cs typeface="Arial" panose="020B0604020202020204" pitchFamily="34" charset="0"/>
-              </a:rPr>
-              <a:t>The task is going to take ca. 15 minutes. </a:t>
-            </a:r>
-          </a:p>
-        </p:txBody>
-      </p:sp>
-    </p:spTree>
-    <p:extLst>
-      <p:ext uri="{BB962C8B-B14F-4D97-AF65-F5344CB8AC3E}">
-        <p14:creationId xmlns:p14="http://schemas.microsoft.com/office/powerpoint/2010/main" val="1357929970"/>
-      </p:ext>
-    </p:extLst>
-  </p:cSld>
-  <p:clrMapOvr>
-    <a:masterClrMapping/>
-  </p:clrMapOvr>
-</p:sld>
-</file>
-
-<file path=ppt/slides/slide27.xml><?xml version="1.0" encoding="utf-8"?>
-<p:sld xmlns:a="http://schemas.openxmlformats.org/drawingml/2006/main" xmlns:r="http://schemas.openxmlformats.org/officeDocument/2006/relationships" xmlns:p="http://schemas.openxmlformats.org/presentationml/2006/main">
-  <p:cSld>
-    <p:bg>
-      <p:bgPr>
-        <a:solidFill>
-          <a:srgbClr val="5C5C5C"/>
-        </a:solidFill>
-        <a:effectLst/>
-      </p:bgPr>
-    </p:bg>
-    <p:spTree>
-      <p:nvGrpSpPr>
-        <p:cNvPr id="1" name=""/>
-        <p:cNvGrpSpPr/>
-        <p:nvPr/>
-      </p:nvGrpSpPr>
-      <p:grpSpPr>
-        <a:xfrm>
-          <a:off x="0" y="0"/>
-          <a:ext cx="0" cy="0"/>
-          <a:chOff x="0" y="0"/>
-          <a:chExt cx="0" cy="0"/>
-        </a:xfrm>
-      </p:grpSpPr>
-      <p:sp>
-        <p:nvSpPr>
-          <p:cNvPr id="5" name="TextBox 4">
-            <a:extLst>
-              <a:ext uri="{FF2B5EF4-FFF2-40B4-BE49-F238E27FC236}">
-                <a16:creationId xmlns:a16="http://schemas.microsoft.com/office/drawing/2014/main" id="{5C3101FE-916F-7AC8-03CF-F8680EC21ADF}"/>
-              </a:ext>
-            </a:extLst>
-          </p:cNvPr>
-          <p:cNvSpPr txBox="1"/>
-          <p:nvPr/>
-        </p:nvSpPr>
-        <p:spPr>
-          <a:xfrm>
-            <a:off x="391886" y="130629"/>
-            <a:ext cx="11614067" cy="4893647"/>
-          </a:xfrm>
-          <a:prstGeom prst="rect">
-            <a:avLst/>
-          </a:prstGeom>
-          <a:noFill/>
-          <a:ln>
-            <a:noFill/>
-          </a:ln>
-        </p:spPr>
-        <p:txBody>
-          <a:bodyPr wrap="square" rtlCol="0">
-            <a:spAutoFit/>
-          </a:bodyPr>
-          <a:lstStyle/>
-          <a:p>
-            <a:pPr algn="ctr"/>
-            <a:r>
-              <a:rPr lang="en-CH" sz="2400" dirty="0">
-                <a:solidFill>
-                  <a:schemeClr val="bg1"/>
-                </a:solidFill>
-                <a:latin typeface="Arial" panose="020B0604020202020204" pitchFamily="34" charset="0"/>
-                <a:cs typeface="Arial" panose="020B0604020202020204" pitchFamily="34" charset="0"/>
-              </a:rPr>
-              <a:t>Welcome to the SAP task.</a:t>
-            </a:r>
-          </a:p>
-          <a:p>
-            <a:endParaRPr lang="en-CH" sz="2400" dirty="0">
-              <a:solidFill>
-                <a:schemeClr val="bg1"/>
-              </a:solidFill>
-              <a:latin typeface="Arial" panose="020B0604020202020204" pitchFamily="34" charset="0"/>
-              <a:cs typeface="Arial" panose="020B0604020202020204" pitchFamily="34" charset="0"/>
-            </a:endParaRPr>
-          </a:p>
-          <a:p>
-            <a:endParaRPr lang="en-CH" sz="2200" dirty="0">
-              <a:solidFill>
-                <a:schemeClr val="bg1"/>
-              </a:solidFill>
-              <a:latin typeface="Arial" panose="020B0604020202020204" pitchFamily="34" charset="0"/>
-              <a:cs typeface="Arial" panose="020B0604020202020204" pitchFamily="34" charset="0"/>
-            </a:endParaRPr>
-          </a:p>
-          <a:p>
-            <a:r>
-              <a:rPr lang="en-CH" sz="2200" dirty="0">
-                <a:solidFill>
-                  <a:schemeClr val="bg1"/>
-                </a:solidFill>
-                <a:latin typeface="Arial" panose="020B0604020202020204" pitchFamily="34" charset="0"/>
-                <a:cs typeface="Arial" panose="020B0604020202020204" pitchFamily="34" charset="0"/>
-              </a:rPr>
-              <a:t>This is the SAP task that you have practiced already. </a:t>
-            </a:r>
-          </a:p>
-          <a:p>
-            <a:endParaRPr lang="en-CH" sz="2200" dirty="0">
-              <a:solidFill>
-                <a:schemeClr val="bg1"/>
-              </a:solidFill>
-              <a:latin typeface="Arial" panose="020B0604020202020204" pitchFamily="34" charset="0"/>
-              <a:cs typeface="Arial" panose="020B0604020202020204" pitchFamily="34" charset="0"/>
-            </a:endParaRPr>
-          </a:p>
-          <a:p>
-            <a:pPr marL="342900" indent="-342900">
-              <a:buFont typeface="Arial" panose="020B0604020202020204" pitchFamily="34" charset="0"/>
-              <a:buChar char="•"/>
-            </a:pPr>
-            <a:r>
-              <a:rPr lang="en-CH" sz="2200" dirty="0">
-                <a:solidFill>
-                  <a:schemeClr val="bg1"/>
-                </a:solidFill>
-                <a:latin typeface="Arial" panose="020B0604020202020204" pitchFamily="34" charset="0"/>
-                <a:cs typeface="Arial" panose="020B0604020202020204" pitchFamily="34" charset="0"/>
-              </a:rPr>
-              <a:t>During the main task you cannot ask any questions. So if you have any questions, please ask now.</a:t>
-            </a:r>
-          </a:p>
-          <a:p>
-            <a:pPr marL="342900" indent="-342900">
-              <a:buFont typeface="Arial" panose="020B0604020202020204" pitchFamily="34" charset="0"/>
-              <a:buChar char="•"/>
-            </a:pPr>
-            <a:endParaRPr lang="en-CH" sz="2200" dirty="0">
-              <a:solidFill>
-                <a:schemeClr val="bg1"/>
-              </a:solidFill>
-              <a:latin typeface="Arial" panose="020B0604020202020204" pitchFamily="34" charset="0"/>
-              <a:cs typeface="Arial" panose="020B0604020202020204" pitchFamily="34" charset="0"/>
-            </a:endParaRPr>
-          </a:p>
-          <a:p>
-            <a:pPr marL="342900" indent="-342900">
-              <a:buFont typeface="Arial" panose="020B0604020202020204" pitchFamily="34" charset="0"/>
-              <a:buChar char="•"/>
-            </a:pPr>
-            <a:r>
-              <a:rPr lang="en-CH" sz="2200" dirty="0">
-                <a:solidFill>
-                  <a:schemeClr val="bg1"/>
-                </a:solidFill>
-                <a:latin typeface="Arial" panose="020B0604020202020204" pitchFamily="34" charset="0"/>
-                <a:cs typeface="Arial" panose="020B0604020202020204" pitchFamily="34" charset="0"/>
-              </a:rPr>
-              <a:t>Everytime you predict correctly and receive a congruent reaction (you smile – t</a:t>
-            </a:r>
-            <a:r>
-              <a:rPr lang="en-GB" sz="2200" dirty="0">
-                <a:solidFill>
-                  <a:schemeClr val="bg1"/>
-                </a:solidFill>
-                <a:latin typeface="Arial" panose="020B0604020202020204" pitchFamily="34" charset="0"/>
-                <a:cs typeface="Arial" panose="020B0604020202020204" pitchFamily="34" charset="0"/>
-              </a:rPr>
-              <a:t>he</a:t>
-            </a:r>
-            <a:r>
-              <a:rPr lang="en-CH" sz="2200" dirty="0">
-                <a:solidFill>
-                  <a:schemeClr val="bg1"/>
-                </a:solidFill>
-                <a:latin typeface="Arial" panose="020B0604020202020204" pitchFamily="34" charset="0"/>
-                <a:cs typeface="Arial" panose="020B0604020202020204" pitchFamily="34" charset="0"/>
-              </a:rPr>
-              <a:t> face smiles or you stay neutral – the face stays neutral) you earn a point. If you collect 20 points you get an additional bonus of AUD 5, if you collect 40 points you get a bonus of AUD 10.</a:t>
-            </a:r>
-          </a:p>
-          <a:p>
-            <a:endParaRPr lang="en-CH" sz="2200" dirty="0">
-              <a:solidFill>
-                <a:schemeClr val="bg1"/>
-              </a:solidFill>
-              <a:latin typeface="Arial" panose="020B0604020202020204" pitchFamily="34" charset="0"/>
-              <a:cs typeface="Arial" panose="020B0604020202020204" pitchFamily="34" charset="0"/>
-            </a:endParaRPr>
-          </a:p>
-          <a:p>
-            <a:pPr marL="342900" indent="-342900">
-              <a:buFont typeface="Arial" panose="020B0604020202020204" pitchFamily="34" charset="0"/>
-              <a:buChar char="•"/>
-            </a:pPr>
-            <a:r>
-              <a:rPr lang="en-CH" sz="2200" dirty="0">
-                <a:solidFill>
-                  <a:schemeClr val="bg1"/>
-                </a:solidFill>
-                <a:latin typeface="Arial" panose="020B0604020202020204" pitchFamily="34" charset="0"/>
-                <a:cs typeface="Arial" panose="020B0604020202020204" pitchFamily="34" charset="0"/>
-              </a:rPr>
-              <a:t>The task is going to take ca. 20 minutes. </a:t>
-            </a:r>
-          </a:p>
-        </p:txBody>
-      </p:sp>
-    </p:spTree>
-    <p:extLst>
-      <p:ext uri="{BB962C8B-B14F-4D97-AF65-F5344CB8AC3E}">
-        <p14:creationId xmlns:p14="http://schemas.microsoft.com/office/powerpoint/2010/main" val="4102652010"/>
-      </p:ext>
-    </p:extLst>
-  </p:cSld>
-  <p:clrMapOvr>
-    <a:masterClrMapping/>
-  </p:clrMapOvr>
-</p:sld>
-</file>
-
-<file path=ppt/slides/slide28.xml><?xml version="1.0" encoding="utf-8"?>
-<p:sld xmlns:a="http://schemas.openxmlformats.org/drawingml/2006/main" xmlns:r="http://schemas.openxmlformats.org/officeDocument/2006/relationships" xmlns:p="http://schemas.openxmlformats.org/presentationml/2006/main">
-  <p:cSld>
-    <p:bg>
-      <p:bgPr>
-        <a:solidFill>
-          <a:srgbClr val="5C5C5C"/>
-        </a:solidFill>
-        <a:effectLst/>
-      </p:bgPr>
-    </p:bg>
-    <p:spTree>
-      <p:nvGrpSpPr>
-        <p:cNvPr id="1" name=""/>
-        <p:cNvGrpSpPr/>
-        <p:nvPr/>
-      </p:nvGrpSpPr>
-      <p:grpSpPr>
-        <a:xfrm>
-          <a:off x="0" y="0"/>
-          <a:ext cx="0" cy="0"/>
-          <a:chOff x="0" y="0"/>
-          <a:chExt cx="0" cy="0"/>
-        </a:xfrm>
-      </p:grpSpPr>
-      <p:sp>
-        <p:nvSpPr>
-          <p:cNvPr id="5" name="TextBox 4">
-            <a:extLst>
-              <a:ext uri="{FF2B5EF4-FFF2-40B4-BE49-F238E27FC236}">
-                <a16:creationId xmlns:a16="http://schemas.microsoft.com/office/drawing/2014/main" id="{5C3101FE-916F-7AC8-03CF-F8680EC21ADF}"/>
-              </a:ext>
-            </a:extLst>
-          </p:cNvPr>
-          <p:cNvSpPr txBox="1"/>
-          <p:nvPr/>
-        </p:nvSpPr>
-        <p:spPr>
-          <a:xfrm>
-            <a:off x="391886" y="130629"/>
-            <a:ext cx="11614067" cy="4124206"/>
-          </a:xfrm>
-          <a:prstGeom prst="rect">
-            <a:avLst/>
-          </a:prstGeom>
-          <a:noFill/>
-          <a:ln>
-            <a:noFill/>
-          </a:ln>
-        </p:spPr>
-        <p:txBody>
-          <a:bodyPr wrap="square" rtlCol="0">
-            <a:spAutoFit/>
-          </a:bodyPr>
-          <a:lstStyle/>
-          <a:p>
-            <a:pPr algn="ctr"/>
-            <a:endParaRPr lang="en-CH" sz="2400" dirty="0">
-              <a:solidFill>
-                <a:schemeClr val="bg1"/>
-              </a:solidFill>
-              <a:latin typeface="Arial" panose="020B0604020202020204" pitchFamily="34" charset="0"/>
-              <a:cs typeface="Arial" panose="020B0604020202020204" pitchFamily="34" charset="0"/>
-            </a:endParaRPr>
-          </a:p>
-          <a:p>
-            <a:pPr algn="ctr"/>
-            <a:endParaRPr lang="en-CH" sz="2400" dirty="0">
-              <a:solidFill>
-                <a:schemeClr val="bg1"/>
-              </a:solidFill>
-              <a:latin typeface="Arial" panose="020B0604020202020204" pitchFamily="34" charset="0"/>
-              <a:cs typeface="Arial" panose="020B0604020202020204" pitchFamily="34" charset="0"/>
-            </a:endParaRPr>
-          </a:p>
-          <a:p>
-            <a:pPr algn="ctr"/>
-            <a:endParaRPr lang="en-CH" sz="2400" dirty="0">
-              <a:solidFill>
-                <a:schemeClr val="bg1"/>
-              </a:solidFill>
-              <a:latin typeface="Arial" panose="020B0604020202020204" pitchFamily="34" charset="0"/>
-              <a:cs typeface="Arial" panose="020B0604020202020204" pitchFamily="34" charset="0"/>
-            </a:endParaRPr>
-          </a:p>
-          <a:p>
-            <a:pPr algn="ctr"/>
-            <a:endParaRPr lang="en-CH" sz="2400" dirty="0">
-              <a:solidFill>
-                <a:schemeClr val="bg1"/>
-              </a:solidFill>
-              <a:latin typeface="Arial" panose="020B0604020202020204" pitchFamily="34" charset="0"/>
-              <a:cs typeface="Arial" panose="020B0604020202020204" pitchFamily="34" charset="0"/>
-            </a:endParaRPr>
-          </a:p>
-          <a:p>
-            <a:pPr algn="ctr"/>
-            <a:endParaRPr lang="en-CH" sz="2400" dirty="0">
-              <a:solidFill>
-                <a:schemeClr val="bg1"/>
-              </a:solidFill>
-              <a:latin typeface="Arial" panose="020B0604020202020204" pitchFamily="34" charset="0"/>
-              <a:cs typeface="Arial" panose="020B0604020202020204" pitchFamily="34" charset="0"/>
-            </a:endParaRPr>
-          </a:p>
-          <a:p>
-            <a:pPr algn="ctr"/>
-            <a:endParaRPr lang="en-CH" sz="2400" dirty="0">
-              <a:solidFill>
-                <a:schemeClr val="bg1"/>
-              </a:solidFill>
-              <a:latin typeface="Arial" panose="020B0604020202020204" pitchFamily="34" charset="0"/>
-              <a:cs typeface="Arial" panose="020B0604020202020204" pitchFamily="34" charset="0"/>
-            </a:endParaRPr>
-          </a:p>
-          <a:p>
-            <a:pPr algn="ctr"/>
-            <a:endParaRPr lang="en-CH" sz="2400" dirty="0">
-              <a:solidFill>
-                <a:schemeClr val="bg1"/>
-              </a:solidFill>
-              <a:latin typeface="Arial" panose="020B0604020202020204" pitchFamily="34" charset="0"/>
-              <a:cs typeface="Arial" panose="020B0604020202020204" pitchFamily="34" charset="0"/>
-            </a:endParaRPr>
-          </a:p>
-          <a:p>
-            <a:pPr algn="ctr"/>
-            <a:endParaRPr lang="en-CH" sz="2400" dirty="0">
-              <a:solidFill>
-                <a:schemeClr val="bg1"/>
-              </a:solidFill>
-              <a:latin typeface="Arial" panose="020B0604020202020204" pitchFamily="34" charset="0"/>
-              <a:cs typeface="Arial" panose="020B0604020202020204" pitchFamily="34" charset="0"/>
-            </a:endParaRPr>
-          </a:p>
-          <a:p>
-            <a:pPr algn="ctr"/>
-            <a:r>
-              <a:rPr lang="en-US" sz="2400" dirty="0">
-                <a:solidFill>
-                  <a:schemeClr val="bg1"/>
-                </a:solidFill>
-                <a:latin typeface="Arial" panose="020B0604020202020204" pitchFamily="34" charset="0"/>
-                <a:cs typeface="Arial" panose="020B0604020202020204" pitchFamily="34" charset="0"/>
-              </a:rPr>
-              <a:t>The </a:t>
-            </a:r>
-            <a:r>
-              <a:rPr lang="en-CH" sz="2400" dirty="0">
-                <a:solidFill>
-                  <a:schemeClr val="bg1"/>
-                </a:solidFill>
-                <a:latin typeface="Arial" panose="020B0604020202020204" pitchFamily="34" charset="0"/>
-                <a:cs typeface="Arial" panose="020B0604020202020204" pitchFamily="34" charset="0"/>
-              </a:rPr>
-              <a:t>SAP task is starting anytime now...</a:t>
-            </a:r>
-          </a:p>
-          <a:p>
-            <a:endParaRPr lang="en-CH" sz="2400" dirty="0">
-              <a:solidFill>
-                <a:schemeClr val="bg1"/>
-              </a:solidFill>
-              <a:latin typeface="Arial" panose="020B0604020202020204" pitchFamily="34" charset="0"/>
-              <a:cs typeface="Arial" panose="020B0604020202020204" pitchFamily="34" charset="0"/>
-            </a:endParaRPr>
-          </a:p>
-          <a:p>
-            <a:endParaRPr lang="en-CH" sz="2200" dirty="0">
-              <a:solidFill>
-                <a:schemeClr val="bg1"/>
-              </a:solidFill>
-              <a:latin typeface="Arial" panose="020B0604020202020204" pitchFamily="34" charset="0"/>
-              <a:cs typeface="Arial" panose="020B0604020202020204" pitchFamily="34" charset="0"/>
-            </a:endParaRPr>
-          </a:p>
-        </p:txBody>
-      </p:sp>
-    </p:spTree>
-    <p:extLst>
-      <p:ext uri="{BB962C8B-B14F-4D97-AF65-F5344CB8AC3E}">
-        <p14:creationId xmlns:p14="http://schemas.microsoft.com/office/powerpoint/2010/main" val="265753330"/>
-      </p:ext>
-    </p:extLst>
-  </p:cSld>
-  <p:clrMapOvr>
-    <a:masterClrMapping/>
-  </p:clrMapOvr>
-</p:sld>
-</file>
-
-<file path=ppt/slides/slide29.xml><?xml version="1.0" encoding="utf-8"?>
-<p:sld xmlns:a="http://schemas.openxmlformats.org/drawingml/2006/main" xmlns:r="http://schemas.openxmlformats.org/officeDocument/2006/relationships" xmlns:p="http://schemas.openxmlformats.org/presentationml/2006/main">
-  <p:cSld>
-    <p:bg>
-      <p:bgPr>
-        <a:solidFill>
-          <a:srgbClr val="5C5C5C"/>
-        </a:solidFill>
-        <a:effectLst/>
-      </p:bgPr>
-    </p:bg>
-    <p:spTree>
-      <p:nvGrpSpPr>
-        <p:cNvPr id="1" name=""/>
-        <p:cNvGrpSpPr/>
-        <p:nvPr/>
-      </p:nvGrpSpPr>
-      <p:grpSpPr>
-        <a:xfrm>
-          <a:off x="0" y="0"/>
-          <a:ext cx="0" cy="0"/>
-          <a:chOff x="0" y="0"/>
-          <a:chExt cx="0" cy="0"/>
-        </a:xfrm>
-      </p:grpSpPr>
-      <p:pic>
-        <p:nvPicPr>
-          <p:cNvPr id="2" name="Picture 1">
-            <a:extLst>
-              <a:ext uri="{FF2B5EF4-FFF2-40B4-BE49-F238E27FC236}">
-                <a16:creationId xmlns:a16="http://schemas.microsoft.com/office/drawing/2014/main" id="{35BA1990-0956-73A6-ED1F-76EAC2A24623}"/>
-              </a:ext>
-            </a:extLst>
-          </p:cNvPr>
-          <p:cNvPicPr>
-            <a:picLocks noChangeAspect="1"/>
-          </p:cNvPicPr>
-          <p:nvPr/>
-        </p:nvPicPr>
-        <p:blipFill>
-          <a:blip r:embed="rId2"/>
-          <a:stretch>
-            <a:fillRect/>
-          </a:stretch>
-        </p:blipFill>
-        <p:spPr>
-          <a:xfrm>
-            <a:off x="3507203" y="1608882"/>
-            <a:ext cx="5177589" cy="3951318"/>
-          </a:xfrm>
-          <a:prstGeom prst="rect">
-            <a:avLst/>
-          </a:prstGeom>
-        </p:spPr>
-      </p:pic>
-    </p:spTree>
-    <p:extLst>
-      <p:ext uri="{BB962C8B-B14F-4D97-AF65-F5344CB8AC3E}">
-        <p14:creationId xmlns:p14="http://schemas.microsoft.com/office/powerpoint/2010/main" val="38888359"/>
-      </p:ext>
-    </p:extLst>
-  </p:cSld>
-  <p:clrMapOvr>
-    <a:masterClrMapping/>
-  </p:clrMapOvr>
-</p:sld>
-</file>
-
 <file path=ppt/slides/slide3.xml><?xml version="1.0" encoding="utf-8"?>
 <p:sld xmlns:a="http://schemas.openxmlformats.org/drawingml/2006/main" xmlns:r="http://schemas.openxmlformats.org/officeDocument/2006/relationships" xmlns:p="http://schemas.openxmlformats.org/presentationml/2006/main">
   <p:cSld>
@@ -5584,7 +5049,7 @@
         <p:spPr>
           <a:xfrm>
             <a:off x="391886" y="130629"/>
-            <a:ext cx="11614067" cy="3877985"/>
+            <a:ext cx="11614067" cy="5232202"/>
           </a:xfrm>
           <a:prstGeom prst="rect">
             <a:avLst/>
@@ -5609,7 +5074,7 @@
                 <a:latin typeface="Arial" panose="020B0604020202020204" pitchFamily="34" charset="0"/>
                 <a:cs typeface="Arial" panose="020B0604020202020204" pitchFamily="34" charset="0"/>
               </a:rPr>
-              <a:t>Welcome to the Practice Round of the Egg task.</a:t>
+              <a:t>Welcome to the Egg task.</a:t>
             </a:r>
           </a:p>
           <a:p>
@@ -5630,7 +5095,7 @@
                 <a:latin typeface="Arial" panose="020B0604020202020204" pitchFamily="34" charset="0"/>
                 <a:cs typeface="Arial" panose="020B0604020202020204" pitchFamily="34" charset="0"/>
               </a:rPr>
-              <a:t>In this task you goal is to buy as many fresh eggs from the egg farmer for your store as possible. You want to get a good variety of eggs but some of them are more sensitive and get rotten more easily.</a:t>
+              <a:t>Your goal in this task is to buy as many fresh eggs from the egg farmer for your store as possible. You want to get a good variety of eggs but some of them are more sensitive and get rotten more easily. For good eggs you receive money, when you buy bad eggs you loose money.</a:t>
             </a:r>
           </a:p>
           <a:p>
@@ -5672,7 +5137,28 @@
                 <a:latin typeface="Arial" panose="020B0604020202020204" pitchFamily="34" charset="0"/>
                 <a:cs typeface="Arial" panose="020B0604020202020204" pitchFamily="34" charset="0"/>
               </a:rPr>
-              <a:t>Try to collect as many eggs as possible. </a:t>
+              <a:t>Please note that the eggs in this task look like the faces from the previous task but this is a profit task. Had to use the same images in this task for technical reasons.</a:t>
+            </a:r>
+          </a:p>
+          <a:p>
+            <a:endParaRPr lang="en-GB" sz="2200" dirty="0">
+              <a:solidFill>
+                <a:schemeClr val="bg1"/>
+              </a:solidFill>
+              <a:latin typeface="Arial" panose="020B0604020202020204" pitchFamily="34" charset="0"/>
+              <a:cs typeface="Arial" panose="020B0604020202020204" pitchFamily="34" charset="0"/>
+            </a:endParaRPr>
+          </a:p>
+          <a:p>
+            <a:r>
+              <a:rPr lang="en-GB" sz="2200" dirty="0">
+                <a:solidFill>
+                  <a:schemeClr val="bg1"/>
+                </a:solidFill>
+                <a:latin typeface="Arial" panose="020B0604020202020204" pitchFamily="34" charset="0"/>
+                <a:cs typeface="Arial" panose="020B0604020202020204" pitchFamily="34" charset="0"/>
+              </a:rPr>
+              <a:t>Try to make as much profit as possible.</a:t>
             </a:r>
           </a:p>
           <a:p>
@@ -5726,10 +5212,10 @@
       </p:grpSpPr>
       <p:sp>
         <p:nvSpPr>
-          <p:cNvPr id="2" name="TextBox 1">
-            <a:extLst>
-              <a:ext uri="{FF2B5EF4-FFF2-40B4-BE49-F238E27FC236}">
-                <a16:creationId xmlns:a16="http://schemas.microsoft.com/office/drawing/2014/main" id="{AD582762-AD39-FD35-B38A-051614F60C13}"/>
+          <p:cNvPr id="6" name="TextBox 5">
+            <a:extLst>
+              <a:ext uri="{FF2B5EF4-FFF2-40B4-BE49-F238E27FC236}">
+                <a16:creationId xmlns:a16="http://schemas.microsoft.com/office/drawing/2014/main" id="{D73EA4BC-C794-ADDF-A1A3-B7FC9E83B19C}"/>
               </a:ext>
             </a:extLst>
           </p:cNvPr>
@@ -5738,8 +5224,8 @@
         </p:nvSpPr>
         <p:spPr>
           <a:xfrm>
-            <a:off x="373856" y="193468"/>
-            <a:ext cx="11444287" cy="523220"/>
+            <a:off x="373853" y="3013501"/>
+            <a:ext cx="11444287" cy="830997"/>
           </a:xfrm>
           <a:prstGeom prst="rect">
             <a:avLst/>
@@ -5754,86 +5240,14 @@
           <a:p>
             <a:pPr algn="ctr"/>
             <a:r>
-              <a:rPr lang="en-CH" sz="2800" dirty="0">
+              <a:rPr lang="en-CH" sz="4800" dirty="0">
                 <a:solidFill>
                   <a:schemeClr val="bg1"/>
                 </a:solidFill>
                 <a:latin typeface="Arial" panose="020B0604020202020204" pitchFamily="34" charset="0"/>
                 <a:cs typeface="Arial" panose="020B0604020202020204" pitchFamily="34" charset="0"/>
               </a:rPr>
-              <a:t>What’s this person’s smiliness?</a:t>
-            </a:r>
-          </a:p>
-        </p:txBody>
-      </p:sp>
-      <p:pic>
-        <p:nvPicPr>
-          <p:cNvPr id="6" name="Picture 5">
-            <a:extLst>
-              <a:ext uri="{FF2B5EF4-FFF2-40B4-BE49-F238E27FC236}">
-                <a16:creationId xmlns:a16="http://schemas.microsoft.com/office/drawing/2014/main" id="{8DEC7DB8-AEA6-F91D-1EB7-96EC60EB7C85}"/>
-              </a:ext>
-            </a:extLst>
-          </p:cNvPr>
-          <p:cNvPicPr>
-            <a:picLocks noChangeAspect="1"/>
-          </p:cNvPicPr>
-          <p:nvPr/>
-        </p:nvPicPr>
-        <p:blipFill>
-          <a:blip r:embed="rId2"/>
-          <a:stretch>
-            <a:fillRect/>
-          </a:stretch>
-        </p:blipFill>
-        <p:spPr>
-          <a:xfrm>
-            <a:off x="3507203" y="1608882"/>
-            <a:ext cx="5177589" cy="3951318"/>
-          </a:xfrm>
-          <a:prstGeom prst="rect">
-            <a:avLst/>
-          </a:prstGeom>
-        </p:spPr>
-      </p:pic>
-      <p:sp>
-        <p:nvSpPr>
-          <p:cNvPr id="3" name="TextBox 2">
-            <a:extLst>
-              <a:ext uri="{FF2B5EF4-FFF2-40B4-BE49-F238E27FC236}">
-                <a16:creationId xmlns:a16="http://schemas.microsoft.com/office/drawing/2014/main" id="{1F50AED6-C15A-90AC-8ED7-4E422F4882E6}"/>
-              </a:ext>
-            </a:extLst>
-          </p:cNvPr>
-          <p:cNvSpPr txBox="1"/>
-          <p:nvPr/>
-        </p:nvSpPr>
-        <p:spPr>
-          <a:xfrm>
-            <a:off x="373853" y="687283"/>
-            <a:ext cx="11444287" cy="461665"/>
-          </a:xfrm>
-          <a:prstGeom prst="rect">
-            <a:avLst/>
-          </a:prstGeom>
-          <a:noFill/>
-        </p:spPr>
-        <p:txBody>
-          <a:bodyPr wrap="square" rtlCol="0">
-            <a:spAutoFit/>
-          </a:bodyPr>
-          <a:lstStyle/>
-          <a:p>
-            <a:pPr algn="ctr"/>
-            <a:r>
-              <a:rPr lang="en-CH" sz="2400" dirty="0">
-                <a:solidFill>
-                  <a:schemeClr val="bg1"/>
-                </a:solidFill>
-                <a:latin typeface="Arial" panose="020B0604020202020204" pitchFamily="34" charset="0"/>
-                <a:cs typeface="Arial" panose="020B0604020202020204" pitchFamily="34" charset="0"/>
-              </a:rPr>
-              <a:t>Use the index finger to stop the sliding bar.</a:t>
+              <a:t>+ 1</a:t>
             </a:r>
           </a:p>
         </p:txBody>
@@ -5841,7 +5255,7 @@
     </p:spTree>
     <p:extLst>
       <p:ext uri="{BB962C8B-B14F-4D97-AF65-F5344CB8AC3E}">
-        <p14:creationId xmlns:p14="http://schemas.microsoft.com/office/powerpoint/2010/main" val="1385509644"/>
+        <p14:creationId xmlns:p14="http://schemas.microsoft.com/office/powerpoint/2010/main" val="1062932709"/>
       </p:ext>
     </p:extLst>
   </p:cSld>
@@ -5881,7 +5295,7 @@
           <p:cNvPr id="2" name="TextBox 1">
             <a:extLst>
               <a:ext uri="{FF2B5EF4-FFF2-40B4-BE49-F238E27FC236}">
-                <a16:creationId xmlns:a16="http://schemas.microsoft.com/office/drawing/2014/main" id="{AD582762-AD39-FD35-B38A-051614F60C13}"/>
+                <a16:creationId xmlns:a16="http://schemas.microsoft.com/office/drawing/2014/main" id="{A2F27E21-B004-68AF-2485-A4D06B57CE76}"/>
               </a:ext>
             </a:extLst>
           </p:cNvPr>
@@ -5890,8 +5304,8 @@
         </p:nvSpPr>
         <p:spPr>
           <a:xfrm>
-            <a:off x="373856" y="490866"/>
-            <a:ext cx="11444287" cy="523220"/>
+            <a:off x="373853" y="3013501"/>
+            <a:ext cx="11444287" cy="830997"/>
           </a:xfrm>
           <a:prstGeom prst="rect">
             <a:avLst/>
@@ -5906,866 +5320,22 @@
           <a:p>
             <a:pPr algn="ctr"/>
             <a:r>
-              <a:rPr lang="en-CH" sz="2800" dirty="0">
+              <a:rPr lang="en-CH" sz="4800" dirty="0">
                 <a:solidFill>
                   <a:schemeClr val="bg1"/>
                 </a:solidFill>
                 <a:latin typeface="Arial" panose="020B0604020202020204" pitchFamily="34" charset="0"/>
                 <a:cs typeface="Arial" panose="020B0604020202020204" pitchFamily="34" charset="0"/>
               </a:rPr>
-              <a:t>What’s their General Smiliness?</a:t>
-            </a:r>
-          </a:p>
-        </p:txBody>
-      </p:sp>
-      <p:sp>
-        <p:nvSpPr>
-          <p:cNvPr id="4" name="TextBox 3">
-            <a:extLst>
-              <a:ext uri="{FF2B5EF4-FFF2-40B4-BE49-F238E27FC236}">
-                <a16:creationId xmlns:a16="http://schemas.microsoft.com/office/drawing/2014/main" id="{695D40FF-A1FE-E022-930A-B1F85985ACA6}"/>
-              </a:ext>
-            </a:extLst>
-          </p:cNvPr>
-          <p:cNvSpPr txBox="1"/>
-          <p:nvPr/>
-        </p:nvSpPr>
-        <p:spPr>
-          <a:xfrm>
-            <a:off x="502442" y="6215391"/>
-            <a:ext cx="11444287" cy="523220"/>
-          </a:xfrm>
-          <a:prstGeom prst="rect">
-            <a:avLst/>
-          </a:prstGeom>
-          <a:noFill/>
-        </p:spPr>
-        <p:txBody>
-          <a:bodyPr wrap="square" rtlCol="0">
-            <a:spAutoFit/>
-          </a:bodyPr>
-          <a:lstStyle/>
-          <a:p>
-            <a:pPr algn="ctr"/>
-            <a:r>
-              <a:rPr lang="en-GB" sz="2800" dirty="0">
-                <a:solidFill>
-                  <a:schemeClr val="bg1"/>
-                </a:solidFill>
-                <a:latin typeface="Arial" panose="020B0604020202020204" pitchFamily="34" charset="0"/>
-                <a:cs typeface="Arial" panose="020B0604020202020204" pitchFamily="34" charset="0"/>
-              </a:rPr>
-              <a:t>v</a:t>
-            </a:r>
-            <a:r>
-              <a:rPr lang="en-CH" sz="2800" dirty="0">
-                <a:solidFill>
-                  <a:schemeClr val="bg1"/>
-                </a:solidFill>
-                <a:latin typeface="Arial" panose="020B0604020202020204" pitchFamily="34" charset="0"/>
-                <a:cs typeface="Arial" panose="020B0604020202020204" pitchFamily="34" charset="0"/>
-              </a:rPr>
-              <a:t>ery unlikely……..……………|…………………………………very likely</a:t>
-            </a:r>
-          </a:p>
-        </p:txBody>
-      </p:sp>
-      <p:pic>
-        <p:nvPicPr>
-          <p:cNvPr id="3" name="Picture 2">
-            <a:extLst>
-              <a:ext uri="{FF2B5EF4-FFF2-40B4-BE49-F238E27FC236}">
-                <a16:creationId xmlns:a16="http://schemas.microsoft.com/office/drawing/2014/main" id="{806E8D17-9B9E-C3AB-0A7F-48472E18AF7C}"/>
-              </a:ext>
-            </a:extLst>
-          </p:cNvPr>
-          <p:cNvPicPr>
-            <a:picLocks noChangeAspect="1"/>
-          </p:cNvPicPr>
-          <p:nvPr/>
-        </p:nvPicPr>
-        <p:blipFill>
-          <a:blip r:embed="rId2"/>
-          <a:stretch>
-            <a:fillRect/>
-          </a:stretch>
-        </p:blipFill>
-        <p:spPr>
-          <a:xfrm>
-            <a:off x="3507203" y="1608882"/>
-            <a:ext cx="5177589" cy="3951318"/>
-          </a:xfrm>
-          <a:prstGeom prst="rect">
-            <a:avLst/>
-          </a:prstGeom>
-        </p:spPr>
-      </p:pic>
+              <a:t>- 1</a:t>
+            </a:r>
+          </a:p>
+        </p:txBody>
+      </p:sp>
     </p:spTree>
     <p:extLst>
       <p:ext uri="{BB962C8B-B14F-4D97-AF65-F5344CB8AC3E}">
-        <p14:creationId xmlns:p14="http://schemas.microsoft.com/office/powerpoint/2010/main" val="3623443312"/>
-      </p:ext>
-    </p:extLst>
-  </p:cSld>
-  <p:clrMapOvr>
-    <a:masterClrMapping/>
-  </p:clrMapOvr>
-</p:sld>
-</file>
-
-<file path=ppt/slides/slide32.xml><?xml version="1.0" encoding="utf-8"?>
-<p:sld xmlns:a="http://schemas.openxmlformats.org/drawingml/2006/main" xmlns:r="http://schemas.openxmlformats.org/officeDocument/2006/relationships" xmlns:p="http://schemas.openxmlformats.org/presentationml/2006/main">
-  <p:cSld>
-    <p:bg>
-      <p:bgPr>
-        <a:solidFill>
-          <a:srgbClr val="5C5C5C"/>
-        </a:solidFill>
-        <a:effectLst/>
-      </p:bgPr>
-    </p:bg>
-    <p:spTree>
-      <p:nvGrpSpPr>
-        <p:cNvPr id="1" name=""/>
-        <p:cNvGrpSpPr/>
-        <p:nvPr/>
-      </p:nvGrpSpPr>
-      <p:grpSpPr>
-        <a:xfrm>
-          <a:off x="0" y="0"/>
-          <a:ext cx="0" cy="0"/>
-          <a:chOff x="0" y="0"/>
-          <a:chExt cx="0" cy="0"/>
-        </a:xfrm>
-      </p:grpSpPr>
-      <p:pic>
-        <p:nvPicPr>
-          <p:cNvPr id="4" name="Picture 3">
-            <a:extLst>
-              <a:ext uri="{FF2B5EF4-FFF2-40B4-BE49-F238E27FC236}">
-                <a16:creationId xmlns:a16="http://schemas.microsoft.com/office/drawing/2014/main" id="{B2361CFE-4012-70A1-CB6C-259411BA06A1}"/>
-              </a:ext>
-            </a:extLst>
-          </p:cNvPr>
-          <p:cNvPicPr>
-            <a:picLocks noChangeAspect="1"/>
-          </p:cNvPicPr>
-          <p:nvPr/>
-        </p:nvPicPr>
-        <p:blipFill>
-          <a:blip r:embed="rId2"/>
-          <a:stretch>
-            <a:fillRect/>
-          </a:stretch>
-        </p:blipFill>
-        <p:spPr>
-          <a:xfrm>
-            <a:off x="3507203" y="1608882"/>
-            <a:ext cx="5177589" cy="3951318"/>
-          </a:xfrm>
-          <a:prstGeom prst="rect">
-            <a:avLst/>
-          </a:prstGeom>
-        </p:spPr>
-      </p:pic>
-      <p:sp>
-        <p:nvSpPr>
-          <p:cNvPr id="2" name="TextBox 1">
-            <a:extLst>
-              <a:ext uri="{FF2B5EF4-FFF2-40B4-BE49-F238E27FC236}">
-                <a16:creationId xmlns:a16="http://schemas.microsoft.com/office/drawing/2014/main" id="{32E15C6E-CD45-EEE2-EAB3-BB8B480EE7E4}"/>
-              </a:ext>
-            </a:extLst>
-          </p:cNvPr>
-          <p:cNvSpPr txBox="1"/>
-          <p:nvPr/>
-        </p:nvSpPr>
-        <p:spPr>
-          <a:xfrm>
-            <a:off x="1" y="687283"/>
-            <a:ext cx="12192000" cy="830997"/>
-          </a:xfrm>
-          <a:prstGeom prst="rect">
-            <a:avLst/>
-          </a:prstGeom>
-          <a:noFill/>
-        </p:spPr>
-        <p:txBody>
-          <a:bodyPr wrap="square" lIns="36000" rIns="36000" rtlCol="0">
-            <a:spAutoFit/>
-          </a:bodyPr>
-          <a:lstStyle/>
-          <a:p>
-            <a:pPr algn="ctr"/>
-            <a:r>
-              <a:rPr lang="en-US" sz="2400" dirty="0">
-                <a:solidFill>
-                  <a:schemeClr val="bg1"/>
-                </a:solidFill>
-                <a:latin typeface="Arial" panose="020B0604020202020204" pitchFamily="34" charset="0"/>
-                <a:cs typeface="Arial" panose="020B0604020202020204" pitchFamily="34" charset="0"/>
-              </a:rPr>
-              <a:t>Choose to smile: use index finger to start and ring finger when your face is neutral again.</a:t>
-            </a:r>
-          </a:p>
-          <a:p>
-            <a:pPr algn="ctr"/>
-            <a:r>
-              <a:rPr lang="en-US" sz="2400" dirty="0">
-                <a:solidFill>
-                  <a:schemeClr val="bg1"/>
-                </a:solidFill>
-                <a:latin typeface="Arial" panose="020B0604020202020204" pitchFamily="34" charset="0"/>
-                <a:cs typeface="Arial" panose="020B0604020202020204" pitchFamily="34" charset="0"/>
-              </a:rPr>
-              <a:t>Choose to stay neutral: indicate choice with middle finger.</a:t>
-            </a:r>
-            <a:endParaRPr lang="en-CH" sz="2400" dirty="0">
-              <a:solidFill>
-                <a:schemeClr val="bg1"/>
-              </a:solidFill>
-              <a:latin typeface="Arial" panose="020B0604020202020204" pitchFamily="34" charset="0"/>
-              <a:cs typeface="Arial" panose="020B0604020202020204" pitchFamily="34" charset="0"/>
-            </a:endParaRPr>
-          </a:p>
-        </p:txBody>
-      </p:sp>
-    </p:spTree>
-    <p:extLst>
-      <p:ext uri="{BB962C8B-B14F-4D97-AF65-F5344CB8AC3E}">
-        <p14:creationId xmlns:p14="http://schemas.microsoft.com/office/powerpoint/2010/main" val="523614191"/>
-      </p:ext>
-    </p:extLst>
-  </p:cSld>
-  <p:clrMapOvr>
-    <a:masterClrMapping/>
-  </p:clrMapOvr>
-</p:sld>
-</file>
-
-<file path=ppt/slides/slide33.xml><?xml version="1.0" encoding="utf-8"?>
-<p:sld xmlns:a="http://schemas.openxmlformats.org/drawingml/2006/main" xmlns:r="http://schemas.openxmlformats.org/officeDocument/2006/relationships" xmlns:p="http://schemas.openxmlformats.org/presentationml/2006/main">
-  <p:cSld>
-    <p:bg>
-      <p:bgPr>
-        <a:solidFill>
-          <a:srgbClr val="5C5C5C"/>
-        </a:solidFill>
-        <a:effectLst/>
-      </p:bgPr>
-    </p:bg>
-    <p:spTree>
-      <p:nvGrpSpPr>
-        <p:cNvPr id="1" name=""/>
-        <p:cNvGrpSpPr/>
-        <p:nvPr/>
-      </p:nvGrpSpPr>
-      <p:grpSpPr>
-        <a:xfrm>
-          <a:off x="0" y="0"/>
-          <a:ext cx="0" cy="0"/>
-          <a:chOff x="0" y="0"/>
-          <a:chExt cx="0" cy="0"/>
-        </a:xfrm>
-      </p:grpSpPr>
-      <p:sp>
-        <p:nvSpPr>
-          <p:cNvPr id="2" name="TextBox 1">
-            <a:extLst>
-              <a:ext uri="{FF2B5EF4-FFF2-40B4-BE49-F238E27FC236}">
-                <a16:creationId xmlns:a16="http://schemas.microsoft.com/office/drawing/2014/main" id="{836EA789-13CE-DB7E-6F3B-2FC8531B9D22}"/>
-              </a:ext>
-            </a:extLst>
-          </p:cNvPr>
-          <p:cNvSpPr txBox="1"/>
-          <p:nvPr/>
-        </p:nvSpPr>
-        <p:spPr>
-          <a:xfrm>
-            <a:off x="373855" y="6056893"/>
-            <a:ext cx="11444287" cy="523220"/>
-          </a:xfrm>
-          <a:prstGeom prst="rect">
-            <a:avLst/>
-          </a:prstGeom>
-          <a:noFill/>
-        </p:spPr>
-        <p:txBody>
-          <a:bodyPr wrap="square" rtlCol="0">
-            <a:spAutoFit/>
-          </a:bodyPr>
-          <a:lstStyle/>
-          <a:p>
-            <a:pPr algn="ctr"/>
-            <a:r>
-              <a:rPr lang="en-GB" sz="2800" i="1" dirty="0">
-                <a:solidFill>
-                  <a:schemeClr val="bg1"/>
-                </a:solidFill>
-                <a:latin typeface="Arial" panose="020B0604020202020204" pitchFamily="34" charset="0"/>
-                <a:cs typeface="Arial" panose="020B0604020202020204" pitchFamily="34" charset="0"/>
-              </a:rPr>
-              <a:t>[P</a:t>
-            </a:r>
-            <a:r>
-              <a:rPr lang="en-CH" sz="2800" i="1" dirty="0">
-                <a:solidFill>
-                  <a:schemeClr val="bg1"/>
-                </a:solidFill>
-                <a:latin typeface="Arial" panose="020B0604020202020204" pitchFamily="34" charset="0"/>
-                <a:cs typeface="Arial" panose="020B0604020202020204" pitchFamily="34" charset="0"/>
-              </a:rPr>
-              <a:t>articipant indicates start with button press]</a:t>
-            </a:r>
-          </a:p>
-        </p:txBody>
-      </p:sp>
-      <p:pic>
-        <p:nvPicPr>
-          <p:cNvPr id="3" name="Picture 2">
-            <a:extLst>
-              <a:ext uri="{FF2B5EF4-FFF2-40B4-BE49-F238E27FC236}">
-                <a16:creationId xmlns:a16="http://schemas.microsoft.com/office/drawing/2014/main" id="{6C07DFE1-A2CD-49FF-F1E5-D491292C6922}"/>
-              </a:ext>
-            </a:extLst>
-          </p:cNvPr>
-          <p:cNvPicPr>
-            <a:picLocks noChangeAspect="1"/>
-          </p:cNvPicPr>
-          <p:nvPr/>
-        </p:nvPicPr>
-        <p:blipFill>
-          <a:blip r:embed="rId2"/>
-          <a:stretch>
-            <a:fillRect/>
-          </a:stretch>
-        </p:blipFill>
-        <p:spPr>
-          <a:xfrm>
-            <a:off x="3507203" y="1608882"/>
-            <a:ext cx="5177589" cy="3951318"/>
-          </a:xfrm>
-          <a:prstGeom prst="rect">
-            <a:avLst/>
-          </a:prstGeom>
-        </p:spPr>
-      </p:pic>
-    </p:spTree>
-    <p:extLst>
-      <p:ext uri="{BB962C8B-B14F-4D97-AF65-F5344CB8AC3E}">
-        <p14:creationId xmlns:p14="http://schemas.microsoft.com/office/powerpoint/2010/main" val="2910172035"/>
-      </p:ext>
-    </p:extLst>
-  </p:cSld>
-  <p:clrMapOvr>
-    <a:masterClrMapping/>
-  </p:clrMapOvr>
-</p:sld>
-</file>
-
-<file path=ppt/slides/slide34.xml><?xml version="1.0" encoding="utf-8"?>
-<p:sld xmlns:a="http://schemas.openxmlformats.org/drawingml/2006/main" xmlns:r="http://schemas.openxmlformats.org/officeDocument/2006/relationships" xmlns:p="http://schemas.openxmlformats.org/presentationml/2006/main">
-  <p:cSld>
-    <p:bg>
-      <p:bgPr>
-        <a:solidFill>
-          <a:srgbClr val="5C5C5C"/>
-        </a:solidFill>
-        <a:effectLst/>
-      </p:bgPr>
-    </p:bg>
-    <p:spTree>
-      <p:nvGrpSpPr>
-        <p:cNvPr id="1" name=""/>
-        <p:cNvGrpSpPr/>
-        <p:nvPr/>
-      </p:nvGrpSpPr>
-      <p:grpSpPr>
-        <a:xfrm>
-          <a:off x="0" y="0"/>
-          <a:ext cx="0" cy="0"/>
-          <a:chOff x="0" y="0"/>
-          <a:chExt cx="0" cy="0"/>
-        </a:xfrm>
-      </p:grpSpPr>
-      <p:sp>
-        <p:nvSpPr>
-          <p:cNvPr id="2" name="TextBox 1">
-            <a:extLst>
-              <a:ext uri="{FF2B5EF4-FFF2-40B4-BE49-F238E27FC236}">
-                <a16:creationId xmlns:a16="http://schemas.microsoft.com/office/drawing/2014/main" id="{836EA789-13CE-DB7E-6F3B-2FC8531B9D22}"/>
-              </a:ext>
-            </a:extLst>
-          </p:cNvPr>
-          <p:cNvSpPr txBox="1"/>
-          <p:nvPr/>
-        </p:nvSpPr>
-        <p:spPr>
-          <a:xfrm>
-            <a:off x="373855" y="6056893"/>
-            <a:ext cx="11444287" cy="523220"/>
-          </a:xfrm>
-          <a:prstGeom prst="rect">
-            <a:avLst/>
-          </a:prstGeom>
-          <a:noFill/>
-        </p:spPr>
-        <p:txBody>
-          <a:bodyPr wrap="square" rtlCol="0">
-            <a:spAutoFit/>
-          </a:bodyPr>
-          <a:lstStyle/>
-          <a:p>
-            <a:pPr algn="ctr"/>
-            <a:r>
-              <a:rPr lang="en-GB" sz="2800" i="1" dirty="0">
-                <a:solidFill>
-                  <a:schemeClr val="bg1"/>
-                </a:solidFill>
-                <a:latin typeface="Arial" panose="020B0604020202020204" pitchFamily="34" charset="0"/>
-                <a:cs typeface="Arial" panose="020B0604020202020204" pitchFamily="34" charset="0"/>
-              </a:rPr>
-              <a:t>[P</a:t>
-            </a:r>
-            <a:r>
-              <a:rPr lang="en-CH" sz="2800" i="1" dirty="0">
-                <a:solidFill>
-                  <a:schemeClr val="bg1"/>
-                </a:solidFill>
-                <a:latin typeface="Arial" panose="020B0604020202020204" pitchFamily="34" charset="0"/>
-                <a:cs typeface="Arial" panose="020B0604020202020204" pitchFamily="34" charset="0"/>
-              </a:rPr>
-              <a:t>articipant indicates skip with button press]</a:t>
-            </a:r>
-          </a:p>
-        </p:txBody>
-      </p:sp>
-      <p:pic>
-        <p:nvPicPr>
-          <p:cNvPr id="4" name="Picture 3">
-            <a:extLst>
-              <a:ext uri="{FF2B5EF4-FFF2-40B4-BE49-F238E27FC236}">
-                <a16:creationId xmlns:a16="http://schemas.microsoft.com/office/drawing/2014/main" id="{40172DCA-CAC4-22AA-4153-0C13A4678131}"/>
-              </a:ext>
-            </a:extLst>
-          </p:cNvPr>
-          <p:cNvPicPr>
-            <a:picLocks noChangeAspect="1"/>
-          </p:cNvPicPr>
-          <p:nvPr/>
-        </p:nvPicPr>
-        <p:blipFill>
-          <a:blip r:embed="rId2"/>
-          <a:stretch>
-            <a:fillRect/>
-          </a:stretch>
-        </p:blipFill>
-        <p:spPr>
-          <a:xfrm>
-            <a:off x="3507203" y="1608882"/>
-            <a:ext cx="5177589" cy="3951318"/>
-          </a:xfrm>
-          <a:prstGeom prst="rect">
-            <a:avLst/>
-          </a:prstGeom>
-        </p:spPr>
-      </p:pic>
-    </p:spTree>
-    <p:extLst>
-      <p:ext uri="{BB962C8B-B14F-4D97-AF65-F5344CB8AC3E}">
-        <p14:creationId xmlns:p14="http://schemas.microsoft.com/office/powerpoint/2010/main" val="3731839454"/>
-      </p:ext>
-    </p:extLst>
-  </p:cSld>
-  <p:clrMapOvr>
-    <a:masterClrMapping/>
-  </p:clrMapOvr>
-</p:sld>
-</file>
-
-<file path=ppt/slides/slide35.xml><?xml version="1.0" encoding="utf-8"?>
-<p:sld xmlns:a="http://schemas.openxmlformats.org/drawingml/2006/main" xmlns:r="http://schemas.openxmlformats.org/officeDocument/2006/relationships" xmlns:p="http://schemas.openxmlformats.org/presentationml/2006/main">
-  <p:cSld>
-    <p:bg>
-      <p:bgPr>
-        <a:solidFill>
-          <a:srgbClr val="5C5C5C"/>
-        </a:solidFill>
-        <a:effectLst/>
-      </p:bgPr>
-    </p:bg>
-    <p:spTree>
-      <p:nvGrpSpPr>
-        <p:cNvPr id="1" name=""/>
-        <p:cNvGrpSpPr/>
-        <p:nvPr/>
-      </p:nvGrpSpPr>
-      <p:grpSpPr>
-        <a:xfrm>
-          <a:off x="0" y="0"/>
-          <a:ext cx="0" cy="0"/>
-          <a:chOff x="0" y="0"/>
-          <a:chExt cx="0" cy="0"/>
-        </a:xfrm>
-      </p:grpSpPr>
-      <p:sp>
-        <p:nvSpPr>
-          <p:cNvPr id="2" name="TextBox 1">
-            <a:extLst>
-              <a:ext uri="{FF2B5EF4-FFF2-40B4-BE49-F238E27FC236}">
-                <a16:creationId xmlns:a16="http://schemas.microsoft.com/office/drawing/2014/main" id="{C90A9DA5-1FD9-012D-2AF2-C70E43B8A3F1}"/>
-              </a:ext>
-            </a:extLst>
-          </p:cNvPr>
-          <p:cNvSpPr txBox="1"/>
-          <p:nvPr/>
-        </p:nvSpPr>
-        <p:spPr>
-          <a:xfrm>
-            <a:off x="467718" y="5709653"/>
-            <a:ext cx="11444287" cy="523220"/>
-          </a:xfrm>
-          <a:prstGeom prst="rect">
-            <a:avLst/>
-          </a:prstGeom>
-          <a:noFill/>
-        </p:spPr>
-        <p:txBody>
-          <a:bodyPr wrap="square" rtlCol="0">
-            <a:spAutoFit/>
-          </a:bodyPr>
-          <a:lstStyle/>
-          <a:p>
-            <a:pPr algn="ctr"/>
-            <a:r>
-              <a:rPr lang="en-GB" sz="2800" i="1" dirty="0">
-                <a:solidFill>
-                  <a:schemeClr val="bg1"/>
-                </a:solidFill>
-                <a:latin typeface="Arial" panose="020B0604020202020204" pitchFamily="34" charset="0"/>
-                <a:cs typeface="Arial" panose="020B0604020202020204" pitchFamily="34" charset="0"/>
-              </a:rPr>
-              <a:t>[P</a:t>
-            </a:r>
-            <a:r>
-              <a:rPr lang="en-CH" sz="2800" i="1" dirty="0">
-                <a:solidFill>
-                  <a:schemeClr val="bg1"/>
-                </a:solidFill>
-                <a:latin typeface="Arial" panose="020B0604020202020204" pitchFamily="34" charset="0"/>
-                <a:cs typeface="Arial" panose="020B0604020202020204" pitchFamily="34" charset="0"/>
-              </a:rPr>
-              <a:t>articipant smiles indicates stop with button press]</a:t>
-            </a:r>
-          </a:p>
-        </p:txBody>
-      </p:sp>
-      <p:pic>
-        <p:nvPicPr>
-          <p:cNvPr id="3" name="Picture 2">
-            <a:extLst>
-              <a:ext uri="{FF2B5EF4-FFF2-40B4-BE49-F238E27FC236}">
-                <a16:creationId xmlns:a16="http://schemas.microsoft.com/office/drawing/2014/main" id="{CD5CDD1B-25C5-903A-7EE0-76946005CD2A}"/>
-              </a:ext>
-            </a:extLst>
-          </p:cNvPr>
-          <p:cNvPicPr>
-            <a:picLocks noChangeAspect="1"/>
-          </p:cNvPicPr>
-          <p:nvPr/>
-        </p:nvPicPr>
-        <p:blipFill>
-          <a:blip r:embed="rId2"/>
-          <a:stretch>
-            <a:fillRect/>
-          </a:stretch>
-        </p:blipFill>
-        <p:spPr>
-          <a:xfrm>
-            <a:off x="3507203" y="1608882"/>
-            <a:ext cx="5177589" cy="3951318"/>
-          </a:xfrm>
-          <a:prstGeom prst="rect">
-            <a:avLst/>
-          </a:prstGeom>
-        </p:spPr>
-      </p:pic>
-    </p:spTree>
-    <p:extLst>
-      <p:ext uri="{BB962C8B-B14F-4D97-AF65-F5344CB8AC3E}">
-        <p14:creationId xmlns:p14="http://schemas.microsoft.com/office/powerpoint/2010/main" val="2506299682"/>
-      </p:ext>
-    </p:extLst>
-  </p:cSld>
-  <p:clrMapOvr>
-    <a:masterClrMapping/>
-  </p:clrMapOvr>
-</p:sld>
-</file>
-
-<file path=ppt/slides/slide36.xml><?xml version="1.0" encoding="utf-8"?>
-<p:sld xmlns:a="http://schemas.openxmlformats.org/drawingml/2006/main" xmlns:r="http://schemas.openxmlformats.org/officeDocument/2006/relationships" xmlns:p="http://schemas.openxmlformats.org/presentationml/2006/main">
-  <p:cSld>
-    <p:bg>
-      <p:bgPr>
-        <a:solidFill>
-          <a:srgbClr val="5C5C5C"/>
-        </a:solidFill>
-        <a:effectLst/>
-      </p:bgPr>
-    </p:bg>
-    <p:spTree>
-      <p:nvGrpSpPr>
-        <p:cNvPr id="1" name=""/>
-        <p:cNvGrpSpPr/>
-        <p:nvPr/>
-      </p:nvGrpSpPr>
-      <p:grpSpPr>
-        <a:xfrm>
-          <a:off x="0" y="0"/>
-          <a:ext cx="0" cy="0"/>
-          <a:chOff x="0" y="0"/>
-          <a:chExt cx="0" cy="0"/>
-        </a:xfrm>
-      </p:grpSpPr>
-      <p:pic>
-        <p:nvPicPr>
-          <p:cNvPr id="2" name="Picture 1">
-            <a:extLst>
-              <a:ext uri="{FF2B5EF4-FFF2-40B4-BE49-F238E27FC236}">
-                <a16:creationId xmlns:a16="http://schemas.microsoft.com/office/drawing/2014/main" id="{DEFCF8B2-4B20-26B3-46DC-0BB4827EEAF2}"/>
-              </a:ext>
-            </a:extLst>
-          </p:cNvPr>
-          <p:cNvPicPr>
-            <a:picLocks noChangeAspect="1"/>
-          </p:cNvPicPr>
-          <p:nvPr/>
-        </p:nvPicPr>
-        <p:blipFill>
-          <a:blip r:embed="rId2"/>
-          <a:stretch>
-            <a:fillRect/>
-          </a:stretch>
-        </p:blipFill>
-        <p:spPr>
-          <a:xfrm>
-            <a:off x="3507203" y="1608882"/>
-            <a:ext cx="5177589" cy="3951318"/>
-          </a:xfrm>
-          <a:prstGeom prst="rect">
-            <a:avLst/>
-          </a:prstGeom>
-        </p:spPr>
-      </p:pic>
-    </p:spTree>
-    <p:extLst>
-      <p:ext uri="{BB962C8B-B14F-4D97-AF65-F5344CB8AC3E}">
-        <p14:creationId xmlns:p14="http://schemas.microsoft.com/office/powerpoint/2010/main" val="4049790711"/>
-      </p:ext>
-    </p:extLst>
-  </p:cSld>
-  <p:clrMapOvr>
-    <a:masterClrMapping/>
-  </p:clrMapOvr>
-</p:sld>
-</file>
-
-<file path=ppt/slides/slide37.xml><?xml version="1.0" encoding="utf-8"?>
-<p:sld xmlns:a="http://schemas.openxmlformats.org/drawingml/2006/main" xmlns:r="http://schemas.openxmlformats.org/officeDocument/2006/relationships" xmlns:p="http://schemas.openxmlformats.org/presentationml/2006/main">
-  <p:cSld>
-    <p:bg>
-      <p:bgPr>
-        <a:solidFill>
-          <a:srgbClr val="5C5C5C"/>
-        </a:solidFill>
-        <a:effectLst/>
-      </p:bgPr>
-    </p:bg>
-    <p:spTree>
-      <p:nvGrpSpPr>
-        <p:cNvPr id="1" name=""/>
-        <p:cNvGrpSpPr/>
-        <p:nvPr/>
-      </p:nvGrpSpPr>
-      <p:grpSpPr>
-        <a:xfrm>
-          <a:off x="0" y="0"/>
-          <a:ext cx="0" cy="0"/>
-          <a:chOff x="0" y="0"/>
-          <a:chExt cx="0" cy="0"/>
-        </a:xfrm>
-      </p:grpSpPr>
-      <p:pic>
-        <p:nvPicPr>
-          <p:cNvPr id="4" name="Picture 3">
-            <a:extLst>
-              <a:ext uri="{FF2B5EF4-FFF2-40B4-BE49-F238E27FC236}">
-                <a16:creationId xmlns:a16="http://schemas.microsoft.com/office/drawing/2014/main" id="{BED500B3-04F6-F96C-783F-04C815BBA52E}"/>
-              </a:ext>
-            </a:extLst>
-          </p:cNvPr>
-          <p:cNvPicPr>
-            <a:picLocks noChangeAspect="1"/>
-          </p:cNvPicPr>
-          <p:nvPr/>
-        </p:nvPicPr>
-        <p:blipFill>
-          <a:blip r:embed="rId2"/>
-          <a:stretch>
-            <a:fillRect/>
-          </a:stretch>
-        </p:blipFill>
-        <p:spPr>
-          <a:xfrm>
-            <a:off x="3506400" y="1609200"/>
-            <a:ext cx="5174814" cy="3949200"/>
-          </a:xfrm>
-          <a:prstGeom prst="rect">
-            <a:avLst/>
-          </a:prstGeom>
-        </p:spPr>
-      </p:pic>
-    </p:spTree>
-    <p:extLst>
-      <p:ext uri="{BB962C8B-B14F-4D97-AF65-F5344CB8AC3E}">
-        <p14:creationId xmlns:p14="http://schemas.microsoft.com/office/powerpoint/2010/main" val="2191436035"/>
-      </p:ext>
-    </p:extLst>
-  </p:cSld>
-  <p:clrMapOvr>
-    <a:masterClrMapping/>
-  </p:clrMapOvr>
-</p:sld>
-</file>
-
-<file path=ppt/slides/slide38.xml><?xml version="1.0" encoding="utf-8"?>
-<p:sld xmlns:a="http://schemas.openxmlformats.org/drawingml/2006/main" xmlns:r="http://schemas.openxmlformats.org/officeDocument/2006/relationships" xmlns:p="http://schemas.openxmlformats.org/presentationml/2006/main">
-  <p:cSld>
-    <p:bg>
-      <p:bgPr>
-        <a:solidFill>
-          <a:srgbClr val="5C5C5C"/>
-        </a:solidFill>
-        <a:effectLst/>
-      </p:bgPr>
-    </p:bg>
-    <p:spTree>
-      <p:nvGrpSpPr>
-        <p:cNvPr id="1" name=""/>
-        <p:cNvGrpSpPr/>
-        <p:nvPr/>
-      </p:nvGrpSpPr>
-      <p:grpSpPr>
-        <a:xfrm>
-          <a:off x="0" y="0"/>
-          <a:ext cx="0" cy="0"/>
-          <a:chOff x="0" y="0"/>
-          <a:chExt cx="0" cy="0"/>
-        </a:xfrm>
-      </p:grpSpPr>
-      <p:pic>
-        <p:nvPicPr>
-          <p:cNvPr id="3" name="Picture 2">
-            <a:extLst>
-              <a:ext uri="{FF2B5EF4-FFF2-40B4-BE49-F238E27FC236}">
-                <a16:creationId xmlns:a16="http://schemas.microsoft.com/office/drawing/2014/main" id="{DE7ABC92-F2E3-A733-37E2-94E1C4AAA4CB}"/>
-              </a:ext>
-            </a:extLst>
-          </p:cNvPr>
-          <p:cNvPicPr>
-            <a:picLocks noChangeAspect="1"/>
-          </p:cNvPicPr>
-          <p:nvPr/>
-        </p:nvPicPr>
-        <p:blipFill>
-          <a:blip r:embed="rId2"/>
-          <a:stretch>
-            <a:fillRect/>
-          </a:stretch>
-        </p:blipFill>
-        <p:spPr>
-          <a:xfrm>
-            <a:off x="3506400" y="1609200"/>
-            <a:ext cx="5174814" cy="3949200"/>
-          </a:xfrm>
-          <a:prstGeom prst="rect">
-            <a:avLst/>
-          </a:prstGeom>
-        </p:spPr>
-      </p:pic>
-    </p:spTree>
-    <p:extLst>
-      <p:ext uri="{BB962C8B-B14F-4D97-AF65-F5344CB8AC3E}">
-        <p14:creationId xmlns:p14="http://schemas.microsoft.com/office/powerpoint/2010/main" val="358834036"/>
-      </p:ext>
-    </p:extLst>
-  </p:cSld>
-  <p:clrMapOvr>
-    <a:masterClrMapping/>
-  </p:clrMapOvr>
-</p:sld>
-</file>
-
-<file path=ppt/slides/slide39.xml><?xml version="1.0" encoding="utf-8"?>
-<p:sld xmlns:a="http://schemas.openxmlformats.org/drawingml/2006/main" xmlns:r="http://schemas.openxmlformats.org/officeDocument/2006/relationships" xmlns:p="http://schemas.openxmlformats.org/presentationml/2006/main">
-  <p:cSld>
-    <p:bg>
-      <p:bgPr>
-        <a:solidFill>
-          <a:srgbClr val="5C5C5C"/>
-        </a:solidFill>
-        <a:effectLst/>
-      </p:bgPr>
-    </p:bg>
-    <p:spTree>
-      <p:nvGrpSpPr>
-        <p:cNvPr id="1" name=""/>
-        <p:cNvGrpSpPr/>
-        <p:nvPr/>
-      </p:nvGrpSpPr>
-      <p:grpSpPr>
-        <a:xfrm>
-          <a:off x="0" y="0"/>
-          <a:ext cx="0" cy="0"/>
-          <a:chOff x="0" y="0"/>
-          <a:chExt cx="0" cy="0"/>
-        </a:xfrm>
-      </p:grpSpPr>
-      <p:pic>
-        <p:nvPicPr>
-          <p:cNvPr id="3" name="Picture 2">
-            <a:extLst>
-              <a:ext uri="{FF2B5EF4-FFF2-40B4-BE49-F238E27FC236}">
-                <a16:creationId xmlns:a16="http://schemas.microsoft.com/office/drawing/2014/main" id="{401995BA-36D4-5C71-38DC-FA3615EDBA1C}"/>
-              </a:ext>
-            </a:extLst>
-          </p:cNvPr>
-          <p:cNvPicPr>
-            <a:picLocks noChangeAspect="1"/>
-          </p:cNvPicPr>
-          <p:nvPr/>
-        </p:nvPicPr>
-        <p:blipFill>
-          <a:blip r:embed="rId2"/>
-          <a:stretch>
-            <a:fillRect/>
-          </a:stretch>
-        </p:blipFill>
-        <p:spPr>
-          <a:xfrm>
-            <a:off x="3506400" y="1609200"/>
-            <a:ext cx="5174814" cy="3949200"/>
-          </a:xfrm>
-          <a:prstGeom prst="rect">
-            <a:avLst/>
-          </a:prstGeom>
-        </p:spPr>
-      </p:pic>
-    </p:spTree>
-    <p:extLst>
-      <p:ext uri="{BB962C8B-B14F-4D97-AF65-F5344CB8AC3E}">
-        <p14:creationId xmlns:p14="http://schemas.microsoft.com/office/powerpoint/2010/main" val="4182240765"/>
+        <p14:creationId xmlns:p14="http://schemas.microsoft.com/office/powerpoint/2010/main" val="386870888"/>
       </p:ext>
     </p:extLst>
   </p:cSld>
@@ -6815,7 +5385,7 @@
         <p:spPr>
           <a:xfrm>
             <a:off x="391886" y="130629"/>
-            <a:ext cx="11614067" cy="4555093"/>
+            <a:ext cx="11614067" cy="5570756"/>
           </a:xfrm>
           <a:prstGeom prst="rect">
             <a:avLst/>
@@ -6870,7 +5440,7 @@
                 <a:latin typeface="Arial" panose="020B0604020202020204" pitchFamily="34" charset="0"/>
                 <a:cs typeface="Arial" panose="020B0604020202020204" pitchFamily="34" charset="0"/>
               </a:rPr>
-              <a:t>If an egg that you buy is rotten, you will loose a point. If you refrain from collecting an egg that would have been fresh however, you also loose a point. You gain points if you buy fresh eggs or correctly refuse rotten eggs offered by the farmer.</a:t>
+              <a:t>If an egg that you buy is rotten, you will loose money and a point. If you refrain from collecting an egg that would have been fresh, you also loose a point. You gain points if you buy fresh eggs or correctly refuse rotten eggs offered by the farmer.</a:t>
             </a:r>
           </a:p>
           <a:p>
@@ -6891,7 +5461,7 @@
                 <a:latin typeface="Arial" panose="020B0604020202020204" pitchFamily="34" charset="0"/>
                 <a:cs typeface="Arial" panose="020B0604020202020204" pitchFamily="34" charset="0"/>
               </a:rPr>
-              <a:t>If you can reach 50 points you will earn an additional 5 AUD on top of the participation reimbursement.</a:t>
+              <a:t>If you can reach 50 points across all tasks you will earn an additional 5 AUD on top of the participation reimbursement.</a:t>
             </a:r>
           </a:p>
           <a:p>
@@ -6912,8 +5482,38 @@
                 <a:latin typeface="Arial" panose="020B0604020202020204" pitchFamily="34" charset="0"/>
                 <a:cs typeface="Arial" panose="020B0604020202020204" pitchFamily="34" charset="0"/>
               </a:rPr>
-              <a:t>If you reach 100 points you will earn an additional 5 AUDon top of the participation reimbursement and the 50-point bonus.</a:t>
-            </a:r>
+              <a:t>If you reach 100 points across all tasks you will earn an additional 5 AUD on top of the participation reimbursement and the 50-point bonus.</a:t>
+            </a:r>
+          </a:p>
+          <a:p>
+            <a:endParaRPr lang="en-CH" sz="2200" dirty="0">
+              <a:solidFill>
+                <a:schemeClr val="bg1"/>
+              </a:solidFill>
+              <a:latin typeface="Arial" panose="020B0604020202020204" pitchFamily="34" charset="0"/>
+              <a:cs typeface="Arial" panose="020B0604020202020204" pitchFamily="34" charset="0"/>
+            </a:endParaRPr>
+          </a:p>
+          <a:p>
+            <a:r>
+              <a:rPr lang="en-CH" sz="2200" dirty="0">
+                <a:solidFill>
+                  <a:schemeClr val="bg1"/>
+                </a:solidFill>
+                <a:latin typeface="Arial" panose="020B0604020202020204" pitchFamily="34" charset="0"/>
+                <a:cs typeface="Arial" panose="020B0604020202020204" pitchFamily="34" charset="0"/>
+              </a:rPr>
+              <a:t>After each task you will learn how many points you accumulated.</a:t>
+            </a:r>
+          </a:p>
+          <a:p>
+            <a:endParaRPr lang="en-CH" sz="2200" dirty="0">
+              <a:solidFill>
+                <a:schemeClr val="bg1"/>
+              </a:solidFill>
+              <a:latin typeface="Arial" panose="020B0604020202020204" pitchFamily="34" charset="0"/>
+              <a:cs typeface="Arial" panose="020B0604020202020204" pitchFamily="34" charset="0"/>
+            </a:endParaRPr>
           </a:p>
           <a:p>
             <a:endParaRPr lang="en-CH" sz="2200" dirty="0">
@@ -6939,7 +5539,75 @@
 </p:sld>
 </file>
 
-<file path=ppt/slides/slide40.xml><?xml version="1.0" encoding="utf-8"?>
+<file path=ppt/slides/slide5.xml><?xml version="1.0" encoding="utf-8"?>
+<p:sld xmlns:a="http://schemas.openxmlformats.org/drawingml/2006/main" xmlns:r="http://schemas.openxmlformats.org/officeDocument/2006/relationships" xmlns:p="http://schemas.openxmlformats.org/presentationml/2006/main">
+  <p:cSld>
+    <p:bg>
+      <p:bgPr>
+        <a:solidFill>
+          <a:srgbClr val="5C5C5C"/>
+        </a:solidFill>
+        <a:effectLst/>
+      </p:bgPr>
+    </p:bg>
+    <p:spTree>
+      <p:nvGrpSpPr>
+        <p:cNvPr id="1" name=""/>
+        <p:cNvGrpSpPr/>
+        <p:nvPr/>
+      </p:nvGrpSpPr>
+      <p:grpSpPr>
+        <a:xfrm>
+          <a:off x="0" y="0"/>
+          <a:ext cx="0" cy="0"/>
+          <a:chOff x="0" y="0"/>
+          <a:chExt cx="0" cy="0"/>
+        </a:xfrm>
+      </p:grpSpPr>
+      <p:pic>
+        <p:nvPicPr>
+          <p:cNvPr id="4" name="Picture 3">
+            <a:extLst>
+              <a:ext uri="{FF2B5EF4-FFF2-40B4-BE49-F238E27FC236}">
+                <a16:creationId xmlns:a16="http://schemas.microsoft.com/office/drawing/2014/main" id="{BC42480A-BBD8-6D26-ED28-6A7FA443D398}"/>
+              </a:ext>
+            </a:extLst>
+          </p:cNvPr>
+          <p:cNvPicPr>
+            <a:picLocks noChangeAspect="1"/>
+          </p:cNvPicPr>
+          <p:nvPr/>
+        </p:nvPicPr>
+        <p:blipFill>
+          <a:blip r:embed="rId2"/>
+          <a:stretch>
+            <a:fillRect/>
+          </a:stretch>
+        </p:blipFill>
+        <p:spPr>
+          <a:xfrm>
+            <a:off x="3501517" y="1449000"/>
+            <a:ext cx="5188966" cy="3960000"/>
+          </a:xfrm>
+          <a:prstGeom prst="rect">
+            <a:avLst/>
+          </a:prstGeom>
+        </p:spPr>
+      </p:pic>
+    </p:spTree>
+    <p:extLst>
+      <p:ext uri="{BB962C8B-B14F-4D97-AF65-F5344CB8AC3E}">
+        <p14:creationId xmlns:p14="http://schemas.microsoft.com/office/powerpoint/2010/main" val="3388625610"/>
+      </p:ext>
+    </p:extLst>
+  </p:cSld>
+  <p:clrMapOvr>
+    <a:masterClrMapping/>
+  </p:clrMapOvr>
+</p:sld>
+</file>
+
+<file path=ppt/slides/slide6.xml><?xml version="1.0" encoding="utf-8"?>
 <p:sld xmlns:a="http://schemas.openxmlformats.org/drawingml/2006/main" xmlns:r="http://schemas.openxmlformats.org/officeDocument/2006/relationships" xmlns:p="http://schemas.openxmlformats.org/presentationml/2006/main">
   <p:cSld>
     <p:bg>
@@ -6969,7 +5637,7 @@
           <p:cNvPr id="3" name="Picture 2">
             <a:extLst>
               <a:ext uri="{FF2B5EF4-FFF2-40B4-BE49-F238E27FC236}">
-                <a16:creationId xmlns:a16="http://schemas.microsoft.com/office/drawing/2014/main" id="{E2C0382A-E985-6D86-51C1-B0C50BBB4036}"/>
+                <a16:creationId xmlns:a16="http://schemas.microsoft.com/office/drawing/2014/main" id="{08526774-AD3D-A2BF-8B22-289424073E47}"/>
               </a:ext>
             </a:extLst>
           </p:cNvPr>
@@ -6986,8 +5654,8 @@
         </p:blipFill>
         <p:spPr>
           <a:xfrm>
-            <a:off x="3506400" y="1609200"/>
-            <a:ext cx="5174814" cy="3949200"/>
+            <a:off x="3501517" y="1449000"/>
+            <a:ext cx="5188966" cy="3960000"/>
           </a:xfrm>
           <a:prstGeom prst="rect">
             <a:avLst/>
@@ -6997,7 +5665,7 @@
     </p:spTree>
     <p:extLst>
       <p:ext uri="{BB962C8B-B14F-4D97-AF65-F5344CB8AC3E}">
-        <p14:creationId xmlns:p14="http://schemas.microsoft.com/office/powerpoint/2010/main" val="865510643"/>
+        <p14:creationId xmlns:p14="http://schemas.microsoft.com/office/powerpoint/2010/main" val="4139463847"/>
       </p:ext>
     </p:extLst>
   </p:cSld>
@@ -7007,7 +5675,7 @@
 </p:sld>
 </file>
 
-<file path=ppt/slides/slide41.xml><?xml version="1.0" encoding="utf-8"?>
+<file path=ppt/slides/slide7.xml><?xml version="1.0" encoding="utf-8"?>
 <p:sld xmlns:a="http://schemas.openxmlformats.org/drawingml/2006/main" xmlns:r="http://schemas.openxmlformats.org/officeDocument/2006/relationships" xmlns:p="http://schemas.openxmlformats.org/presentationml/2006/main">
   <p:cSld>
     <p:bg>
@@ -7037,7 +5705,7 @@
           <p:cNvPr id="3" name="Picture 2">
             <a:extLst>
               <a:ext uri="{FF2B5EF4-FFF2-40B4-BE49-F238E27FC236}">
-                <a16:creationId xmlns:a16="http://schemas.microsoft.com/office/drawing/2014/main" id="{8608201E-83F9-1F76-9ACB-08B08B1252B8}"/>
+                <a16:creationId xmlns:a16="http://schemas.microsoft.com/office/drawing/2014/main" id="{02C3729A-FF3F-F995-3345-DEEDC1FC84C1}"/>
               </a:ext>
             </a:extLst>
           </p:cNvPr>
@@ -7054,8 +5722,8 @@
         </p:blipFill>
         <p:spPr>
           <a:xfrm>
-            <a:off x="3506400" y="1609200"/>
-            <a:ext cx="5174814" cy="3949200"/>
+            <a:off x="3501517" y="1449000"/>
+            <a:ext cx="5188966" cy="3960000"/>
           </a:xfrm>
           <a:prstGeom prst="rect">
             <a:avLst/>
@@ -7065,7 +5733,7 @@
     </p:spTree>
     <p:extLst>
       <p:ext uri="{BB962C8B-B14F-4D97-AF65-F5344CB8AC3E}">
-        <p14:creationId xmlns:p14="http://schemas.microsoft.com/office/powerpoint/2010/main" val="1276533535"/>
+        <p14:creationId xmlns:p14="http://schemas.microsoft.com/office/powerpoint/2010/main" val="1313142258"/>
       </p:ext>
     </p:extLst>
   </p:cSld>
@@ -7075,7 +5743,7 @@
 </p:sld>
 </file>
 
-<file path=ppt/slides/slide42.xml><?xml version="1.0" encoding="utf-8"?>
+<file path=ppt/slides/slide8.xml><?xml version="1.0" encoding="utf-8"?>
 <p:sld xmlns:a="http://schemas.openxmlformats.org/drawingml/2006/main" xmlns:r="http://schemas.openxmlformats.org/officeDocument/2006/relationships" xmlns:p="http://schemas.openxmlformats.org/presentationml/2006/main">
   <p:cSld>
     <p:bg>
@@ -7105,7 +5773,7 @@
           <p:cNvPr id="4" name="Picture 3">
             <a:extLst>
               <a:ext uri="{FF2B5EF4-FFF2-40B4-BE49-F238E27FC236}">
-                <a16:creationId xmlns:a16="http://schemas.microsoft.com/office/drawing/2014/main" id="{858166CB-00EF-9524-29D3-3DBB370EFA3E}"/>
+                <a16:creationId xmlns:a16="http://schemas.microsoft.com/office/drawing/2014/main" id="{BF22FE1A-67F2-9A08-251F-880432C4BF90}"/>
               </a:ext>
             </a:extLst>
           </p:cNvPr>
@@ -7122,8 +5790,8 @@
         </p:blipFill>
         <p:spPr>
           <a:xfrm>
-            <a:off x="3506400" y="1609200"/>
-            <a:ext cx="5174814" cy="3949200"/>
+            <a:off x="3501517" y="1449000"/>
+            <a:ext cx="5188966" cy="3960000"/>
           </a:xfrm>
           <a:prstGeom prst="rect">
             <a:avLst/>
@@ -7133,7 +5801,7 @@
     </p:spTree>
     <p:extLst>
       <p:ext uri="{BB962C8B-B14F-4D97-AF65-F5344CB8AC3E}">
-        <p14:creationId xmlns:p14="http://schemas.microsoft.com/office/powerpoint/2010/main" val="1155800500"/>
+        <p14:creationId xmlns:p14="http://schemas.microsoft.com/office/powerpoint/2010/main" val="3262247840"/>
       </p:ext>
     </p:extLst>
   </p:cSld>
@@ -7143,7 +5811,7 @@
 </p:sld>
 </file>
 
-<file path=ppt/slides/slide43.xml><?xml version="1.0" encoding="utf-8"?>
+<file path=ppt/slides/slide9.xml><?xml version="1.0" encoding="utf-8"?>
 <p:sld xmlns:a="http://schemas.openxmlformats.org/drawingml/2006/main" xmlns:r="http://schemas.openxmlformats.org/officeDocument/2006/relationships" xmlns:p="http://schemas.openxmlformats.org/presentationml/2006/main">
   <p:cSld>
     <p:bg>
@@ -7170,10 +5838,10 @@
       </p:grpSpPr>
       <p:pic>
         <p:nvPicPr>
-          <p:cNvPr id="4" name="Picture 3">
-            <a:extLst>
-              <a:ext uri="{FF2B5EF4-FFF2-40B4-BE49-F238E27FC236}">
-                <a16:creationId xmlns:a16="http://schemas.microsoft.com/office/drawing/2014/main" id="{FFD78C45-367B-013D-6AE1-ECEF9BE68782}"/>
+          <p:cNvPr id="6" name="Picture 5">
+            <a:extLst>
+              <a:ext uri="{FF2B5EF4-FFF2-40B4-BE49-F238E27FC236}">
+                <a16:creationId xmlns:a16="http://schemas.microsoft.com/office/drawing/2014/main" id="{44A62FE8-2D8D-89A6-318D-1514870111D0}"/>
               </a:ext>
             </a:extLst>
           </p:cNvPr>
@@ -7190,8 +5858,8 @@
         </p:blipFill>
         <p:spPr>
           <a:xfrm>
-            <a:off x="3506400" y="1609200"/>
-            <a:ext cx="5174814" cy="3949200"/>
+            <a:off x="3501517" y="1449000"/>
+            <a:ext cx="5188966" cy="3960000"/>
           </a:xfrm>
           <a:prstGeom prst="rect">
             <a:avLst/>
@@ -7201,747 +5869,7 @@
     </p:spTree>
     <p:extLst>
       <p:ext uri="{BB962C8B-B14F-4D97-AF65-F5344CB8AC3E}">
-        <p14:creationId xmlns:p14="http://schemas.microsoft.com/office/powerpoint/2010/main" val="1704022151"/>
-      </p:ext>
-    </p:extLst>
-  </p:cSld>
-  <p:clrMapOvr>
-    <a:masterClrMapping/>
-  </p:clrMapOvr>
-</p:sld>
-</file>
-
-<file path=ppt/slides/slide44.xml><?xml version="1.0" encoding="utf-8"?>
-<p:sld xmlns:a="http://schemas.openxmlformats.org/drawingml/2006/main" xmlns:r="http://schemas.openxmlformats.org/officeDocument/2006/relationships" xmlns:p="http://schemas.openxmlformats.org/presentationml/2006/main">
-  <p:cSld>
-    <p:bg>
-      <p:bgPr>
-        <a:solidFill>
-          <a:srgbClr val="5C5C5C"/>
-        </a:solidFill>
-        <a:effectLst/>
-      </p:bgPr>
-    </p:bg>
-    <p:spTree>
-      <p:nvGrpSpPr>
-        <p:cNvPr id="1" name=""/>
-        <p:cNvGrpSpPr/>
-        <p:nvPr/>
-      </p:nvGrpSpPr>
-      <p:grpSpPr>
-        <a:xfrm>
-          <a:off x="0" y="0"/>
-          <a:ext cx="0" cy="0"/>
-          <a:chOff x="0" y="0"/>
-          <a:chExt cx="0" cy="0"/>
-        </a:xfrm>
-      </p:grpSpPr>
-      <p:pic>
-        <p:nvPicPr>
-          <p:cNvPr id="4" name="Picture 3">
-            <a:extLst>
-              <a:ext uri="{FF2B5EF4-FFF2-40B4-BE49-F238E27FC236}">
-                <a16:creationId xmlns:a16="http://schemas.microsoft.com/office/drawing/2014/main" id="{7D85AB63-23F3-B733-1826-5D7A68505988}"/>
-              </a:ext>
-            </a:extLst>
-          </p:cNvPr>
-          <p:cNvPicPr>
-            <a:picLocks noChangeAspect="1"/>
-          </p:cNvPicPr>
-          <p:nvPr/>
-        </p:nvPicPr>
-        <p:blipFill>
-          <a:blip r:embed="rId2"/>
-          <a:stretch>
-            <a:fillRect/>
-          </a:stretch>
-        </p:blipFill>
-        <p:spPr>
-          <a:xfrm>
-            <a:off x="3506400" y="1609200"/>
-            <a:ext cx="5174814" cy="3949200"/>
-          </a:xfrm>
-          <a:prstGeom prst="rect">
-            <a:avLst/>
-          </a:prstGeom>
-        </p:spPr>
-      </p:pic>
-    </p:spTree>
-    <p:extLst>
-      <p:ext uri="{BB962C8B-B14F-4D97-AF65-F5344CB8AC3E}">
-        <p14:creationId xmlns:p14="http://schemas.microsoft.com/office/powerpoint/2010/main" val="2854284393"/>
-      </p:ext>
-    </p:extLst>
-  </p:cSld>
-  <p:clrMapOvr>
-    <a:masterClrMapping/>
-  </p:clrMapOvr>
-</p:sld>
-</file>
-
-<file path=ppt/slides/slide45.xml><?xml version="1.0" encoding="utf-8"?>
-<p:sld xmlns:a="http://schemas.openxmlformats.org/drawingml/2006/main" xmlns:r="http://schemas.openxmlformats.org/officeDocument/2006/relationships" xmlns:p="http://schemas.openxmlformats.org/presentationml/2006/main">
-  <p:cSld>
-    <p:bg>
-      <p:bgPr>
-        <a:solidFill>
-          <a:srgbClr val="5C5C5C"/>
-        </a:solidFill>
-        <a:effectLst/>
-      </p:bgPr>
-    </p:bg>
-    <p:spTree>
-      <p:nvGrpSpPr>
-        <p:cNvPr id="1" name=""/>
-        <p:cNvGrpSpPr/>
-        <p:nvPr/>
-      </p:nvGrpSpPr>
-      <p:grpSpPr>
-        <a:xfrm>
-          <a:off x="0" y="0"/>
-          <a:ext cx="0" cy="0"/>
-          <a:chOff x="0" y="0"/>
-          <a:chExt cx="0" cy="0"/>
-        </a:xfrm>
-      </p:grpSpPr>
-      <p:pic>
-        <p:nvPicPr>
-          <p:cNvPr id="3" name="Picture 2">
-            <a:extLst>
-              <a:ext uri="{FF2B5EF4-FFF2-40B4-BE49-F238E27FC236}">
-                <a16:creationId xmlns:a16="http://schemas.microsoft.com/office/drawing/2014/main" id="{BECFDE45-71EC-8D32-5999-374716A9EAF5}"/>
-              </a:ext>
-            </a:extLst>
-          </p:cNvPr>
-          <p:cNvPicPr>
-            <a:picLocks noChangeAspect="1"/>
-          </p:cNvPicPr>
-          <p:nvPr/>
-        </p:nvPicPr>
-        <p:blipFill>
-          <a:blip r:embed="rId2"/>
-          <a:stretch>
-            <a:fillRect/>
-          </a:stretch>
-        </p:blipFill>
-        <p:spPr>
-          <a:xfrm>
-            <a:off x="3506400" y="1609200"/>
-            <a:ext cx="5174814" cy="3949200"/>
-          </a:xfrm>
-          <a:prstGeom prst="rect">
-            <a:avLst/>
-          </a:prstGeom>
-        </p:spPr>
-      </p:pic>
-    </p:spTree>
-    <p:extLst>
-      <p:ext uri="{BB962C8B-B14F-4D97-AF65-F5344CB8AC3E}">
-        <p14:creationId xmlns:p14="http://schemas.microsoft.com/office/powerpoint/2010/main" val="3880544390"/>
-      </p:ext>
-    </p:extLst>
-  </p:cSld>
-  <p:clrMapOvr>
-    <a:masterClrMapping/>
-  </p:clrMapOvr>
-</p:sld>
-</file>
-
-<file path=ppt/slides/slide46.xml><?xml version="1.0" encoding="utf-8"?>
-<p:sld xmlns:a="http://schemas.openxmlformats.org/drawingml/2006/main" xmlns:r="http://schemas.openxmlformats.org/officeDocument/2006/relationships" xmlns:p="http://schemas.openxmlformats.org/presentationml/2006/main">
-  <p:cSld>
-    <p:bg>
-      <p:bgPr>
-        <a:solidFill>
-          <a:srgbClr val="5C5C5C"/>
-        </a:solidFill>
-        <a:effectLst/>
-      </p:bgPr>
-    </p:bg>
-    <p:spTree>
-      <p:nvGrpSpPr>
-        <p:cNvPr id="1" name=""/>
-        <p:cNvGrpSpPr/>
-        <p:nvPr/>
-      </p:nvGrpSpPr>
-      <p:grpSpPr>
-        <a:xfrm>
-          <a:off x="0" y="0"/>
-          <a:ext cx="0" cy="0"/>
-          <a:chOff x="0" y="0"/>
-          <a:chExt cx="0" cy="0"/>
-        </a:xfrm>
-      </p:grpSpPr>
-      <p:sp>
-        <p:nvSpPr>
-          <p:cNvPr id="5" name="TextBox 4">
-            <a:extLst>
-              <a:ext uri="{FF2B5EF4-FFF2-40B4-BE49-F238E27FC236}">
-                <a16:creationId xmlns:a16="http://schemas.microsoft.com/office/drawing/2014/main" id="{5C3101FE-916F-7AC8-03CF-F8680EC21ADF}"/>
-              </a:ext>
-            </a:extLst>
-          </p:cNvPr>
-          <p:cNvSpPr txBox="1"/>
-          <p:nvPr/>
-        </p:nvSpPr>
-        <p:spPr>
-          <a:xfrm>
-            <a:off x="373856" y="2510165"/>
-            <a:ext cx="11444287" cy="1569660"/>
-          </a:xfrm>
-          <a:prstGeom prst="rect">
-            <a:avLst/>
-          </a:prstGeom>
-          <a:noFill/>
-        </p:spPr>
-        <p:txBody>
-          <a:bodyPr wrap="square" rtlCol="0">
-            <a:spAutoFit/>
-          </a:bodyPr>
-          <a:lstStyle/>
-          <a:p>
-            <a:pPr algn="ctr"/>
-            <a:r>
-              <a:rPr lang="en-CH" sz="9600" dirty="0">
-                <a:solidFill>
-                  <a:schemeClr val="bg1"/>
-                </a:solidFill>
-                <a:latin typeface="Arial" panose="020B0604020202020204" pitchFamily="34" charset="0"/>
-                <a:cs typeface="Arial" panose="020B0604020202020204" pitchFamily="34" charset="0"/>
-              </a:rPr>
-              <a:t>+</a:t>
-            </a:r>
-          </a:p>
-        </p:txBody>
-      </p:sp>
-    </p:spTree>
-    <p:extLst>
-      <p:ext uri="{BB962C8B-B14F-4D97-AF65-F5344CB8AC3E}">
-        <p14:creationId xmlns:p14="http://schemas.microsoft.com/office/powerpoint/2010/main" val="3152935877"/>
-      </p:ext>
-    </p:extLst>
-  </p:cSld>
-  <p:clrMapOvr>
-    <a:masterClrMapping/>
-  </p:clrMapOvr>
-</p:sld>
-</file>
-
-<file path=ppt/slides/slide47.xml><?xml version="1.0" encoding="utf-8"?>
-<p:sld xmlns:a="http://schemas.openxmlformats.org/drawingml/2006/main" xmlns:r="http://schemas.openxmlformats.org/officeDocument/2006/relationships" xmlns:p="http://schemas.openxmlformats.org/presentationml/2006/main">
-  <p:cSld>
-    <p:bg>
-      <p:bgPr>
-        <a:solidFill>
-          <a:srgbClr val="5C5C5C"/>
-        </a:solidFill>
-        <a:effectLst/>
-      </p:bgPr>
-    </p:bg>
-    <p:spTree>
-      <p:nvGrpSpPr>
-        <p:cNvPr id="1" name=""/>
-        <p:cNvGrpSpPr/>
-        <p:nvPr/>
-      </p:nvGrpSpPr>
-      <p:grpSpPr>
-        <a:xfrm>
-          <a:off x="0" y="0"/>
-          <a:ext cx="0" cy="0"/>
-          <a:chOff x="0" y="0"/>
-          <a:chExt cx="0" cy="0"/>
-        </a:xfrm>
-      </p:grpSpPr>
-      <p:sp>
-        <p:nvSpPr>
-          <p:cNvPr id="6" name="TextBox 5">
-            <a:extLst>
-              <a:ext uri="{FF2B5EF4-FFF2-40B4-BE49-F238E27FC236}">
-                <a16:creationId xmlns:a16="http://schemas.microsoft.com/office/drawing/2014/main" id="{D73EA4BC-C794-ADDF-A1A3-B7FC9E83B19C}"/>
-              </a:ext>
-            </a:extLst>
-          </p:cNvPr>
-          <p:cNvSpPr txBox="1"/>
-          <p:nvPr/>
-        </p:nvSpPr>
-        <p:spPr>
-          <a:xfrm>
-            <a:off x="373853" y="3013501"/>
-            <a:ext cx="11444287" cy="830997"/>
-          </a:xfrm>
-          <a:prstGeom prst="rect">
-            <a:avLst/>
-          </a:prstGeom>
-          <a:noFill/>
-        </p:spPr>
-        <p:txBody>
-          <a:bodyPr wrap="square" rtlCol="0">
-            <a:spAutoFit/>
-          </a:bodyPr>
-          <a:lstStyle/>
-          <a:p>
-            <a:pPr algn="ctr"/>
-            <a:r>
-              <a:rPr lang="en-CH" sz="4800" dirty="0">
-                <a:solidFill>
-                  <a:schemeClr val="bg1"/>
-                </a:solidFill>
-                <a:latin typeface="Arial" panose="020B0604020202020204" pitchFamily="34" charset="0"/>
-                <a:cs typeface="Arial" panose="020B0604020202020204" pitchFamily="34" charset="0"/>
-              </a:rPr>
-              <a:t>+ 1</a:t>
-            </a:r>
-          </a:p>
-        </p:txBody>
-      </p:sp>
-    </p:spTree>
-    <p:extLst>
-      <p:ext uri="{BB962C8B-B14F-4D97-AF65-F5344CB8AC3E}">
-        <p14:creationId xmlns:p14="http://schemas.microsoft.com/office/powerpoint/2010/main" val="1062932709"/>
-      </p:ext>
-    </p:extLst>
-  </p:cSld>
-  <p:clrMapOvr>
-    <a:masterClrMapping/>
-  </p:clrMapOvr>
-</p:sld>
-</file>
-
-<file path=ppt/slides/slide48.xml><?xml version="1.0" encoding="utf-8"?>
-<p:sld xmlns:a="http://schemas.openxmlformats.org/drawingml/2006/main" xmlns:r="http://schemas.openxmlformats.org/officeDocument/2006/relationships" xmlns:p="http://schemas.openxmlformats.org/presentationml/2006/main">
-  <p:cSld>
-    <p:bg>
-      <p:bgPr>
-        <a:solidFill>
-          <a:srgbClr val="5C5C5C"/>
-        </a:solidFill>
-        <a:effectLst/>
-      </p:bgPr>
-    </p:bg>
-    <p:spTree>
-      <p:nvGrpSpPr>
-        <p:cNvPr id="1" name=""/>
-        <p:cNvGrpSpPr/>
-        <p:nvPr/>
-      </p:nvGrpSpPr>
-      <p:grpSpPr>
-        <a:xfrm>
-          <a:off x="0" y="0"/>
-          <a:ext cx="0" cy="0"/>
-          <a:chOff x="0" y="0"/>
-          <a:chExt cx="0" cy="0"/>
-        </a:xfrm>
-      </p:grpSpPr>
-      <p:sp>
-        <p:nvSpPr>
-          <p:cNvPr id="2" name="TextBox 1">
-            <a:extLst>
-              <a:ext uri="{FF2B5EF4-FFF2-40B4-BE49-F238E27FC236}">
-                <a16:creationId xmlns:a16="http://schemas.microsoft.com/office/drawing/2014/main" id="{A2F27E21-B004-68AF-2485-A4D06B57CE76}"/>
-              </a:ext>
-            </a:extLst>
-          </p:cNvPr>
-          <p:cNvSpPr txBox="1"/>
-          <p:nvPr/>
-        </p:nvSpPr>
-        <p:spPr>
-          <a:xfrm>
-            <a:off x="373853" y="3013501"/>
-            <a:ext cx="11444287" cy="830997"/>
-          </a:xfrm>
-          <a:prstGeom prst="rect">
-            <a:avLst/>
-          </a:prstGeom>
-          <a:noFill/>
-        </p:spPr>
-        <p:txBody>
-          <a:bodyPr wrap="square" rtlCol="0">
-            <a:spAutoFit/>
-          </a:bodyPr>
-          <a:lstStyle/>
-          <a:p>
-            <a:pPr algn="ctr"/>
-            <a:r>
-              <a:rPr lang="en-CH" sz="4800" dirty="0">
-                <a:solidFill>
-                  <a:schemeClr val="bg1"/>
-                </a:solidFill>
-                <a:latin typeface="Arial" panose="020B0604020202020204" pitchFamily="34" charset="0"/>
-                <a:cs typeface="Arial" panose="020B0604020202020204" pitchFamily="34" charset="0"/>
-              </a:rPr>
-              <a:t>- 1</a:t>
-            </a:r>
-          </a:p>
-        </p:txBody>
-      </p:sp>
-    </p:spTree>
-    <p:extLst>
-      <p:ext uri="{BB962C8B-B14F-4D97-AF65-F5344CB8AC3E}">
-        <p14:creationId xmlns:p14="http://schemas.microsoft.com/office/powerpoint/2010/main" val="386870888"/>
-      </p:ext>
-    </p:extLst>
-  </p:cSld>
-  <p:clrMapOvr>
-    <a:masterClrMapping/>
-  </p:clrMapOvr>
-</p:sld>
-</file>
-
-<file path=ppt/slides/slide5.xml><?xml version="1.0" encoding="utf-8"?>
-<p:sld xmlns:a="http://schemas.openxmlformats.org/drawingml/2006/main" xmlns:r="http://schemas.openxmlformats.org/officeDocument/2006/relationships" xmlns:p="http://schemas.openxmlformats.org/presentationml/2006/main">
-  <p:cSld>
-    <p:bg>
-      <p:bgPr>
-        <a:solidFill>
-          <a:srgbClr val="646464"/>
-        </a:solidFill>
-        <a:effectLst/>
-      </p:bgPr>
-    </p:bg>
-    <p:spTree>
-      <p:nvGrpSpPr>
-        <p:cNvPr id="1" name=""/>
-        <p:cNvGrpSpPr/>
-        <p:nvPr/>
-      </p:nvGrpSpPr>
-      <p:grpSpPr>
-        <a:xfrm>
-          <a:off x="0" y="0"/>
-          <a:ext cx="0" cy="0"/>
-          <a:chOff x="0" y="0"/>
-          <a:chExt cx="0" cy="0"/>
-        </a:xfrm>
-      </p:grpSpPr>
-      <p:pic>
-        <p:nvPicPr>
-          <p:cNvPr id="4" name="Picture 3">
-            <a:extLst>
-              <a:ext uri="{FF2B5EF4-FFF2-40B4-BE49-F238E27FC236}">
-                <a16:creationId xmlns:a16="http://schemas.microsoft.com/office/drawing/2014/main" id="{98A99499-E62E-36AE-E9CC-5AD602FD0030}"/>
-              </a:ext>
-            </a:extLst>
-          </p:cNvPr>
-          <p:cNvPicPr>
-            <a:picLocks noChangeAspect="1"/>
-          </p:cNvPicPr>
-          <p:nvPr/>
-        </p:nvPicPr>
-        <p:blipFill>
-          <a:blip r:embed="rId2"/>
-          <a:stretch>
-            <a:fillRect/>
-          </a:stretch>
-        </p:blipFill>
-        <p:spPr>
-          <a:xfrm>
-            <a:off x="4121400" y="1454400"/>
-            <a:ext cx="3949200" cy="3949200"/>
-          </a:xfrm>
-          <a:prstGeom prst="rect">
-            <a:avLst/>
-          </a:prstGeom>
-        </p:spPr>
-      </p:pic>
-    </p:spTree>
-    <p:extLst>
-      <p:ext uri="{BB962C8B-B14F-4D97-AF65-F5344CB8AC3E}">
-        <p14:creationId xmlns:p14="http://schemas.microsoft.com/office/powerpoint/2010/main" val="3024732115"/>
-      </p:ext>
-    </p:extLst>
-  </p:cSld>
-  <p:clrMapOvr>
-    <a:masterClrMapping/>
-  </p:clrMapOvr>
-</p:sld>
-</file>
-
-<file path=ppt/slides/slide6.xml><?xml version="1.0" encoding="utf-8"?>
-<p:sld xmlns:a="http://schemas.openxmlformats.org/drawingml/2006/main" xmlns:r="http://schemas.openxmlformats.org/officeDocument/2006/relationships" xmlns:p="http://schemas.openxmlformats.org/presentationml/2006/main">
-  <p:cSld>
-    <p:bg>
-      <p:bgPr>
-        <a:solidFill>
-          <a:srgbClr val="646464"/>
-        </a:solidFill>
-        <a:effectLst/>
-      </p:bgPr>
-    </p:bg>
-    <p:spTree>
-      <p:nvGrpSpPr>
-        <p:cNvPr id="1" name="">
-          <a:extLst>
-            <a:ext uri="{FF2B5EF4-FFF2-40B4-BE49-F238E27FC236}">
-              <a16:creationId xmlns:a16="http://schemas.microsoft.com/office/drawing/2014/main" id="{757EBA9A-231D-6E98-F53D-42C881A06F99}"/>
-            </a:ext>
-          </a:extLst>
-        </p:cNvPr>
-        <p:cNvGrpSpPr/>
-        <p:nvPr/>
-      </p:nvGrpSpPr>
-      <p:grpSpPr>
-        <a:xfrm>
-          <a:off x="0" y="0"/>
-          <a:ext cx="0" cy="0"/>
-          <a:chOff x="0" y="0"/>
-          <a:chExt cx="0" cy="0"/>
-        </a:xfrm>
-      </p:grpSpPr>
-      <p:pic>
-        <p:nvPicPr>
-          <p:cNvPr id="3" name="Picture 2">
-            <a:extLst>
-              <a:ext uri="{FF2B5EF4-FFF2-40B4-BE49-F238E27FC236}">
-                <a16:creationId xmlns:a16="http://schemas.microsoft.com/office/drawing/2014/main" id="{A66ACF03-06CF-DEEF-B6C6-3EB4F093909D}"/>
-              </a:ext>
-            </a:extLst>
-          </p:cNvPr>
-          <p:cNvPicPr>
-            <a:picLocks noChangeAspect="1"/>
-          </p:cNvPicPr>
-          <p:nvPr/>
-        </p:nvPicPr>
-        <p:blipFill>
-          <a:blip r:embed="rId2"/>
-          <a:stretch>
-            <a:fillRect/>
-          </a:stretch>
-        </p:blipFill>
-        <p:spPr>
-          <a:xfrm>
-            <a:off x="4121400" y="1454400"/>
-            <a:ext cx="3949200" cy="3949200"/>
-          </a:xfrm>
-          <a:prstGeom prst="rect">
-            <a:avLst/>
-          </a:prstGeom>
-        </p:spPr>
-      </p:pic>
-    </p:spTree>
-    <p:extLst>
-      <p:ext uri="{BB962C8B-B14F-4D97-AF65-F5344CB8AC3E}">
-        <p14:creationId xmlns:p14="http://schemas.microsoft.com/office/powerpoint/2010/main" val="2494584724"/>
-      </p:ext>
-    </p:extLst>
-  </p:cSld>
-  <p:clrMapOvr>
-    <a:masterClrMapping/>
-  </p:clrMapOvr>
-</p:sld>
-</file>
-
-<file path=ppt/slides/slide7.xml><?xml version="1.0" encoding="utf-8"?>
-<p:sld xmlns:a="http://schemas.openxmlformats.org/drawingml/2006/main" xmlns:r="http://schemas.openxmlformats.org/officeDocument/2006/relationships" xmlns:p="http://schemas.openxmlformats.org/presentationml/2006/main">
-  <p:cSld>
-    <p:bg>
-      <p:bgPr>
-        <a:solidFill>
-          <a:srgbClr val="646464"/>
-        </a:solidFill>
-        <a:effectLst/>
-      </p:bgPr>
-    </p:bg>
-    <p:spTree>
-      <p:nvGrpSpPr>
-        <p:cNvPr id="1" name="">
-          <a:extLst>
-            <a:ext uri="{FF2B5EF4-FFF2-40B4-BE49-F238E27FC236}">
-              <a16:creationId xmlns:a16="http://schemas.microsoft.com/office/drawing/2014/main" id="{AFCECEE9-9371-4319-429F-28F48D23EDB2}"/>
-            </a:ext>
-          </a:extLst>
-        </p:cNvPr>
-        <p:cNvGrpSpPr/>
-        <p:nvPr/>
-      </p:nvGrpSpPr>
-      <p:grpSpPr>
-        <a:xfrm>
-          <a:off x="0" y="0"/>
-          <a:ext cx="0" cy="0"/>
-          <a:chOff x="0" y="0"/>
-          <a:chExt cx="0" cy="0"/>
-        </a:xfrm>
-      </p:grpSpPr>
-      <p:pic>
-        <p:nvPicPr>
-          <p:cNvPr id="3" name="Picture 2">
-            <a:extLst>
-              <a:ext uri="{FF2B5EF4-FFF2-40B4-BE49-F238E27FC236}">
-                <a16:creationId xmlns:a16="http://schemas.microsoft.com/office/drawing/2014/main" id="{E00D12FB-B502-2141-84DB-699677F44440}"/>
-              </a:ext>
-            </a:extLst>
-          </p:cNvPr>
-          <p:cNvPicPr>
-            <a:picLocks noChangeAspect="1"/>
-          </p:cNvPicPr>
-          <p:nvPr/>
-        </p:nvPicPr>
-        <p:blipFill>
-          <a:blip r:embed="rId2"/>
-          <a:stretch>
-            <a:fillRect/>
-          </a:stretch>
-        </p:blipFill>
-        <p:spPr>
-          <a:xfrm>
-            <a:off x="4121400" y="1454400"/>
-            <a:ext cx="3949200" cy="3949200"/>
-          </a:xfrm>
-          <a:prstGeom prst="rect">
-            <a:avLst/>
-          </a:prstGeom>
-        </p:spPr>
-      </p:pic>
-    </p:spTree>
-    <p:extLst>
-      <p:ext uri="{BB962C8B-B14F-4D97-AF65-F5344CB8AC3E}">
-        <p14:creationId xmlns:p14="http://schemas.microsoft.com/office/powerpoint/2010/main" val="3633927710"/>
-      </p:ext>
-    </p:extLst>
-  </p:cSld>
-  <p:clrMapOvr>
-    <a:masterClrMapping/>
-  </p:clrMapOvr>
-</p:sld>
-</file>
-
-<file path=ppt/slides/slide8.xml><?xml version="1.0" encoding="utf-8"?>
-<p:sld xmlns:a="http://schemas.openxmlformats.org/drawingml/2006/main" xmlns:r="http://schemas.openxmlformats.org/officeDocument/2006/relationships" xmlns:p="http://schemas.openxmlformats.org/presentationml/2006/main">
-  <p:cSld>
-    <p:bg>
-      <p:bgPr>
-        <a:solidFill>
-          <a:srgbClr val="646464"/>
-        </a:solidFill>
-        <a:effectLst/>
-      </p:bgPr>
-    </p:bg>
-    <p:spTree>
-      <p:nvGrpSpPr>
-        <p:cNvPr id="1" name="">
-          <a:extLst>
-            <a:ext uri="{FF2B5EF4-FFF2-40B4-BE49-F238E27FC236}">
-              <a16:creationId xmlns:a16="http://schemas.microsoft.com/office/drawing/2014/main" id="{ED77651F-EE57-6D85-6805-98313E03CD52}"/>
-            </a:ext>
-          </a:extLst>
-        </p:cNvPr>
-        <p:cNvGrpSpPr/>
-        <p:nvPr/>
-      </p:nvGrpSpPr>
-      <p:grpSpPr>
-        <a:xfrm>
-          <a:off x="0" y="0"/>
-          <a:ext cx="0" cy="0"/>
-          <a:chOff x="0" y="0"/>
-          <a:chExt cx="0" cy="0"/>
-        </a:xfrm>
-      </p:grpSpPr>
-      <p:pic>
-        <p:nvPicPr>
-          <p:cNvPr id="3" name="Picture 2">
-            <a:extLst>
-              <a:ext uri="{FF2B5EF4-FFF2-40B4-BE49-F238E27FC236}">
-                <a16:creationId xmlns:a16="http://schemas.microsoft.com/office/drawing/2014/main" id="{709742A0-4437-4626-486F-DED455F4D8EC}"/>
-              </a:ext>
-            </a:extLst>
-          </p:cNvPr>
-          <p:cNvPicPr>
-            <a:picLocks noChangeAspect="1"/>
-          </p:cNvPicPr>
-          <p:nvPr/>
-        </p:nvPicPr>
-        <p:blipFill>
-          <a:blip r:embed="rId2"/>
-          <a:stretch>
-            <a:fillRect/>
-          </a:stretch>
-        </p:blipFill>
-        <p:spPr>
-          <a:xfrm>
-            <a:off x="4121400" y="1454400"/>
-            <a:ext cx="3949200" cy="3949200"/>
-          </a:xfrm>
-          <a:prstGeom prst="rect">
-            <a:avLst/>
-          </a:prstGeom>
-        </p:spPr>
-      </p:pic>
-    </p:spTree>
-    <p:extLst>
-      <p:ext uri="{BB962C8B-B14F-4D97-AF65-F5344CB8AC3E}">
-        <p14:creationId xmlns:p14="http://schemas.microsoft.com/office/powerpoint/2010/main" val="2984104329"/>
-      </p:ext>
-    </p:extLst>
-  </p:cSld>
-  <p:clrMapOvr>
-    <a:masterClrMapping/>
-  </p:clrMapOvr>
-</p:sld>
-</file>
-
-<file path=ppt/slides/slide9.xml><?xml version="1.0" encoding="utf-8"?>
-<p:sld xmlns:a="http://schemas.openxmlformats.org/drawingml/2006/main" xmlns:r="http://schemas.openxmlformats.org/officeDocument/2006/relationships" xmlns:p="http://schemas.openxmlformats.org/presentationml/2006/main">
-  <p:cSld>
-    <p:bg>
-      <p:bgPr>
-        <a:solidFill>
-          <a:srgbClr val="646464"/>
-        </a:solidFill>
-        <a:effectLst/>
-      </p:bgPr>
-    </p:bg>
-    <p:spTree>
-      <p:nvGrpSpPr>
-        <p:cNvPr id="1" name="">
-          <a:extLst>
-            <a:ext uri="{FF2B5EF4-FFF2-40B4-BE49-F238E27FC236}">
-              <a16:creationId xmlns:a16="http://schemas.microsoft.com/office/drawing/2014/main" id="{1F8AAB88-DD21-6A50-E0D3-955F767C2037}"/>
-            </a:ext>
-          </a:extLst>
-        </p:cNvPr>
-        <p:cNvGrpSpPr/>
-        <p:nvPr/>
-      </p:nvGrpSpPr>
-      <p:grpSpPr>
-        <a:xfrm>
-          <a:off x="0" y="0"/>
-          <a:ext cx="0" cy="0"/>
-          <a:chOff x="0" y="0"/>
-          <a:chExt cx="0" cy="0"/>
-        </a:xfrm>
-      </p:grpSpPr>
-      <p:pic>
-        <p:nvPicPr>
-          <p:cNvPr id="3" name="Picture 2">
-            <a:extLst>
-              <a:ext uri="{FF2B5EF4-FFF2-40B4-BE49-F238E27FC236}">
-                <a16:creationId xmlns:a16="http://schemas.microsoft.com/office/drawing/2014/main" id="{207EA149-F988-ACAE-AD3F-A45C3309A941}"/>
-              </a:ext>
-            </a:extLst>
-          </p:cNvPr>
-          <p:cNvPicPr>
-            <a:picLocks noChangeAspect="1"/>
-          </p:cNvPicPr>
-          <p:nvPr/>
-        </p:nvPicPr>
-        <p:blipFill>
-          <a:blip r:embed="rId2"/>
-          <a:stretch>
-            <a:fillRect/>
-          </a:stretch>
-        </p:blipFill>
-        <p:spPr>
-          <a:xfrm>
-            <a:off x="4121400" y="1454400"/>
-            <a:ext cx="3949200" cy="3949200"/>
-          </a:xfrm>
-          <a:prstGeom prst="rect">
-            <a:avLst/>
-          </a:prstGeom>
-        </p:spPr>
-      </p:pic>
-    </p:spTree>
-    <p:extLst>
-      <p:ext uri="{BB962C8B-B14F-4D97-AF65-F5344CB8AC3E}">
-        <p14:creationId xmlns:p14="http://schemas.microsoft.com/office/powerpoint/2010/main" val="1223329335"/>
+        <p14:creationId xmlns:p14="http://schemas.microsoft.com/office/powerpoint/2010/main" val="3402998468"/>
       </p:ext>
     </p:extLst>
   </p:cSld>

--- a/control_task/stimuli/originals_SAPC_Task.pptx
+++ b/control_task/stimuli/originals_SAPC_Task.pptx
@@ -10,32 +10,33 @@
     <p:sldId id="282" r:id="rId4"/>
     <p:sldId id="3497" r:id="rId5"/>
     <p:sldId id="3519" r:id="rId6"/>
-    <p:sldId id="3480" r:id="rId7"/>
-    <p:sldId id="3482" r:id="rId8"/>
-    <p:sldId id="3484" r:id="rId9"/>
-    <p:sldId id="3486" r:id="rId10"/>
-    <p:sldId id="3521" r:id="rId11"/>
-    <p:sldId id="3523" r:id="rId12"/>
-    <p:sldId id="3525" r:id="rId13"/>
-    <p:sldId id="3527" r:id="rId14"/>
-    <p:sldId id="283" r:id="rId15"/>
-    <p:sldId id="3503" r:id="rId16"/>
-    <p:sldId id="3504" r:id="rId17"/>
-    <p:sldId id="3505" r:id="rId18"/>
-    <p:sldId id="3506" r:id="rId19"/>
-    <p:sldId id="3507" r:id="rId20"/>
-    <p:sldId id="3508" r:id="rId21"/>
-    <p:sldId id="3509" r:id="rId22"/>
-    <p:sldId id="3513" r:id="rId23"/>
-    <p:sldId id="3510" r:id="rId24"/>
-    <p:sldId id="3512" r:id="rId25"/>
-    <p:sldId id="3517" r:id="rId26"/>
-    <p:sldId id="3514" r:id="rId27"/>
-    <p:sldId id="3515" r:id="rId28"/>
-    <p:sldId id="3516" r:id="rId29"/>
-    <p:sldId id="3518" r:id="rId30"/>
-    <p:sldId id="3476" r:id="rId31"/>
-    <p:sldId id="3477" r:id="rId32"/>
+    <p:sldId id="3528" r:id="rId7"/>
+    <p:sldId id="3480" r:id="rId8"/>
+    <p:sldId id="3482" r:id="rId9"/>
+    <p:sldId id="3484" r:id="rId10"/>
+    <p:sldId id="3486" r:id="rId11"/>
+    <p:sldId id="3521" r:id="rId12"/>
+    <p:sldId id="3523" r:id="rId13"/>
+    <p:sldId id="3525" r:id="rId14"/>
+    <p:sldId id="3527" r:id="rId15"/>
+    <p:sldId id="283" r:id="rId16"/>
+    <p:sldId id="3503" r:id="rId17"/>
+    <p:sldId id="3504" r:id="rId18"/>
+    <p:sldId id="3505" r:id="rId19"/>
+    <p:sldId id="3506" r:id="rId20"/>
+    <p:sldId id="3507" r:id="rId21"/>
+    <p:sldId id="3508" r:id="rId22"/>
+    <p:sldId id="3509" r:id="rId23"/>
+    <p:sldId id="3513" r:id="rId24"/>
+    <p:sldId id="3510" r:id="rId25"/>
+    <p:sldId id="3512" r:id="rId26"/>
+    <p:sldId id="3517" r:id="rId27"/>
+    <p:sldId id="3514" r:id="rId28"/>
+    <p:sldId id="3515" r:id="rId29"/>
+    <p:sldId id="3516" r:id="rId30"/>
+    <p:sldId id="3518" r:id="rId31"/>
+    <p:sldId id="3476" r:id="rId32"/>
+    <p:sldId id="3477" r:id="rId33"/>
   </p:sldIdLst>
   <p:sldSz cx="12192000" cy="6858000"/>
   <p:notesSz cx="6858000" cy="9144000"/>
@@ -291,7 +292,7 @@
           <a:p>
             <a:fld id="{9B916260-F45C-B647-88A4-C91F6BA5DC4E}" type="datetimeFigureOut">
               <a:rPr lang="en-CH" smtClean="0"/>
-              <a:t>25.09.24</a:t>
+              <a:t>03.10.24</a:t>
             </a:fld>
             <a:endParaRPr lang="en-CH"/>
           </a:p>
@@ -491,7 +492,7 @@
           <a:p>
             <a:fld id="{9B916260-F45C-B647-88A4-C91F6BA5DC4E}" type="datetimeFigureOut">
               <a:rPr lang="en-CH" smtClean="0"/>
-              <a:t>25.09.24</a:t>
+              <a:t>03.10.24</a:t>
             </a:fld>
             <a:endParaRPr lang="en-CH"/>
           </a:p>
@@ -701,7 +702,7 @@
           <a:p>
             <a:fld id="{9B916260-F45C-B647-88A4-C91F6BA5DC4E}" type="datetimeFigureOut">
               <a:rPr lang="en-CH" smtClean="0"/>
-              <a:t>25.09.24</a:t>
+              <a:t>03.10.24</a:t>
             </a:fld>
             <a:endParaRPr lang="en-CH"/>
           </a:p>
@@ -901,7 +902,7 @@
           <a:p>
             <a:fld id="{9B916260-F45C-B647-88A4-C91F6BA5DC4E}" type="datetimeFigureOut">
               <a:rPr lang="en-CH" smtClean="0"/>
-              <a:t>25.09.24</a:t>
+              <a:t>03.10.24</a:t>
             </a:fld>
             <a:endParaRPr lang="en-CH"/>
           </a:p>
@@ -1177,7 +1178,7 @@
           <a:p>
             <a:fld id="{9B916260-F45C-B647-88A4-C91F6BA5DC4E}" type="datetimeFigureOut">
               <a:rPr lang="en-CH" smtClean="0"/>
-              <a:t>25.09.24</a:t>
+              <a:t>03.10.24</a:t>
             </a:fld>
             <a:endParaRPr lang="en-CH"/>
           </a:p>
@@ -1445,7 +1446,7 @@
           <a:p>
             <a:fld id="{9B916260-F45C-B647-88A4-C91F6BA5DC4E}" type="datetimeFigureOut">
               <a:rPr lang="en-CH" smtClean="0"/>
-              <a:t>25.09.24</a:t>
+              <a:t>03.10.24</a:t>
             </a:fld>
             <a:endParaRPr lang="en-CH"/>
           </a:p>
@@ -1860,7 +1861,7 @@
           <a:p>
             <a:fld id="{9B916260-F45C-B647-88A4-C91F6BA5DC4E}" type="datetimeFigureOut">
               <a:rPr lang="en-CH" smtClean="0"/>
-              <a:t>25.09.24</a:t>
+              <a:t>03.10.24</a:t>
             </a:fld>
             <a:endParaRPr lang="en-CH"/>
           </a:p>
@@ -2002,7 +2003,7 @@
           <a:p>
             <a:fld id="{9B916260-F45C-B647-88A4-C91F6BA5DC4E}" type="datetimeFigureOut">
               <a:rPr lang="en-CH" smtClean="0"/>
-              <a:t>25.09.24</a:t>
+              <a:t>03.10.24</a:t>
             </a:fld>
             <a:endParaRPr lang="en-CH"/>
           </a:p>
@@ -2115,7 +2116,7 @@
           <a:p>
             <a:fld id="{9B916260-F45C-B647-88A4-C91F6BA5DC4E}" type="datetimeFigureOut">
               <a:rPr lang="en-CH" smtClean="0"/>
-              <a:t>25.09.24</a:t>
+              <a:t>03.10.24</a:t>
             </a:fld>
             <a:endParaRPr lang="en-CH"/>
           </a:p>
@@ -2428,7 +2429,7 @@
           <a:p>
             <a:fld id="{9B916260-F45C-B647-88A4-C91F6BA5DC4E}" type="datetimeFigureOut">
               <a:rPr lang="en-CH" smtClean="0"/>
-              <a:t>25.09.24</a:t>
+              <a:t>03.10.24</a:t>
             </a:fld>
             <a:endParaRPr lang="en-CH"/>
           </a:p>
@@ -2717,7 +2718,7 @@
           <a:p>
             <a:fld id="{9B916260-F45C-B647-88A4-C91F6BA5DC4E}" type="datetimeFigureOut">
               <a:rPr lang="en-CH" smtClean="0"/>
-              <a:t>25.09.24</a:t>
+              <a:t>03.10.24</a:t>
             </a:fld>
             <a:endParaRPr lang="en-CH"/>
           </a:p>
@@ -2960,7 +2961,7 @@
           <a:p>
             <a:fld id="{9B916260-F45C-B647-88A4-C91F6BA5DC4E}" type="datetimeFigureOut">
               <a:rPr lang="en-CH" smtClean="0"/>
-              <a:t>25.09.24</a:t>
+              <a:t>03.10.24</a:t>
             </a:fld>
             <a:endParaRPr lang="en-CH"/>
           </a:p>
@@ -3475,6 +3476,74 @@
     </p:bg>
     <p:spTree>
       <p:nvGrpSpPr>
+        <p:cNvPr id="1" name=""/>
+        <p:cNvGrpSpPr/>
+        <p:nvPr/>
+      </p:nvGrpSpPr>
+      <p:grpSpPr>
+        <a:xfrm>
+          <a:off x="0" y="0"/>
+          <a:ext cx="0" cy="0"/>
+          <a:chOff x="0" y="0"/>
+          <a:chExt cx="0" cy="0"/>
+        </a:xfrm>
+      </p:grpSpPr>
+      <p:pic>
+        <p:nvPicPr>
+          <p:cNvPr id="6" name="Picture 5">
+            <a:extLst>
+              <a:ext uri="{FF2B5EF4-FFF2-40B4-BE49-F238E27FC236}">
+                <a16:creationId xmlns:a16="http://schemas.microsoft.com/office/drawing/2014/main" id="{44A62FE8-2D8D-89A6-318D-1514870111D0}"/>
+              </a:ext>
+            </a:extLst>
+          </p:cNvPr>
+          <p:cNvPicPr>
+            <a:picLocks noChangeAspect="1"/>
+          </p:cNvPicPr>
+          <p:nvPr/>
+        </p:nvPicPr>
+        <p:blipFill>
+          <a:blip r:embed="rId2"/>
+          <a:stretch>
+            <a:fillRect/>
+          </a:stretch>
+        </p:blipFill>
+        <p:spPr>
+          <a:xfrm>
+            <a:off x="3501517" y="1449000"/>
+            <a:ext cx="5188966" cy="3960000"/>
+          </a:xfrm>
+          <a:prstGeom prst="rect">
+            <a:avLst/>
+          </a:prstGeom>
+        </p:spPr>
+      </p:pic>
+    </p:spTree>
+    <p:extLst>
+      <p:ext uri="{BB962C8B-B14F-4D97-AF65-F5344CB8AC3E}">
+        <p14:creationId xmlns:p14="http://schemas.microsoft.com/office/powerpoint/2010/main" val="3402998468"/>
+      </p:ext>
+    </p:extLst>
+  </p:cSld>
+  <p:clrMapOvr>
+    <a:masterClrMapping/>
+  </p:clrMapOvr>
+</p:sld>
+</file>
+
+<file path=ppt/slides/slide11.xml><?xml version="1.0" encoding="utf-8"?>
+<p:sld xmlns:a="http://schemas.openxmlformats.org/drawingml/2006/main" xmlns:r="http://schemas.openxmlformats.org/officeDocument/2006/relationships" xmlns:p="http://schemas.openxmlformats.org/presentationml/2006/main">
+  <p:cSld>
+    <p:bg>
+      <p:bgPr>
+        <a:solidFill>
+          <a:srgbClr val="5C5C5C"/>
+        </a:solidFill>
+        <a:effectLst/>
+      </p:bgPr>
+    </p:bg>
+    <p:spTree>
+      <p:nvGrpSpPr>
         <p:cNvPr id="1" name="">
           <a:extLst>
             <a:ext uri="{FF2B5EF4-FFF2-40B4-BE49-F238E27FC236}">
@@ -3536,7 +3605,7 @@
 </p:sld>
 </file>
 
-<file path=ppt/slides/slide11.xml><?xml version="1.0" encoding="utf-8"?>
+<file path=ppt/slides/slide12.xml><?xml version="1.0" encoding="utf-8"?>
 <p:sld xmlns:a="http://schemas.openxmlformats.org/drawingml/2006/main" xmlns:r="http://schemas.openxmlformats.org/officeDocument/2006/relationships" xmlns:p="http://schemas.openxmlformats.org/presentationml/2006/main">
   <p:cSld>
     <p:bg>
@@ -3610,7 +3679,7 @@
 </p:sld>
 </file>
 
-<file path=ppt/slides/slide12.xml><?xml version="1.0" encoding="utf-8"?>
+<file path=ppt/slides/slide13.xml><?xml version="1.0" encoding="utf-8"?>
 <p:sld xmlns:a="http://schemas.openxmlformats.org/drawingml/2006/main" xmlns:r="http://schemas.openxmlformats.org/officeDocument/2006/relationships" xmlns:p="http://schemas.openxmlformats.org/presentationml/2006/main">
   <p:cSld>
     <p:bg>
@@ -3684,7 +3753,7 @@
 </p:sld>
 </file>
 
-<file path=ppt/slides/slide13.xml><?xml version="1.0" encoding="utf-8"?>
+<file path=ppt/slides/slide14.xml><?xml version="1.0" encoding="utf-8"?>
 <p:sld xmlns:a="http://schemas.openxmlformats.org/drawingml/2006/main" xmlns:r="http://schemas.openxmlformats.org/officeDocument/2006/relationships" xmlns:p="http://schemas.openxmlformats.org/presentationml/2006/main">
   <p:cSld>
     <p:bg>
@@ -3764,7 +3833,7 @@
 </p:sld>
 </file>
 
-<file path=ppt/slides/slide14.xml><?xml version="1.0" encoding="utf-8"?>
+<file path=ppt/slides/slide15.xml><?xml version="1.0" encoding="utf-8"?>
 <p:sld xmlns:a="http://schemas.openxmlformats.org/drawingml/2006/main" xmlns:r="http://schemas.openxmlformats.org/officeDocument/2006/relationships" xmlns:p="http://schemas.openxmlformats.org/presentationml/2006/main">
   <p:cSld>
     <p:bg>
@@ -3832,7 +3901,7 @@
 </p:sld>
 </file>
 
-<file path=ppt/slides/slide15.xml><?xml version="1.0" encoding="utf-8"?>
+<file path=ppt/slides/slide16.xml><?xml version="1.0" encoding="utf-8"?>
 <p:sld xmlns:a="http://schemas.openxmlformats.org/drawingml/2006/main" xmlns:r="http://schemas.openxmlformats.org/officeDocument/2006/relationships" xmlns:p="http://schemas.openxmlformats.org/presentationml/2006/main">
   <p:cSld>
     <p:bg>
@@ -3906,7 +3975,7 @@
 </p:sld>
 </file>
 
-<file path=ppt/slides/slide16.xml><?xml version="1.0" encoding="utf-8"?>
+<file path=ppt/slides/slide17.xml><?xml version="1.0" encoding="utf-8"?>
 <p:sld xmlns:a="http://schemas.openxmlformats.org/drawingml/2006/main" xmlns:r="http://schemas.openxmlformats.org/officeDocument/2006/relationships" xmlns:p="http://schemas.openxmlformats.org/presentationml/2006/main">
   <p:cSld>
     <p:bg>
@@ -3980,7 +4049,7 @@
 </p:sld>
 </file>
 
-<file path=ppt/slides/slide17.xml><?xml version="1.0" encoding="utf-8"?>
+<file path=ppt/slides/slide18.xml><?xml version="1.0" encoding="utf-8"?>
 <p:sld xmlns:a="http://schemas.openxmlformats.org/drawingml/2006/main" xmlns:r="http://schemas.openxmlformats.org/officeDocument/2006/relationships" xmlns:p="http://schemas.openxmlformats.org/presentationml/2006/main">
   <p:cSld>
     <p:bg>
@@ -4054,7 +4123,7 @@
 </p:sld>
 </file>
 
-<file path=ppt/slides/slide18.xml><?xml version="1.0" encoding="utf-8"?>
+<file path=ppt/slides/slide19.xml><?xml version="1.0" encoding="utf-8"?>
 <p:sld xmlns:a="http://schemas.openxmlformats.org/drawingml/2006/main" xmlns:r="http://schemas.openxmlformats.org/officeDocument/2006/relationships" xmlns:p="http://schemas.openxmlformats.org/presentationml/2006/main">
   <p:cSld>
     <p:bg>
@@ -4128,7 +4197,74 @@
 </p:sld>
 </file>
 
-<file path=ppt/slides/slide19.xml><?xml version="1.0" encoding="utf-8"?>
+<file path=ppt/slides/slide2.xml><?xml version="1.0" encoding="utf-8"?>
+<p:sld xmlns:a="http://schemas.openxmlformats.org/drawingml/2006/main" xmlns:r="http://schemas.openxmlformats.org/officeDocument/2006/relationships" xmlns:p="http://schemas.openxmlformats.org/presentationml/2006/main">
+  <p:cSld>
+    <p:spTree>
+      <p:nvGrpSpPr>
+        <p:cNvPr id="1" name=""/>
+        <p:cNvGrpSpPr/>
+        <p:nvPr/>
+      </p:nvGrpSpPr>
+      <p:grpSpPr>
+        <a:xfrm>
+          <a:off x="0" y="0"/>
+          <a:ext cx="0" cy="0"/>
+          <a:chOff x="0" y="0"/>
+          <a:chExt cx="0" cy="0"/>
+        </a:xfrm>
+      </p:grpSpPr>
+      <p:sp>
+        <p:nvSpPr>
+          <p:cNvPr id="2" name="Title 1">
+            <a:extLst>
+              <a:ext uri="{FF2B5EF4-FFF2-40B4-BE49-F238E27FC236}">
+                <a16:creationId xmlns:a16="http://schemas.microsoft.com/office/drawing/2014/main" id="{0A1FA53E-25A0-0960-0FCC-4CC105416AC1}"/>
+              </a:ext>
+            </a:extLst>
+          </p:cNvPr>
+          <p:cNvSpPr>
+            <a:spLocks noGrp="1"/>
+          </p:cNvSpPr>
+          <p:nvPr>
+            <p:ph type="title"/>
+          </p:nvPr>
+        </p:nvSpPr>
+        <p:spPr>
+          <a:xfrm>
+            <a:off x="410688" y="365125"/>
+            <a:ext cx="10943112" cy="584901"/>
+          </a:xfrm>
+        </p:spPr>
+        <p:txBody>
+          <a:bodyPr>
+            <a:normAutofit/>
+          </a:bodyPr>
+          <a:lstStyle/>
+          <a:p>
+            <a:r>
+              <a:rPr lang="en-CH" sz="2800" b="1" dirty="0">
+                <a:latin typeface="Avenir Book" panose="02000503020000020003" pitchFamily="2" charset="0"/>
+              </a:rPr>
+              <a:t>Practice Task Slides (12 trials)</a:t>
+            </a:r>
+          </a:p>
+        </p:txBody>
+      </p:sp>
+    </p:spTree>
+    <p:extLst>
+      <p:ext uri="{BB962C8B-B14F-4D97-AF65-F5344CB8AC3E}">
+        <p14:creationId xmlns:p14="http://schemas.microsoft.com/office/powerpoint/2010/main" val="2739542140"/>
+      </p:ext>
+    </p:extLst>
+  </p:cSld>
+  <p:clrMapOvr>
+    <a:masterClrMapping/>
+  </p:clrMapOvr>
+</p:sld>
+</file>
+
+<file path=ppt/slides/slide20.xml><?xml version="1.0" encoding="utf-8"?>
 <p:sld xmlns:a="http://schemas.openxmlformats.org/drawingml/2006/main" xmlns:r="http://schemas.openxmlformats.org/officeDocument/2006/relationships" xmlns:p="http://schemas.openxmlformats.org/presentationml/2006/main">
   <p:cSld>
     <p:bg>
@@ -4202,74 +4338,7 @@
 </p:sld>
 </file>
 
-<file path=ppt/slides/slide2.xml><?xml version="1.0" encoding="utf-8"?>
-<p:sld xmlns:a="http://schemas.openxmlformats.org/drawingml/2006/main" xmlns:r="http://schemas.openxmlformats.org/officeDocument/2006/relationships" xmlns:p="http://schemas.openxmlformats.org/presentationml/2006/main">
-  <p:cSld>
-    <p:spTree>
-      <p:nvGrpSpPr>
-        <p:cNvPr id="1" name=""/>
-        <p:cNvGrpSpPr/>
-        <p:nvPr/>
-      </p:nvGrpSpPr>
-      <p:grpSpPr>
-        <a:xfrm>
-          <a:off x="0" y="0"/>
-          <a:ext cx="0" cy="0"/>
-          <a:chOff x="0" y="0"/>
-          <a:chExt cx="0" cy="0"/>
-        </a:xfrm>
-      </p:grpSpPr>
-      <p:sp>
-        <p:nvSpPr>
-          <p:cNvPr id="2" name="Title 1">
-            <a:extLst>
-              <a:ext uri="{FF2B5EF4-FFF2-40B4-BE49-F238E27FC236}">
-                <a16:creationId xmlns:a16="http://schemas.microsoft.com/office/drawing/2014/main" id="{0A1FA53E-25A0-0960-0FCC-4CC105416AC1}"/>
-              </a:ext>
-            </a:extLst>
-          </p:cNvPr>
-          <p:cNvSpPr>
-            <a:spLocks noGrp="1"/>
-          </p:cNvSpPr>
-          <p:nvPr>
-            <p:ph type="title"/>
-          </p:nvPr>
-        </p:nvSpPr>
-        <p:spPr>
-          <a:xfrm>
-            <a:off x="410688" y="365125"/>
-            <a:ext cx="10943112" cy="584901"/>
-          </a:xfrm>
-        </p:spPr>
-        <p:txBody>
-          <a:bodyPr>
-            <a:normAutofit/>
-          </a:bodyPr>
-          <a:lstStyle/>
-          <a:p>
-            <a:r>
-              <a:rPr lang="en-CH" sz="2800" b="1" dirty="0">
-                <a:latin typeface="Avenir Book" panose="02000503020000020003" pitchFamily="2" charset="0"/>
-              </a:rPr>
-              <a:t>Practice Task Slides (12 trials)</a:t>
-            </a:r>
-          </a:p>
-        </p:txBody>
-      </p:sp>
-    </p:spTree>
-    <p:extLst>
-      <p:ext uri="{BB962C8B-B14F-4D97-AF65-F5344CB8AC3E}">
-        <p14:creationId xmlns:p14="http://schemas.microsoft.com/office/powerpoint/2010/main" val="2739542140"/>
-      </p:ext>
-    </p:extLst>
-  </p:cSld>
-  <p:clrMapOvr>
-    <a:masterClrMapping/>
-  </p:clrMapOvr>
-</p:sld>
-</file>
-
-<file path=ppt/slides/slide20.xml><?xml version="1.0" encoding="utf-8"?>
+<file path=ppt/slides/slide21.xml><?xml version="1.0" encoding="utf-8"?>
 <p:sld xmlns:a="http://schemas.openxmlformats.org/drawingml/2006/main" xmlns:r="http://schemas.openxmlformats.org/officeDocument/2006/relationships" xmlns:p="http://schemas.openxmlformats.org/presentationml/2006/main">
   <p:cSld>
     <p:bg>
@@ -4343,7 +4412,7 @@
 </p:sld>
 </file>
 
-<file path=ppt/slides/slide21.xml><?xml version="1.0" encoding="utf-8"?>
+<file path=ppt/slides/slide22.xml><?xml version="1.0" encoding="utf-8"?>
 <p:sld xmlns:a="http://schemas.openxmlformats.org/drawingml/2006/main" xmlns:r="http://schemas.openxmlformats.org/officeDocument/2006/relationships" xmlns:p="http://schemas.openxmlformats.org/presentationml/2006/main">
   <p:cSld>
     <p:bg>
@@ -4417,7 +4486,7 @@
 </p:sld>
 </file>
 
-<file path=ppt/slides/slide22.xml><?xml version="1.0" encoding="utf-8"?>
+<file path=ppt/slides/slide23.xml><?xml version="1.0" encoding="utf-8"?>
 <p:sld xmlns:a="http://schemas.openxmlformats.org/drawingml/2006/main" xmlns:r="http://schemas.openxmlformats.org/officeDocument/2006/relationships" xmlns:p="http://schemas.openxmlformats.org/presentationml/2006/main">
   <p:cSld>
     <p:bg>
@@ -4491,7 +4560,7 @@
 </p:sld>
 </file>
 
-<file path=ppt/slides/slide23.xml><?xml version="1.0" encoding="utf-8"?>
+<file path=ppt/slides/slide24.xml><?xml version="1.0" encoding="utf-8"?>
 <p:sld xmlns:a="http://schemas.openxmlformats.org/drawingml/2006/main" xmlns:r="http://schemas.openxmlformats.org/officeDocument/2006/relationships" xmlns:p="http://schemas.openxmlformats.org/presentationml/2006/main">
   <p:cSld>
     <p:bg>
@@ -4565,7 +4634,7 @@
 </p:sld>
 </file>
 
-<file path=ppt/slides/slide24.xml><?xml version="1.0" encoding="utf-8"?>
+<file path=ppt/slides/slide25.xml><?xml version="1.0" encoding="utf-8"?>
 <p:sld xmlns:a="http://schemas.openxmlformats.org/drawingml/2006/main" xmlns:r="http://schemas.openxmlformats.org/officeDocument/2006/relationships" xmlns:p="http://schemas.openxmlformats.org/presentationml/2006/main">
   <p:cSld>
     <p:bg>
@@ -4639,7 +4708,7 @@
 </p:sld>
 </file>
 
-<file path=ppt/slides/slide25.xml><?xml version="1.0" encoding="utf-8"?>
+<file path=ppt/slides/slide26.xml><?xml version="1.0" encoding="utf-8"?>
 <p:sld xmlns:a="http://schemas.openxmlformats.org/drawingml/2006/main" xmlns:r="http://schemas.openxmlformats.org/officeDocument/2006/relationships" xmlns:p="http://schemas.openxmlformats.org/presentationml/2006/main">
   <p:cSld>
     <p:bg>
@@ -4713,7 +4782,7 @@
 </p:sld>
 </file>
 
-<file path=ppt/slides/slide26.xml><?xml version="1.0" encoding="utf-8"?>
+<file path=ppt/slides/slide27.xml><?xml version="1.0" encoding="utf-8"?>
 <p:sld xmlns:a="http://schemas.openxmlformats.org/drawingml/2006/main" xmlns:r="http://schemas.openxmlformats.org/officeDocument/2006/relationships" xmlns:p="http://schemas.openxmlformats.org/presentationml/2006/main">
   <p:cSld>
     <p:bg>
@@ -4787,7 +4856,7 @@
 </p:sld>
 </file>
 
-<file path=ppt/slides/slide27.xml><?xml version="1.0" encoding="utf-8"?>
+<file path=ppt/slides/slide28.xml><?xml version="1.0" encoding="utf-8"?>
 <p:sld xmlns:a="http://schemas.openxmlformats.org/drawingml/2006/main" xmlns:r="http://schemas.openxmlformats.org/officeDocument/2006/relationships" xmlns:p="http://schemas.openxmlformats.org/presentationml/2006/main">
   <p:cSld>
     <p:bg>
@@ -4861,7 +4930,7 @@
 </p:sld>
 </file>
 
-<file path=ppt/slides/slide28.xml><?xml version="1.0" encoding="utf-8"?>
+<file path=ppt/slides/slide29.xml><?xml version="1.0" encoding="utf-8"?>
 <p:sld xmlns:a="http://schemas.openxmlformats.org/drawingml/2006/main" xmlns:r="http://schemas.openxmlformats.org/officeDocument/2006/relationships" xmlns:p="http://schemas.openxmlformats.org/presentationml/2006/main">
   <p:cSld>
     <p:bg>
@@ -4935,7 +5004,183 @@
 </p:sld>
 </file>
 
-<file path=ppt/slides/slide29.xml><?xml version="1.0" encoding="utf-8"?>
+<file path=ppt/slides/slide3.xml><?xml version="1.0" encoding="utf-8"?>
+<p:sld xmlns:a="http://schemas.openxmlformats.org/drawingml/2006/main" xmlns:r="http://schemas.openxmlformats.org/officeDocument/2006/relationships" xmlns:p="http://schemas.openxmlformats.org/presentationml/2006/main">
+  <p:cSld>
+    <p:bg>
+      <p:bgPr>
+        <a:solidFill>
+          <a:srgbClr val="5C5C5C"/>
+        </a:solidFill>
+        <a:effectLst/>
+      </p:bgPr>
+    </p:bg>
+    <p:spTree>
+      <p:nvGrpSpPr>
+        <p:cNvPr id="1" name=""/>
+        <p:cNvGrpSpPr/>
+        <p:nvPr/>
+      </p:nvGrpSpPr>
+      <p:grpSpPr>
+        <a:xfrm>
+          <a:off x="0" y="0"/>
+          <a:ext cx="0" cy="0"/>
+          <a:chOff x="0" y="0"/>
+          <a:chExt cx="0" cy="0"/>
+        </a:xfrm>
+      </p:grpSpPr>
+      <p:sp>
+        <p:nvSpPr>
+          <p:cNvPr id="5" name="TextBox 4">
+            <a:extLst>
+              <a:ext uri="{FF2B5EF4-FFF2-40B4-BE49-F238E27FC236}">
+                <a16:creationId xmlns:a16="http://schemas.microsoft.com/office/drawing/2014/main" id="{5C3101FE-916F-7AC8-03CF-F8680EC21ADF}"/>
+              </a:ext>
+            </a:extLst>
+          </p:cNvPr>
+          <p:cNvSpPr txBox="1"/>
+          <p:nvPr/>
+        </p:nvSpPr>
+        <p:spPr>
+          <a:xfrm>
+            <a:off x="391886" y="130629"/>
+            <a:ext cx="11614067" cy="5232202"/>
+          </a:xfrm>
+          <a:prstGeom prst="rect">
+            <a:avLst/>
+          </a:prstGeom>
+          <a:noFill/>
+          <a:ln>
+            <a:noFill/>
+          </a:ln>
+        </p:spPr>
+        <p:txBody>
+          <a:bodyPr wrap="square" rtlCol="0">
+            <a:spAutoFit/>
+          </a:bodyPr>
+          <a:lstStyle/>
+          <a:p>
+            <a:pPr algn="ctr"/>
+            <a:r>
+              <a:rPr lang="en-CH" sz="2400" dirty="0">
+                <a:solidFill>
+                  <a:schemeClr val="bg1"/>
+                </a:solidFill>
+                <a:latin typeface="Arial" panose="020B0604020202020204" pitchFamily="34" charset="0"/>
+                <a:cs typeface="Arial" panose="020B0604020202020204" pitchFamily="34" charset="0"/>
+              </a:rPr>
+              <a:t>Welcome to the Egg task.</a:t>
+            </a:r>
+          </a:p>
+          <a:p>
+            <a:endParaRPr lang="en-CH" sz="2400" dirty="0">
+              <a:solidFill>
+                <a:schemeClr val="bg1"/>
+              </a:solidFill>
+              <a:latin typeface="Arial" panose="020B0604020202020204" pitchFamily="34" charset="0"/>
+              <a:cs typeface="Arial" panose="020B0604020202020204" pitchFamily="34" charset="0"/>
+            </a:endParaRPr>
+          </a:p>
+          <a:p>
+            <a:r>
+              <a:rPr lang="en-GB" sz="2200" dirty="0">
+                <a:solidFill>
+                  <a:schemeClr val="bg1"/>
+                </a:solidFill>
+                <a:latin typeface="Arial" panose="020B0604020202020204" pitchFamily="34" charset="0"/>
+                <a:cs typeface="Arial" panose="020B0604020202020204" pitchFamily="34" charset="0"/>
+              </a:rPr>
+              <a:t>Your goal in this task is to buy as many fresh eggs from the egg farmer for your store as possible. You want to get a good variety of eggs but some of them are more sensitive and get rotten more easily. For good eggs you receive money, when you buy bad eggs you loose money.</a:t>
+            </a:r>
+          </a:p>
+          <a:p>
+            <a:endParaRPr lang="en-GB" sz="2200" dirty="0">
+              <a:solidFill>
+                <a:schemeClr val="bg1"/>
+              </a:solidFill>
+              <a:latin typeface="Arial" panose="020B0604020202020204" pitchFamily="34" charset="0"/>
+              <a:cs typeface="Arial" panose="020B0604020202020204" pitchFamily="34" charset="0"/>
+            </a:endParaRPr>
+          </a:p>
+          <a:p>
+            <a:r>
+              <a:rPr lang="en-GB" sz="2200" dirty="0">
+                <a:solidFill>
+                  <a:schemeClr val="bg1"/>
+                </a:solidFill>
+                <a:latin typeface="Arial" panose="020B0604020202020204" pitchFamily="34" charset="0"/>
+                <a:cs typeface="Arial" panose="020B0604020202020204" pitchFamily="34" charset="0"/>
+              </a:rPr>
+              <a:t>Because there are different sorts of eggs, you have to learn which ones are more likely to be rotten and which ones are more likely to stay fresh. </a:t>
+            </a:r>
+          </a:p>
+          <a:p>
+            <a:endParaRPr lang="en-GB" sz="2200" dirty="0">
+              <a:solidFill>
+                <a:schemeClr val="bg1"/>
+              </a:solidFill>
+              <a:latin typeface="Arial" panose="020B0604020202020204" pitchFamily="34" charset="0"/>
+              <a:cs typeface="Arial" panose="020B0604020202020204" pitchFamily="34" charset="0"/>
+            </a:endParaRPr>
+          </a:p>
+          <a:p>
+            <a:r>
+              <a:rPr lang="en-GB" sz="2200" dirty="0">
+                <a:solidFill>
+                  <a:schemeClr val="bg1"/>
+                </a:solidFill>
+                <a:latin typeface="Arial" panose="020B0604020202020204" pitchFamily="34" charset="0"/>
+                <a:cs typeface="Arial" panose="020B0604020202020204" pitchFamily="34" charset="0"/>
+              </a:rPr>
+              <a:t>Please note that the eggs in this task look like the faces from the previous task but this is a profit task. Had to use the same images in this task for technical reasons.</a:t>
+            </a:r>
+          </a:p>
+          <a:p>
+            <a:endParaRPr lang="en-GB" sz="2200" dirty="0">
+              <a:solidFill>
+                <a:schemeClr val="bg1"/>
+              </a:solidFill>
+              <a:latin typeface="Arial" panose="020B0604020202020204" pitchFamily="34" charset="0"/>
+              <a:cs typeface="Arial" panose="020B0604020202020204" pitchFamily="34" charset="0"/>
+            </a:endParaRPr>
+          </a:p>
+          <a:p>
+            <a:r>
+              <a:rPr lang="en-GB" sz="2200" dirty="0">
+                <a:solidFill>
+                  <a:schemeClr val="bg1"/>
+                </a:solidFill>
+                <a:latin typeface="Arial" panose="020B0604020202020204" pitchFamily="34" charset="0"/>
+                <a:cs typeface="Arial" panose="020B0604020202020204" pitchFamily="34" charset="0"/>
+              </a:rPr>
+              <a:t>Try to make as much profit as possible.</a:t>
+            </a:r>
+          </a:p>
+          <a:p>
+            <a:endParaRPr lang="en-GB" sz="2200" dirty="0">
+              <a:solidFill>
+                <a:schemeClr val="bg1"/>
+              </a:solidFill>
+              <a:latin typeface="Arial" panose="020B0604020202020204" pitchFamily="34" charset="0"/>
+              <a:cs typeface="Arial" panose="020B0604020202020204" pitchFamily="34" charset="0"/>
+            </a:endParaRPr>
+          </a:p>
+        </p:txBody>
+      </p:sp>
+    </p:spTree>
+    <p:extLst>
+      <p:ext uri="{BB962C8B-B14F-4D97-AF65-F5344CB8AC3E}">
+        <p14:creationId xmlns:p14="http://schemas.microsoft.com/office/powerpoint/2010/main" val="2976116893"/>
+      </p:ext>
+    </p:extLst>
+  </p:cSld>
+  <p:clrMapOvr>
+    <a:masterClrMapping/>
+  </p:clrMapOvr>
+</p:sld>
+</file>
+
+<file path=ppt/slides/slide30.xml><?xml version="1.0" encoding="utf-8"?>
 <p:sld xmlns:a="http://schemas.openxmlformats.org/drawingml/2006/main" xmlns:r="http://schemas.openxmlformats.org/officeDocument/2006/relationships" xmlns:p="http://schemas.openxmlformats.org/presentationml/2006/main">
   <p:cSld>
     <p:bg>
@@ -5009,7 +5254,7 @@
 </p:sld>
 </file>
 
-<file path=ppt/slides/slide3.xml><?xml version="1.0" encoding="utf-8"?>
+<file path=ppt/slides/slide31.xml><?xml version="1.0" encoding="utf-8"?>
 <p:sld xmlns:a="http://schemas.openxmlformats.org/drawingml/2006/main" xmlns:r="http://schemas.openxmlformats.org/officeDocument/2006/relationships" xmlns:p="http://schemas.openxmlformats.org/presentationml/2006/main">
   <p:cSld>
     <p:bg>
@@ -5036,182 +5281,6 @@
       </p:grpSpPr>
       <p:sp>
         <p:nvSpPr>
-          <p:cNvPr id="5" name="TextBox 4">
-            <a:extLst>
-              <a:ext uri="{FF2B5EF4-FFF2-40B4-BE49-F238E27FC236}">
-                <a16:creationId xmlns:a16="http://schemas.microsoft.com/office/drawing/2014/main" id="{5C3101FE-916F-7AC8-03CF-F8680EC21ADF}"/>
-              </a:ext>
-            </a:extLst>
-          </p:cNvPr>
-          <p:cNvSpPr txBox="1"/>
-          <p:nvPr/>
-        </p:nvSpPr>
-        <p:spPr>
-          <a:xfrm>
-            <a:off x="391886" y="130629"/>
-            <a:ext cx="11614067" cy="5232202"/>
-          </a:xfrm>
-          <a:prstGeom prst="rect">
-            <a:avLst/>
-          </a:prstGeom>
-          <a:noFill/>
-          <a:ln>
-            <a:noFill/>
-          </a:ln>
-        </p:spPr>
-        <p:txBody>
-          <a:bodyPr wrap="square" rtlCol="0">
-            <a:spAutoFit/>
-          </a:bodyPr>
-          <a:lstStyle/>
-          <a:p>
-            <a:pPr algn="ctr"/>
-            <a:r>
-              <a:rPr lang="en-CH" sz="2400" dirty="0">
-                <a:solidFill>
-                  <a:schemeClr val="bg1"/>
-                </a:solidFill>
-                <a:latin typeface="Arial" panose="020B0604020202020204" pitchFamily="34" charset="0"/>
-                <a:cs typeface="Arial" panose="020B0604020202020204" pitchFamily="34" charset="0"/>
-              </a:rPr>
-              <a:t>Welcome to the Egg task.</a:t>
-            </a:r>
-          </a:p>
-          <a:p>
-            <a:endParaRPr lang="en-CH" sz="2400" dirty="0">
-              <a:solidFill>
-                <a:schemeClr val="bg1"/>
-              </a:solidFill>
-              <a:latin typeface="Arial" panose="020B0604020202020204" pitchFamily="34" charset="0"/>
-              <a:cs typeface="Arial" panose="020B0604020202020204" pitchFamily="34" charset="0"/>
-            </a:endParaRPr>
-          </a:p>
-          <a:p>
-            <a:r>
-              <a:rPr lang="en-GB" sz="2200" dirty="0">
-                <a:solidFill>
-                  <a:schemeClr val="bg1"/>
-                </a:solidFill>
-                <a:latin typeface="Arial" panose="020B0604020202020204" pitchFamily="34" charset="0"/>
-                <a:cs typeface="Arial" panose="020B0604020202020204" pitchFamily="34" charset="0"/>
-              </a:rPr>
-              <a:t>Your goal in this task is to buy as many fresh eggs from the egg farmer for your store as possible. You want to get a good variety of eggs but some of them are more sensitive and get rotten more easily. For good eggs you receive money, when you buy bad eggs you loose money.</a:t>
-            </a:r>
-          </a:p>
-          <a:p>
-            <a:endParaRPr lang="en-GB" sz="2200" dirty="0">
-              <a:solidFill>
-                <a:schemeClr val="bg1"/>
-              </a:solidFill>
-              <a:latin typeface="Arial" panose="020B0604020202020204" pitchFamily="34" charset="0"/>
-              <a:cs typeface="Arial" panose="020B0604020202020204" pitchFamily="34" charset="0"/>
-            </a:endParaRPr>
-          </a:p>
-          <a:p>
-            <a:r>
-              <a:rPr lang="en-GB" sz="2200" dirty="0">
-                <a:solidFill>
-                  <a:schemeClr val="bg1"/>
-                </a:solidFill>
-                <a:latin typeface="Arial" panose="020B0604020202020204" pitchFamily="34" charset="0"/>
-                <a:cs typeface="Arial" panose="020B0604020202020204" pitchFamily="34" charset="0"/>
-              </a:rPr>
-              <a:t>Because there are different sorts of eggs, you have to learn which ones are more likely to be rotten and which ones are more likely to stay fresh. </a:t>
-            </a:r>
-          </a:p>
-          <a:p>
-            <a:endParaRPr lang="en-GB" sz="2200" dirty="0">
-              <a:solidFill>
-                <a:schemeClr val="bg1"/>
-              </a:solidFill>
-              <a:latin typeface="Arial" panose="020B0604020202020204" pitchFamily="34" charset="0"/>
-              <a:cs typeface="Arial" panose="020B0604020202020204" pitchFamily="34" charset="0"/>
-            </a:endParaRPr>
-          </a:p>
-          <a:p>
-            <a:r>
-              <a:rPr lang="en-GB" sz="2200" dirty="0">
-                <a:solidFill>
-                  <a:schemeClr val="bg1"/>
-                </a:solidFill>
-                <a:latin typeface="Arial" panose="020B0604020202020204" pitchFamily="34" charset="0"/>
-                <a:cs typeface="Arial" panose="020B0604020202020204" pitchFamily="34" charset="0"/>
-              </a:rPr>
-              <a:t>Please note that the eggs in this task look like the faces from the previous task but this is a profit task. Had to use the same images in this task for technical reasons.</a:t>
-            </a:r>
-          </a:p>
-          <a:p>
-            <a:endParaRPr lang="en-GB" sz="2200" dirty="0">
-              <a:solidFill>
-                <a:schemeClr val="bg1"/>
-              </a:solidFill>
-              <a:latin typeface="Arial" panose="020B0604020202020204" pitchFamily="34" charset="0"/>
-              <a:cs typeface="Arial" panose="020B0604020202020204" pitchFamily="34" charset="0"/>
-            </a:endParaRPr>
-          </a:p>
-          <a:p>
-            <a:r>
-              <a:rPr lang="en-GB" sz="2200" dirty="0">
-                <a:solidFill>
-                  <a:schemeClr val="bg1"/>
-                </a:solidFill>
-                <a:latin typeface="Arial" panose="020B0604020202020204" pitchFamily="34" charset="0"/>
-                <a:cs typeface="Arial" panose="020B0604020202020204" pitchFamily="34" charset="0"/>
-              </a:rPr>
-              <a:t>Try to make as much profit as possible.</a:t>
-            </a:r>
-          </a:p>
-          <a:p>
-            <a:endParaRPr lang="en-GB" sz="2200" dirty="0">
-              <a:solidFill>
-                <a:schemeClr val="bg1"/>
-              </a:solidFill>
-              <a:latin typeface="Arial" panose="020B0604020202020204" pitchFamily="34" charset="0"/>
-              <a:cs typeface="Arial" panose="020B0604020202020204" pitchFamily="34" charset="0"/>
-            </a:endParaRPr>
-          </a:p>
-        </p:txBody>
-      </p:sp>
-    </p:spTree>
-    <p:extLst>
-      <p:ext uri="{BB962C8B-B14F-4D97-AF65-F5344CB8AC3E}">
-        <p14:creationId xmlns:p14="http://schemas.microsoft.com/office/powerpoint/2010/main" val="2976116893"/>
-      </p:ext>
-    </p:extLst>
-  </p:cSld>
-  <p:clrMapOvr>
-    <a:masterClrMapping/>
-  </p:clrMapOvr>
-</p:sld>
-</file>
-
-<file path=ppt/slides/slide30.xml><?xml version="1.0" encoding="utf-8"?>
-<p:sld xmlns:a="http://schemas.openxmlformats.org/drawingml/2006/main" xmlns:r="http://schemas.openxmlformats.org/officeDocument/2006/relationships" xmlns:p="http://schemas.openxmlformats.org/presentationml/2006/main">
-  <p:cSld>
-    <p:bg>
-      <p:bgPr>
-        <a:solidFill>
-          <a:srgbClr val="5C5C5C"/>
-        </a:solidFill>
-        <a:effectLst/>
-      </p:bgPr>
-    </p:bg>
-    <p:spTree>
-      <p:nvGrpSpPr>
-        <p:cNvPr id="1" name=""/>
-        <p:cNvGrpSpPr/>
-        <p:nvPr/>
-      </p:nvGrpSpPr>
-      <p:grpSpPr>
-        <a:xfrm>
-          <a:off x="0" y="0"/>
-          <a:ext cx="0" cy="0"/>
-          <a:chOff x="0" y="0"/>
-          <a:chExt cx="0" cy="0"/>
-        </a:xfrm>
-      </p:grpSpPr>
-      <p:sp>
-        <p:nvSpPr>
           <p:cNvPr id="6" name="TextBox 5">
             <a:extLst>
               <a:ext uri="{FF2B5EF4-FFF2-40B4-BE49-F238E27FC236}">
@@ -5265,7 +5334,7 @@
 </p:sld>
 </file>
 
-<file path=ppt/slides/slide31.xml><?xml version="1.0" encoding="utf-8"?>
+<file path=ppt/slides/slide32.xml><?xml version="1.0" encoding="utf-8"?>
 <p:sld xmlns:a="http://schemas.openxmlformats.org/drawingml/2006/main" xmlns:r="http://schemas.openxmlformats.org/officeDocument/2006/relationships" xmlns:p="http://schemas.openxmlformats.org/presentationml/2006/main">
   <p:cSld>
     <p:bg>
@@ -5586,8 +5655,8 @@
         </p:blipFill>
         <p:spPr>
           <a:xfrm>
-            <a:off x="3501517" y="1449000"/>
-            <a:ext cx="5188966" cy="3960000"/>
+            <a:off x="4680827" y="2349000"/>
+            <a:ext cx="2830345" cy="2160000"/>
           </a:xfrm>
           <a:prstGeom prst="rect">
             <a:avLst/>
@@ -5620,7 +5689,13 @@
     </p:bg>
     <p:spTree>
       <p:nvGrpSpPr>
-        <p:cNvPr id="1" name=""/>
+        <p:cNvPr id="1" name="">
+          <a:extLst>
+            <a:ext uri="{FF2B5EF4-FFF2-40B4-BE49-F238E27FC236}">
+              <a16:creationId xmlns:a16="http://schemas.microsoft.com/office/drawing/2014/main" id="{DCE88E35-1585-7753-4AAA-0A7FAD850364}"/>
+            </a:ext>
+          </a:extLst>
+        </p:cNvPr>
         <p:cNvGrpSpPr/>
         <p:nvPr/>
       </p:nvGrpSpPr>
@@ -5637,7 +5712,7 @@
           <p:cNvPr id="3" name="Picture 2">
             <a:extLst>
               <a:ext uri="{FF2B5EF4-FFF2-40B4-BE49-F238E27FC236}">
-                <a16:creationId xmlns:a16="http://schemas.microsoft.com/office/drawing/2014/main" id="{08526774-AD3D-A2BF-8B22-289424073E47}"/>
+                <a16:creationId xmlns:a16="http://schemas.microsoft.com/office/drawing/2014/main" id="{7EB2FB4D-C64D-9D3E-1D86-97A662A6A574}"/>
               </a:ext>
             </a:extLst>
           </p:cNvPr>
@@ -5654,8 +5729,8 @@
         </p:blipFill>
         <p:spPr>
           <a:xfrm>
-            <a:off x="3501517" y="1449000"/>
-            <a:ext cx="5188966" cy="3960000"/>
+            <a:off x="5016000" y="2349000"/>
+            <a:ext cx="2160000" cy="2160000"/>
           </a:xfrm>
           <a:prstGeom prst="rect">
             <a:avLst/>
@@ -5665,7 +5740,7 @@
     </p:spTree>
     <p:extLst>
       <p:ext uri="{BB962C8B-B14F-4D97-AF65-F5344CB8AC3E}">
-        <p14:creationId xmlns:p14="http://schemas.microsoft.com/office/powerpoint/2010/main" val="4139463847"/>
+        <p14:creationId xmlns:p14="http://schemas.microsoft.com/office/powerpoint/2010/main" val="2568164730"/>
       </p:ext>
     </p:extLst>
   </p:cSld>
@@ -5705,7 +5780,7 @@
           <p:cNvPr id="3" name="Picture 2">
             <a:extLst>
               <a:ext uri="{FF2B5EF4-FFF2-40B4-BE49-F238E27FC236}">
-                <a16:creationId xmlns:a16="http://schemas.microsoft.com/office/drawing/2014/main" id="{02C3729A-FF3F-F995-3345-DEEDC1FC84C1}"/>
+                <a16:creationId xmlns:a16="http://schemas.microsoft.com/office/drawing/2014/main" id="{08526774-AD3D-A2BF-8B22-289424073E47}"/>
               </a:ext>
             </a:extLst>
           </p:cNvPr>
@@ -5733,7 +5808,7 @@
     </p:spTree>
     <p:extLst>
       <p:ext uri="{BB962C8B-B14F-4D97-AF65-F5344CB8AC3E}">
-        <p14:creationId xmlns:p14="http://schemas.microsoft.com/office/powerpoint/2010/main" val="1313142258"/>
+        <p14:creationId xmlns:p14="http://schemas.microsoft.com/office/powerpoint/2010/main" val="4139463847"/>
       </p:ext>
     </p:extLst>
   </p:cSld>
@@ -5770,10 +5845,10 @@
       </p:grpSpPr>
       <p:pic>
         <p:nvPicPr>
-          <p:cNvPr id="4" name="Picture 3">
-            <a:extLst>
-              <a:ext uri="{FF2B5EF4-FFF2-40B4-BE49-F238E27FC236}">
-                <a16:creationId xmlns:a16="http://schemas.microsoft.com/office/drawing/2014/main" id="{BF22FE1A-67F2-9A08-251F-880432C4BF90}"/>
+          <p:cNvPr id="3" name="Picture 2">
+            <a:extLst>
+              <a:ext uri="{FF2B5EF4-FFF2-40B4-BE49-F238E27FC236}">
+                <a16:creationId xmlns:a16="http://schemas.microsoft.com/office/drawing/2014/main" id="{02C3729A-FF3F-F995-3345-DEEDC1FC84C1}"/>
               </a:ext>
             </a:extLst>
           </p:cNvPr>
@@ -5801,7 +5876,7 @@
     </p:spTree>
     <p:extLst>
       <p:ext uri="{BB962C8B-B14F-4D97-AF65-F5344CB8AC3E}">
-        <p14:creationId xmlns:p14="http://schemas.microsoft.com/office/powerpoint/2010/main" val="3262247840"/>
+        <p14:creationId xmlns:p14="http://schemas.microsoft.com/office/powerpoint/2010/main" val="1313142258"/>
       </p:ext>
     </p:extLst>
   </p:cSld>
@@ -5838,10 +5913,10 @@
       </p:grpSpPr>
       <p:pic>
         <p:nvPicPr>
-          <p:cNvPr id="6" name="Picture 5">
-            <a:extLst>
-              <a:ext uri="{FF2B5EF4-FFF2-40B4-BE49-F238E27FC236}">
-                <a16:creationId xmlns:a16="http://schemas.microsoft.com/office/drawing/2014/main" id="{44A62FE8-2D8D-89A6-318D-1514870111D0}"/>
+          <p:cNvPr id="4" name="Picture 3">
+            <a:extLst>
+              <a:ext uri="{FF2B5EF4-FFF2-40B4-BE49-F238E27FC236}">
+                <a16:creationId xmlns:a16="http://schemas.microsoft.com/office/drawing/2014/main" id="{BF22FE1A-67F2-9A08-251F-880432C4BF90}"/>
               </a:ext>
             </a:extLst>
           </p:cNvPr>
@@ -5869,7 +5944,7 @@
     </p:spTree>
     <p:extLst>
       <p:ext uri="{BB962C8B-B14F-4D97-AF65-F5344CB8AC3E}">
-        <p14:creationId xmlns:p14="http://schemas.microsoft.com/office/powerpoint/2010/main" val="3402998468"/>
+        <p14:creationId xmlns:p14="http://schemas.microsoft.com/office/powerpoint/2010/main" val="3262247840"/>
       </p:ext>
     </p:extLst>
   </p:cSld>

--- a/control_task/stimuli/originals_SAPC_Task.pptx
+++ b/control_task/stimuli/originals_SAPC_Task.pptx
@@ -12,31 +12,39 @@
     <p:sldId id="3519" r:id="rId6"/>
     <p:sldId id="3528" r:id="rId7"/>
     <p:sldId id="3480" r:id="rId8"/>
-    <p:sldId id="3482" r:id="rId9"/>
-    <p:sldId id="3484" r:id="rId10"/>
-    <p:sldId id="3486" r:id="rId11"/>
-    <p:sldId id="3521" r:id="rId12"/>
-    <p:sldId id="3523" r:id="rId13"/>
-    <p:sldId id="3525" r:id="rId14"/>
-    <p:sldId id="3527" r:id="rId15"/>
-    <p:sldId id="283" r:id="rId16"/>
-    <p:sldId id="3503" r:id="rId17"/>
-    <p:sldId id="3504" r:id="rId18"/>
-    <p:sldId id="3505" r:id="rId19"/>
-    <p:sldId id="3506" r:id="rId20"/>
-    <p:sldId id="3507" r:id="rId21"/>
-    <p:sldId id="3508" r:id="rId22"/>
-    <p:sldId id="3509" r:id="rId23"/>
-    <p:sldId id="3513" r:id="rId24"/>
-    <p:sldId id="3510" r:id="rId25"/>
-    <p:sldId id="3512" r:id="rId26"/>
-    <p:sldId id="3517" r:id="rId27"/>
-    <p:sldId id="3514" r:id="rId28"/>
-    <p:sldId id="3515" r:id="rId29"/>
-    <p:sldId id="3516" r:id="rId30"/>
-    <p:sldId id="3518" r:id="rId31"/>
-    <p:sldId id="3476" r:id="rId32"/>
-    <p:sldId id="3477" r:id="rId33"/>
+    <p:sldId id="3529" r:id="rId9"/>
+    <p:sldId id="3482" r:id="rId10"/>
+    <p:sldId id="3530" r:id="rId11"/>
+    <p:sldId id="3484" r:id="rId12"/>
+    <p:sldId id="3531" r:id="rId13"/>
+    <p:sldId id="3486" r:id="rId14"/>
+    <p:sldId id="3532" r:id="rId15"/>
+    <p:sldId id="3521" r:id="rId16"/>
+    <p:sldId id="3533" r:id="rId17"/>
+    <p:sldId id="3523" r:id="rId18"/>
+    <p:sldId id="3534" r:id="rId19"/>
+    <p:sldId id="3525" r:id="rId20"/>
+    <p:sldId id="3535" r:id="rId21"/>
+    <p:sldId id="3536" r:id="rId22"/>
+    <p:sldId id="3527" r:id="rId23"/>
+    <p:sldId id="283" r:id="rId24"/>
+    <p:sldId id="3503" r:id="rId25"/>
+    <p:sldId id="3504" r:id="rId26"/>
+    <p:sldId id="3505" r:id="rId27"/>
+    <p:sldId id="3506" r:id="rId28"/>
+    <p:sldId id="3507" r:id="rId29"/>
+    <p:sldId id="3508" r:id="rId30"/>
+    <p:sldId id="3509" r:id="rId31"/>
+    <p:sldId id="3513" r:id="rId32"/>
+    <p:sldId id="3510" r:id="rId33"/>
+    <p:sldId id="3512" r:id="rId34"/>
+    <p:sldId id="3517" r:id="rId35"/>
+    <p:sldId id="3514" r:id="rId36"/>
+    <p:sldId id="3515" r:id="rId37"/>
+    <p:sldId id="3516" r:id="rId38"/>
+    <p:sldId id="3518" r:id="rId39"/>
+    <p:sldId id="3476" r:id="rId40"/>
+    <p:sldId id="3477" r:id="rId41"/>
   </p:sldIdLst>
   <p:sldSz cx="12192000" cy="6858000"/>
   <p:notesSz cx="6858000" cy="9144000"/>
@@ -292,7 +300,7 @@
           <a:p>
             <a:fld id="{9B916260-F45C-B647-88A4-C91F6BA5DC4E}" type="datetimeFigureOut">
               <a:rPr lang="en-CH" smtClean="0"/>
-              <a:t>03.10.24</a:t>
+              <a:t>04.10.24</a:t>
             </a:fld>
             <a:endParaRPr lang="en-CH"/>
           </a:p>
@@ -492,7 +500,7 @@
           <a:p>
             <a:fld id="{9B916260-F45C-B647-88A4-C91F6BA5DC4E}" type="datetimeFigureOut">
               <a:rPr lang="en-CH" smtClean="0"/>
-              <a:t>03.10.24</a:t>
+              <a:t>04.10.24</a:t>
             </a:fld>
             <a:endParaRPr lang="en-CH"/>
           </a:p>
@@ -702,7 +710,7 @@
           <a:p>
             <a:fld id="{9B916260-F45C-B647-88A4-C91F6BA5DC4E}" type="datetimeFigureOut">
               <a:rPr lang="en-CH" smtClean="0"/>
-              <a:t>03.10.24</a:t>
+              <a:t>04.10.24</a:t>
             </a:fld>
             <a:endParaRPr lang="en-CH"/>
           </a:p>
@@ -902,7 +910,7 @@
           <a:p>
             <a:fld id="{9B916260-F45C-B647-88A4-C91F6BA5DC4E}" type="datetimeFigureOut">
               <a:rPr lang="en-CH" smtClean="0"/>
-              <a:t>03.10.24</a:t>
+              <a:t>04.10.24</a:t>
             </a:fld>
             <a:endParaRPr lang="en-CH"/>
           </a:p>
@@ -1178,7 +1186,7 @@
           <a:p>
             <a:fld id="{9B916260-F45C-B647-88A4-C91F6BA5DC4E}" type="datetimeFigureOut">
               <a:rPr lang="en-CH" smtClean="0"/>
-              <a:t>03.10.24</a:t>
+              <a:t>04.10.24</a:t>
             </a:fld>
             <a:endParaRPr lang="en-CH"/>
           </a:p>
@@ -1446,7 +1454,7 @@
           <a:p>
             <a:fld id="{9B916260-F45C-B647-88A4-C91F6BA5DC4E}" type="datetimeFigureOut">
               <a:rPr lang="en-CH" smtClean="0"/>
-              <a:t>03.10.24</a:t>
+              <a:t>04.10.24</a:t>
             </a:fld>
             <a:endParaRPr lang="en-CH"/>
           </a:p>
@@ -1861,7 +1869,7 @@
           <a:p>
             <a:fld id="{9B916260-F45C-B647-88A4-C91F6BA5DC4E}" type="datetimeFigureOut">
               <a:rPr lang="en-CH" smtClean="0"/>
-              <a:t>03.10.24</a:t>
+              <a:t>04.10.24</a:t>
             </a:fld>
             <a:endParaRPr lang="en-CH"/>
           </a:p>
@@ -2003,7 +2011,7 @@
           <a:p>
             <a:fld id="{9B916260-F45C-B647-88A4-C91F6BA5DC4E}" type="datetimeFigureOut">
               <a:rPr lang="en-CH" smtClean="0"/>
-              <a:t>03.10.24</a:t>
+              <a:t>04.10.24</a:t>
             </a:fld>
             <a:endParaRPr lang="en-CH"/>
           </a:p>
@@ -2116,7 +2124,7 @@
           <a:p>
             <a:fld id="{9B916260-F45C-B647-88A4-C91F6BA5DC4E}" type="datetimeFigureOut">
               <a:rPr lang="en-CH" smtClean="0"/>
-              <a:t>03.10.24</a:t>
+              <a:t>04.10.24</a:t>
             </a:fld>
             <a:endParaRPr lang="en-CH"/>
           </a:p>
@@ -2429,7 +2437,7 @@
           <a:p>
             <a:fld id="{9B916260-F45C-B647-88A4-C91F6BA5DC4E}" type="datetimeFigureOut">
               <a:rPr lang="en-CH" smtClean="0"/>
-              <a:t>03.10.24</a:t>
+              <a:t>04.10.24</a:t>
             </a:fld>
             <a:endParaRPr lang="en-CH"/>
           </a:p>
@@ -2718,7 +2726,7 @@
           <a:p>
             <a:fld id="{9B916260-F45C-B647-88A4-C91F6BA5DC4E}" type="datetimeFigureOut">
               <a:rPr lang="en-CH" smtClean="0"/>
-              <a:t>03.10.24</a:t>
+              <a:t>04.10.24</a:t>
             </a:fld>
             <a:endParaRPr lang="en-CH"/>
           </a:p>
@@ -2961,7 +2969,7 @@
           <a:p>
             <a:fld id="{9B916260-F45C-B647-88A4-C91F6BA5DC4E}" type="datetimeFigureOut">
               <a:rPr lang="en-CH" smtClean="0"/>
-              <a:t>03.10.24</a:t>
+              <a:t>04.10.24</a:t>
             </a:fld>
             <a:endParaRPr lang="en-CH"/>
           </a:p>
@@ -3469,6 +3477,222 @@
     <p:bg>
       <p:bgPr>
         <a:solidFill>
+          <a:srgbClr val="646464"/>
+        </a:solidFill>
+        <a:effectLst/>
+      </p:bgPr>
+    </p:bg>
+    <p:spTree>
+      <p:nvGrpSpPr>
+        <p:cNvPr id="1" name="">
+          <a:extLst>
+            <a:ext uri="{FF2B5EF4-FFF2-40B4-BE49-F238E27FC236}">
+              <a16:creationId xmlns:a16="http://schemas.microsoft.com/office/drawing/2014/main" id="{7E73C008-EA6C-219A-4A92-0E78211D8684}"/>
+            </a:ext>
+          </a:extLst>
+        </p:cNvPr>
+        <p:cNvGrpSpPr/>
+        <p:nvPr/>
+      </p:nvGrpSpPr>
+      <p:grpSpPr>
+        <a:xfrm>
+          <a:off x="0" y="0"/>
+          <a:ext cx="0" cy="0"/>
+          <a:chOff x="0" y="0"/>
+          <a:chExt cx="0" cy="0"/>
+        </a:xfrm>
+      </p:grpSpPr>
+      <p:pic>
+        <p:nvPicPr>
+          <p:cNvPr id="3" name="Picture 2">
+            <a:extLst>
+              <a:ext uri="{FF2B5EF4-FFF2-40B4-BE49-F238E27FC236}">
+                <a16:creationId xmlns:a16="http://schemas.microsoft.com/office/drawing/2014/main" id="{BFC71AF6-76E8-DCAA-2D2A-E060EBF5D907}"/>
+              </a:ext>
+            </a:extLst>
+          </p:cNvPr>
+          <p:cNvPicPr>
+            <a:picLocks noChangeAspect="1"/>
+          </p:cNvPicPr>
+          <p:nvPr/>
+        </p:nvPicPr>
+        <p:blipFill>
+          <a:blip r:embed="rId2"/>
+          <a:stretch>
+            <a:fillRect/>
+          </a:stretch>
+        </p:blipFill>
+        <p:spPr>
+          <a:xfrm>
+            <a:off x="5016000" y="2349000"/>
+            <a:ext cx="2160000" cy="2160000"/>
+          </a:xfrm>
+          <a:prstGeom prst="rect">
+            <a:avLst/>
+          </a:prstGeom>
+        </p:spPr>
+      </p:pic>
+    </p:spTree>
+    <p:extLst>
+      <p:ext uri="{BB962C8B-B14F-4D97-AF65-F5344CB8AC3E}">
+        <p14:creationId xmlns:p14="http://schemas.microsoft.com/office/powerpoint/2010/main" val="1937959015"/>
+      </p:ext>
+    </p:extLst>
+  </p:cSld>
+  <p:clrMapOvr>
+    <a:masterClrMapping/>
+  </p:clrMapOvr>
+</p:sld>
+</file>
+
+<file path=ppt/slides/slide11.xml><?xml version="1.0" encoding="utf-8"?>
+<p:sld xmlns:a="http://schemas.openxmlformats.org/drawingml/2006/main" xmlns:r="http://schemas.openxmlformats.org/officeDocument/2006/relationships" xmlns:p="http://schemas.openxmlformats.org/presentationml/2006/main">
+  <p:cSld>
+    <p:bg>
+      <p:bgPr>
+        <a:solidFill>
+          <a:srgbClr val="5C5C5C"/>
+        </a:solidFill>
+        <a:effectLst/>
+      </p:bgPr>
+    </p:bg>
+    <p:spTree>
+      <p:nvGrpSpPr>
+        <p:cNvPr id="1" name=""/>
+        <p:cNvGrpSpPr/>
+        <p:nvPr/>
+      </p:nvGrpSpPr>
+      <p:grpSpPr>
+        <a:xfrm>
+          <a:off x="0" y="0"/>
+          <a:ext cx="0" cy="0"/>
+          <a:chOff x="0" y="0"/>
+          <a:chExt cx="0" cy="0"/>
+        </a:xfrm>
+      </p:grpSpPr>
+      <p:pic>
+        <p:nvPicPr>
+          <p:cNvPr id="4" name="Picture 3">
+            <a:extLst>
+              <a:ext uri="{FF2B5EF4-FFF2-40B4-BE49-F238E27FC236}">
+                <a16:creationId xmlns:a16="http://schemas.microsoft.com/office/drawing/2014/main" id="{BF22FE1A-67F2-9A08-251F-880432C4BF90}"/>
+              </a:ext>
+            </a:extLst>
+          </p:cNvPr>
+          <p:cNvPicPr>
+            <a:picLocks noChangeAspect="1"/>
+          </p:cNvPicPr>
+          <p:nvPr/>
+        </p:nvPicPr>
+        <p:blipFill>
+          <a:blip r:embed="rId2"/>
+          <a:stretch>
+            <a:fillRect/>
+          </a:stretch>
+        </p:blipFill>
+        <p:spPr>
+          <a:xfrm>
+            <a:off x="3501517" y="1449000"/>
+            <a:ext cx="5188966" cy="3960000"/>
+          </a:xfrm>
+          <a:prstGeom prst="rect">
+            <a:avLst/>
+          </a:prstGeom>
+        </p:spPr>
+      </p:pic>
+    </p:spTree>
+    <p:extLst>
+      <p:ext uri="{BB962C8B-B14F-4D97-AF65-F5344CB8AC3E}">
+        <p14:creationId xmlns:p14="http://schemas.microsoft.com/office/powerpoint/2010/main" val="3262247840"/>
+      </p:ext>
+    </p:extLst>
+  </p:cSld>
+  <p:clrMapOvr>
+    <a:masterClrMapping/>
+  </p:clrMapOvr>
+</p:sld>
+</file>
+
+<file path=ppt/slides/slide12.xml><?xml version="1.0" encoding="utf-8"?>
+<p:sld xmlns:a="http://schemas.openxmlformats.org/drawingml/2006/main" xmlns:r="http://schemas.openxmlformats.org/officeDocument/2006/relationships" xmlns:p="http://schemas.openxmlformats.org/presentationml/2006/main">
+  <p:cSld>
+    <p:bg>
+      <p:bgPr>
+        <a:solidFill>
+          <a:srgbClr val="646464"/>
+        </a:solidFill>
+        <a:effectLst/>
+      </p:bgPr>
+    </p:bg>
+    <p:spTree>
+      <p:nvGrpSpPr>
+        <p:cNvPr id="1" name="">
+          <a:extLst>
+            <a:ext uri="{FF2B5EF4-FFF2-40B4-BE49-F238E27FC236}">
+              <a16:creationId xmlns:a16="http://schemas.microsoft.com/office/drawing/2014/main" id="{D8D7E8FC-63CD-D038-66EE-469580598299}"/>
+            </a:ext>
+          </a:extLst>
+        </p:cNvPr>
+        <p:cNvGrpSpPr/>
+        <p:nvPr/>
+      </p:nvGrpSpPr>
+      <p:grpSpPr>
+        <a:xfrm>
+          <a:off x="0" y="0"/>
+          <a:ext cx="0" cy="0"/>
+          <a:chOff x="0" y="0"/>
+          <a:chExt cx="0" cy="0"/>
+        </a:xfrm>
+      </p:grpSpPr>
+      <p:pic>
+        <p:nvPicPr>
+          <p:cNvPr id="4" name="Picture 3">
+            <a:extLst>
+              <a:ext uri="{FF2B5EF4-FFF2-40B4-BE49-F238E27FC236}">
+                <a16:creationId xmlns:a16="http://schemas.microsoft.com/office/drawing/2014/main" id="{9F39331A-F7CF-58F5-D744-0DBAB092BE4E}"/>
+              </a:ext>
+            </a:extLst>
+          </p:cNvPr>
+          <p:cNvPicPr>
+            <a:picLocks noChangeAspect="1"/>
+          </p:cNvPicPr>
+          <p:nvPr/>
+        </p:nvPicPr>
+        <p:blipFill>
+          <a:blip r:embed="rId2"/>
+          <a:stretch>
+            <a:fillRect/>
+          </a:stretch>
+        </p:blipFill>
+        <p:spPr>
+          <a:xfrm>
+            <a:off x="5016000" y="2349000"/>
+            <a:ext cx="2160000" cy="2160000"/>
+          </a:xfrm>
+          <a:prstGeom prst="rect">
+            <a:avLst/>
+          </a:prstGeom>
+        </p:spPr>
+      </p:pic>
+    </p:spTree>
+    <p:extLst>
+      <p:ext uri="{BB962C8B-B14F-4D97-AF65-F5344CB8AC3E}">
+        <p14:creationId xmlns:p14="http://schemas.microsoft.com/office/powerpoint/2010/main" val="3059369653"/>
+      </p:ext>
+    </p:extLst>
+  </p:cSld>
+  <p:clrMapOvr>
+    <a:masterClrMapping/>
+  </p:clrMapOvr>
+</p:sld>
+</file>
+
+<file path=ppt/slides/slide13.xml><?xml version="1.0" encoding="utf-8"?>
+<p:sld xmlns:a="http://schemas.openxmlformats.org/drawingml/2006/main" xmlns:r="http://schemas.openxmlformats.org/officeDocument/2006/relationships" xmlns:p="http://schemas.openxmlformats.org/presentationml/2006/main">
+  <p:cSld>
+    <p:bg>
+      <p:bgPr>
+        <a:solidFill>
           <a:srgbClr val="5C5C5C"/>
         </a:solidFill>
         <a:effectLst/>
@@ -3531,7 +3755,81 @@
 </p:sld>
 </file>
 
-<file path=ppt/slides/slide11.xml><?xml version="1.0" encoding="utf-8"?>
+<file path=ppt/slides/slide14.xml><?xml version="1.0" encoding="utf-8"?>
+<p:sld xmlns:a="http://schemas.openxmlformats.org/drawingml/2006/main" xmlns:r="http://schemas.openxmlformats.org/officeDocument/2006/relationships" xmlns:p="http://schemas.openxmlformats.org/presentationml/2006/main">
+  <p:cSld>
+    <p:bg>
+      <p:bgPr>
+        <a:solidFill>
+          <a:srgbClr val="646464"/>
+        </a:solidFill>
+        <a:effectLst/>
+      </p:bgPr>
+    </p:bg>
+    <p:spTree>
+      <p:nvGrpSpPr>
+        <p:cNvPr id="1" name="">
+          <a:extLst>
+            <a:ext uri="{FF2B5EF4-FFF2-40B4-BE49-F238E27FC236}">
+              <a16:creationId xmlns:a16="http://schemas.microsoft.com/office/drawing/2014/main" id="{1A2B71C8-8CB2-B05B-4707-637A9E9C93E1}"/>
+            </a:ext>
+          </a:extLst>
+        </p:cNvPr>
+        <p:cNvGrpSpPr/>
+        <p:nvPr/>
+      </p:nvGrpSpPr>
+      <p:grpSpPr>
+        <a:xfrm>
+          <a:off x="0" y="0"/>
+          <a:ext cx="0" cy="0"/>
+          <a:chOff x="0" y="0"/>
+          <a:chExt cx="0" cy="0"/>
+        </a:xfrm>
+      </p:grpSpPr>
+      <p:pic>
+        <p:nvPicPr>
+          <p:cNvPr id="3" name="Picture 2">
+            <a:extLst>
+              <a:ext uri="{FF2B5EF4-FFF2-40B4-BE49-F238E27FC236}">
+                <a16:creationId xmlns:a16="http://schemas.microsoft.com/office/drawing/2014/main" id="{895CD17B-CCDF-EACC-9373-5C0B9CA6EEB6}"/>
+              </a:ext>
+            </a:extLst>
+          </p:cNvPr>
+          <p:cNvPicPr>
+            <a:picLocks noChangeAspect="1"/>
+          </p:cNvPicPr>
+          <p:nvPr/>
+        </p:nvPicPr>
+        <p:blipFill>
+          <a:blip r:embed="rId2"/>
+          <a:stretch>
+            <a:fillRect/>
+          </a:stretch>
+        </p:blipFill>
+        <p:spPr>
+          <a:xfrm>
+            <a:off x="5016000" y="2349000"/>
+            <a:ext cx="2160000" cy="2160000"/>
+          </a:xfrm>
+          <a:prstGeom prst="rect">
+            <a:avLst/>
+          </a:prstGeom>
+        </p:spPr>
+      </p:pic>
+    </p:spTree>
+    <p:extLst>
+      <p:ext uri="{BB962C8B-B14F-4D97-AF65-F5344CB8AC3E}">
+        <p14:creationId xmlns:p14="http://schemas.microsoft.com/office/powerpoint/2010/main" val="353043780"/>
+      </p:ext>
+    </p:extLst>
+  </p:cSld>
+  <p:clrMapOvr>
+    <a:masterClrMapping/>
+  </p:clrMapOvr>
+</p:sld>
+</file>
+
+<file path=ppt/slides/slide15.xml><?xml version="1.0" encoding="utf-8"?>
 <p:sld xmlns:a="http://schemas.openxmlformats.org/drawingml/2006/main" xmlns:r="http://schemas.openxmlformats.org/officeDocument/2006/relationships" xmlns:p="http://schemas.openxmlformats.org/presentationml/2006/main">
   <p:cSld>
     <p:bg>
@@ -3605,7 +3903,81 @@
 </p:sld>
 </file>
 
-<file path=ppt/slides/slide12.xml><?xml version="1.0" encoding="utf-8"?>
+<file path=ppt/slides/slide16.xml><?xml version="1.0" encoding="utf-8"?>
+<p:sld xmlns:a="http://schemas.openxmlformats.org/drawingml/2006/main" xmlns:r="http://schemas.openxmlformats.org/officeDocument/2006/relationships" xmlns:p="http://schemas.openxmlformats.org/presentationml/2006/main">
+  <p:cSld>
+    <p:bg>
+      <p:bgPr>
+        <a:solidFill>
+          <a:srgbClr val="646464"/>
+        </a:solidFill>
+        <a:effectLst/>
+      </p:bgPr>
+    </p:bg>
+    <p:spTree>
+      <p:nvGrpSpPr>
+        <p:cNvPr id="1" name="">
+          <a:extLst>
+            <a:ext uri="{FF2B5EF4-FFF2-40B4-BE49-F238E27FC236}">
+              <a16:creationId xmlns:a16="http://schemas.microsoft.com/office/drawing/2014/main" id="{2D9BAF64-2F31-E8F9-2AB8-FE37FA865D2B}"/>
+            </a:ext>
+          </a:extLst>
+        </p:cNvPr>
+        <p:cNvGrpSpPr/>
+        <p:nvPr/>
+      </p:nvGrpSpPr>
+      <p:grpSpPr>
+        <a:xfrm>
+          <a:off x="0" y="0"/>
+          <a:ext cx="0" cy="0"/>
+          <a:chOff x="0" y="0"/>
+          <a:chExt cx="0" cy="0"/>
+        </a:xfrm>
+      </p:grpSpPr>
+      <p:pic>
+        <p:nvPicPr>
+          <p:cNvPr id="4" name="Picture 3">
+            <a:extLst>
+              <a:ext uri="{FF2B5EF4-FFF2-40B4-BE49-F238E27FC236}">
+                <a16:creationId xmlns:a16="http://schemas.microsoft.com/office/drawing/2014/main" id="{8024FB6E-28BD-5B5F-A7B0-2F31636F9BD7}"/>
+              </a:ext>
+            </a:extLst>
+          </p:cNvPr>
+          <p:cNvPicPr>
+            <a:picLocks noChangeAspect="1"/>
+          </p:cNvPicPr>
+          <p:nvPr/>
+        </p:nvPicPr>
+        <p:blipFill>
+          <a:blip r:embed="rId2"/>
+          <a:stretch>
+            <a:fillRect/>
+          </a:stretch>
+        </p:blipFill>
+        <p:spPr>
+          <a:xfrm>
+            <a:off x="5016000" y="2349000"/>
+            <a:ext cx="2160000" cy="2160000"/>
+          </a:xfrm>
+          <a:prstGeom prst="rect">
+            <a:avLst/>
+          </a:prstGeom>
+        </p:spPr>
+      </p:pic>
+    </p:spTree>
+    <p:extLst>
+      <p:ext uri="{BB962C8B-B14F-4D97-AF65-F5344CB8AC3E}">
+        <p14:creationId xmlns:p14="http://schemas.microsoft.com/office/powerpoint/2010/main" val="160271785"/>
+      </p:ext>
+    </p:extLst>
+  </p:cSld>
+  <p:clrMapOvr>
+    <a:masterClrMapping/>
+  </p:clrMapOvr>
+</p:sld>
+</file>
+
+<file path=ppt/slides/slide17.xml><?xml version="1.0" encoding="utf-8"?>
 <p:sld xmlns:a="http://schemas.openxmlformats.org/drawingml/2006/main" xmlns:r="http://schemas.openxmlformats.org/officeDocument/2006/relationships" xmlns:p="http://schemas.openxmlformats.org/presentationml/2006/main">
   <p:cSld>
     <p:bg>
@@ -3679,7 +4051,81 @@
 </p:sld>
 </file>
 
-<file path=ppt/slides/slide13.xml><?xml version="1.0" encoding="utf-8"?>
+<file path=ppt/slides/slide18.xml><?xml version="1.0" encoding="utf-8"?>
+<p:sld xmlns:a="http://schemas.openxmlformats.org/drawingml/2006/main" xmlns:r="http://schemas.openxmlformats.org/officeDocument/2006/relationships" xmlns:p="http://schemas.openxmlformats.org/presentationml/2006/main">
+  <p:cSld>
+    <p:bg>
+      <p:bgPr>
+        <a:solidFill>
+          <a:srgbClr val="646464"/>
+        </a:solidFill>
+        <a:effectLst/>
+      </p:bgPr>
+    </p:bg>
+    <p:spTree>
+      <p:nvGrpSpPr>
+        <p:cNvPr id="1" name="">
+          <a:extLst>
+            <a:ext uri="{FF2B5EF4-FFF2-40B4-BE49-F238E27FC236}">
+              <a16:creationId xmlns:a16="http://schemas.microsoft.com/office/drawing/2014/main" id="{1E1F802D-02B9-65F8-6F94-4303786E7154}"/>
+            </a:ext>
+          </a:extLst>
+        </p:cNvPr>
+        <p:cNvGrpSpPr/>
+        <p:nvPr/>
+      </p:nvGrpSpPr>
+      <p:grpSpPr>
+        <a:xfrm>
+          <a:off x="0" y="0"/>
+          <a:ext cx="0" cy="0"/>
+          <a:chOff x="0" y="0"/>
+          <a:chExt cx="0" cy="0"/>
+        </a:xfrm>
+      </p:grpSpPr>
+      <p:pic>
+        <p:nvPicPr>
+          <p:cNvPr id="3" name="Picture 2">
+            <a:extLst>
+              <a:ext uri="{FF2B5EF4-FFF2-40B4-BE49-F238E27FC236}">
+                <a16:creationId xmlns:a16="http://schemas.microsoft.com/office/drawing/2014/main" id="{88574946-1596-0B04-E64A-E83E19BDD032}"/>
+              </a:ext>
+            </a:extLst>
+          </p:cNvPr>
+          <p:cNvPicPr>
+            <a:picLocks noChangeAspect="1"/>
+          </p:cNvPicPr>
+          <p:nvPr/>
+        </p:nvPicPr>
+        <p:blipFill>
+          <a:blip r:embed="rId2"/>
+          <a:stretch>
+            <a:fillRect/>
+          </a:stretch>
+        </p:blipFill>
+        <p:spPr>
+          <a:xfrm>
+            <a:off x="5016000" y="2349000"/>
+            <a:ext cx="2160000" cy="2160000"/>
+          </a:xfrm>
+          <a:prstGeom prst="rect">
+            <a:avLst/>
+          </a:prstGeom>
+        </p:spPr>
+      </p:pic>
+    </p:spTree>
+    <p:extLst>
+      <p:ext uri="{BB962C8B-B14F-4D97-AF65-F5344CB8AC3E}">
+        <p14:creationId xmlns:p14="http://schemas.microsoft.com/office/powerpoint/2010/main" val="1439036244"/>
+      </p:ext>
+    </p:extLst>
+  </p:cSld>
+  <p:clrMapOvr>
+    <a:masterClrMapping/>
+  </p:clrMapOvr>
+</p:sld>
+</file>
+
+<file path=ppt/slides/slide19.xml><?xml version="1.0" encoding="utf-8"?>
 <p:sld xmlns:a="http://schemas.openxmlformats.org/drawingml/2006/main" xmlns:r="http://schemas.openxmlformats.org/officeDocument/2006/relationships" xmlns:p="http://schemas.openxmlformats.org/presentationml/2006/main">
   <p:cSld>
     <p:bg>
@@ -3753,7 +4199,234 @@
 </p:sld>
 </file>
 
-<file path=ppt/slides/slide14.xml><?xml version="1.0" encoding="utf-8"?>
+<file path=ppt/slides/slide2.xml><?xml version="1.0" encoding="utf-8"?>
+<p:sld xmlns:a="http://schemas.openxmlformats.org/drawingml/2006/main" xmlns:r="http://schemas.openxmlformats.org/officeDocument/2006/relationships" xmlns:p="http://schemas.openxmlformats.org/presentationml/2006/main">
+  <p:cSld>
+    <p:spTree>
+      <p:nvGrpSpPr>
+        <p:cNvPr id="1" name=""/>
+        <p:cNvGrpSpPr/>
+        <p:nvPr/>
+      </p:nvGrpSpPr>
+      <p:grpSpPr>
+        <a:xfrm>
+          <a:off x="0" y="0"/>
+          <a:ext cx="0" cy="0"/>
+          <a:chOff x="0" y="0"/>
+          <a:chExt cx="0" cy="0"/>
+        </a:xfrm>
+      </p:grpSpPr>
+      <p:sp>
+        <p:nvSpPr>
+          <p:cNvPr id="2" name="Title 1">
+            <a:extLst>
+              <a:ext uri="{FF2B5EF4-FFF2-40B4-BE49-F238E27FC236}">
+                <a16:creationId xmlns:a16="http://schemas.microsoft.com/office/drawing/2014/main" id="{0A1FA53E-25A0-0960-0FCC-4CC105416AC1}"/>
+              </a:ext>
+            </a:extLst>
+          </p:cNvPr>
+          <p:cNvSpPr>
+            <a:spLocks noGrp="1"/>
+          </p:cNvSpPr>
+          <p:nvPr>
+            <p:ph type="title"/>
+          </p:nvPr>
+        </p:nvSpPr>
+        <p:spPr>
+          <a:xfrm>
+            <a:off x="410688" y="365125"/>
+            <a:ext cx="10943112" cy="584901"/>
+          </a:xfrm>
+        </p:spPr>
+        <p:txBody>
+          <a:bodyPr>
+            <a:normAutofit/>
+          </a:bodyPr>
+          <a:lstStyle/>
+          <a:p>
+            <a:r>
+              <a:rPr lang="en-CH" sz="2800" b="1" dirty="0">
+                <a:latin typeface="Avenir Book" panose="02000503020000020003" pitchFamily="2" charset="0"/>
+              </a:rPr>
+              <a:t>Practice Task Slides (12 trials)</a:t>
+            </a:r>
+          </a:p>
+        </p:txBody>
+      </p:sp>
+    </p:spTree>
+    <p:extLst>
+      <p:ext uri="{BB962C8B-B14F-4D97-AF65-F5344CB8AC3E}">
+        <p14:creationId xmlns:p14="http://schemas.microsoft.com/office/powerpoint/2010/main" val="2739542140"/>
+      </p:ext>
+    </p:extLst>
+  </p:cSld>
+  <p:clrMapOvr>
+    <a:masterClrMapping/>
+  </p:clrMapOvr>
+</p:sld>
+</file>
+
+<file path=ppt/slides/slide20.xml><?xml version="1.0" encoding="utf-8"?>
+<p:sld xmlns:a="http://schemas.openxmlformats.org/drawingml/2006/main" xmlns:r="http://schemas.openxmlformats.org/officeDocument/2006/relationships" xmlns:p="http://schemas.openxmlformats.org/presentationml/2006/main">
+  <p:cSld>
+    <p:bg>
+      <p:bgPr>
+        <a:solidFill>
+          <a:srgbClr val="646464"/>
+        </a:solidFill>
+        <a:effectLst/>
+      </p:bgPr>
+    </p:bg>
+    <p:spTree>
+      <p:nvGrpSpPr>
+        <p:cNvPr id="1" name="">
+          <a:extLst>
+            <a:ext uri="{FF2B5EF4-FFF2-40B4-BE49-F238E27FC236}">
+              <a16:creationId xmlns:a16="http://schemas.microsoft.com/office/drawing/2014/main" id="{443C470D-9A5B-91DA-318A-6C272308FB5F}"/>
+            </a:ext>
+          </a:extLst>
+        </p:cNvPr>
+        <p:cNvGrpSpPr/>
+        <p:nvPr/>
+      </p:nvGrpSpPr>
+      <p:grpSpPr>
+        <a:xfrm>
+          <a:off x="0" y="0"/>
+          <a:ext cx="0" cy="0"/>
+          <a:chOff x="0" y="0"/>
+          <a:chExt cx="0" cy="0"/>
+        </a:xfrm>
+      </p:grpSpPr>
+      <p:pic>
+        <p:nvPicPr>
+          <p:cNvPr id="4" name="Picture 3">
+            <a:extLst>
+              <a:ext uri="{FF2B5EF4-FFF2-40B4-BE49-F238E27FC236}">
+                <a16:creationId xmlns:a16="http://schemas.microsoft.com/office/drawing/2014/main" id="{375BE7D7-F3BE-901E-88FB-AB6C3CFABC09}"/>
+              </a:ext>
+            </a:extLst>
+          </p:cNvPr>
+          <p:cNvPicPr>
+            <a:picLocks noChangeAspect="1"/>
+          </p:cNvPicPr>
+          <p:nvPr/>
+        </p:nvPicPr>
+        <p:blipFill>
+          <a:blip r:embed="rId2"/>
+          <a:stretch>
+            <a:fillRect/>
+          </a:stretch>
+        </p:blipFill>
+        <p:spPr>
+          <a:xfrm>
+            <a:off x="5016000" y="2349000"/>
+            <a:ext cx="2160000" cy="2160000"/>
+          </a:xfrm>
+          <a:prstGeom prst="rect">
+            <a:avLst/>
+          </a:prstGeom>
+        </p:spPr>
+      </p:pic>
+    </p:spTree>
+    <p:extLst>
+      <p:ext uri="{BB962C8B-B14F-4D97-AF65-F5344CB8AC3E}">
+        <p14:creationId xmlns:p14="http://schemas.microsoft.com/office/powerpoint/2010/main" val="1011469499"/>
+      </p:ext>
+    </p:extLst>
+  </p:cSld>
+  <p:clrMapOvr>
+    <a:masterClrMapping/>
+  </p:clrMapOvr>
+</p:sld>
+</file>
+
+<file path=ppt/slides/slide21.xml><?xml version="1.0" encoding="utf-8"?>
+<p:sld xmlns:a="http://schemas.openxmlformats.org/drawingml/2006/main" xmlns:r="http://schemas.openxmlformats.org/officeDocument/2006/relationships" xmlns:p="http://schemas.openxmlformats.org/presentationml/2006/main">
+  <p:cSld>
+    <p:bg>
+      <p:bgPr>
+        <a:solidFill>
+          <a:srgbClr val="646464"/>
+        </a:solidFill>
+        <a:effectLst/>
+      </p:bgPr>
+    </p:bg>
+    <p:spTree>
+      <p:nvGrpSpPr>
+        <p:cNvPr id="1" name="">
+          <a:extLst>
+            <a:ext uri="{FF2B5EF4-FFF2-40B4-BE49-F238E27FC236}">
+              <a16:creationId xmlns:a16="http://schemas.microsoft.com/office/drawing/2014/main" id="{1B9A2577-7FBA-BB3B-2C15-F4DD42A49C42}"/>
+            </a:ext>
+          </a:extLst>
+        </p:cNvPr>
+        <p:cNvGrpSpPr/>
+        <p:nvPr/>
+      </p:nvGrpSpPr>
+      <p:grpSpPr>
+        <a:xfrm>
+          <a:off x="0" y="0"/>
+          <a:ext cx="0" cy="0"/>
+          <a:chOff x="0" y="0"/>
+          <a:chExt cx="0" cy="0"/>
+        </a:xfrm>
+      </p:grpSpPr>
+      <p:pic>
+        <p:nvPicPr>
+          <p:cNvPr id="4" name="Picture 3">
+            <a:extLst>
+              <a:ext uri="{FF2B5EF4-FFF2-40B4-BE49-F238E27FC236}">
+                <a16:creationId xmlns:a16="http://schemas.microsoft.com/office/drawing/2014/main" id="{02CE0ED7-958D-26E5-1945-9B81A34057E7}"/>
+              </a:ext>
+            </a:extLst>
+          </p:cNvPr>
+          <p:cNvPicPr>
+            <a:picLocks noChangeAspect="1"/>
+          </p:cNvPicPr>
+          <p:nvPr/>
+        </p:nvPicPr>
+        <p:blipFill>
+          <a:blip r:embed="rId2">
+            <a:extLst>
+              <a:ext uri="{BEBA8EAE-BF5A-486C-A8C5-ECC9F3942E4B}">
+                <a14:imgProps xmlns:a14="http://schemas.microsoft.com/office/drawing/2010/main">
+                  <a14:imgLayer r:embed="rId3">
+                    <a14:imgEffect>
+                      <a14:artisticChalkSketch/>
+                    </a14:imgEffect>
+                  </a14:imgLayer>
+                </a14:imgProps>
+              </a:ext>
+            </a:extLst>
+          </a:blip>
+          <a:stretch>
+            <a:fillRect/>
+          </a:stretch>
+        </p:blipFill>
+        <p:spPr>
+          <a:xfrm>
+            <a:off x="4584450" y="2349000"/>
+            <a:ext cx="3023100" cy="2160000"/>
+          </a:xfrm>
+          <a:prstGeom prst="rect">
+            <a:avLst/>
+          </a:prstGeom>
+        </p:spPr>
+      </p:pic>
+    </p:spTree>
+    <p:extLst>
+      <p:ext uri="{BB962C8B-B14F-4D97-AF65-F5344CB8AC3E}">
+        <p14:creationId xmlns:p14="http://schemas.microsoft.com/office/powerpoint/2010/main" val="572961673"/>
+      </p:ext>
+    </p:extLst>
+  </p:cSld>
+  <p:clrMapOvr>
+    <a:masterClrMapping/>
+  </p:clrMapOvr>
+</p:sld>
+</file>
+
+<file path=ppt/slides/slide22.xml><?xml version="1.0" encoding="utf-8"?>
 <p:sld xmlns:a="http://schemas.openxmlformats.org/drawingml/2006/main" xmlns:r="http://schemas.openxmlformats.org/officeDocument/2006/relationships" xmlns:p="http://schemas.openxmlformats.org/presentationml/2006/main">
   <p:cSld>
     <p:bg>
@@ -3833,7 +4506,7 @@
 </p:sld>
 </file>
 
-<file path=ppt/slides/slide15.xml><?xml version="1.0" encoding="utf-8"?>
+<file path=ppt/slides/slide23.xml><?xml version="1.0" encoding="utf-8"?>
 <p:sld xmlns:a="http://schemas.openxmlformats.org/drawingml/2006/main" xmlns:r="http://schemas.openxmlformats.org/officeDocument/2006/relationships" xmlns:p="http://schemas.openxmlformats.org/presentationml/2006/main">
   <p:cSld>
     <p:bg>
@@ -3901,7 +4574,7 @@
 </p:sld>
 </file>
 
-<file path=ppt/slides/slide16.xml><?xml version="1.0" encoding="utf-8"?>
+<file path=ppt/slides/slide24.xml><?xml version="1.0" encoding="utf-8"?>
 <p:sld xmlns:a="http://schemas.openxmlformats.org/drawingml/2006/main" xmlns:r="http://schemas.openxmlformats.org/officeDocument/2006/relationships" xmlns:p="http://schemas.openxmlformats.org/presentationml/2006/main">
   <p:cSld>
     <p:bg>
@@ -3975,7 +4648,7 @@
 </p:sld>
 </file>
 
-<file path=ppt/slides/slide17.xml><?xml version="1.0" encoding="utf-8"?>
+<file path=ppt/slides/slide25.xml><?xml version="1.0" encoding="utf-8"?>
 <p:sld xmlns:a="http://schemas.openxmlformats.org/drawingml/2006/main" xmlns:r="http://schemas.openxmlformats.org/officeDocument/2006/relationships" xmlns:p="http://schemas.openxmlformats.org/presentationml/2006/main">
   <p:cSld>
     <p:bg>
@@ -4049,7 +4722,7 @@
 </p:sld>
 </file>
 
-<file path=ppt/slides/slide18.xml><?xml version="1.0" encoding="utf-8"?>
+<file path=ppt/slides/slide26.xml><?xml version="1.0" encoding="utf-8"?>
 <p:sld xmlns:a="http://schemas.openxmlformats.org/drawingml/2006/main" xmlns:r="http://schemas.openxmlformats.org/officeDocument/2006/relationships" xmlns:p="http://schemas.openxmlformats.org/presentationml/2006/main">
   <p:cSld>
     <p:bg>
@@ -4123,7 +4796,7 @@
 </p:sld>
 </file>
 
-<file path=ppt/slides/slide19.xml><?xml version="1.0" encoding="utf-8"?>
+<file path=ppt/slides/slide27.xml><?xml version="1.0" encoding="utf-8"?>
 <p:sld xmlns:a="http://schemas.openxmlformats.org/drawingml/2006/main" xmlns:r="http://schemas.openxmlformats.org/officeDocument/2006/relationships" xmlns:p="http://schemas.openxmlformats.org/presentationml/2006/main">
   <p:cSld>
     <p:bg>
@@ -4197,74 +4870,7 @@
 </p:sld>
 </file>
 
-<file path=ppt/slides/slide2.xml><?xml version="1.0" encoding="utf-8"?>
-<p:sld xmlns:a="http://schemas.openxmlformats.org/drawingml/2006/main" xmlns:r="http://schemas.openxmlformats.org/officeDocument/2006/relationships" xmlns:p="http://schemas.openxmlformats.org/presentationml/2006/main">
-  <p:cSld>
-    <p:spTree>
-      <p:nvGrpSpPr>
-        <p:cNvPr id="1" name=""/>
-        <p:cNvGrpSpPr/>
-        <p:nvPr/>
-      </p:nvGrpSpPr>
-      <p:grpSpPr>
-        <a:xfrm>
-          <a:off x="0" y="0"/>
-          <a:ext cx="0" cy="0"/>
-          <a:chOff x="0" y="0"/>
-          <a:chExt cx="0" cy="0"/>
-        </a:xfrm>
-      </p:grpSpPr>
-      <p:sp>
-        <p:nvSpPr>
-          <p:cNvPr id="2" name="Title 1">
-            <a:extLst>
-              <a:ext uri="{FF2B5EF4-FFF2-40B4-BE49-F238E27FC236}">
-                <a16:creationId xmlns:a16="http://schemas.microsoft.com/office/drawing/2014/main" id="{0A1FA53E-25A0-0960-0FCC-4CC105416AC1}"/>
-              </a:ext>
-            </a:extLst>
-          </p:cNvPr>
-          <p:cNvSpPr>
-            <a:spLocks noGrp="1"/>
-          </p:cNvSpPr>
-          <p:nvPr>
-            <p:ph type="title"/>
-          </p:nvPr>
-        </p:nvSpPr>
-        <p:spPr>
-          <a:xfrm>
-            <a:off x="410688" y="365125"/>
-            <a:ext cx="10943112" cy="584901"/>
-          </a:xfrm>
-        </p:spPr>
-        <p:txBody>
-          <a:bodyPr>
-            <a:normAutofit/>
-          </a:bodyPr>
-          <a:lstStyle/>
-          <a:p>
-            <a:r>
-              <a:rPr lang="en-CH" sz="2800" b="1" dirty="0">
-                <a:latin typeface="Avenir Book" panose="02000503020000020003" pitchFamily="2" charset="0"/>
-              </a:rPr>
-              <a:t>Practice Task Slides (12 trials)</a:t>
-            </a:r>
-          </a:p>
-        </p:txBody>
-      </p:sp>
-    </p:spTree>
-    <p:extLst>
-      <p:ext uri="{BB962C8B-B14F-4D97-AF65-F5344CB8AC3E}">
-        <p14:creationId xmlns:p14="http://schemas.microsoft.com/office/powerpoint/2010/main" val="2739542140"/>
-      </p:ext>
-    </p:extLst>
-  </p:cSld>
-  <p:clrMapOvr>
-    <a:masterClrMapping/>
-  </p:clrMapOvr>
-</p:sld>
-</file>
-
-<file path=ppt/slides/slide20.xml><?xml version="1.0" encoding="utf-8"?>
+<file path=ppt/slides/slide28.xml><?xml version="1.0" encoding="utf-8"?>
 <p:sld xmlns:a="http://schemas.openxmlformats.org/drawingml/2006/main" xmlns:r="http://schemas.openxmlformats.org/officeDocument/2006/relationships" xmlns:p="http://schemas.openxmlformats.org/presentationml/2006/main">
   <p:cSld>
     <p:bg>
@@ -4338,7 +4944,7 @@
 </p:sld>
 </file>
 
-<file path=ppt/slides/slide21.xml><?xml version="1.0" encoding="utf-8"?>
+<file path=ppt/slides/slide29.xml><?xml version="1.0" encoding="utf-8"?>
 <p:sld xmlns:a="http://schemas.openxmlformats.org/drawingml/2006/main" xmlns:r="http://schemas.openxmlformats.org/officeDocument/2006/relationships" xmlns:p="http://schemas.openxmlformats.org/presentationml/2006/main">
   <p:cSld>
     <p:bg>
@@ -4412,7 +5018,162 @@
 </p:sld>
 </file>
 
-<file path=ppt/slides/slide22.xml><?xml version="1.0" encoding="utf-8"?>
+<file path=ppt/slides/slide3.xml><?xml version="1.0" encoding="utf-8"?>
+<p:sld xmlns:a="http://schemas.openxmlformats.org/drawingml/2006/main" xmlns:r="http://schemas.openxmlformats.org/officeDocument/2006/relationships" xmlns:p="http://schemas.openxmlformats.org/presentationml/2006/main">
+  <p:cSld>
+    <p:bg>
+      <p:bgPr>
+        <a:solidFill>
+          <a:srgbClr val="5C5C5C"/>
+        </a:solidFill>
+        <a:effectLst/>
+      </p:bgPr>
+    </p:bg>
+    <p:spTree>
+      <p:nvGrpSpPr>
+        <p:cNvPr id="1" name=""/>
+        <p:cNvGrpSpPr/>
+        <p:nvPr/>
+      </p:nvGrpSpPr>
+      <p:grpSpPr>
+        <a:xfrm>
+          <a:off x="0" y="0"/>
+          <a:ext cx="0" cy="0"/>
+          <a:chOff x="0" y="0"/>
+          <a:chExt cx="0" cy="0"/>
+        </a:xfrm>
+      </p:grpSpPr>
+      <p:sp>
+        <p:nvSpPr>
+          <p:cNvPr id="5" name="TextBox 4">
+            <a:extLst>
+              <a:ext uri="{FF2B5EF4-FFF2-40B4-BE49-F238E27FC236}">
+                <a16:creationId xmlns:a16="http://schemas.microsoft.com/office/drawing/2014/main" id="{5C3101FE-916F-7AC8-03CF-F8680EC21ADF}"/>
+              </a:ext>
+            </a:extLst>
+          </p:cNvPr>
+          <p:cNvSpPr txBox="1"/>
+          <p:nvPr/>
+        </p:nvSpPr>
+        <p:spPr>
+          <a:xfrm>
+            <a:off x="391886" y="130629"/>
+            <a:ext cx="11614067" cy="4216539"/>
+          </a:xfrm>
+          <a:prstGeom prst="rect">
+            <a:avLst/>
+          </a:prstGeom>
+          <a:noFill/>
+          <a:ln>
+            <a:noFill/>
+          </a:ln>
+        </p:spPr>
+        <p:txBody>
+          <a:bodyPr wrap="square" rtlCol="0">
+            <a:spAutoFit/>
+          </a:bodyPr>
+          <a:lstStyle/>
+          <a:p>
+            <a:pPr algn="ctr"/>
+            <a:r>
+              <a:rPr lang="en-CH" sz="2400" dirty="0">
+                <a:solidFill>
+                  <a:schemeClr val="bg1"/>
+                </a:solidFill>
+                <a:latin typeface="Arial" panose="020B0604020202020204" pitchFamily="34" charset="0"/>
+                <a:cs typeface="Arial" panose="020B0604020202020204" pitchFamily="34" charset="0"/>
+              </a:rPr>
+              <a:t>Welcome to the Egg task.</a:t>
+            </a:r>
+          </a:p>
+          <a:p>
+            <a:endParaRPr lang="en-CH" sz="2400" dirty="0">
+              <a:solidFill>
+                <a:schemeClr val="bg1"/>
+              </a:solidFill>
+              <a:latin typeface="Arial" panose="020B0604020202020204" pitchFamily="34" charset="0"/>
+              <a:cs typeface="Arial" panose="020B0604020202020204" pitchFamily="34" charset="0"/>
+            </a:endParaRPr>
+          </a:p>
+          <a:p>
+            <a:r>
+              <a:rPr lang="en-GB" sz="2200" dirty="0">
+                <a:solidFill>
+                  <a:schemeClr val="bg1"/>
+                </a:solidFill>
+                <a:latin typeface="Arial" panose="020B0604020202020204" pitchFamily="34" charset="0"/>
+                <a:cs typeface="Arial" panose="020B0604020202020204" pitchFamily="34" charset="0"/>
+              </a:rPr>
+              <a:t>Your goal in this task is to buy as many fresh eggs from the egg farmer for your store as possible. You want to get a good variety of eggs but some of them are more sensitive and get rotten more easily. For good eggs you receive money, when you buy bad eggs you loose money.</a:t>
+            </a:r>
+          </a:p>
+          <a:p>
+            <a:endParaRPr lang="en-GB" sz="2200" dirty="0">
+              <a:solidFill>
+                <a:schemeClr val="bg1"/>
+              </a:solidFill>
+              <a:latin typeface="Arial" panose="020B0604020202020204" pitchFamily="34" charset="0"/>
+              <a:cs typeface="Arial" panose="020B0604020202020204" pitchFamily="34" charset="0"/>
+            </a:endParaRPr>
+          </a:p>
+          <a:p>
+            <a:r>
+              <a:rPr lang="en-GB" sz="2200" dirty="0">
+                <a:solidFill>
+                  <a:schemeClr val="bg1"/>
+                </a:solidFill>
+                <a:latin typeface="Arial" panose="020B0604020202020204" pitchFamily="34" charset="0"/>
+                <a:cs typeface="Arial" panose="020B0604020202020204" pitchFamily="34" charset="0"/>
+              </a:rPr>
+              <a:t>Because there are different sorts of eggs, you have to learn which ones are more likely to be rotten and which ones are more likely to stay fresh. </a:t>
+            </a:r>
+          </a:p>
+          <a:p>
+            <a:endParaRPr lang="en-GB" sz="2200" dirty="0">
+              <a:solidFill>
+                <a:schemeClr val="bg1"/>
+              </a:solidFill>
+              <a:latin typeface="Arial" panose="020B0604020202020204" pitchFamily="34" charset="0"/>
+              <a:cs typeface="Arial" panose="020B0604020202020204" pitchFamily="34" charset="0"/>
+            </a:endParaRPr>
+          </a:p>
+          <a:p>
+            <a:r>
+              <a:rPr lang="en-GB" sz="2200" dirty="0">
+                <a:solidFill>
+                  <a:schemeClr val="bg1"/>
+                </a:solidFill>
+                <a:latin typeface="Arial" panose="020B0604020202020204" pitchFamily="34" charset="0"/>
+                <a:cs typeface="Arial" panose="020B0604020202020204" pitchFamily="34" charset="0"/>
+              </a:rPr>
+              <a:t>Try to make as much profit as possible.</a:t>
+            </a:r>
+          </a:p>
+          <a:p>
+            <a:endParaRPr lang="en-GB" sz="2200" dirty="0">
+              <a:solidFill>
+                <a:schemeClr val="bg1"/>
+              </a:solidFill>
+              <a:latin typeface="Arial" panose="020B0604020202020204" pitchFamily="34" charset="0"/>
+              <a:cs typeface="Arial" panose="020B0604020202020204" pitchFamily="34" charset="0"/>
+            </a:endParaRPr>
+          </a:p>
+        </p:txBody>
+      </p:sp>
+    </p:spTree>
+    <p:extLst>
+      <p:ext uri="{BB962C8B-B14F-4D97-AF65-F5344CB8AC3E}">
+        <p14:creationId xmlns:p14="http://schemas.microsoft.com/office/powerpoint/2010/main" val="2976116893"/>
+      </p:ext>
+    </p:extLst>
+  </p:cSld>
+  <p:clrMapOvr>
+    <a:masterClrMapping/>
+  </p:clrMapOvr>
+</p:sld>
+</file>
+
+<file path=ppt/slides/slide30.xml><?xml version="1.0" encoding="utf-8"?>
 <p:sld xmlns:a="http://schemas.openxmlformats.org/drawingml/2006/main" xmlns:r="http://schemas.openxmlformats.org/officeDocument/2006/relationships" xmlns:p="http://schemas.openxmlformats.org/presentationml/2006/main">
   <p:cSld>
     <p:bg>
@@ -4486,7 +5247,7 @@
 </p:sld>
 </file>
 
-<file path=ppt/slides/slide23.xml><?xml version="1.0" encoding="utf-8"?>
+<file path=ppt/slides/slide31.xml><?xml version="1.0" encoding="utf-8"?>
 <p:sld xmlns:a="http://schemas.openxmlformats.org/drawingml/2006/main" xmlns:r="http://schemas.openxmlformats.org/officeDocument/2006/relationships" xmlns:p="http://schemas.openxmlformats.org/presentationml/2006/main">
   <p:cSld>
     <p:bg>
@@ -4560,7 +5321,7 @@
 </p:sld>
 </file>
 
-<file path=ppt/slides/slide24.xml><?xml version="1.0" encoding="utf-8"?>
+<file path=ppt/slides/slide32.xml><?xml version="1.0" encoding="utf-8"?>
 <p:sld xmlns:a="http://schemas.openxmlformats.org/drawingml/2006/main" xmlns:r="http://schemas.openxmlformats.org/officeDocument/2006/relationships" xmlns:p="http://schemas.openxmlformats.org/presentationml/2006/main">
   <p:cSld>
     <p:bg>
@@ -4634,7 +5395,7 @@
 </p:sld>
 </file>
 
-<file path=ppt/slides/slide25.xml><?xml version="1.0" encoding="utf-8"?>
+<file path=ppt/slides/slide33.xml><?xml version="1.0" encoding="utf-8"?>
 <p:sld xmlns:a="http://schemas.openxmlformats.org/drawingml/2006/main" xmlns:r="http://schemas.openxmlformats.org/officeDocument/2006/relationships" xmlns:p="http://schemas.openxmlformats.org/presentationml/2006/main">
   <p:cSld>
     <p:bg>
@@ -4708,7 +5469,7 @@
 </p:sld>
 </file>
 
-<file path=ppt/slides/slide26.xml><?xml version="1.0" encoding="utf-8"?>
+<file path=ppt/slides/slide34.xml><?xml version="1.0" encoding="utf-8"?>
 <p:sld xmlns:a="http://schemas.openxmlformats.org/drawingml/2006/main" xmlns:r="http://schemas.openxmlformats.org/officeDocument/2006/relationships" xmlns:p="http://schemas.openxmlformats.org/presentationml/2006/main">
   <p:cSld>
     <p:bg>
@@ -4782,7 +5543,7 @@
 </p:sld>
 </file>
 
-<file path=ppt/slides/slide27.xml><?xml version="1.0" encoding="utf-8"?>
+<file path=ppt/slides/slide35.xml><?xml version="1.0" encoding="utf-8"?>
 <p:sld xmlns:a="http://schemas.openxmlformats.org/drawingml/2006/main" xmlns:r="http://schemas.openxmlformats.org/officeDocument/2006/relationships" xmlns:p="http://schemas.openxmlformats.org/presentationml/2006/main">
   <p:cSld>
     <p:bg>
@@ -4856,7 +5617,7 @@
 </p:sld>
 </file>
 
-<file path=ppt/slides/slide28.xml><?xml version="1.0" encoding="utf-8"?>
+<file path=ppt/slides/slide36.xml><?xml version="1.0" encoding="utf-8"?>
 <p:sld xmlns:a="http://schemas.openxmlformats.org/drawingml/2006/main" xmlns:r="http://schemas.openxmlformats.org/officeDocument/2006/relationships" xmlns:p="http://schemas.openxmlformats.org/presentationml/2006/main">
   <p:cSld>
     <p:bg>
@@ -4930,7 +5691,7 @@
 </p:sld>
 </file>
 
-<file path=ppt/slides/slide29.xml><?xml version="1.0" encoding="utf-8"?>
+<file path=ppt/slides/slide37.xml><?xml version="1.0" encoding="utf-8"?>
 <p:sld xmlns:a="http://schemas.openxmlformats.org/drawingml/2006/main" xmlns:r="http://schemas.openxmlformats.org/officeDocument/2006/relationships" xmlns:p="http://schemas.openxmlformats.org/presentationml/2006/main">
   <p:cSld>
     <p:bg>
@@ -5004,183 +5765,7 @@
 </p:sld>
 </file>
 
-<file path=ppt/slides/slide3.xml><?xml version="1.0" encoding="utf-8"?>
-<p:sld xmlns:a="http://schemas.openxmlformats.org/drawingml/2006/main" xmlns:r="http://schemas.openxmlformats.org/officeDocument/2006/relationships" xmlns:p="http://schemas.openxmlformats.org/presentationml/2006/main">
-  <p:cSld>
-    <p:bg>
-      <p:bgPr>
-        <a:solidFill>
-          <a:srgbClr val="5C5C5C"/>
-        </a:solidFill>
-        <a:effectLst/>
-      </p:bgPr>
-    </p:bg>
-    <p:spTree>
-      <p:nvGrpSpPr>
-        <p:cNvPr id="1" name=""/>
-        <p:cNvGrpSpPr/>
-        <p:nvPr/>
-      </p:nvGrpSpPr>
-      <p:grpSpPr>
-        <a:xfrm>
-          <a:off x="0" y="0"/>
-          <a:ext cx="0" cy="0"/>
-          <a:chOff x="0" y="0"/>
-          <a:chExt cx="0" cy="0"/>
-        </a:xfrm>
-      </p:grpSpPr>
-      <p:sp>
-        <p:nvSpPr>
-          <p:cNvPr id="5" name="TextBox 4">
-            <a:extLst>
-              <a:ext uri="{FF2B5EF4-FFF2-40B4-BE49-F238E27FC236}">
-                <a16:creationId xmlns:a16="http://schemas.microsoft.com/office/drawing/2014/main" id="{5C3101FE-916F-7AC8-03CF-F8680EC21ADF}"/>
-              </a:ext>
-            </a:extLst>
-          </p:cNvPr>
-          <p:cNvSpPr txBox="1"/>
-          <p:nvPr/>
-        </p:nvSpPr>
-        <p:spPr>
-          <a:xfrm>
-            <a:off x="391886" y="130629"/>
-            <a:ext cx="11614067" cy="5232202"/>
-          </a:xfrm>
-          <a:prstGeom prst="rect">
-            <a:avLst/>
-          </a:prstGeom>
-          <a:noFill/>
-          <a:ln>
-            <a:noFill/>
-          </a:ln>
-        </p:spPr>
-        <p:txBody>
-          <a:bodyPr wrap="square" rtlCol="0">
-            <a:spAutoFit/>
-          </a:bodyPr>
-          <a:lstStyle/>
-          <a:p>
-            <a:pPr algn="ctr"/>
-            <a:r>
-              <a:rPr lang="en-CH" sz="2400" dirty="0">
-                <a:solidFill>
-                  <a:schemeClr val="bg1"/>
-                </a:solidFill>
-                <a:latin typeface="Arial" panose="020B0604020202020204" pitchFamily="34" charset="0"/>
-                <a:cs typeface="Arial" panose="020B0604020202020204" pitchFamily="34" charset="0"/>
-              </a:rPr>
-              <a:t>Welcome to the Egg task.</a:t>
-            </a:r>
-          </a:p>
-          <a:p>
-            <a:endParaRPr lang="en-CH" sz="2400" dirty="0">
-              <a:solidFill>
-                <a:schemeClr val="bg1"/>
-              </a:solidFill>
-              <a:latin typeface="Arial" panose="020B0604020202020204" pitchFamily="34" charset="0"/>
-              <a:cs typeface="Arial" panose="020B0604020202020204" pitchFamily="34" charset="0"/>
-            </a:endParaRPr>
-          </a:p>
-          <a:p>
-            <a:r>
-              <a:rPr lang="en-GB" sz="2200" dirty="0">
-                <a:solidFill>
-                  <a:schemeClr val="bg1"/>
-                </a:solidFill>
-                <a:latin typeface="Arial" panose="020B0604020202020204" pitchFamily="34" charset="0"/>
-                <a:cs typeface="Arial" panose="020B0604020202020204" pitchFamily="34" charset="0"/>
-              </a:rPr>
-              <a:t>Your goal in this task is to buy as many fresh eggs from the egg farmer for your store as possible. You want to get a good variety of eggs but some of them are more sensitive and get rotten more easily. For good eggs you receive money, when you buy bad eggs you loose money.</a:t>
-            </a:r>
-          </a:p>
-          <a:p>
-            <a:endParaRPr lang="en-GB" sz="2200" dirty="0">
-              <a:solidFill>
-                <a:schemeClr val="bg1"/>
-              </a:solidFill>
-              <a:latin typeface="Arial" panose="020B0604020202020204" pitchFamily="34" charset="0"/>
-              <a:cs typeface="Arial" panose="020B0604020202020204" pitchFamily="34" charset="0"/>
-            </a:endParaRPr>
-          </a:p>
-          <a:p>
-            <a:r>
-              <a:rPr lang="en-GB" sz="2200" dirty="0">
-                <a:solidFill>
-                  <a:schemeClr val="bg1"/>
-                </a:solidFill>
-                <a:latin typeface="Arial" panose="020B0604020202020204" pitchFamily="34" charset="0"/>
-                <a:cs typeface="Arial" panose="020B0604020202020204" pitchFamily="34" charset="0"/>
-              </a:rPr>
-              <a:t>Because there are different sorts of eggs, you have to learn which ones are more likely to be rotten and which ones are more likely to stay fresh. </a:t>
-            </a:r>
-          </a:p>
-          <a:p>
-            <a:endParaRPr lang="en-GB" sz="2200" dirty="0">
-              <a:solidFill>
-                <a:schemeClr val="bg1"/>
-              </a:solidFill>
-              <a:latin typeface="Arial" panose="020B0604020202020204" pitchFamily="34" charset="0"/>
-              <a:cs typeface="Arial" panose="020B0604020202020204" pitchFamily="34" charset="0"/>
-            </a:endParaRPr>
-          </a:p>
-          <a:p>
-            <a:r>
-              <a:rPr lang="en-GB" sz="2200" dirty="0">
-                <a:solidFill>
-                  <a:schemeClr val="bg1"/>
-                </a:solidFill>
-                <a:latin typeface="Arial" panose="020B0604020202020204" pitchFamily="34" charset="0"/>
-                <a:cs typeface="Arial" panose="020B0604020202020204" pitchFamily="34" charset="0"/>
-              </a:rPr>
-              <a:t>Please note that the eggs in this task look like the faces from the previous task but this is a profit task. Had to use the same images in this task for technical reasons.</a:t>
-            </a:r>
-          </a:p>
-          <a:p>
-            <a:endParaRPr lang="en-GB" sz="2200" dirty="0">
-              <a:solidFill>
-                <a:schemeClr val="bg1"/>
-              </a:solidFill>
-              <a:latin typeface="Arial" panose="020B0604020202020204" pitchFamily="34" charset="0"/>
-              <a:cs typeface="Arial" panose="020B0604020202020204" pitchFamily="34" charset="0"/>
-            </a:endParaRPr>
-          </a:p>
-          <a:p>
-            <a:r>
-              <a:rPr lang="en-GB" sz="2200" dirty="0">
-                <a:solidFill>
-                  <a:schemeClr val="bg1"/>
-                </a:solidFill>
-                <a:latin typeface="Arial" panose="020B0604020202020204" pitchFamily="34" charset="0"/>
-                <a:cs typeface="Arial" panose="020B0604020202020204" pitchFamily="34" charset="0"/>
-              </a:rPr>
-              <a:t>Try to make as much profit as possible.</a:t>
-            </a:r>
-          </a:p>
-          <a:p>
-            <a:endParaRPr lang="en-GB" sz="2200" dirty="0">
-              <a:solidFill>
-                <a:schemeClr val="bg1"/>
-              </a:solidFill>
-              <a:latin typeface="Arial" panose="020B0604020202020204" pitchFamily="34" charset="0"/>
-              <a:cs typeface="Arial" panose="020B0604020202020204" pitchFamily="34" charset="0"/>
-            </a:endParaRPr>
-          </a:p>
-        </p:txBody>
-      </p:sp>
-    </p:spTree>
-    <p:extLst>
-      <p:ext uri="{BB962C8B-B14F-4D97-AF65-F5344CB8AC3E}">
-        <p14:creationId xmlns:p14="http://schemas.microsoft.com/office/powerpoint/2010/main" val="2976116893"/>
-      </p:ext>
-    </p:extLst>
-  </p:cSld>
-  <p:clrMapOvr>
-    <a:masterClrMapping/>
-  </p:clrMapOvr>
-</p:sld>
-</file>
-
-<file path=ppt/slides/slide30.xml><?xml version="1.0" encoding="utf-8"?>
+<file path=ppt/slides/slide38.xml><?xml version="1.0" encoding="utf-8"?>
 <p:sld xmlns:a="http://schemas.openxmlformats.org/drawingml/2006/main" xmlns:r="http://schemas.openxmlformats.org/officeDocument/2006/relationships" xmlns:p="http://schemas.openxmlformats.org/presentationml/2006/main">
   <p:cSld>
     <p:bg>
@@ -5254,7 +5839,7 @@
 </p:sld>
 </file>
 
-<file path=ppt/slides/slide31.xml><?xml version="1.0" encoding="utf-8"?>
+<file path=ppt/slides/slide39.xml><?xml version="1.0" encoding="utf-8"?>
 <p:sld xmlns:a="http://schemas.openxmlformats.org/drawingml/2006/main" xmlns:r="http://schemas.openxmlformats.org/officeDocument/2006/relationships" xmlns:p="http://schemas.openxmlformats.org/presentationml/2006/main">
   <p:cSld>
     <p:bg>
@@ -5325,86 +5910,6 @@
     <p:extLst>
       <p:ext uri="{BB962C8B-B14F-4D97-AF65-F5344CB8AC3E}">
         <p14:creationId xmlns:p14="http://schemas.microsoft.com/office/powerpoint/2010/main" val="1062932709"/>
-      </p:ext>
-    </p:extLst>
-  </p:cSld>
-  <p:clrMapOvr>
-    <a:masterClrMapping/>
-  </p:clrMapOvr>
-</p:sld>
-</file>
-
-<file path=ppt/slides/slide32.xml><?xml version="1.0" encoding="utf-8"?>
-<p:sld xmlns:a="http://schemas.openxmlformats.org/drawingml/2006/main" xmlns:r="http://schemas.openxmlformats.org/officeDocument/2006/relationships" xmlns:p="http://schemas.openxmlformats.org/presentationml/2006/main">
-  <p:cSld>
-    <p:bg>
-      <p:bgPr>
-        <a:solidFill>
-          <a:srgbClr val="5C5C5C"/>
-        </a:solidFill>
-        <a:effectLst/>
-      </p:bgPr>
-    </p:bg>
-    <p:spTree>
-      <p:nvGrpSpPr>
-        <p:cNvPr id="1" name=""/>
-        <p:cNvGrpSpPr/>
-        <p:nvPr/>
-      </p:nvGrpSpPr>
-      <p:grpSpPr>
-        <a:xfrm>
-          <a:off x="0" y="0"/>
-          <a:ext cx="0" cy="0"/>
-          <a:chOff x="0" y="0"/>
-          <a:chExt cx="0" cy="0"/>
-        </a:xfrm>
-      </p:grpSpPr>
-      <p:sp>
-        <p:nvSpPr>
-          <p:cNvPr id="2" name="TextBox 1">
-            <a:extLst>
-              <a:ext uri="{FF2B5EF4-FFF2-40B4-BE49-F238E27FC236}">
-                <a16:creationId xmlns:a16="http://schemas.microsoft.com/office/drawing/2014/main" id="{A2F27E21-B004-68AF-2485-A4D06B57CE76}"/>
-              </a:ext>
-            </a:extLst>
-          </p:cNvPr>
-          <p:cNvSpPr txBox="1"/>
-          <p:nvPr/>
-        </p:nvSpPr>
-        <p:spPr>
-          <a:xfrm>
-            <a:off x="373853" y="3013501"/>
-            <a:ext cx="11444287" cy="830997"/>
-          </a:xfrm>
-          <a:prstGeom prst="rect">
-            <a:avLst/>
-          </a:prstGeom>
-          <a:noFill/>
-        </p:spPr>
-        <p:txBody>
-          <a:bodyPr wrap="square" rtlCol="0">
-            <a:spAutoFit/>
-          </a:bodyPr>
-          <a:lstStyle/>
-          <a:p>
-            <a:pPr algn="ctr"/>
-            <a:r>
-              <a:rPr lang="en-CH" sz="4800" dirty="0">
-                <a:solidFill>
-                  <a:schemeClr val="bg1"/>
-                </a:solidFill>
-                <a:latin typeface="Arial" panose="020B0604020202020204" pitchFamily="34" charset="0"/>
-                <a:cs typeface="Arial" panose="020B0604020202020204" pitchFamily="34" charset="0"/>
-              </a:rPr>
-              <a:t>- 1</a:t>
-            </a:r>
-          </a:p>
-        </p:txBody>
-      </p:sp>
-    </p:spTree>
-    <p:extLst>
-      <p:ext uri="{BB962C8B-B14F-4D97-AF65-F5344CB8AC3E}">
-        <p14:creationId xmlns:p14="http://schemas.microsoft.com/office/powerpoint/2010/main" val="386870888"/>
       </p:ext>
     </p:extLst>
   </p:cSld>
@@ -5599,6 +6104,86 @@
     <p:extLst>
       <p:ext uri="{BB962C8B-B14F-4D97-AF65-F5344CB8AC3E}">
         <p14:creationId xmlns:p14="http://schemas.microsoft.com/office/powerpoint/2010/main" val="2986080870"/>
+      </p:ext>
+    </p:extLst>
+  </p:cSld>
+  <p:clrMapOvr>
+    <a:masterClrMapping/>
+  </p:clrMapOvr>
+</p:sld>
+</file>
+
+<file path=ppt/slides/slide40.xml><?xml version="1.0" encoding="utf-8"?>
+<p:sld xmlns:a="http://schemas.openxmlformats.org/drawingml/2006/main" xmlns:r="http://schemas.openxmlformats.org/officeDocument/2006/relationships" xmlns:p="http://schemas.openxmlformats.org/presentationml/2006/main">
+  <p:cSld>
+    <p:bg>
+      <p:bgPr>
+        <a:solidFill>
+          <a:srgbClr val="5C5C5C"/>
+        </a:solidFill>
+        <a:effectLst/>
+      </p:bgPr>
+    </p:bg>
+    <p:spTree>
+      <p:nvGrpSpPr>
+        <p:cNvPr id="1" name=""/>
+        <p:cNvGrpSpPr/>
+        <p:nvPr/>
+      </p:nvGrpSpPr>
+      <p:grpSpPr>
+        <a:xfrm>
+          <a:off x="0" y="0"/>
+          <a:ext cx="0" cy="0"/>
+          <a:chOff x="0" y="0"/>
+          <a:chExt cx="0" cy="0"/>
+        </a:xfrm>
+      </p:grpSpPr>
+      <p:sp>
+        <p:nvSpPr>
+          <p:cNvPr id="2" name="TextBox 1">
+            <a:extLst>
+              <a:ext uri="{FF2B5EF4-FFF2-40B4-BE49-F238E27FC236}">
+                <a16:creationId xmlns:a16="http://schemas.microsoft.com/office/drawing/2014/main" id="{A2F27E21-B004-68AF-2485-A4D06B57CE76}"/>
+              </a:ext>
+            </a:extLst>
+          </p:cNvPr>
+          <p:cNvSpPr txBox="1"/>
+          <p:nvPr/>
+        </p:nvSpPr>
+        <p:spPr>
+          <a:xfrm>
+            <a:off x="373853" y="3013501"/>
+            <a:ext cx="11444287" cy="830997"/>
+          </a:xfrm>
+          <a:prstGeom prst="rect">
+            <a:avLst/>
+          </a:prstGeom>
+          <a:noFill/>
+        </p:spPr>
+        <p:txBody>
+          <a:bodyPr wrap="square" rtlCol="0">
+            <a:spAutoFit/>
+          </a:bodyPr>
+          <a:lstStyle/>
+          <a:p>
+            <a:pPr algn="ctr"/>
+            <a:r>
+              <a:rPr lang="en-CH" sz="4800" dirty="0">
+                <a:solidFill>
+                  <a:schemeClr val="bg1"/>
+                </a:solidFill>
+                <a:latin typeface="Arial" panose="020B0604020202020204" pitchFamily="34" charset="0"/>
+                <a:cs typeface="Arial" panose="020B0604020202020204" pitchFamily="34" charset="0"/>
+              </a:rPr>
+              <a:t>- 1</a:t>
+            </a:r>
+          </a:p>
+        </p:txBody>
+      </p:sp>
+    </p:spTree>
+    <p:extLst>
+      <p:ext uri="{BB962C8B-B14F-4D97-AF65-F5344CB8AC3E}">
+        <p14:creationId xmlns:p14="http://schemas.microsoft.com/office/powerpoint/2010/main" val="386870888"/>
       </p:ext>
     </p:extLst>
   </p:cSld>
@@ -5682,7 +6267,7 @@
     <p:bg>
       <p:bgPr>
         <a:solidFill>
-          <a:srgbClr val="5C5C5C"/>
+          <a:srgbClr val="646464"/>
         </a:solidFill>
         <a:effectLst/>
       </p:bgPr>
@@ -5824,14 +6409,20 @@
     <p:bg>
       <p:bgPr>
         <a:solidFill>
-          <a:srgbClr val="5C5C5C"/>
+          <a:srgbClr val="646464"/>
         </a:solidFill>
         <a:effectLst/>
       </p:bgPr>
     </p:bg>
     <p:spTree>
       <p:nvGrpSpPr>
-        <p:cNvPr id="1" name=""/>
+        <p:cNvPr id="1" name="">
+          <a:extLst>
+            <a:ext uri="{FF2B5EF4-FFF2-40B4-BE49-F238E27FC236}">
+              <a16:creationId xmlns:a16="http://schemas.microsoft.com/office/drawing/2014/main" id="{8E821182-6885-2416-A668-D4183C90ACD1}"/>
+            </a:ext>
+          </a:extLst>
+        </p:cNvPr>
         <p:cNvGrpSpPr/>
         <p:nvPr/>
       </p:nvGrpSpPr>
@@ -5845,10 +6436,10 @@
       </p:grpSpPr>
       <p:pic>
         <p:nvPicPr>
-          <p:cNvPr id="3" name="Picture 2">
-            <a:extLst>
-              <a:ext uri="{FF2B5EF4-FFF2-40B4-BE49-F238E27FC236}">
-                <a16:creationId xmlns:a16="http://schemas.microsoft.com/office/drawing/2014/main" id="{02C3729A-FF3F-F995-3345-DEEDC1FC84C1}"/>
+          <p:cNvPr id="4" name="Picture 3">
+            <a:extLst>
+              <a:ext uri="{FF2B5EF4-FFF2-40B4-BE49-F238E27FC236}">
+                <a16:creationId xmlns:a16="http://schemas.microsoft.com/office/drawing/2014/main" id="{8AB7B542-2D53-49EB-869E-3A95B8434C64}"/>
               </a:ext>
             </a:extLst>
           </p:cNvPr>
@@ -5865,8 +6456,8 @@
         </p:blipFill>
         <p:spPr>
           <a:xfrm>
-            <a:off x="3501517" y="1449000"/>
-            <a:ext cx="5188966" cy="3960000"/>
+            <a:off x="5016000" y="2349000"/>
+            <a:ext cx="2160000" cy="2160000"/>
           </a:xfrm>
           <a:prstGeom prst="rect">
             <a:avLst/>
@@ -5876,7 +6467,7 @@
     </p:spTree>
     <p:extLst>
       <p:ext uri="{BB962C8B-B14F-4D97-AF65-F5344CB8AC3E}">
-        <p14:creationId xmlns:p14="http://schemas.microsoft.com/office/powerpoint/2010/main" val="1313142258"/>
+        <p14:creationId xmlns:p14="http://schemas.microsoft.com/office/powerpoint/2010/main" val="1808002623"/>
       </p:ext>
     </p:extLst>
   </p:cSld>
@@ -5913,10 +6504,10 @@
       </p:grpSpPr>
       <p:pic>
         <p:nvPicPr>
-          <p:cNvPr id="4" name="Picture 3">
-            <a:extLst>
-              <a:ext uri="{FF2B5EF4-FFF2-40B4-BE49-F238E27FC236}">
-                <a16:creationId xmlns:a16="http://schemas.microsoft.com/office/drawing/2014/main" id="{BF22FE1A-67F2-9A08-251F-880432C4BF90}"/>
+          <p:cNvPr id="3" name="Picture 2">
+            <a:extLst>
+              <a:ext uri="{FF2B5EF4-FFF2-40B4-BE49-F238E27FC236}">
+                <a16:creationId xmlns:a16="http://schemas.microsoft.com/office/drawing/2014/main" id="{02C3729A-FF3F-F995-3345-DEEDC1FC84C1}"/>
               </a:ext>
             </a:extLst>
           </p:cNvPr>
@@ -5944,7 +6535,7 @@
     </p:spTree>
     <p:extLst>
       <p:ext uri="{BB962C8B-B14F-4D97-AF65-F5344CB8AC3E}">
-        <p14:creationId xmlns:p14="http://schemas.microsoft.com/office/powerpoint/2010/main" val="3262247840"/>
+        <p14:creationId xmlns:p14="http://schemas.microsoft.com/office/powerpoint/2010/main" val="1313142258"/>
       </p:ext>
     </p:extLst>
   </p:cSld>

--- a/control_task/stimuli/originals_SAPC_Task.pptx
+++ b/control_task/stimuli/originals_SAPC_Task.pptx
@@ -11,40 +11,41 @@
     <p:sldId id="3497" r:id="rId5"/>
     <p:sldId id="3519" r:id="rId6"/>
     <p:sldId id="3528" r:id="rId7"/>
-    <p:sldId id="3480" r:id="rId8"/>
-    <p:sldId id="3529" r:id="rId9"/>
-    <p:sldId id="3482" r:id="rId10"/>
-    <p:sldId id="3530" r:id="rId11"/>
-    <p:sldId id="3484" r:id="rId12"/>
-    <p:sldId id="3531" r:id="rId13"/>
-    <p:sldId id="3486" r:id="rId14"/>
-    <p:sldId id="3532" r:id="rId15"/>
-    <p:sldId id="3521" r:id="rId16"/>
-    <p:sldId id="3533" r:id="rId17"/>
-    <p:sldId id="3523" r:id="rId18"/>
-    <p:sldId id="3534" r:id="rId19"/>
-    <p:sldId id="3525" r:id="rId20"/>
-    <p:sldId id="3535" r:id="rId21"/>
-    <p:sldId id="3536" r:id="rId22"/>
-    <p:sldId id="3527" r:id="rId23"/>
-    <p:sldId id="283" r:id="rId24"/>
-    <p:sldId id="3503" r:id="rId25"/>
-    <p:sldId id="3504" r:id="rId26"/>
-    <p:sldId id="3505" r:id="rId27"/>
-    <p:sldId id="3506" r:id="rId28"/>
-    <p:sldId id="3507" r:id="rId29"/>
-    <p:sldId id="3508" r:id="rId30"/>
-    <p:sldId id="3509" r:id="rId31"/>
-    <p:sldId id="3513" r:id="rId32"/>
-    <p:sldId id="3510" r:id="rId33"/>
-    <p:sldId id="3512" r:id="rId34"/>
-    <p:sldId id="3517" r:id="rId35"/>
-    <p:sldId id="3514" r:id="rId36"/>
-    <p:sldId id="3515" r:id="rId37"/>
-    <p:sldId id="3516" r:id="rId38"/>
-    <p:sldId id="3518" r:id="rId39"/>
-    <p:sldId id="3476" r:id="rId40"/>
-    <p:sldId id="3477" r:id="rId41"/>
+    <p:sldId id="3551" r:id="rId8"/>
+    <p:sldId id="3543" r:id="rId9"/>
+    <p:sldId id="3480" r:id="rId10"/>
+    <p:sldId id="3529" r:id="rId11"/>
+    <p:sldId id="3550" r:id="rId12"/>
+    <p:sldId id="3537" r:id="rId13"/>
+    <p:sldId id="3482" r:id="rId14"/>
+    <p:sldId id="3530" r:id="rId15"/>
+    <p:sldId id="3549" r:id="rId16"/>
+    <p:sldId id="3542" r:id="rId17"/>
+    <p:sldId id="3484" r:id="rId18"/>
+    <p:sldId id="3531" r:id="rId19"/>
+    <p:sldId id="3548" r:id="rId20"/>
+    <p:sldId id="3541" r:id="rId21"/>
+    <p:sldId id="3486" r:id="rId22"/>
+    <p:sldId id="3532" r:id="rId23"/>
+    <p:sldId id="3547" r:id="rId24"/>
+    <p:sldId id="3540" r:id="rId25"/>
+    <p:sldId id="3521" r:id="rId26"/>
+    <p:sldId id="3539" r:id="rId27"/>
+    <p:sldId id="3546" r:id="rId28"/>
+    <p:sldId id="3533" r:id="rId29"/>
+    <p:sldId id="3523" r:id="rId30"/>
+    <p:sldId id="3538" r:id="rId31"/>
+    <p:sldId id="3545" r:id="rId32"/>
+    <p:sldId id="3534" r:id="rId33"/>
+    <p:sldId id="3525" r:id="rId34"/>
+    <p:sldId id="3536" r:id="rId35"/>
+    <p:sldId id="3544" r:id="rId36"/>
+    <p:sldId id="3535" r:id="rId37"/>
+    <p:sldId id="3552" r:id="rId38"/>
+    <p:sldId id="3553" r:id="rId39"/>
+    <p:sldId id="3527" r:id="rId40"/>
+    <p:sldId id="3476" r:id="rId41"/>
+    <p:sldId id="3477" r:id="rId42"/>
   </p:sldIdLst>
   <p:sldSz cx="12192000" cy="6858000"/>
   <p:notesSz cx="6858000" cy="9144000"/>
@@ -300,7 +301,7 @@
           <a:p>
             <a:fld id="{9B916260-F45C-B647-88A4-C91F6BA5DC4E}" type="datetimeFigureOut">
               <a:rPr lang="en-CH" smtClean="0"/>
-              <a:t>04.10.24</a:t>
+              <a:t>14.10.24</a:t>
             </a:fld>
             <a:endParaRPr lang="en-CH"/>
           </a:p>
@@ -500,7 +501,7 @@
           <a:p>
             <a:fld id="{9B916260-F45C-B647-88A4-C91F6BA5DC4E}" type="datetimeFigureOut">
               <a:rPr lang="en-CH" smtClean="0"/>
-              <a:t>04.10.24</a:t>
+              <a:t>14.10.24</a:t>
             </a:fld>
             <a:endParaRPr lang="en-CH"/>
           </a:p>
@@ -710,7 +711,7 @@
           <a:p>
             <a:fld id="{9B916260-F45C-B647-88A4-C91F6BA5DC4E}" type="datetimeFigureOut">
               <a:rPr lang="en-CH" smtClean="0"/>
-              <a:t>04.10.24</a:t>
+              <a:t>14.10.24</a:t>
             </a:fld>
             <a:endParaRPr lang="en-CH"/>
           </a:p>
@@ -910,7 +911,7 @@
           <a:p>
             <a:fld id="{9B916260-F45C-B647-88A4-C91F6BA5DC4E}" type="datetimeFigureOut">
               <a:rPr lang="en-CH" smtClean="0"/>
-              <a:t>04.10.24</a:t>
+              <a:t>14.10.24</a:t>
             </a:fld>
             <a:endParaRPr lang="en-CH"/>
           </a:p>
@@ -1186,7 +1187,7 @@
           <a:p>
             <a:fld id="{9B916260-F45C-B647-88A4-C91F6BA5DC4E}" type="datetimeFigureOut">
               <a:rPr lang="en-CH" smtClean="0"/>
-              <a:t>04.10.24</a:t>
+              <a:t>14.10.24</a:t>
             </a:fld>
             <a:endParaRPr lang="en-CH"/>
           </a:p>
@@ -1454,7 +1455,7 @@
           <a:p>
             <a:fld id="{9B916260-F45C-B647-88A4-C91F6BA5DC4E}" type="datetimeFigureOut">
               <a:rPr lang="en-CH" smtClean="0"/>
-              <a:t>04.10.24</a:t>
+              <a:t>14.10.24</a:t>
             </a:fld>
             <a:endParaRPr lang="en-CH"/>
           </a:p>
@@ -1869,7 +1870,7 @@
           <a:p>
             <a:fld id="{9B916260-F45C-B647-88A4-C91F6BA5DC4E}" type="datetimeFigureOut">
               <a:rPr lang="en-CH" smtClean="0"/>
-              <a:t>04.10.24</a:t>
+              <a:t>14.10.24</a:t>
             </a:fld>
             <a:endParaRPr lang="en-CH"/>
           </a:p>
@@ -2011,7 +2012,7 @@
           <a:p>
             <a:fld id="{9B916260-F45C-B647-88A4-C91F6BA5DC4E}" type="datetimeFigureOut">
               <a:rPr lang="en-CH" smtClean="0"/>
-              <a:t>04.10.24</a:t>
+              <a:t>14.10.24</a:t>
             </a:fld>
             <a:endParaRPr lang="en-CH"/>
           </a:p>
@@ -2124,7 +2125,7 @@
           <a:p>
             <a:fld id="{9B916260-F45C-B647-88A4-C91F6BA5DC4E}" type="datetimeFigureOut">
               <a:rPr lang="en-CH" smtClean="0"/>
-              <a:t>04.10.24</a:t>
+              <a:t>14.10.24</a:t>
             </a:fld>
             <a:endParaRPr lang="en-CH"/>
           </a:p>
@@ -2437,7 +2438,7 @@
           <a:p>
             <a:fld id="{9B916260-F45C-B647-88A4-C91F6BA5DC4E}" type="datetimeFigureOut">
               <a:rPr lang="en-CH" smtClean="0"/>
-              <a:t>04.10.24</a:t>
+              <a:t>14.10.24</a:t>
             </a:fld>
             <a:endParaRPr lang="en-CH"/>
           </a:p>
@@ -2726,7 +2727,7 @@
           <a:p>
             <a:fld id="{9B916260-F45C-B647-88A4-C91F6BA5DC4E}" type="datetimeFigureOut">
               <a:rPr lang="en-CH" smtClean="0"/>
-              <a:t>04.10.24</a:t>
+              <a:t>14.10.24</a:t>
             </a:fld>
             <a:endParaRPr lang="en-CH"/>
           </a:p>
@@ -2969,7 +2970,7 @@
           <a:p>
             <a:fld id="{9B916260-F45C-B647-88A4-C91F6BA5DC4E}" type="datetimeFigureOut">
               <a:rPr lang="en-CH" smtClean="0"/>
-              <a:t>04.10.24</a:t>
+              <a:t>14.10.24</a:t>
             </a:fld>
             <a:endParaRPr lang="en-CH"/>
           </a:p>
@@ -3487,7 +3488,7 @@
         <p:cNvPr id="1" name="">
           <a:extLst>
             <a:ext uri="{FF2B5EF4-FFF2-40B4-BE49-F238E27FC236}">
-              <a16:creationId xmlns:a16="http://schemas.microsoft.com/office/drawing/2014/main" id="{7E73C008-EA6C-219A-4A92-0E78211D8684}"/>
+              <a16:creationId xmlns:a16="http://schemas.microsoft.com/office/drawing/2014/main" id="{8E821182-6885-2416-A668-D4183C90ACD1}"/>
             </a:ext>
           </a:extLst>
         </p:cNvPr>
@@ -3504,10 +3505,10 @@
       </p:grpSpPr>
       <p:pic>
         <p:nvPicPr>
-          <p:cNvPr id="3" name="Picture 2">
-            <a:extLst>
-              <a:ext uri="{FF2B5EF4-FFF2-40B4-BE49-F238E27FC236}">
-                <a16:creationId xmlns:a16="http://schemas.microsoft.com/office/drawing/2014/main" id="{BFC71AF6-76E8-DCAA-2D2A-E060EBF5D907}"/>
+          <p:cNvPr id="8" name="Picture 7">
+            <a:extLst>
+              <a:ext uri="{FF2B5EF4-FFF2-40B4-BE49-F238E27FC236}">
+                <a16:creationId xmlns:a16="http://schemas.microsoft.com/office/drawing/2014/main" id="{CE12DB14-AE61-ACF4-2CA2-1D308FDDB5C6}"/>
               </a:ext>
             </a:extLst>
           </p:cNvPr>
@@ -3517,7 +3518,36 @@
           <p:nvPr/>
         </p:nvPicPr>
         <p:blipFill>
-          <a:blip r:embed="rId2"/>
+          <a:blip r:embed="rId2">
+            <a:extLst>
+              <a:ext uri="{BEBA8EAE-BF5A-486C-A8C5-ECC9F3942E4B}">
+                <a14:imgProps xmlns:a14="http://schemas.microsoft.com/office/drawing/2010/main">
+                  <a14:imgLayer r:embed="rId3">
+                    <a14:imgEffect>
+                      <a14:backgroundRemoval t="3233" b="98707" l="9914" r="89871">
+                        <a14:foregroundMark x1="41595" y1="8405" x2="41595" y2="8405"/>
+                        <a14:foregroundMark x1="50862" y1="3233" x2="50862" y2="3233"/>
+                        <a14:foregroundMark x1="35560" y1="26509" x2="39440" y2="30172"/>
+                        <a14:foregroundMark x1="24138" y1="32543" x2="33190" y2="33405"/>
+                        <a14:foregroundMark x1="33190" y1="33405" x2="40733" y2="36422"/>
+                        <a14:foregroundMark x1="40733" y1="36422" x2="42026" y2="37500"/>
+                        <a14:foregroundMark x1="61207" y1="25862" x2="72845" y2="30603"/>
+                        <a14:foregroundMark x1="72845" y1="30603" x2="80172" y2="36422"/>
+                        <a14:foregroundMark x1="60991" y1="38147" x2="60991" y2="38147"/>
+                        <a14:foregroundMark x1="62716" y1="35776" x2="62716" y2="35776"/>
+                        <a14:foregroundMark x1="65086" y1="75216" x2="65086" y2="75216"/>
+                        <a14:foregroundMark x1="53233" y1="76078" x2="53233" y2="76078"/>
+                        <a14:foregroundMark x1="51293" y1="80819" x2="51293" y2="80819"/>
+                        <a14:foregroundMark x1="49138" y1="97845" x2="49138" y2="97845"/>
+                        <a14:foregroundMark x1="57328" y1="98491" x2="57328" y2="98491"/>
+                        <a14:foregroundMark x1="59052" y1="98707" x2="59052" y2="98707"/>
+                      </a14:backgroundRemoval>
+                    </a14:imgEffect>
+                  </a14:imgLayer>
+                </a14:imgProps>
+              </a:ext>
+            </a:extLst>
+          </a:blip>
           <a:stretch>
             <a:fillRect/>
           </a:stretch>
@@ -3535,7 +3565,7 @@
     </p:spTree>
     <p:extLst>
       <p:ext uri="{BB962C8B-B14F-4D97-AF65-F5344CB8AC3E}">
-        <p14:creationId xmlns:p14="http://schemas.microsoft.com/office/powerpoint/2010/main" val="1937959015"/>
+        <p14:creationId xmlns:p14="http://schemas.microsoft.com/office/powerpoint/2010/main" val="1808002623"/>
       </p:ext>
     </p:extLst>
   </p:cSld>
@@ -3551,14 +3581,20 @@
     <p:bg>
       <p:bgPr>
         <a:solidFill>
-          <a:srgbClr val="5C5C5C"/>
+          <a:srgbClr val="646464"/>
         </a:solidFill>
         <a:effectLst/>
       </p:bgPr>
     </p:bg>
     <p:spTree>
       <p:nvGrpSpPr>
-        <p:cNvPr id="1" name=""/>
+        <p:cNvPr id="1" name="">
+          <a:extLst>
+            <a:ext uri="{FF2B5EF4-FFF2-40B4-BE49-F238E27FC236}">
+              <a16:creationId xmlns:a16="http://schemas.microsoft.com/office/drawing/2014/main" id="{7820790E-93AD-FE90-94F1-95139101BC74}"/>
+            </a:ext>
+          </a:extLst>
+        </p:cNvPr>
         <p:cNvGrpSpPr/>
         <p:nvPr/>
       </p:nvGrpSpPr>
@@ -3572,10 +3608,10 @@
       </p:grpSpPr>
       <p:pic>
         <p:nvPicPr>
-          <p:cNvPr id="4" name="Picture 3">
-            <a:extLst>
-              <a:ext uri="{FF2B5EF4-FFF2-40B4-BE49-F238E27FC236}">
-                <a16:creationId xmlns:a16="http://schemas.microsoft.com/office/drawing/2014/main" id="{BF22FE1A-67F2-9A08-251F-880432C4BF90}"/>
+          <p:cNvPr id="6" name="Picture 5">
+            <a:extLst>
+              <a:ext uri="{FF2B5EF4-FFF2-40B4-BE49-F238E27FC236}">
+                <a16:creationId xmlns:a16="http://schemas.microsoft.com/office/drawing/2014/main" id="{205BD9CD-EDCD-B9EB-EA91-2964B196B8CE}"/>
               </a:ext>
             </a:extLst>
           </p:cNvPr>
@@ -3585,15 +3621,38 @@
           <p:nvPr/>
         </p:nvPicPr>
         <p:blipFill>
-          <a:blip r:embed="rId2"/>
+          <a:blip r:embed="rId2">
+            <a:extLst>
+              <a:ext uri="{BEBA8EAE-BF5A-486C-A8C5-ECC9F3942E4B}">
+                <a14:imgProps xmlns:a14="http://schemas.microsoft.com/office/drawing/2010/main">
+                  <a14:imgLayer r:embed="rId3">
+                    <a14:imgEffect>
+                      <a14:backgroundRemoval t="2371" b="99353" l="9914" r="89871">
+                        <a14:foregroundMark x1="42457" y1="8621" x2="42457" y2="8621"/>
+                        <a14:foregroundMark x1="51724" y1="3664" x2="51724" y2="3664"/>
+                        <a14:foregroundMark x1="51293" y1="2371" x2="51293" y2="2371"/>
+                        <a14:foregroundMark x1="24784" y1="33621" x2="37716" y2="34914"/>
+                        <a14:foregroundMark x1="62284" y1="29741" x2="66379" y2="38147"/>
+                        <a14:foregroundMark x1="29741" y1="71552" x2="82543" y2="65086"/>
+                        <a14:foregroundMark x1="82543" y1="65086" x2="86207" y2="65517"/>
+                        <a14:foregroundMark x1="43319" y1="93750" x2="43319" y2="93750"/>
+                        <a14:foregroundMark x1="50862" y1="99353" x2="50862" y2="99353"/>
+                        <a14:foregroundMark x1="67241" y1="37284" x2="65948" y2="34052"/>
+                      </a14:backgroundRemoval>
+                    </a14:imgEffect>
+                  </a14:imgLayer>
+                </a14:imgProps>
+              </a:ext>
+            </a:extLst>
+          </a:blip>
           <a:stretch>
             <a:fillRect/>
           </a:stretch>
         </p:blipFill>
         <p:spPr>
           <a:xfrm>
-            <a:off x="3501517" y="1449000"/>
-            <a:ext cx="5188966" cy="3960000"/>
+            <a:off x="5016000" y="2349000"/>
+            <a:ext cx="2160000" cy="2160000"/>
           </a:xfrm>
           <a:prstGeom prst="rect">
             <a:avLst/>
@@ -3603,7 +3662,7 @@
     </p:spTree>
     <p:extLst>
       <p:ext uri="{BB962C8B-B14F-4D97-AF65-F5344CB8AC3E}">
-        <p14:creationId xmlns:p14="http://schemas.microsoft.com/office/powerpoint/2010/main" val="3262247840"/>
+        <p14:creationId xmlns:p14="http://schemas.microsoft.com/office/powerpoint/2010/main" val="4070380128"/>
       </p:ext>
     </p:extLst>
   </p:cSld>
@@ -3629,7 +3688,7 @@
         <p:cNvPr id="1" name="">
           <a:extLst>
             <a:ext uri="{FF2B5EF4-FFF2-40B4-BE49-F238E27FC236}">
-              <a16:creationId xmlns:a16="http://schemas.microsoft.com/office/drawing/2014/main" id="{D8D7E8FC-63CD-D038-66EE-469580598299}"/>
+              <a16:creationId xmlns:a16="http://schemas.microsoft.com/office/drawing/2014/main" id="{58A8B6D3-89A5-CD21-1B6E-17BBC44BFAE2}"/>
             </a:ext>
           </a:extLst>
         </p:cNvPr>
@@ -3646,10 +3705,10 @@
       </p:grpSpPr>
       <p:pic>
         <p:nvPicPr>
-          <p:cNvPr id="4" name="Picture 3">
-            <a:extLst>
-              <a:ext uri="{FF2B5EF4-FFF2-40B4-BE49-F238E27FC236}">
-                <a16:creationId xmlns:a16="http://schemas.microsoft.com/office/drawing/2014/main" id="{9F39331A-F7CF-58F5-D744-0DBAB092BE4E}"/>
+          <p:cNvPr id="3" name="Picture 2">
+            <a:extLst>
+              <a:ext uri="{FF2B5EF4-FFF2-40B4-BE49-F238E27FC236}">
+                <a16:creationId xmlns:a16="http://schemas.microsoft.com/office/drawing/2014/main" id="{6DDF6021-8188-CA6D-CEF3-D87BC4D07717}"/>
               </a:ext>
             </a:extLst>
           </p:cNvPr>
@@ -3677,7 +3736,7 @@
     </p:spTree>
     <p:extLst>
       <p:ext uri="{BB962C8B-B14F-4D97-AF65-F5344CB8AC3E}">
-        <p14:creationId xmlns:p14="http://schemas.microsoft.com/office/powerpoint/2010/main" val="3059369653"/>
+        <p14:creationId xmlns:p14="http://schemas.microsoft.com/office/powerpoint/2010/main" val="601063088"/>
       </p:ext>
     </p:extLst>
   </p:cSld>
@@ -3714,6 +3773,791 @@
       </p:grpSpPr>
       <p:pic>
         <p:nvPicPr>
+          <p:cNvPr id="3" name="Picture 2">
+            <a:extLst>
+              <a:ext uri="{FF2B5EF4-FFF2-40B4-BE49-F238E27FC236}">
+                <a16:creationId xmlns:a16="http://schemas.microsoft.com/office/drawing/2014/main" id="{02C3729A-FF3F-F995-3345-DEEDC1FC84C1}"/>
+              </a:ext>
+            </a:extLst>
+          </p:cNvPr>
+          <p:cNvPicPr>
+            <a:picLocks noChangeAspect="1"/>
+          </p:cNvPicPr>
+          <p:nvPr/>
+        </p:nvPicPr>
+        <p:blipFill>
+          <a:blip r:embed="rId2"/>
+          <a:stretch>
+            <a:fillRect/>
+          </a:stretch>
+        </p:blipFill>
+        <p:spPr>
+          <a:xfrm>
+            <a:off x="3501517" y="1449000"/>
+            <a:ext cx="5188966" cy="3960000"/>
+          </a:xfrm>
+          <a:prstGeom prst="rect">
+            <a:avLst/>
+          </a:prstGeom>
+        </p:spPr>
+      </p:pic>
+    </p:spTree>
+    <p:extLst>
+      <p:ext uri="{BB962C8B-B14F-4D97-AF65-F5344CB8AC3E}">
+        <p14:creationId xmlns:p14="http://schemas.microsoft.com/office/powerpoint/2010/main" val="1313142258"/>
+      </p:ext>
+    </p:extLst>
+  </p:cSld>
+  <p:clrMapOvr>
+    <a:masterClrMapping/>
+  </p:clrMapOvr>
+</p:sld>
+</file>
+
+<file path=ppt/slides/slide14.xml><?xml version="1.0" encoding="utf-8"?>
+<p:sld xmlns:a="http://schemas.openxmlformats.org/drawingml/2006/main" xmlns:r="http://schemas.openxmlformats.org/officeDocument/2006/relationships" xmlns:p="http://schemas.openxmlformats.org/presentationml/2006/main">
+  <p:cSld>
+    <p:bg>
+      <p:bgPr>
+        <a:solidFill>
+          <a:srgbClr val="646464"/>
+        </a:solidFill>
+        <a:effectLst/>
+      </p:bgPr>
+    </p:bg>
+    <p:spTree>
+      <p:nvGrpSpPr>
+        <p:cNvPr id="1" name="">
+          <a:extLst>
+            <a:ext uri="{FF2B5EF4-FFF2-40B4-BE49-F238E27FC236}">
+              <a16:creationId xmlns:a16="http://schemas.microsoft.com/office/drawing/2014/main" id="{7E73C008-EA6C-219A-4A92-0E78211D8684}"/>
+            </a:ext>
+          </a:extLst>
+        </p:cNvPr>
+        <p:cNvGrpSpPr/>
+        <p:nvPr/>
+      </p:nvGrpSpPr>
+      <p:grpSpPr>
+        <a:xfrm>
+          <a:off x="0" y="0"/>
+          <a:ext cx="0" cy="0"/>
+          <a:chOff x="0" y="0"/>
+          <a:chExt cx="0" cy="0"/>
+        </a:xfrm>
+      </p:grpSpPr>
+      <p:pic>
+        <p:nvPicPr>
+          <p:cNvPr id="8" name="Picture 7">
+            <a:extLst>
+              <a:ext uri="{FF2B5EF4-FFF2-40B4-BE49-F238E27FC236}">
+                <a16:creationId xmlns:a16="http://schemas.microsoft.com/office/drawing/2014/main" id="{44384C7C-92DF-AD79-80AA-33265FBC0FE0}"/>
+              </a:ext>
+            </a:extLst>
+          </p:cNvPr>
+          <p:cNvPicPr>
+            <a:picLocks noChangeAspect="1"/>
+          </p:cNvPicPr>
+          <p:nvPr/>
+        </p:nvPicPr>
+        <p:blipFill>
+          <a:blip r:embed="rId2">
+            <a:extLst>
+              <a:ext uri="{BEBA8EAE-BF5A-486C-A8C5-ECC9F3942E4B}">
+                <a14:imgProps xmlns:a14="http://schemas.microsoft.com/office/drawing/2010/main">
+                  <a14:imgLayer r:embed="rId3">
+                    <a14:imgEffect>
+                      <a14:backgroundRemoval t="1509" b="98276" l="9914" r="89871">
+                        <a14:foregroundMark x1="48491" y1="6250" x2="48491" y2="6250"/>
+                        <a14:foregroundMark x1="51078" y1="1509" x2="51078" y2="1509"/>
+                        <a14:foregroundMark x1="62069" y1="3879" x2="62069" y2="3879"/>
+                        <a14:foregroundMark x1="69181" y1="7759" x2="69181" y2="7759"/>
+                        <a14:foregroundMark x1="62500" y1="3879" x2="62500" y2="3879"/>
+                        <a14:foregroundMark x1="69612" y1="7759" x2="69612" y2="7759"/>
+                        <a14:foregroundMark x1="76940" y1="18103" x2="76940" y2="18103"/>
+                        <a14:foregroundMark x1="80819" y1="25862" x2="80819" y2="25862"/>
+                        <a14:foregroundMark x1="69397" y1="33621" x2="69397" y2="33621"/>
+                        <a14:foregroundMark x1="66379" y1="34267" x2="66379" y2="34267"/>
+                        <a14:foregroundMark x1="64440" y1="42672" x2="71336" y2="33836"/>
+                        <a14:foregroundMark x1="71336" y1="33836" x2="72629" y2="29310"/>
+                        <a14:foregroundMark x1="66164" y1="29957" x2="67026" y2="38362"/>
+                        <a14:foregroundMark x1="67026" y1="38362" x2="67026" y2="38578"/>
+                        <a14:foregroundMark x1="29526" y1="27586" x2="36853" y2="29310"/>
+                        <a14:foregroundMark x1="26940" y1="34267" x2="39224" y2="34914"/>
+                        <a14:foregroundMark x1="46767" y1="76509" x2="66164" y2="76293"/>
+                        <a14:foregroundMark x1="66164" y1="76293" x2="71552" y2="73491"/>
+                        <a14:foregroundMark x1="47845" y1="93103" x2="47845" y2="93103"/>
+                        <a14:foregroundMark x1="50216" y1="98276" x2="50216" y2="98276"/>
+                        <a14:foregroundMark x1="16164" y1="69397" x2="16164" y2="69397"/>
+                        <a14:foregroundMark x1="17241" y1="69828" x2="17241" y2="69828"/>
+                        <a14:foregroundMark x1="15302" y1="66379" x2="15302" y2="66379"/>
+                        <a14:foregroundMark x1="18750" y1="75862" x2="18750" y2="75862"/>
+                        <a14:foregroundMark x1="19397" y1="78448" x2="19397" y2="78448"/>
+                        <a14:foregroundMark x1="20690" y1="80603" x2="20690" y2="80603"/>
+                        <a14:foregroundMark x1="12931" y1="60560" x2="12931" y2="60560"/>
+                        <a14:foregroundMark x1="12931" y1="53017" x2="14655" y2="64009"/>
+                      </a14:backgroundRemoval>
+                    </a14:imgEffect>
+                  </a14:imgLayer>
+                </a14:imgProps>
+              </a:ext>
+            </a:extLst>
+          </a:blip>
+          <a:stretch>
+            <a:fillRect/>
+          </a:stretch>
+        </p:blipFill>
+        <p:spPr>
+          <a:xfrm>
+            <a:off x="5016000" y="2349000"/>
+            <a:ext cx="2160000" cy="2160000"/>
+          </a:xfrm>
+          <a:prstGeom prst="rect">
+            <a:avLst/>
+          </a:prstGeom>
+        </p:spPr>
+      </p:pic>
+    </p:spTree>
+    <p:extLst>
+      <p:ext uri="{BB962C8B-B14F-4D97-AF65-F5344CB8AC3E}">
+        <p14:creationId xmlns:p14="http://schemas.microsoft.com/office/powerpoint/2010/main" val="1937959015"/>
+      </p:ext>
+    </p:extLst>
+  </p:cSld>
+  <p:clrMapOvr>
+    <a:masterClrMapping/>
+  </p:clrMapOvr>
+</p:sld>
+</file>
+
+<file path=ppt/slides/slide15.xml><?xml version="1.0" encoding="utf-8"?>
+<p:sld xmlns:a="http://schemas.openxmlformats.org/drawingml/2006/main" xmlns:r="http://schemas.openxmlformats.org/officeDocument/2006/relationships" xmlns:p="http://schemas.openxmlformats.org/presentationml/2006/main">
+  <p:cSld>
+    <p:bg>
+      <p:bgPr>
+        <a:solidFill>
+          <a:srgbClr val="646464"/>
+        </a:solidFill>
+        <a:effectLst/>
+      </p:bgPr>
+    </p:bg>
+    <p:spTree>
+      <p:nvGrpSpPr>
+        <p:cNvPr id="1" name="">
+          <a:extLst>
+            <a:ext uri="{FF2B5EF4-FFF2-40B4-BE49-F238E27FC236}">
+              <a16:creationId xmlns:a16="http://schemas.microsoft.com/office/drawing/2014/main" id="{82D059D0-4D17-2530-DD1E-51E42936DA14}"/>
+            </a:ext>
+          </a:extLst>
+        </p:cNvPr>
+        <p:cNvGrpSpPr/>
+        <p:nvPr/>
+      </p:nvGrpSpPr>
+      <p:grpSpPr>
+        <a:xfrm>
+          <a:off x="0" y="0"/>
+          <a:ext cx="0" cy="0"/>
+          <a:chOff x="0" y="0"/>
+          <a:chExt cx="0" cy="0"/>
+        </a:xfrm>
+      </p:grpSpPr>
+      <p:pic>
+        <p:nvPicPr>
+          <p:cNvPr id="6" name="Picture 5">
+            <a:extLst>
+              <a:ext uri="{FF2B5EF4-FFF2-40B4-BE49-F238E27FC236}">
+                <a16:creationId xmlns:a16="http://schemas.microsoft.com/office/drawing/2014/main" id="{09641553-E848-E44C-F656-F0B287566D62}"/>
+              </a:ext>
+            </a:extLst>
+          </p:cNvPr>
+          <p:cNvPicPr>
+            <a:picLocks noChangeAspect="1"/>
+          </p:cNvPicPr>
+          <p:nvPr/>
+        </p:nvPicPr>
+        <p:blipFill>
+          <a:blip r:embed="rId2">
+            <a:extLst>
+              <a:ext uri="{BEBA8EAE-BF5A-486C-A8C5-ECC9F3942E4B}">
+                <a14:imgProps xmlns:a14="http://schemas.microsoft.com/office/drawing/2010/main">
+                  <a14:imgLayer r:embed="rId3">
+                    <a14:imgEffect>
+                      <a14:backgroundRemoval t="1940" b="98060" l="9914" r="89871">
+                        <a14:foregroundMark x1="45905" y1="5388" x2="45905" y2="5388"/>
+                        <a14:foregroundMark x1="52586" y1="1940" x2="52586" y2="1940"/>
+                        <a14:foregroundMark x1="34698" y1="26293" x2="31034" y2="38793"/>
+                        <a14:foregroundMark x1="27155" y1="32543" x2="29526" y2="35776"/>
+                        <a14:foregroundMark x1="61422" y1="25000" x2="71983" y2="36638"/>
+                        <a14:foregroundMark x1="62500" y1="32112" x2="62500" y2="32112"/>
+                        <a14:foregroundMark x1="71767" y1="64009" x2="71767" y2="64009"/>
+                        <a14:foregroundMark x1="13578" y1="43534" x2="15086" y2="61207"/>
+                        <a14:foregroundMark x1="15086" y1="61207" x2="19828" y2="77586"/>
+                        <a14:foregroundMark x1="12931" y1="54526" x2="18319" y2="75000"/>
+                        <a14:foregroundMark x1="42026" y1="93750" x2="42026" y2="93750"/>
+                        <a14:foregroundMark x1="51724" y1="98060" x2="51724" y2="98060"/>
+                        <a14:foregroundMark x1="76293" y1="82974" x2="80819" y2="74138"/>
+                        <a14:foregroundMark x1="86638" y1="50216" x2="86638" y2="59914"/>
+                        <a14:foregroundMark x1="80172" y1="78664" x2="80172" y2="78664"/>
+                        <a14:foregroundMark x1="80819" y1="76509" x2="80819" y2="76509"/>
+                        <a14:foregroundMark x1="81466" y1="76078" x2="81466" y2="76078"/>
+                        <a14:foregroundMark x1="78879" y1="81250" x2="78879" y2="81250"/>
+                        <a14:foregroundMark x1="78233" y1="81897" x2="78233" y2="81897"/>
+                        <a14:foregroundMark x1="74353" y1="85991" x2="83190" y2="70690"/>
+                        <a14:foregroundMark x1="81034" y1="78017" x2="82759" y2="73922"/>
+                        <a14:foregroundMark x1="86638" y1="48707" x2="86638" y2="65302"/>
+                        <a14:foregroundMark x1="86638" y1="65302" x2="83405" y2="73707"/>
+                        <a14:foregroundMark x1="84698" y1="52802" x2="84698" y2="52802"/>
+                        <a14:foregroundMark x1="86638" y1="64224" x2="87500" y2="50216"/>
+                        <a14:foregroundMark x1="82759" y1="48491" x2="82759" y2="48491"/>
+                        <a14:foregroundMark x1="86853" y1="51293" x2="86638" y2="43966"/>
+                        <a14:foregroundMark x1="85991" y1="41379" x2="87500" y2="48491"/>
+                        <a14:foregroundMark x1="87716" y1="49784" x2="87716" y2="49784"/>
+                        <a14:foregroundMark x1="87716" y1="46767" x2="86853" y2="38147"/>
+                        <a14:foregroundMark x1="81681" y1="38793" x2="81681" y2="38793"/>
+                      </a14:backgroundRemoval>
+                    </a14:imgEffect>
+                  </a14:imgLayer>
+                </a14:imgProps>
+              </a:ext>
+            </a:extLst>
+          </a:blip>
+          <a:stretch>
+            <a:fillRect/>
+          </a:stretch>
+        </p:blipFill>
+        <p:spPr>
+          <a:xfrm>
+            <a:off x="5016000" y="2349000"/>
+            <a:ext cx="2160000" cy="2160000"/>
+          </a:xfrm>
+          <a:prstGeom prst="rect">
+            <a:avLst/>
+          </a:prstGeom>
+        </p:spPr>
+      </p:pic>
+    </p:spTree>
+    <p:extLst>
+      <p:ext uri="{BB962C8B-B14F-4D97-AF65-F5344CB8AC3E}">
+        <p14:creationId xmlns:p14="http://schemas.microsoft.com/office/powerpoint/2010/main" val="2894037551"/>
+      </p:ext>
+    </p:extLst>
+  </p:cSld>
+  <p:clrMapOvr>
+    <a:masterClrMapping/>
+  </p:clrMapOvr>
+</p:sld>
+</file>
+
+<file path=ppt/slides/slide16.xml><?xml version="1.0" encoding="utf-8"?>
+<p:sld xmlns:a="http://schemas.openxmlformats.org/drawingml/2006/main" xmlns:r="http://schemas.openxmlformats.org/officeDocument/2006/relationships" xmlns:p="http://schemas.openxmlformats.org/presentationml/2006/main">
+  <p:cSld>
+    <p:bg>
+      <p:bgPr>
+        <a:solidFill>
+          <a:srgbClr val="646464"/>
+        </a:solidFill>
+        <a:effectLst/>
+      </p:bgPr>
+    </p:bg>
+    <p:spTree>
+      <p:nvGrpSpPr>
+        <p:cNvPr id="1" name="">
+          <a:extLst>
+            <a:ext uri="{FF2B5EF4-FFF2-40B4-BE49-F238E27FC236}">
+              <a16:creationId xmlns:a16="http://schemas.microsoft.com/office/drawing/2014/main" id="{70F74DA3-902E-8F45-EEBF-02D89452D9E6}"/>
+            </a:ext>
+          </a:extLst>
+        </p:cNvPr>
+        <p:cNvGrpSpPr/>
+        <p:nvPr/>
+      </p:nvGrpSpPr>
+      <p:grpSpPr>
+        <a:xfrm>
+          <a:off x="0" y="0"/>
+          <a:ext cx="0" cy="0"/>
+          <a:chOff x="0" y="0"/>
+          <a:chExt cx="0" cy="0"/>
+        </a:xfrm>
+      </p:grpSpPr>
+      <p:pic>
+        <p:nvPicPr>
+          <p:cNvPr id="4" name="Picture 3">
+            <a:extLst>
+              <a:ext uri="{FF2B5EF4-FFF2-40B4-BE49-F238E27FC236}">
+                <a16:creationId xmlns:a16="http://schemas.microsoft.com/office/drawing/2014/main" id="{72107E18-88AE-3EA0-674B-1203352DC734}"/>
+              </a:ext>
+            </a:extLst>
+          </p:cNvPr>
+          <p:cNvPicPr>
+            <a:picLocks noChangeAspect="1"/>
+          </p:cNvPicPr>
+          <p:nvPr/>
+        </p:nvPicPr>
+        <p:blipFill>
+          <a:blip r:embed="rId2"/>
+          <a:stretch>
+            <a:fillRect/>
+          </a:stretch>
+        </p:blipFill>
+        <p:spPr>
+          <a:xfrm>
+            <a:off x="5016000" y="2349000"/>
+            <a:ext cx="2160000" cy="2160000"/>
+          </a:xfrm>
+          <a:prstGeom prst="rect">
+            <a:avLst/>
+          </a:prstGeom>
+        </p:spPr>
+      </p:pic>
+    </p:spTree>
+    <p:extLst>
+      <p:ext uri="{BB962C8B-B14F-4D97-AF65-F5344CB8AC3E}">
+        <p14:creationId xmlns:p14="http://schemas.microsoft.com/office/powerpoint/2010/main" val="4143447299"/>
+      </p:ext>
+    </p:extLst>
+  </p:cSld>
+  <p:clrMapOvr>
+    <a:masterClrMapping/>
+  </p:clrMapOvr>
+</p:sld>
+</file>
+
+<file path=ppt/slides/slide17.xml><?xml version="1.0" encoding="utf-8"?>
+<p:sld xmlns:a="http://schemas.openxmlformats.org/drawingml/2006/main" xmlns:r="http://schemas.openxmlformats.org/officeDocument/2006/relationships" xmlns:p="http://schemas.openxmlformats.org/presentationml/2006/main">
+  <p:cSld>
+    <p:bg>
+      <p:bgPr>
+        <a:solidFill>
+          <a:srgbClr val="5C5C5C"/>
+        </a:solidFill>
+        <a:effectLst/>
+      </p:bgPr>
+    </p:bg>
+    <p:spTree>
+      <p:nvGrpSpPr>
+        <p:cNvPr id="1" name=""/>
+        <p:cNvGrpSpPr/>
+        <p:nvPr/>
+      </p:nvGrpSpPr>
+      <p:grpSpPr>
+        <a:xfrm>
+          <a:off x="0" y="0"/>
+          <a:ext cx="0" cy="0"/>
+          <a:chOff x="0" y="0"/>
+          <a:chExt cx="0" cy="0"/>
+        </a:xfrm>
+      </p:grpSpPr>
+      <p:pic>
+        <p:nvPicPr>
+          <p:cNvPr id="4" name="Picture 3">
+            <a:extLst>
+              <a:ext uri="{FF2B5EF4-FFF2-40B4-BE49-F238E27FC236}">
+                <a16:creationId xmlns:a16="http://schemas.microsoft.com/office/drawing/2014/main" id="{BF22FE1A-67F2-9A08-251F-880432C4BF90}"/>
+              </a:ext>
+            </a:extLst>
+          </p:cNvPr>
+          <p:cNvPicPr>
+            <a:picLocks noChangeAspect="1"/>
+          </p:cNvPicPr>
+          <p:nvPr/>
+        </p:nvPicPr>
+        <p:blipFill>
+          <a:blip r:embed="rId2"/>
+          <a:stretch>
+            <a:fillRect/>
+          </a:stretch>
+        </p:blipFill>
+        <p:spPr>
+          <a:xfrm>
+            <a:off x="3501517" y="1449000"/>
+            <a:ext cx="5188966" cy="3960000"/>
+          </a:xfrm>
+          <a:prstGeom prst="rect">
+            <a:avLst/>
+          </a:prstGeom>
+        </p:spPr>
+      </p:pic>
+    </p:spTree>
+    <p:extLst>
+      <p:ext uri="{BB962C8B-B14F-4D97-AF65-F5344CB8AC3E}">
+        <p14:creationId xmlns:p14="http://schemas.microsoft.com/office/powerpoint/2010/main" val="3262247840"/>
+      </p:ext>
+    </p:extLst>
+  </p:cSld>
+  <p:clrMapOvr>
+    <a:masterClrMapping/>
+  </p:clrMapOvr>
+</p:sld>
+</file>
+
+<file path=ppt/slides/slide18.xml><?xml version="1.0" encoding="utf-8"?>
+<p:sld xmlns:a="http://schemas.openxmlformats.org/drawingml/2006/main" xmlns:r="http://schemas.openxmlformats.org/officeDocument/2006/relationships" xmlns:p="http://schemas.openxmlformats.org/presentationml/2006/main">
+  <p:cSld>
+    <p:bg>
+      <p:bgPr>
+        <a:solidFill>
+          <a:srgbClr val="646464"/>
+        </a:solidFill>
+        <a:effectLst/>
+      </p:bgPr>
+    </p:bg>
+    <p:spTree>
+      <p:nvGrpSpPr>
+        <p:cNvPr id="1" name="">
+          <a:extLst>
+            <a:ext uri="{FF2B5EF4-FFF2-40B4-BE49-F238E27FC236}">
+              <a16:creationId xmlns:a16="http://schemas.microsoft.com/office/drawing/2014/main" id="{D8D7E8FC-63CD-D038-66EE-469580598299}"/>
+            </a:ext>
+          </a:extLst>
+        </p:cNvPr>
+        <p:cNvGrpSpPr/>
+        <p:nvPr/>
+      </p:nvGrpSpPr>
+      <p:grpSpPr>
+        <a:xfrm>
+          <a:off x="0" y="0"/>
+          <a:ext cx="0" cy="0"/>
+          <a:chOff x="0" y="0"/>
+          <a:chExt cx="0" cy="0"/>
+        </a:xfrm>
+      </p:grpSpPr>
+      <p:pic>
+        <p:nvPicPr>
+          <p:cNvPr id="8" name="Picture 7">
+            <a:extLst>
+              <a:ext uri="{FF2B5EF4-FFF2-40B4-BE49-F238E27FC236}">
+                <a16:creationId xmlns:a16="http://schemas.microsoft.com/office/drawing/2014/main" id="{801C20EF-972D-1CEE-8627-F99AF950B113}"/>
+              </a:ext>
+            </a:extLst>
+          </p:cNvPr>
+          <p:cNvPicPr>
+            <a:picLocks noChangeAspect="1"/>
+          </p:cNvPicPr>
+          <p:nvPr/>
+        </p:nvPicPr>
+        <p:blipFill>
+          <a:blip r:embed="rId2">
+            <a:extLst>
+              <a:ext uri="{BEBA8EAE-BF5A-486C-A8C5-ECC9F3942E4B}">
+                <a14:imgProps xmlns:a14="http://schemas.microsoft.com/office/drawing/2010/main">
+                  <a14:imgLayer r:embed="rId3">
+                    <a14:imgEffect>
+                      <a14:backgroundRemoval t="1940" b="97414" l="9914" r="89871">
+                        <a14:foregroundMark x1="49138" y1="7328" x2="49138" y2="7328"/>
+                        <a14:foregroundMark x1="51293" y1="1940" x2="51293" y2="1940"/>
+                        <a14:foregroundMark x1="33621" y1="35560" x2="33621" y2="35560"/>
+                        <a14:foregroundMark x1="67888" y1="34483" x2="67888" y2="34483"/>
+                        <a14:foregroundMark x1="13578" y1="38578" x2="13578" y2="38578"/>
+                        <a14:foregroundMark x1="12284" y1="44612" x2="12284" y2="44612"/>
+                        <a14:foregroundMark x1="59267" y1="76078" x2="59267" y2="76078"/>
+                        <a14:foregroundMark x1="50216" y1="80172" x2="50216" y2="80172"/>
+                        <a14:foregroundMark x1="49569" y1="92457" x2="49569" y2="92457"/>
+                        <a14:foregroundMark x1="49353" y1="97414" x2="49353" y2="97414"/>
+                        <a14:foregroundMark x1="69828" y1="90517" x2="69828" y2="90517"/>
+                        <a14:foregroundMark x1="71121" y1="90948" x2="71121" y2="90948"/>
+                        <a14:foregroundMark x1="70474" y1="91810" x2="70474" y2="91810"/>
+                        <a14:foregroundMark x1="69181" y1="92457" x2="69181" y2="92457"/>
+                      </a14:backgroundRemoval>
+                    </a14:imgEffect>
+                  </a14:imgLayer>
+                </a14:imgProps>
+              </a:ext>
+            </a:extLst>
+          </a:blip>
+          <a:stretch>
+            <a:fillRect/>
+          </a:stretch>
+        </p:blipFill>
+        <p:spPr>
+          <a:xfrm>
+            <a:off x="5016000" y="2349000"/>
+            <a:ext cx="2160000" cy="2160000"/>
+          </a:xfrm>
+          <a:prstGeom prst="rect">
+            <a:avLst/>
+          </a:prstGeom>
+        </p:spPr>
+      </p:pic>
+    </p:spTree>
+    <p:extLst>
+      <p:ext uri="{BB962C8B-B14F-4D97-AF65-F5344CB8AC3E}">
+        <p14:creationId xmlns:p14="http://schemas.microsoft.com/office/powerpoint/2010/main" val="3059369653"/>
+      </p:ext>
+    </p:extLst>
+  </p:cSld>
+  <p:clrMapOvr>
+    <a:masterClrMapping/>
+  </p:clrMapOvr>
+</p:sld>
+</file>
+
+<file path=ppt/slides/slide19.xml><?xml version="1.0" encoding="utf-8"?>
+<p:sld xmlns:a="http://schemas.openxmlformats.org/drawingml/2006/main" xmlns:r="http://schemas.openxmlformats.org/officeDocument/2006/relationships" xmlns:p="http://schemas.openxmlformats.org/presentationml/2006/main">
+  <p:cSld>
+    <p:bg>
+      <p:bgPr>
+        <a:solidFill>
+          <a:srgbClr val="646464"/>
+        </a:solidFill>
+        <a:effectLst/>
+      </p:bgPr>
+    </p:bg>
+    <p:spTree>
+      <p:nvGrpSpPr>
+        <p:cNvPr id="1" name="">
+          <a:extLst>
+            <a:ext uri="{FF2B5EF4-FFF2-40B4-BE49-F238E27FC236}">
+              <a16:creationId xmlns:a16="http://schemas.microsoft.com/office/drawing/2014/main" id="{D3D61EF2-15B2-5F37-7159-D4FEE4FE909A}"/>
+            </a:ext>
+          </a:extLst>
+        </p:cNvPr>
+        <p:cNvGrpSpPr/>
+        <p:nvPr/>
+      </p:nvGrpSpPr>
+      <p:grpSpPr>
+        <a:xfrm>
+          <a:off x="0" y="0"/>
+          <a:ext cx="0" cy="0"/>
+          <a:chOff x="0" y="0"/>
+          <a:chExt cx="0" cy="0"/>
+        </a:xfrm>
+      </p:grpSpPr>
+      <p:pic>
+        <p:nvPicPr>
+          <p:cNvPr id="6" name="Picture 5">
+            <a:extLst>
+              <a:ext uri="{FF2B5EF4-FFF2-40B4-BE49-F238E27FC236}">
+                <a16:creationId xmlns:a16="http://schemas.microsoft.com/office/drawing/2014/main" id="{F5575DBC-72A8-0A9C-3540-E8ED8DE5FE2F}"/>
+              </a:ext>
+            </a:extLst>
+          </p:cNvPr>
+          <p:cNvPicPr>
+            <a:picLocks noChangeAspect="1"/>
+          </p:cNvPicPr>
+          <p:nvPr/>
+        </p:nvPicPr>
+        <p:blipFill>
+          <a:blip r:embed="rId2">
+            <a:extLst>
+              <a:ext uri="{BEBA8EAE-BF5A-486C-A8C5-ECC9F3942E4B}">
+                <a14:imgProps xmlns:a14="http://schemas.microsoft.com/office/drawing/2010/main">
+                  <a14:imgLayer r:embed="rId3">
+                    <a14:imgEffect>
+                      <a14:backgroundRemoval t="2802" b="99353" l="9914" r="89871">
+                        <a14:foregroundMark x1="43750" y1="7328" x2="43750" y2="7328"/>
+                        <a14:foregroundMark x1="52155" y1="2802" x2="52155" y2="2802"/>
+                        <a14:foregroundMark x1="26724" y1="12069" x2="26724" y2="12069"/>
+                        <a14:foregroundMark x1="22629" y1="17888" x2="30603" y2="9914"/>
+                        <a14:foregroundMark x1="28448" y1="29310" x2="76940" y2="36853"/>
+                        <a14:foregroundMark x1="60560" y1="23060" x2="61853" y2="36422"/>
+                        <a14:foregroundMark x1="15086" y1="65086" x2="37931" y2="63147"/>
+                        <a14:foregroundMark x1="37931" y1="63147" x2="38147" y2="63147"/>
+                        <a14:foregroundMark x1="33190" y1="71552" x2="53879" y2="84052"/>
+                        <a14:foregroundMark x1="68103" y1="68534" x2="68103" y2="68534"/>
+                        <a14:foregroundMark x1="79957" y1="74784" x2="79957" y2="74784"/>
+                        <a14:foregroundMark x1="58836" y1="93319" x2="58836" y2="93319"/>
+                        <a14:foregroundMark x1="49138" y1="99353" x2="49138" y2="99353"/>
+                      </a14:backgroundRemoval>
+                    </a14:imgEffect>
+                  </a14:imgLayer>
+                </a14:imgProps>
+              </a:ext>
+            </a:extLst>
+          </a:blip>
+          <a:stretch>
+            <a:fillRect/>
+          </a:stretch>
+        </p:blipFill>
+        <p:spPr>
+          <a:xfrm>
+            <a:off x="5016000" y="2349000"/>
+            <a:ext cx="2160000" cy="2160000"/>
+          </a:xfrm>
+          <a:prstGeom prst="rect">
+            <a:avLst/>
+          </a:prstGeom>
+        </p:spPr>
+      </p:pic>
+    </p:spTree>
+    <p:extLst>
+      <p:ext uri="{BB962C8B-B14F-4D97-AF65-F5344CB8AC3E}">
+        <p14:creationId xmlns:p14="http://schemas.microsoft.com/office/powerpoint/2010/main" val="2797749492"/>
+      </p:ext>
+    </p:extLst>
+  </p:cSld>
+  <p:clrMapOvr>
+    <a:masterClrMapping/>
+  </p:clrMapOvr>
+</p:sld>
+</file>
+
+<file path=ppt/slides/slide2.xml><?xml version="1.0" encoding="utf-8"?>
+<p:sld xmlns:a="http://schemas.openxmlformats.org/drawingml/2006/main" xmlns:r="http://schemas.openxmlformats.org/officeDocument/2006/relationships" xmlns:p="http://schemas.openxmlformats.org/presentationml/2006/main">
+  <p:cSld>
+    <p:spTree>
+      <p:nvGrpSpPr>
+        <p:cNvPr id="1" name=""/>
+        <p:cNvGrpSpPr/>
+        <p:nvPr/>
+      </p:nvGrpSpPr>
+      <p:grpSpPr>
+        <a:xfrm>
+          <a:off x="0" y="0"/>
+          <a:ext cx="0" cy="0"/>
+          <a:chOff x="0" y="0"/>
+          <a:chExt cx="0" cy="0"/>
+        </a:xfrm>
+      </p:grpSpPr>
+      <p:sp>
+        <p:nvSpPr>
+          <p:cNvPr id="2" name="Title 1">
+            <a:extLst>
+              <a:ext uri="{FF2B5EF4-FFF2-40B4-BE49-F238E27FC236}">
+                <a16:creationId xmlns:a16="http://schemas.microsoft.com/office/drawing/2014/main" id="{0A1FA53E-25A0-0960-0FCC-4CC105416AC1}"/>
+              </a:ext>
+            </a:extLst>
+          </p:cNvPr>
+          <p:cNvSpPr>
+            <a:spLocks noGrp="1"/>
+          </p:cNvSpPr>
+          <p:nvPr>
+            <p:ph type="title"/>
+          </p:nvPr>
+        </p:nvSpPr>
+        <p:spPr>
+          <a:xfrm>
+            <a:off x="410688" y="365125"/>
+            <a:ext cx="10943112" cy="584901"/>
+          </a:xfrm>
+        </p:spPr>
+        <p:txBody>
+          <a:bodyPr>
+            <a:normAutofit/>
+          </a:bodyPr>
+          <a:lstStyle/>
+          <a:p>
+            <a:r>
+              <a:rPr lang="en-CH" sz="2800" b="1" dirty="0">
+                <a:latin typeface="Avenir Book" panose="02000503020000020003" pitchFamily="2" charset="0"/>
+              </a:rPr>
+              <a:t>Practice Task Slides (12 trials)</a:t>
+            </a:r>
+          </a:p>
+        </p:txBody>
+      </p:sp>
+    </p:spTree>
+    <p:extLst>
+      <p:ext uri="{BB962C8B-B14F-4D97-AF65-F5344CB8AC3E}">
+        <p14:creationId xmlns:p14="http://schemas.microsoft.com/office/powerpoint/2010/main" val="2739542140"/>
+      </p:ext>
+    </p:extLst>
+  </p:cSld>
+  <p:clrMapOvr>
+    <a:masterClrMapping/>
+  </p:clrMapOvr>
+</p:sld>
+</file>
+
+<file path=ppt/slides/slide20.xml><?xml version="1.0" encoding="utf-8"?>
+<p:sld xmlns:a="http://schemas.openxmlformats.org/drawingml/2006/main" xmlns:r="http://schemas.openxmlformats.org/officeDocument/2006/relationships" xmlns:p="http://schemas.openxmlformats.org/presentationml/2006/main">
+  <p:cSld>
+    <p:bg>
+      <p:bgPr>
+        <a:solidFill>
+          <a:srgbClr val="646464"/>
+        </a:solidFill>
+        <a:effectLst/>
+      </p:bgPr>
+    </p:bg>
+    <p:spTree>
+      <p:nvGrpSpPr>
+        <p:cNvPr id="1" name="">
+          <a:extLst>
+            <a:ext uri="{FF2B5EF4-FFF2-40B4-BE49-F238E27FC236}">
+              <a16:creationId xmlns:a16="http://schemas.microsoft.com/office/drawing/2014/main" id="{B6AADA2E-9EEF-897C-B947-DCE41F3287C9}"/>
+            </a:ext>
+          </a:extLst>
+        </p:cNvPr>
+        <p:cNvGrpSpPr/>
+        <p:nvPr/>
+      </p:nvGrpSpPr>
+      <p:grpSpPr>
+        <a:xfrm>
+          <a:off x="0" y="0"/>
+          <a:ext cx="0" cy="0"/>
+          <a:chOff x="0" y="0"/>
+          <a:chExt cx="0" cy="0"/>
+        </a:xfrm>
+      </p:grpSpPr>
+      <p:pic>
+        <p:nvPicPr>
+          <p:cNvPr id="3" name="Picture 2">
+            <a:extLst>
+              <a:ext uri="{FF2B5EF4-FFF2-40B4-BE49-F238E27FC236}">
+                <a16:creationId xmlns:a16="http://schemas.microsoft.com/office/drawing/2014/main" id="{3ED541FF-F030-2092-3ECD-32A6FFA1ADB2}"/>
+              </a:ext>
+            </a:extLst>
+          </p:cNvPr>
+          <p:cNvPicPr>
+            <a:picLocks noChangeAspect="1"/>
+          </p:cNvPicPr>
+          <p:nvPr/>
+        </p:nvPicPr>
+        <p:blipFill>
+          <a:blip r:embed="rId2"/>
+          <a:stretch>
+            <a:fillRect/>
+          </a:stretch>
+        </p:blipFill>
+        <p:spPr>
+          <a:xfrm>
+            <a:off x="5016000" y="2349000"/>
+            <a:ext cx="2160000" cy="2160000"/>
+          </a:xfrm>
+          <a:prstGeom prst="rect">
+            <a:avLst/>
+          </a:prstGeom>
+        </p:spPr>
+      </p:pic>
+    </p:spTree>
+    <p:extLst>
+      <p:ext uri="{BB962C8B-B14F-4D97-AF65-F5344CB8AC3E}">
+        <p14:creationId xmlns:p14="http://schemas.microsoft.com/office/powerpoint/2010/main" val="1758665041"/>
+      </p:ext>
+    </p:extLst>
+  </p:cSld>
+  <p:clrMapOvr>
+    <a:masterClrMapping/>
+  </p:clrMapOvr>
+</p:sld>
+</file>
+
+<file path=ppt/slides/slide21.xml><?xml version="1.0" encoding="utf-8"?>
+<p:sld xmlns:a="http://schemas.openxmlformats.org/drawingml/2006/main" xmlns:r="http://schemas.openxmlformats.org/officeDocument/2006/relationships" xmlns:p="http://schemas.openxmlformats.org/presentationml/2006/main">
+  <p:cSld>
+    <p:bg>
+      <p:bgPr>
+        <a:solidFill>
+          <a:srgbClr val="5C5C5C"/>
+        </a:solidFill>
+        <a:effectLst/>
+      </p:bgPr>
+    </p:bg>
+    <p:spTree>
+      <p:nvGrpSpPr>
+        <p:cNvPr id="1" name=""/>
+        <p:cNvGrpSpPr/>
+        <p:nvPr/>
+      </p:nvGrpSpPr>
+      <p:grpSpPr>
+        <a:xfrm>
+          <a:off x="0" y="0"/>
+          <a:ext cx="0" cy="0"/>
+          <a:chOff x="0" y="0"/>
+          <a:chExt cx="0" cy="0"/>
+        </a:xfrm>
+      </p:grpSpPr>
+      <p:pic>
+        <p:nvPicPr>
           <p:cNvPr id="6" name="Picture 5">
             <a:extLst>
               <a:ext uri="{FF2B5EF4-FFF2-40B4-BE49-F238E27FC236}">
@@ -3755,7 +4599,7 @@
 </p:sld>
 </file>
 
-<file path=ppt/slides/slide14.xml><?xml version="1.0" encoding="utf-8"?>
+<file path=ppt/slides/slide22.xml><?xml version="1.0" encoding="utf-8"?>
 <p:sld xmlns:a="http://schemas.openxmlformats.org/drawingml/2006/main" xmlns:r="http://schemas.openxmlformats.org/officeDocument/2006/relationships" xmlns:p="http://schemas.openxmlformats.org/presentationml/2006/main">
   <p:cSld>
     <p:bg>
@@ -3788,10 +4632,10 @@
       </p:grpSpPr>
       <p:pic>
         <p:nvPicPr>
-          <p:cNvPr id="3" name="Picture 2">
-            <a:extLst>
-              <a:ext uri="{FF2B5EF4-FFF2-40B4-BE49-F238E27FC236}">
-                <a16:creationId xmlns:a16="http://schemas.microsoft.com/office/drawing/2014/main" id="{895CD17B-CCDF-EACC-9373-5C0B9CA6EEB6}"/>
+          <p:cNvPr id="8" name="Picture 7">
+            <a:extLst>
+              <a:ext uri="{FF2B5EF4-FFF2-40B4-BE49-F238E27FC236}">
+                <a16:creationId xmlns:a16="http://schemas.microsoft.com/office/drawing/2014/main" id="{027D456D-4D64-29AE-5429-088F0430D437}"/>
               </a:ext>
             </a:extLst>
           </p:cNvPr>
@@ -3801,7 +4645,38 @@
           <p:nvPr/>
         </p:nvPicPr>
         <p:blipFill>
-          <a:blip r:embed="rId2"/>
+          <a:blip r:embed="rId2">
+            <a:extLst>
+              <a:ext uri="{BEBA8EAE-BF5A-486C-A8C5-ECC9F3942E4B}">
+                <a14:imgProps xmlns:a14="http://schemas.microsoft.com/office/drawing/2010/main">
+                  <a14:imgLayer r:embed="rId3">
+                    <a14:imgEffect>
+                      <a14:backgroundRemoval t="1509" b="99353" l="9914" r="89871">
+                        <a14:foregroundMark x1="43966" y1="8405" x2="43966" y2="8405"/>
+                        <a14:foregroundMark x1="51724" y1="1724" x2="51724" y2="1724"/>
+                        <a14:foregroundMark x1="31681" y1="30388" x2="39655" y2="32759"/>
+                        <a14:foregroundMark x1="39655" y1="32759" x2="45043" y2="36207"/>
+                        <a14:foregroundMark x1="60560" y1="29310" x2="69181" y2="31897"/>
+                        <a14:foregroundMark x1="69181" y1="31897" x2="74138" y2="36422"/>
+                        <a14:foregroundMark x1="48276" y1="61638" x2="48276" y2="61638"/>
+                        <a14:foregroundMark x1="51724" y1="75647" x2="51724" y2="75647"/>
+                        <a14:foregroundMark x1="62716" y1="76293" x2="62716" y2="76293"/>
+                        <a14:foregroundMark x1="53879" y1="92888" x2="53879" y2="92888"/>
+                        <a14:foregroundMark x1="51078" y1="97845" x2="51078" y2="97845"/>
+                        <a14:foregroundMark x1="46336" y1="98922" x2="46336" y2="98922"/>
+                        <a14:foregroundMark x1="49353" y1="99138" x2="49353" y2="99138"/>
+                        <a14:foregroundMark x1="57112" y1="99353" x2="57112" y2="99353"/>
+                        <a14:foregroundMark x1="60776" y1="98060" x2="60776" y2="98060"/>
+                        <a14:foregroundMark x1="58621" y1="98922" x2="58621" y2="98922"/>
+                        <a14:foregroundMark x1="40517" y1="98491" x2="40517" y2="98491"/>
+                        <a14:foregroundMark x1="41810" y1="98922" x2="41810" y2="98922"/>
+                      </a14:backgroundRemoval>
+                    </a14:imgEffect>
+                  </a14:imgLayer>
+                </a14:imgProps>
+              </a:ext>
+            </a:extLst>
+          </a:blip>
           <a:stretch>
             <a:fillRect/>
           </a:stretch>
@@ -3829,7 +4704,179 @@
 </p:sld>
 </file>
 
-<file path=ppt/slides/slide15.xml><?xml version="1.0" encoding="utf-8"?>
+<file path=ppt/slides/slide23.xml><?xml version="1.0" encoding="utf-8"?>
+<p:sld xmlns:a="http://schemas.openxmlformats.org/drawingml/2006/main" xmlns:r="http://schemas.openxmlformats.org/officeDocument/2006/relationships" xmlns:p="http://schemas.openxmlformats.org/presentationml/2006/main">
+  <p:cSld>
+    <p:bg>
+      <p:bgPr>
+        <a:solidFill>
+          <a:srgbClr val="646464"/>
+        </a:solidFill>
+        <a:effectLst/>
+      </p:bgPr>
+    </p:bg>
+    <p:spTree>
+      <p:nvGrpSpPr>
+        <p:cNvPr id="1" name="">
+          <a:extLst>
+            <a:ext uri="{FF2B5EF4-FFF2-40B4-BE49-F238E27FC236}">
+              <a16:creationId xmlns:a16="http://schemas.microsoft.com/office/drawing/2014/main" id="{520E3838-349C-1D8D-B34E-BD536F36F908}"/>
+            </a:ext>
+          </a:extLst>
+        </p:cNvPr>
+        <p:cNvGrpSpPr/>
+        <p:nvPr/>
+      </p:nvGrpSpPr>
+      <p:grpSpPr>
+        <a:xfrm>
+          <a:off x="0" y="0"/>
+          <a:ext cx="0" cy="0"/>
+          <a:chOff x="0" y="0"/>
+          <a:chExt cx="0" cy="0"/>
+        </a:xfrm>
+      </p:grpSpPr>
+      <p:pic>
+        <p:nvPicPr>
+          <p:cNvPr id="6" name="Picture 5">
+            <a:extLst>
+              <a:ext uri="{FF2B5EF4-FFF2-40B4-BE49-F238E27FC236}">
+                <a16:creationId xmlns:a16="http://schemas.microsoft.com/office/drawing/2014/main" id="{910BBA57-B3C7-0541-8726-47EB8C689CED}"/>
+              </a:ext>
+            </a:extLst>
+          </p:cNvPr>
+          <p:cNvPicPr>
+            <a:picLocks noChangeAspect="1"/>
+          </p:cNvPicPr>
+          <p:nvPr/>
+        </p:nvPicPr>
+        <p:blipFill>
+          <a:blip r:embed="rId2">
+            <a:extLst>
+              <a:ext uri="{BEBA8EAE-BF5A-486C-A8C5-ECC9F3942E4B}">
+                <a14:imgProps xmlns:a14="http://schemas.microsoft.com/office/drawing/2010/main">
+                  <a14:imgLayer r:embed="rId3">
+                    <a14:imgEffect>
+                      <a14:backgroundRemoval t="2371" b="99569" l="9914" r="89871">
+                        <a14:foregroundMark x1="29741" y1="27155" x2="57328" y2="6034"/>
+                        <a14:foregroundMark x1="46552" y1="2371" x2="46552" y2="2371"/>
+                        <a14:foregroundMark x1="27802" y1="30819" x2="34914" y2="42026"/>
+                        <a14:foregroundMark x1="35345" y1="29957" x2="34483" y2="36853"/>
+                        <a14:foregroundMark x1="58836" y1="33405" x2="78233" y2="35129"/>
+                        <a14:foregroundMark x1="63362" y1="31250" x2="71552" y2="32328"/>
+                        <a14:foregroundMark x1="71552" y1="32328" x2="71767" y2="32543"/>
+                        <a14:foregroundMark x1="42457" y1="94397" x2="42457" y2="94397"/>
+                        <a14:foregroundMark x1="48491" y1="98922" x2="48491" y2="98922"/>
+                        <a14:foregroundMark x1="37931" y1="96552" x2="37931" y2="96552"/>
+                        <a14:foregroundMark x1="34698" y1="95690" x2="45474" y2="99569"/>
+                      </a14:backgroundRemoval>
+                    </a14:imgEffect>
+                  </a14:imgLayer>
+                </a14:imgProps>
+              </a:ext>
+            </a:extLst>
+          </a:blip>
+          <a:stretch>
+            <a:fillRect/>
+          </a:stretch>
+        </p:blipFill>
+        <p:spPr>
+          <a:xfrm>
+            <a:off x="5016000" y="2349000"/>
+            <a:ext cx="2160000" cy="2160000"/>
+          </a:xfrm>
+          <a:prstGeom prst="rect">
+            <a:avLst/>
+          </a:prstGeom>
+        </p:spPr>
+      </p:pic>
+    </p:spTree>
+    <p:extLst>
+      <p:ext uri="{BB962C8B-B14F-4D97-AF65-F5344CB8AC3E}">
+        <p14:creationId xmlns:p14="http://schemas.microsoft.com/office/powerpoint/2010/main" val="3672932589"/>
+      </p:ext>
+    </p:extLst>
+  </p:cSld>
+  <p:clrMapOvr>
+    <a:masterClrMapping/>
+  </p:clrMapOvr>
+</p:sld>
+</file>
+
+<file path=ppt/slides/slide24.xml><?xml version="1.0" encoding="utf-8"?>
+<p:sld xmlns:a="http://schemas.openxmlformats.org/drawingml/2006/main" xmlns:r="http://schemas.openxmlformats.org/officeDocument/2006/relationships" xmlns:p="http://schemas.openxmlformats.org/presentationml/2006/main">
+  <p:cSld>
+    <p:bg>
+      <p:bgPr>
+        <a:solidFill>
+          <a:srgbClr val="646464"/>
+        </a:solidFill>
+        <a:effectLst/>
+      </p:bgPr>
+    </p:bg>
+    <p:spTree>
+      <p:nvGrpSpPr>
+        <p:cNvPr id="1" name="">
+          <a:extLst>
+            <a:ext uri="{FF2B5EF4-FFF2-40B4-BE49-F238E27FC236}">
+              <a16:creationId xmlns:a16="http://schemas.microsoft.com/office/drawing/2014/main" id="{DD0BDFBD-7EBF-454E-203D-B62A5928688D}"/>
+            </a:ext>
+          </a:extLst>
+        </p:cNvPr>
+        <p:cNvGrpSpPr/>
+        <p:nvPr/>
+      </p:nvGrpSpPr>
+      <p:grpSpPr>
+        <a:xfrm>
+          <a:off x="0" y="0"/>
+          <a:ext cx="0" cy="0"/>
+          <a:chOff x="0" y="0"/>
+          <a:chExt cx="0" cy="0"/>
+        </a:xfrm>
+      </p:grpSpPr>
+      <p:pic>
+        <p:nvPicPr>
+          <p:cNvPr id="4" name="Picture 3">
+            <a:extLst>
+              <a:ext uri="{FF2B5EF4-FFF2-40B4-BE49-F238E27FC236}">
+                <a16:creationId xmlns:a16="http://schemas.microsoft.com/office/drawing/2014/main" id="{869CC159-8960-3D56-4AB7-6F2DECF9BF82}"/>
+              </a:ext>
+            </a:extLst>
+          </p:cNvPr>
+          <p:cNvPicPr>
+            <a:picLocks noChangeAspect="1"/>
+          </p:cNvPicPr>
+          <p:nvPr/>
+        </p:nvPicPr>
+        <p:blipFill>
+          <a:blip r:embed="rId2"/>
+          <a:stretch>
+            <a:fillRect/>
+          </a:stretch>
+        </p:blipFill>
+        <p:spPr>
+          <a:xfrm>
+            <a:off x="5016000" y="2349000"/>
+            <a:ext cx="2160000" cy="2160000"/>
+          </a:xfrm>
+          <a:prstGeom prst="rect">
+            <a:avLst/>
+          </a:prstGeom>
+        </p:spPr>
+      </p:pic>
+    </p:spTree>
+    <p:extLst>
+      <p:ext uri="{BB962C8B-B14F-4D97-AF65-F5344CB8AC3E}">
+        <p14:creationId xmlns:p14="http://schemas.microsoft.com/office/powerpoint/2010/main" val="739740974"/>
+      </p:ext>
+    </p:extLst>
+  </p:cSld>
+  <p:clrMapOvr>
+    <a:masterClrMapping/>
+  </p:clrMapOvr>
+</p:sld>
+</file>
+
+<file path=ppt/slides/slide25.xml><?xml version="1.0" encoding="utf-8"?>
 <p:sld xmlns:a="http://schemas.openxmlformats.org/drawingml/2006/main" xmlns:r="http://schemas.openxmlformats.org/officeDocument/2006/relationships" xmlns:p="http://schemas.openxmlformats.org/presentationml/2006/main">
   <p:cSld>
     <p:bg>
@@ -3903,7 +4950,201 @@
 </p:sld>
 </file>
 
-<file path=ppt/slides/slide16.xml><?xml version="1.0" encoding="utf-8"?>
+<file path=ppt/slides/slide26.xml><?xml version="1.0" encoding="utf-8"?>
+<p:sld xmlns:a="http://schemas.openxmlformats.org/drawingml/2006/main" xmlns:r="http://schemas.openxmlformats.org/officeDocument/2006/relationships" xmlns:p="http://schemas.openxmlformats.org/presentationml/2006/main">
+  <p:cSld>
+    <p:bg>
+      <p:bgPr>
+        <a:solidFill>
+          <a:srgbClr val="646464"/>
+        </a:solidFill>
+        <a:effectLst/>
+      </p:bgPr>
+    </p:bg>
+    <p:spTree>
+      <p:nvGrpSpPr>
+        <p:cNvPr id="1" name="">
+          <a:extLst>
+            <a:ext uri="{FF2B5EF4-FFF2-40B4-BE49-F238E27FC236}">
+              <a16:creationId xmlns:a16="http://schemas.microsoft.com/office/drawing/2014/main" id="{3288ABD6-DBED-91FC-7FFD-D0A39C572FC6}"/>
+            </a:ext>
+          </a:extLst>
+        </p:cNvPr>
+        <p:cNvGrpSpPr/>
+        <p:nvPr/>
+      </p:nvGrpSpPr>
+      <p:grpSpPr>
+        <a:xfrm>
+          <a:off x="0" y="0"/>
+          <a:ext cx="0" cy="0"/>
+          <a:chOff x="0" y="0"/>
+          <a:chExt cx="0" cy="0"/>
+        </a:xfrm>
+      </p:grpSpPr>
+      <p:pic>
+        <p:nvPicPr>
+          <p:cNvPr id="6" name="Picture 5">
+            <a:extLst>
+              <a:ext uri="{FF2B5EF4-FFF2-40B4-BE49-F238E27FC236}">
+                <a16:creationId xmlns:a16="http://schemas.microsoft.com/office/drawing/2014/main" id="{E34070E5-F48F-D39E-E1C0-CA9E197CD7F5}"/>
+              </a:ext>
+            </a:extLst>
+          </p:cNvPr>
+          <p:cNvPicPr>
+            <a:picLocks noChangeAspect="1"/>
+          </p:cNvPicPr>
+          <p:nvPr/>
+        </p:nvPicPr>
+        <p:blipFill>
+          <a:blip r:embed="rId2">
+            <a:extLst>
+              <a:ext uri="{BEBA8EAE-BF5A-486C-A8C5-ECC9F3942E4B}">
+                <a14:imgProps xmlns:a14="http://schemas.microsoft.com/office/drawing/2010/main">
+                  <a14:imgLayer r:embed="rId3">
+                    <a14:imgEffect>
+                      <a14:backgroundRemoval t="2371" b="98922" l="9914" r="89871">
+                        <a14:foregroundMark x1="42026" y1="6681" x2="42026" y2="6681"/>
+                        <a14:foregroundMark x1="50862" y1="2586" x2="50862" y2="2586"/>
+                        <a14:foregroundMark x1="36422" y1="28448" x2="36422" y2="28448"/>
+                        <a14:foregroundMark x1="25000" y1="32974" x2="40517" y2="33405"/>
+                        <a14:foregroundMark x1="40517" y1="33405" x2="46767" y2="35560"/>
+                        <a14:foregroundMark x1="62716" y1="27155" x2="76078" y2="25216"/>
+                        <a14:foregroundMark x1="68966" y1="34052" x2="68966" y2="34052"/>
+                        <a14:foregroundMark x1="60776" y1="35991" x2="60776" y2="35991"/>
+                        <a14:foregroundMark x1="49569" y1="93966" x2="49569" y2="93966"/>
+                        <a14:foregroundMark x1="50216" y1="98922" x2="50216" y2="98922"/>
+                        <a14:foregroundMark x1="14871" y1="64655" x2="17888" y2="71336"/>
+                      </a14:backgroundRemoval>
+                    </a14:imgEffect>
+                  </a14:imgLayer>
+                </a14:imgProps>
+              </a:ext>
+            </a:extLst>
+          </a:blip>
+          <a:stretch>
+            <a:fillRect/>
+          </a:stretch>
+        </p:blipFill>
+        <p:spPr>
+          <a:xfrm>
+            <a:off x="5016000" y="2349000"/>
+            <a:ext cx="2160000" cy="2160000"/>
+          </a:xfrm>
+          <a:prstGeom prst="rect">
+            <a:avLst/>
+          </a:prstGeom>
+        </p:spPr>
+      </p:pic>
+    </p:spTree>
+    <p:extLst>
+      <p:ext uri="{BB962C8B-B14F-4D97-AF65-F5344CB8AC3E}">
+        <p14:creationId xmlns:p14="http://schemas.microsoft.com/office/powerpoint/2010/main" val="1816580976"/>
+      </p:ext>
+    </p:extLst>
+  </p:cSld>
+  <p:clrMapOvr>
+    <a:masterClrMapping/>
+  </p:clrMapOvr>
+</p:sld>
+</file>
+
+<file path=ppt/slides/slide27.xml><?xml version="1.0" encoding="utf-8"?>
+<p:sld xmlns:a="http://schemas.openxmlformats.org/drawingml/2006/main" xmlns:r="http://schemas.openxmlformats.org/officeDocument/2006/relationships" xmlns:p="http://schemas.openxmlformats.org/presentationml/2006/main">
+  <p:cSld>
+    <p:bg>
+      <p:bgPr>
+        <a:solidFill>
+          <a:srgbClr val="646464"/>
+        </a:solidFill>
+        <a:effectLst/>
+      </p:bgPr>
+    </p:bg>
+    <p:spTree>
+      <p:nvGrpSpPr>
+        <p:cNvPr id="1" name="">
+          <a:extLst>
+            <a:ext uri="{FF2B5EF4-FFF2-40B4-BE49-F238E27FC236}">
+              <a16:creationId xmlns:a16="http://schemas.microsoft.com/office/drawing/2014/main" id="{DF78DE55-6A31-C0E0-DD29-2E5720878882}"/>
+            </a:ext>
+          </a:extLst>
+        </p:cNvPr>
+        <p:cNvGrpSpPr/>
+        <p:nvPr/>
+      </p:nvGrpSpPr>
+      <p:grpSpPr>
+        <a:xfrm>
+          <a:off x="0" y="0"/>
+          <a:ext cx="0" cy="0"/>
+          <a:chOff x="0" y="0"/>
+          <a:chExt cx="0" cy="0"/>
+        </a:xfrm>
+      </p:grpSpPr>
+      <p:pic>
+        <p:nvPicPr>
+          <p:cNvPr id="4" name="Picture 3">
+            <a:extLst>
+              <a:ext uri="{FF2B5EF4-FFF2-40B4-BE49-F238E27FC236}">
+                <a16:creationId xmlns:a16="http://schemas.microsoft.com/office/drawing/2014/main" id="{1AC3FEF9-05EC-0E4B-04D5-231CF288F4A6}"/>
+              </a:ext>
+            </a:extLst>
+          </p:cNvPr>
+          <p:cNvPicPr>
+            <a:picLocks noChangeAspect="1"/>
+          </p:cNvPicPr>
+          <p:nvPr/>
+        </p:nvPicPr>
+        <p:blipFill>
+          <a:blip r:embed="rId2">
+            <a:extLst>
+              <a:ext uri="{BEBA8EAE-BF5A-486C-A8C5-ECC9F3942E4B}">
+                <a14:imgProps xmlns:a14="http://schemas.microsoft.com/office/drawing/2010/main">
+                  <a14:imgLayer r:embed="rId3">
+                    <a14:imgEffect>
+                      <a14:backgroundRemoval t="1940" b="98707" l="9914" r="89871">
+                        <a14:foregroundMark x1="41595" y1="7328" x2="53879" y2="1940"/>
+                        <a14:foregroundMark x1="68103" y1="42026" x2="60560" y2="20905"/>
+                        <a14:foregroundMark x1="60560" y1="20905" x2="60560" y2="20259"/>
+                        <a14:foregroundMark x1="71767" y1="24138" x2="72845" y2="38147"/>
+                        <a14:foregroundMark x1="74784" y1="37500" x2="71552" y2="30388"/>
+                        <a14:foregroundMark x1="26940" y1="27155" x2="44181" y2="42241"/>
+                        <a14:foregroundMark x1="44181" y1="42241" x2="43966" y2="42241"/>
+                        <a14:foregroundMark x1="49353" y1="93750" x2="49353" y2="93750"/>
+                        <a14:foregroundMark x1="49353" y1="98707" x2="49353" y2="98707"/>
+                      </a14:backgroundRemoval>
+                    </a14:imgEffect>
+                  </a14:imgLayer>
+                </a14:imgProps>
+              </a:ext>
+            </a:extLst>
+          </a:blip>
+          <a:stretch>
+            <a:fillRect/>
+          </a:stretch>
+        </p:blipFill>
+        <p:spPr>
+          <a:xfrm>
+            <a:off x="5016000" y="2188736"/>
+            <a:ext cx="2160000" cy="2160000"/>
+          </a:xfrm>
+          <a:prstGeom prst="rect">
+            <a:avLst/>
+          </a:prstGeom>
+        </p:spPr>
+      </p:pic>
+    </p:spTree>
+    <p:extLst>
+      <p:ext uri="{BB962C8B-B14F-4D97-AF65-F5344CB8AC3E}">
+        <p14:creationId xmlns:p14="http://schemas.microsoft.com/office/powerpoint/2010/main" val="3103987301"/>
+      </p:ext>
+    </p:extLst>
+  </p:cSld>
+  <p:clrMapOvr>
+    <a:masterClrMapping/>
+  </p:clrMapOvr>
+</p:sld>
+</file>
+
+<file path=ppt/slides/slide28.xml><?xml version="1.0" encoding="utf-8"?>
 <p:sld xmlns:a="http://schemas.openxmlformats.org/drawingml/2006/main" xmlns:r="http://schemas.openxmlformats.org/officeDocument/2006/relationships" xmlns:p="http://schemas.openxmlformats.org/presentationml/2006/main">
   <p:cSld>
     <p:bg>
@@ -3936,10 +5177,10 @@
       </p:grpSpPr>
       <p:pic>
         <p:nvPicPr>
-          <p:cNvPr id="4" name="Picture 3">
-            <a:extLst>
-              <a:ext uri="{FF2B5EF4-FFF2-40B4-BE49-F238E27FC236}">
-                <a16:creationId xmlns:a16="http://schemas.microsoft.com/office/drawing/2014/main" id="{8024FB6E-28BD-5B5F-A7B0-2F31636F9BD7}"/>
+          <p:cNvPr id="3" name="Picture 2">
+            <a:extLst>
+              <a:ext uri="{FF2B5EF4-FFF2-40B4-BE49-F238E27FC236}">
+                <a16:creationId xmlns:a16="http://schemas.microsoft.com/office/drawing/2014/main" id="{103FA0DA-143B-6F87-FC03-9C5897B4B908}"/>
               </a:ext>
             </a:extLst>
           </p:cNvPr>
@@ -3977,7 +5218,7 @@
 </p:sld>
 </file>
 
-<file path=ppt/slides/slide17.xml><?xml version="1.0" encoding="utf-8"?>
+<file path=ppt/slides/slide29.xml><?xml version="1.0" encoding="utf-8"?>
 <p:sld xmlns:a="http://schemas.openxmlformats.org/drawingml/2006/main" xmlns:r="http://schemas.openxmlformats.org/officeDocument/2006/relationships" xmlns:p="http://schemas.openxmlformats.org/presentationml/2006/main">
   <p:cSld>
     <p:bg>
@@ -4042,973 +5283,6 @@
     <p:extLst>
       <p:ext uri="{BB962C8B-B14F-4D97-AF65-F5344CB8AC3E}">
         <p14:creationId xmlns:p14="http://schemas.microsoft.com/office/powerpoint/2010/main" val="3723639791"/>
-      </p:ext>
-    </p:extLst>
-  </p:cSld>
-  <p:clrMapOvr>
-    <a:masterClrMapping/>
-  </p:clrMapOvr>
-</p:sld>
-</file>
-
-<file path=ppt/slides/slide18.xml><?xml version="1.0" encoding="utf-8"?>
-<p:sld xmlns:a="http://schemas.openxmlformats.org/drawingml/2006/main" xmlns:r="http://schemas.openxmlformats.org/officeDocument/2006/relationships" xmlns:p="http://schemas.openxmlformats.org/presentationml/2006/main">
-  <p:cSld>
-    <p:bg>
-      <p:bgPr>
-        <a:solidFill>
-          <a:srgbClr val="646464"/>
-        </a:solidFill>
-        <a:effectLst/>
-      </p:bgPr>
-    </p:bg>
-    <p:spTree>
-      <p:nvGrpSpPr>
-        <p:cNvPr id="1" name="">
-          <a:extLst>
-            <a:ext uri="{FF2B5EF4-FFF2-40B4-BE49-F238E27FC236}">
-              <a16:creationId xmlns:a16="http://schemas.microsoft.com/office/drawing/2014/main" id="{1E1F802D-02B9-65F8-6F94-4303786E7154}"/>
-            </a:ext>
-          </a:extLst>
-        </p:cNvPr>
-        <p:cNvGrpSpPr/>
-        <p:nvPr/>
-      </p:nvGrpSpPr>
-      <p:grpSpPr>
-        <a:xfrm>
-          <a:off x="0" y="0"/>
-          <a:ext cx="0" cy="0"/>
-          <a:chOff x="0" y="0"/>
-          <a:chExt cx="0" cy="0"/>
-        </a:xfrm>
-      </p:grpSpPr>
-      <p:pic>
-        <p:nvPicPr>
-          <p:cNvPr id="3" name="Picture 2">
-            <a:extLst>
-              <a:ext uri="{FF2B5EF4-FFF2-40B4-BE49-F238E27FC236}">
-                <a16:creationId xmlns:a16="http://schemas.microsoft.com/office/drawing/2014/main" id="{88574946-1596-0B04-E64A-E83E19BDD032}"/>
-              </a:ext>
-            </a:extLst>
-          </p:cNvPr>
-          <p:cNvPicPr>
-            <a:picLocks noChangeAspect="1"/>
-          </p:cNvPicPr>
-          <p:nvPr/>
-        </p:nvPicPr>
-        <p:blipFill>
-          <a:blip r:embed="rId2"/>
-          <a:stretch>
-            <a:fillRect/>
-          </a:stretch>
-        </p:blipFill>
-        <p:spPr>
-          <a:xfrm>
-            <a:off x="5016000" y="2349000"/>
-            <a:ext cx="2160000" cy="2160000"/>
-          </a:xfrm>
-          <a:prstGeom prst="rect">
-            <a:avLst/>
-          </a:prstGeom>
-        </p:spPr>
-      </p:pic>
-    </p:spTree>
-    <p:extLst>
-      <p:ext uri="{BB962C8B-B14F-4D97-AF65-F5344CB8AC3E}">
-        <p14:creationId xmlns:p14="http://schemas.microsoft.com/office/powerpoint/2010/main" val="1439036244"/>
-      </p:ext>
-    </p:extLst>
-  </p:cSld>
-  <p:clrMapOvr>
-    <a:masterClrMapping/>
-  </p:clrMapOvr>
-</p:sld>
-</file>
-
-<file path=ppt/slides/slide19.xml><?xml version="1.0" encoding="utf-8"?>
-<p:sld xmlns:a="http://schemas.openxmlformats.org/drawingml/2006/main" xmlns:r="http://schemas.openxmlformats.org/officeDocument/2006/relationships" xmlns:p="http://schemas.openxmlformats.org/presentationml/2006/main">
-  <p:cSld>
-    <p:bg>
-      <p:bgPr>
-        <a:solidFill>
-          <a:srgbClr val="5C5C5C"/>
-        </a:solidFill>
-        <a:effectLst/>
-      </p:bgPr>
-    </p:bg>
-    <p:spTree>
-      <p:nvGrpSpPr>
-        <p:cNvPr id="1" name="">
-          <a:extLst>
-            <a:ext uri="{FF2B5EF4-FFF2-40B4-BE49-F238E27FC236}">
-              <a16:creationId xmlns:a16="http://schemas.microsoft.com/office/drawing/2014/main" id="{F3F2F404-A47E-A10E-83A1-6BDE7975BF7F}"/>
-            </a:ext>
-          </a:extLst>
-        </p:cNvPr>
-        <p:cNvGrpSpPr/>
-        <p:nvPr/>
-      </p:nvGrpSpPr>
-      <p:grpSpPr>
-        <a:xfrm>
-          <a:off x="0" y="0"/>
-          <a:ext cx="0" cy="0"/>
-          <a:chOff x="0" y="0"/>
-          <a:chExt cx="0" cy="0"/>
-        </a:xfrm>
-      </p:grpSpPr>
-      <p:pic>
-        <p:nvPicPr>
-          <p:cNvPr id="3" name="Picture 2">
-            <a:extLst>
-              <a:ext uri="{FF2B5EF4-FFF2-40B4-BE49-F238E27FC236}">
-                <a16:creationId xmlns:a16="http://schemas.microsoft.com/office/drawing/2014/main" id="{D4FA992D-5DF9-8C9A-88EB-4B32614E1F0F}"/>
-              </a:ext>
-            </a:extLst>
-          </p:cNvPr>
-          <p:cNvPicPr>
-            <a:picLocks noChangeAspect="1"/>
-          </p:cNvPicPr>
-          <p:nvPr/>
-        </p:nvPicPr>
-        <p:blipFill>
-          <a:blip r:embed="rId2"/>
-          <a:stretch>
-            <a:fillRect/>
-          </a:stretch>
-        </p:blipFill>
-        <p:spPr>
-          <a:xfrm>
-            <a:off x="3501517" y="1449000"/>
-            <a:ext cx="5188966" cy="3960000"/>
-          </a:xfrm>
-          <a:prstGeom prst="rect">
-            <a:avLst/>
-          </a:prstGeom>
-        </p:spPr>
-      </p:pic>
-    </p:spTree>
-    <p:extLst>
-      <p:ext uri="{BB962C8B-B14F-4D97-AF65-F5344CB8AC3E}">
-        <p14:creationId xmlns:p14="http://schemas.microsoft.com/office/powerpoint/2010/main" val="167649608"/>
-      </p:ext>
-    </p:extLst>
-  </p:cSld>
-  <p:clrMapOvr>
-    <a:masterClrMapping/>
-  </p:clrMapOvr>
-</p:sld>
-</file>
-
-<file path=ppt/slides/slide2.xml><?xml version="1.0" encoding="utf-8"?>
-<p:sld xmlns:a="http://schemas.openxmlformats.org/drawingml/2006/main" xmlns:r="http://schemas.openxmlformats.org/officeDocument/2006/relationships" xmlns:p="http://schemas.openxmlformats.org/presentationml/2006/main">
-  <p:cSld>
-    <p:spTree>
-      <p:nvGrpSpPr>
-        <p:cNvPr id="1" name=""/>
-        <p:cNvGrpSpPr/>
-        <p:nvPr/>
-      </p:nvGrpSpPr>
-      <p:grpSpPr>
-        <a:xfrm>
-          <a:off x="0" y="0"/>
-          <a:ext cx="0" cy="0"/>
-          <a:chOff x="0" y="0"/>
-          <a:chExt cx="0" cy="0"/>
-        </a:xfrm>
-      </p:grpSpPr>
-      <p:sp>
-        <p:nvSpPr>
-          <p:cNvPr id="2" name="Title 1">
-            <a:extLst>
-              <a:ext uri="{FF2B5EF4-FFF2-40B4-BE49-F238E27FC236}">
-                <a16:creationId xmlns:a16="http://schemas.microsoft.com/office/drawing/2014/main" id="{0A1FA53E-25A0-0960-0FCC-4CC105416AC1}"/>
-              </a:ext>
-            </a:extLst>
-          </p:cNvPr>
-          <p:cNvSpPr>
-            <a:spLocks noGrp="1"/>
-          </p:cNvSpPr>
-          <p:nvPr>
-            <p:ph type="title"/>
-          </p:nvPr>
-        </p:nvSpPr>
-        <p:spPr>
-          <a:xfrm>
-            <a:off x="410688" y="365125"/>
-            <a:ext cx="10943112" cy="584901"/>
-          </a:xfrm>
-        </p:spPr>
-        <p:txBody>
-          <a:bodyPr>
-            <a:normAutofit/>
-          </a:bodyPr>
-          <a:lstStyle/>
-          <a:p>
-            <a:r>
-              <a:rPr lang="en-CH" sz="2800" b="1" dirty="0">
-                <a:latin typeface="Avenir Book" panose="02000503020000020003" pitchFamily="2" charset="0"/>
-              </a:rPr>
-              <a:t>Practice Task Slides (12 trials)</a:t>
-            </a:r>
-          </a:p>
-        </p:txBody>
-      </p:sp>
-    </p:spTree>
-    <p:extLst>
-      <p:ext uri="{BB962C8B-B14F-4D97-AF65-F5344CB8AC3E}">
-        <p14:creationId xmlns:p14="http://schemas.microsoft.com/office/powerpoint/2010/main" val="2739542140"/>
-      </p:ext>
-    </p:extLst>
-  </p:cSld>
-  <p:clrMapOvr>
-    <a:masterClrMapping/>
-  </p:clrMapOvr>
-</p:sld>
-</file>
-
-<file path=ppt/slides/slide20.xml><?xml version="1.0" encoding="utf-8"?>
-<p:sld xmlns:a="http://schemas.openxmlformats.org/drawingml/2006/main" xmlns:r="http://schemas.openxmlformats.org/officeDocument/2006/relationships" xmlns:p="http://schemas.openxmlformats.org/presentationml/2006/main">
-  <p:cSld>
-    <p:bg>
-      <p:bgPr>
-        <a:solidFill>
-          <a:srgbClr val="646464"/>
-        </a:solidFill>
-        <a:effectLst/>
-      </p:bgPr>
-    </p:bg>
-    <p:spTree>
-      <p:nvGrpSpPr>
-        <p:cNvPr id="1" name="">
-          <a:extLst>
-            <a:ext uri="{FF2B5EF4-FFF2-40B4-BE49-F238E27FC236}">
-              <a16:creationId xmlns:a16="http://schemas.microsoft.com/office/drawing/2014/main" id="{443C470D-9A5B-91DA-318A-6C272308FB5F}"/>
-            </a:ext>
-          </a:extLst>
-        </p:cNvPr>
-        <p:cNvGrpSpPr/>
-        <p:nvPr/>
-      </p:nvGrpSpPr>
-      <p:grpSpPr>
-        <a:xfrm>
-          <a:off x="0" y="0"/>
-          <a:ext cx="0" cy="0"/>
-          <a:chOff x="0" y="0"/>
-          <a:chExt cx="0" cy="0"/>
-        </a:xfrm>
-      </p:grpSpPr>
-      <p:pic>
-        <p:nvPicPr>
-          <p:cNvPr id="4" name="Picture 3">
-            <a:extLst>
-              <a:ext uri="{FF2B5EF4-FFF2-40B4-BE49-F238E27FC236}">
-                <a16:creationId xmlns:a16="http://schemas.microsoft.com/office/drawing/2014/main" id="{375BE7D7-F3BE-901E-88FB-AB6C3CFABC09}"/>
-              </a:ext>
-            </a:extLst>
-          </p:cNvPr>
-          <p:cNvPicPr>
-            <a:picLocks noChangeAspect="1"/>
-          </p:cNvPicPr>
-          <p:nvPr/>
-        </p:nvPicPr>
-        <p:blipFill>
-          <a:blip r:embed="rId2"/>
-          <a:stretch>
-            <a:fillRect/>
-          </a:stretch>
-        </p:blipFill>
-        <p:spPr>
-          <a:xfrm>
-            <a:off x="5016000" y="2349000"/>
-            <a:ext cx="2160000" cy="2160000"/>
-          </a:xfrm>
-          <a:prstGeom prst="rect">
-            <a:avLst/>
-          </a:prstGeom>
-        </p:spPr>
-      </p:pic>
-    </p:spTree>
-    <p:extLst>
-      <p:ext uri="{BB962C8B-B14F-4D97-AF65-F5344CB8AC3E}">
-        <p14:creationId xmlns:p14="http://schemas.microsoft.com/office/powerpoint/2010/main" val="1011469499"/>
-      </p:ext>
-    </p:extLst>
-  </p:cSld>
-  <p:clrMapOvr>
-    <a:masterClrMapping/>
-  </p:clrMapOvr>
-</p:sld>
-</file>
-
-<file path=ppt/slides/slide21.xml><?xml version="1.0" encoding="utf-8"?>
-<p:sld xmlns:a="http://schemas.openxmlformats.org/drawingml/2006/main" xmlns:r="http://schemas.openxmlformats.org/officeDocument/2006/relationships" xmlns:p="http://schemas.openxmlformats.org/presentationml/2006/main">
-  <p:cSld>
-    <p:bg>
-      <p:bgPr>
-        <a:solidFill>
-          <a:srgbClr val="646464"/>
-        </a:solidFill>
-        <a:effectLst/>
-      </p:bgPr>
-    </p:bg>
-    <p:spTree>
-      <p:nvGrpSpPr>
-        <p:cNvPr id="1" name="">
-          <a:extLst>
-            <a:ext uri="{FF2B5EF4-FFF2-40B4-BE49-F238E27FC236}">
-              <a16:creationId xmlns:a16="http://schemas.microsoft.com/office/drawing/2014/main" id="{1B9A2577-7FBA-BB3B-2C15-F4DD42A49C42}"/>
-            </a:ext>
-          </a:extLst>
-        </p:cNvPr>
-        <p:cNvGrpSpPr/>
-        <p:nvPr/>
-      </p:nvGrpSpPr>
-      <p:grpSpPr>
-        <a:xfrm>
-          <a:off x="0" y="0"/>
-          <a:ext cx="0" cy="0"/>
-          <a:chOff x="0" y="0"/>
-          <a:chExt cx="0" cy="0"/>
-        </a:xfrm>
-      </p:grpSpPr>
-      <p:pic>
-        <p:nvPicPr>
-          <p:cNvPr id="4" name="Picture 3">
-            <a:extLst>
-              <a:ext uri="{FF2B5EF4-FFF2-40B4-BE49-F238E27FC236}">
-                <a16:creationId xmlns:a16="http://schemas.microsoft.com/office/drawing/2014/main" id="{02CE0ED7-958D-26E5-1945-9B81A34057E7}"/>
-              </a:ext>
-            </a:extLst>
-          </p:cNvPr>
-          <p:cNvPicPr>
-            <a:picLocks noChangeAspect="1"/>
-          </p:cNvPicPr>
-          <p:nvPr/>
-        </p:nvPicPr>
-        <p:blipFill>
-          <a:blip r:embed="rId2">
-            <a:extLst>
-              <a:ext uri="{BEBA8EAE-BF5A-486C-A8C5-ECC9F3942E4B}">
-                <a14:imgProps xmlns:a14="http://schemas.microsoft.com/office/drawing/2010/main">
-                  <a14:imgLayer r:embed="rId3">
-                    <a14:imgEffect>
-                      <a14:artisticChalkSketch/>
-                    </a14:imgEffect>
-                  </a14:imgLayer>
-                </a14:imgProps>
-              </a:ext>
-            </a:extLst>
-          </a:blip>
-          <a:stretch>
-            <a:fillRect/>
-          </a:stretch>
-        </p:blipFill>
-        <p:spPr>
-          <a:xfrm>
-            <a:off x="4584450" y="2349000"/>
-            <a:ext cx="3023100" cy="2160000"/>
-          </a:xfrm>
-          <a:prstGeom prst="rect">
-            <a:avLst/>
-          </a:prstGeom>
-        </p:spPr>
-      </p:pic>
-    </p:spTree>
-    <p:extLst>
-      <p:ext uri="{BB962C8B-B14F-4D97-AF65-F5344CB8AC3E}">
-        <p14:creationId xmlns:p14="http://schemas.microsoft.com/office/powerpoint/2010/main" val="572961673"/>
-      </p:ext>
-    </p:extLst>
-  </p:cSld>
-  <p:clrMapOvr>
-    <a:masterClrMapping/>
-  </p:clrMapOvr>
-</p:sld>
-</file>
-
-<file path=ppt/slides/slide22.xml><?xml version="1.0" encoding="utf-8"?>
-<p:sld xmlns:a="http://schemas.openxmlformats.org/drawingml/2006/main" xmlns:r="http://schemas.openxmlformats.org/officeDocument/2006/relationships" xmlns:p="http://schemas.openxmlformats.org/presentationml/2006/main">
-  <p:cSld>
-    <p:bg>
-      <p:bgPr>
-        <a:solidFill>
-          <a:srgbClr val="5C5C5C"/>
-        </a:solidFill>
-        <a:effectLst/>
-      </p:bgPr>
-    </p:bg>
-    <p:spTree>
-      <p:nvGrpSpPr>
-        <p:cNvPr id="1" name=""/>
-        <p:cNvGrpSpPr/>
-        <p:nvPr/>
-      </p:nvGrpSpPr>
-      <p:grpSpPr>
-        <a:xfrm>
-          <a:off x="0" y="0"/>
-          <a:ext cx="0" cy="0"/>
-          <a:chOff x="0" y="0"/>
-          <a:chExt cx="0" cy="0"/>
-        </a:xfrm>
-      </p:grpSpPr>
-      <p:sp>
-        <p:nvSpPr>
-          <p:cNvPr id="5" name="TextBox 4">
-            <a:extLst>
-              <a:ext uri="{FF2B5EF4-FFF2-40B4-BE49-F238E27FC236}">
-                <a16:creationId xmlns:a16="http://schemas.microsoft.com/office/drawing/2014/main" id="{5C3101FE-916F-7AC8-03CF-F8680EC21ADF}"/>
-              </a:ext>
-            </a:extLst>
-          </p:cNvPr>
-          <p:cNvSpPr txBox="1"/>
-          <p:nvPr/>
-        </p:nvSpPr>
-        <p:spPr>
-          <a:xfrm>
-            <a:off x="373856" y="2510165"/>
-            <a:ext cx="11444287" cy="1569660"/>
-          </a:xfrm>
-          <a:prstGeom prst="rect">
-            <a:avLst/>
-          </a:prstGeom>
-          <a:noFill/>
-        </p:spPr>
-        <p:txBody>
-          <a:bodyPr wrap="square" rtlCol="0">
-            <a:spAutoFit/>
-          </a:bodyPr>
-          <a:lstStyle/>
-          <a:p>
-            <a:pPr algn="ctr"/>
-            <a:r>
-              <a:rPr lang="en-CH" sz="9600" dirty="0">
-                <a:solidFill>
-                  <a:schemeClr val="bg1"/>
-                </a:solidFill>
-                <a:latin typeface="Avenir Light" panose="020B0402020203020204" pitchFamily="34" charset="77"/>
-                <a:cs typeface="Arial" panose="020B0604020202020204" pitchFamily="34" charset="0"/>
-              </a:rPr>
-              <a:t>+</a:t>
-            </a:r>
-          </a:p>
-        </p:txBody>
-      </p:sp>
-    </p:spTree>
-    <p:extLst>
-      <p:ext uri="{BB962C8B-B14F-4D97-AF65-F5344CB8AC3E}">
-        <p14:creationId xmlns:p14="http://schemas.microsoft.com/office/powerpoint/2010/main" val="3372457678"/>
-      </p:ext>
-    </p:extLst>
-  </p:cSld>
-  <p:clrMapOvr>
-    <a:masterClrMapping/>
-  </p:clrMapOvr>
-</p:sld>
-</file>
-
-<file path=ppt/slides/slide23.xml><?xml version="1.0" encoding="utf-8"?>
-<p:sld xmlns:a="http://schemas.openxmlformats.org/drawingml/2006/main" xmlns:r="http://schemas.openxmlformats.org/officeDocument/2006/relationships" xmlns:p="http://schemas.openxmlformats.org/presentationml/2006/main">
-  <p:cSld>
-    <p:bg>
-      <p:bgPr>
-        <a:solidFill>
-          <a:srgbClr val="646464"/>
-        </a:solidFill>
-        <a:effectLst/>
-      </p:bgPr>
-    </p:bg>
-    <p:spTree>
-      <p:nvGrpSpPr>
-        <p:cNvPr id="1" name=""/>
-        <p:cNvGrpSpPr/>
-        <p:nvPr/>
-      </p:nvGrpSpPr>
-      <p:grpSpPr>
-        <a:xfrm>
-          <a:off x="0" y="0"/>
-          <a:ext cx="0" cy="0"/>
-          <a:chOff x="0" y="0"/>
-          <a:chExt cx="0" cy="0"/>
-        </a:xfrm>
-      </p:grpSpPr>
-      <p:pic>
-        <p:nvPicPr>
-          <p:cNvPr id="4" name="Picture 3">
-            <a:extLst>
-              <a:ext uri="{FF2B5EF4-FFF2-40B4-BE49-F238E27FC236}">
-                <a16:creationId xmlns:a16="http://schemas.microsoft.com/office/drawing/2014/main" id="{98A99499-E62E-36AE-E9CC-5AD602FD0030}"/>
-              </a:ext>
-            </a:extLst>
-          </p:cNvPr>
-          <p:cNvPicPr>
-            <a:picLocks noChangeAspect="1"/>
-          </p:cNvPicPr>
-          <p:nvPr/>
-        </p:nvPicPr>
-        <p:blipFill>
-          <a:blip r:embed="rId2"/>
-          <a:stretch>
-            <a:fillRect/>
-          </a:stretch>
-        </p:blipFill>
-        <p:spPr>
-          <a:xfrm>
-            <a:off x="4121400" y="1454400"/>
-            <a:ext cx="3949200" cy="3949200"/>
-          </a:xfrm>
-          <a:prstGeom prst="rect">
-            <a:avLst/>
-          </a:prstGeom>
-        </p:spPr>
-      </p:pic>
-    </p:spTree>
-    <p:extLst>
-      <p:ext uri="{BB962C8B-B14F-4D97-AF65-F5344CB8AC3E}">
-        <p14:creationId xmlns:p14="http://schemas.microsoft.com/office/powerpoint/2010/main" val="3024732115"/>
-      </p:ext>
-    </p:extLst>
-  </p:cSld>
-  <p:clrMapOvr>
-    <a:masterClrMapping/>
-  </p:clrMapOvr>
-</p:sld>
-</file>
-
-<file path=ppt/slides/slide24.xml><?xml version="1.0" encoding="utf-8"?>
-<p:sld xmlns:a="http://schemas.openxmlformats.org/drawingml/2006/main" xmlns:r="http://schemas.openxmlformats.org/officeDocument/2006/relationships" xmlns:p="http://schemas.openxmlformats.org/presentationml/2006/main">
-  <p:cSld>
-    <p:bg>
-      <p:bgPr>
-        <a:solidFill>
-          <a:srgbClr val="646464"/>
-        </a:solidFill>
-        <a:effectLst/>
-      </p:bgPr>
-    </p:bg>
-    <p:spTree>
-      <p:nvGrpSpPr>
-        <p:cNvPr id="1" name="">
-          <a:extLst>
-            <a:ext uri="{FF2B5EF4-FFF2-40B4-BE49-F238E27FC236}">
-              <a16:creationId xmlns:a16="http://schemas.microsoft.com/office/drawing/2014/main" id="{757EBA9A-231D-6E98-F53D-42C881A06F99}"/>
-            </a:ext>
-          </a:extLst>
-        </p:cNvPr>
-        <p:cNvGrpSpPr/>
-        <p:nvPr/>
-      </p:nvGrpSpPr>
-      <p:grpSpPr>
-        <a:xfrm>
-          <a:off x="0" y="0"/>
-          <a:ext cx="0" cy="0"/>
-          <a:chOff x="0" y="0"/>
-          <a:chExt cx="0" cy="0"/>
-        </a:xfrm>
-      </p:grpSpPr>
-      <p:pic>
-        <p:nvPicPr>
-          <p:cNvPr id="3" name="Picture 2">
-            <a:extLst>
-              <a:ext uri="{FF2B5EF4-FFF2-40B4-BE49-F238E27FC236}">
-                <a16:creationId xmlns:a16="http://schemas.microsoft.com/office/drawing/2014/main" id="{A66ACF03-06CF-DEEF-B6C6-3EB4F093909D}"/>
-              </a:ext>
-            </a:extLst>
-          </p:cNvPr>
-          <p:cNvPicPr>
-            <a:picLocks noChangeAspect="1"/>
-          </p:cNvPicPr>
-          <p:nvPr/>
-        </p:nvPicPr>
-        <p:blipFill>
-          <a:blip r:embed="rId2"/>
-          <a:stretch>
-            <a:fillRect/>
-          </a:stretch>
-        </p:blipFill>
-        <p:spPr>
-          <a:xfrm>
-            <a:off x="4121400" y="1454400"/>
-            <a:ext cx="3949200" cy="3949200"/>
-          </a:xfrm>
-          <a:prstGeom prst="rect">
-            <a:avLst/>
-          </a:prstGeom>
-        </p:spPr>
-      </p:pic>
-    </p:spTree>
-    <p:extLst>
-      <p:ext uri="{BB962C8B-B14F-4D97-AF65-F5344CB8AC3E}">
-        <p14:creationId xmlns:p14="http://schemas.microsoft.com/office/powerpoint/2010/main" val="2494584724"/>
-      </p:ext>
-    </p:extLst>
-  </p:cSld>
-  <p:clrMapOvr>
-    <a:masterClrMapping/>
-  </p:clrMapOvr>
-</p:sld>
-</file>
-
-<file path=ppt/slides/slide25.xml><?xml version="1.0" encoding="utf-8"?>
-<p:sld xmlns:a="http://schemas.openxmlformats.org/drawingml/2006/main" xmlns:r="http://schemas.openxmlformats.org/officeDocument/2006/relationships" xmlns:p="http://schemas.openxmlformats.org/presentationml/2006/main">
-  <p:cSld>
-    <p:bg>
-      <p:bgPr>
-        <a:solidFill>
-          <a:srgbClr val="646464"/>
-        </a:solidFill>
-        <a:effectLst/>
-      </p:bgPr>
-    </p:bg>
-    <p:spTree>
-      <p:nvGrpSpPr>
-        <p:cNvPr id="1" name="">
-          <a:extLst>
-            <a:ext uri="{FF2B5EF4-FFF2-40B4-BE49-F238E27FC236}">
-              <a16:creationId xmlns:a16="http://schemas.microsoft.com/office/drawing/2014/main" id="{AFCECEE9-9371-4319-429F-28F48D23EDB2}"/>
-            </a:ext>
-          </a:extLst>
-        </p:cNvPr>
-        <p:cNvGrpSpPr/>
-        <p:nvPr/>
-      </p:nvGrpSpPr>
-      <p:grpSpPr>
-        <a:xfrm>
-          <a:off x="0" y="0"/>
-          <a:ext cx="0" cy="0"/>
-          <a:chOff x="0" y="0"/>
-          <a:chExt cx="0" cy="0"/>
-        </a:xfrm>
-      </p:grpSpPr>
-      <p:pic>
-        <p:nvPicPr>
-          <p:cNvPr id="3" name="Picture 2">
-            <a:extLst>
-              <a:ext uri="{FF2B5EF4-FFF2-40B4-BE49-F238E27FC236}">
-                <a16:creationId xmlns:a16="http://schemas.microsoft.com/office/drawing/2014/main" id="{E00D12FB-B502-2141-84DB-699677F44440}"/>
-              </a:ext>
-            </a:extLst>
-          </p:cNvPr>
-          <p:cNvPicPr>
-            <a:picLocks noChangeAspect="1"/>
-          </p:cNvPicPr>
-          <p:nvPr/>
-        </p:nvPicPr>
-        <p:blipFill>
-          <a:blip r:embed="rId2"/>
-          <a:stretch>
-            <a:fillRect/>
-          </a:stretch>
-        </p:blipFill>
-        <p:spPr>
-          <a:xfrm>
-            <a:off x="4121400" y="1454400"/>
-            <a:ext cx="3949200" cy="3949200"/>
-          </a:xfrm>
-          <a:prstGeom prst="rect">
-            <a:avLst/>
-          </a:prstGeom>
-        </p:spPr>
-      </p:pic>
-    </p:spTree>
-    <p:extLst>
-      <p:ext uri="{BB962C8B-B14F-4D97-AF65-F5344CB8AC3E}">
-        <p14:creationId xmlns:p14="http://schemas.microsoft.com/office/powerpoint/2010/main" val="3633927710"/>
-      </p:ext>
-    </p:extLst>
-  </p:cSld>
-  <p:clrMapOvr>
-    <a:masterClrMapping/>
-  </p:clrMapOvr>
-</p:sld>
-</file>
-
-<file path=ppt/slides/slide26.xml><?xml version="1.0" encoding="utf-8"?>
-<p:sld xmlns:a="http://schemas.openxmlformats.org/drawingml/2006/main" xmlns:r="http://schemas.openxmlformats.org/officeDocument/2006/relationships" xmlns:p="http://schemas.openxmlformats.org/presentationml/2006/main">
-  <p:cSld>
-    <p:bg>
-      <p:bgPr>
-        <a:solidFill>
-          <a:srgbClr val="646464"/>
-        </a:solidFill>
-        <a:effectLst/>
-      </p:bgPr>
-    </p:bg>
-    <p:spTree>
-      <p:nvGrpSpPr>
-        <p:cNvPr id="1" name="">
-          <a:extLst>
-            <a:ext uri="{FF2B5EF4-FFF2-40B4-BE49-F238E27FC236}">
-              <a16:creationId xmlns:a16="http://schemas.microsoft.com/office/drawing/2014/main" id="{ED77651F-EE57-6D85-6805-98313E03CD52}"/>
-            </a:ext>
-          </a:extLst>
-        </p:cNvPr>
-        <p:cNvGrpSpPr/>
-        <p:nvPr/>
-      </p:nvGrpSpPr>
-      <p:grpSpPr>
-        <a:xfrm>
-          <a:off x="0" y="0"/>
-          <a:ext cx="0" cy="0"/>
-          <a:chOff x="0" y="0"/>
-          <a:chExt cx="0" cy="0"/>
-        </a:xfrm>
-      </p:grpSpPr>
-      <p:pic>
-        <p:nvPicPr>
-          <p:cNvPr id="3" name="Picture 2">
-            <a:extLst>
-              <a:ext uri="{FF2B5EF4-FFF2-40B4-BE49-F238E27FC236}">
-                <a16:creationId xmlns:a16="http://schemas.microsoft.com/office/drawing/2014/main" id="{709742A0-4437-4626-486F-DED455F4D8EC}"/>
-              </a:ext>
-            </a:extLst>
-          </p:cNvPr>
-          <p:cNvPicPr>
-            <a:picLocks noChangeAspect="1"/>
-          </p:cNvPicPr>
-          <p:nvPr/>
-        </p:nvPicPr>
-        <p:blipFill>
-          <a:blip r:embed="rId2"/>
-          <a:stretch>
-            <a:fillRect/>
-          </a:stretch>
-        </p:blipFill>
-        <p:spPr>
-          <a:xfrm>
-            <a:off x="4121400" y="1454400"/>
-            <a:ext cx="3949200" cy="3949200"/>
-          </a:xfrm>
-          <a:prstGeom prst="rect">
-            <a:avLst/>
-          </a:prstGeom>
-        </p:spPr>
-      </p:pic>
-    </p:spTree>
-    <p:extLst>
-      <p:ext uri="{BB962C8B-B14F-4D97-AF65-F5344CB8AC3E}">
-        <p14:creationId xmlns:p14="http://schemas.microsoft.com/office/powerpoint/2010/main" val="2984104329"/>
-      </p:ext>
-    </p:extLst>
-  </p:cSld>
-  <p:clrMapOvr>
-    <a:masterClrMapping/>
-  </p:clrMapOvr>
-</p:sld>
-</file>
-
-<file path=ppt/slides/slide27.xml><?xml version="1.0" encoding="utf-8"?>
-<p:sld xmlns:a="http://schemas.openxmlformats.org/drawingml/2006/main" xmlns:r="http://schemas.openxmlformats.org/officeDocument/2006/relationships" xmlns:p="http://schemas.openxmlformats.org/presentationml/2006/main">
-  <p:cSld>
-    <p:bg>
-      <p:bgPr>
-        <a:solidFill>
-          <a:srgbClr val="646464"/>
-        </a:solidFill>
-        <a:effectLst/>
-      </p:bgPr>
-    </p:bg>
-    <p:spTree>
-      <p:nvGrpSpPr>
-        <p:cNvPr id="1" name="">
-          <a:extLst>
-            <a:ext uri="{FF2B5EF4-FFF2-40B4-BE49-F238E27FC236}">
-              <a16:creationId xmlns:a16="http://schemas.microsoft.com/office/drawing/2014/main" id="{1F8AAB88-DD21-6A50-E0D3-955F767C2037}"/>
-            </a:ext>
-          </a:extLst>
-        </p:cNvPr>
-        <p:cNvGrpSpPr/>
-        <p:nvPr/>
-      </p:nvGrpSpPr>
-      <p:grpSpPr>
-        <a:xfrm>
-          <a:off x="0" y="0"/>
-          <a:ext cx="0" cy="0"/>
-          <a:chOff x="0" y="0"/>
-          <a:chExt cx="0" cy="0"/>
-        </a:xfrm>
-      </p:grpSpPr>
-      <p:pic>
-        <p:nvPicPr>
-          <p:cNvPr id="3" name="Picture 2">
-            <a:extLst>
-              <a:ext uri="{FF2B5EF4-FFF2-40B4-BE49-F238E27FC236}">
-                <a16:creationId xmlns:a16="http://schemas.microsoft.com/office/drawing/2014/main" id="{207EA149-F988-ACAE-AD3F-A45C3309A941}"/>
-              </a:ext>
-            </a:extLst>
-          </p:cNvPr>
-          <p:cNvPicPr>
-            <a:picLocks noChangeAspect="1"/>
-          </p:cNvPicPr>
-          <p:nvPr/>
-        </p:nvPicPr>
-        <p:blipFill>
-          <a:blip r:embed="rId2"/>
-          <a:stretch>
-            <a:fillRect/>
-          </a:stretch>
-        </p:blipFill>
-        <p:spPr>
-          <a:xfrm>
-            <a:off x="4121400" y="1454400"/>
-            <a:ext cx="3949200" cy="3949200"/>
-          </a:xfrm>
-          <a:prstGeom prst="rect">
-            <a:avLst/>
-          </a:prstGeom>
-        </p:spPr>
-      </p:pic>
-    </p:spTree>
-    <p:extLst>
-      <p:ext uri="{BB962C8B-B14F-4D97-AF65-F5344CB8AC3E}">
-        <p14:creationId xmlns:p14="http://schemas.microsoft.com/office/powerpoint/2010/main" val="1223329335"/>
-      </p:ext>
-    </p:extLst>
-  </p:cSld>
-  <p:clrMapOvr>
-    <a:masterClrMapping/>
-  </p:clrMapOvr>
-</p:sld>
-</file>
-
-<file path=ppt/slides/slide28.xml><?xml version="1.0" encoding="utf-8"?>
-<p:sld xmlns:a="http://schemas.openxmlformats.org/drawingml/2006/main" xmlns:r="http://schemas.openxmlformats.org/officeDocument/2006/relationships" xmlns:p="http://schemas.openxmlformats.org/presentationml/2006/main">
-  <p:cSld>
-    <p:bg>
-      <p:bgPr>
-        <a:solidFill>
-          <a:srgbClr val="646464"/>
-        </a:solidFill>
-        <a:effectLst/>
-      </p:bgPr>
-    </p:bg>
-    <p:spTree>
-      <p:nvGrpSpPr>
-        <p:cNvPr id="1" name="">
-          <a:extLst>
-            <a:ext uri="{FF2B5EF4-FFF2-40B4-BE49-F238E27FC236}">
-              <a16:creationId xmlns:a16="http://schemas.microsoft.com/office/drawing/2014/main" id="{012BC2EB-F701-40AE-590B-9D8777394042}"/>
-            </a:ext>
-          </a:extLst>
-        </p:cNvPr>
-        <p:cNvGrpSpPr/>
-        <p:nvPr/>
-      </p:nvGrpSpPr>
-      <p:grpSpPr>
-        <a:xfrm>
-          <a:off x="0" y="0"/>
-          <a:ext cx="0" cy="0"/>
-          <a:chOff x="0" y="0"/>
-          <a:chExt cx="0" cy="0"/>
-        </a:xfrm>
-      </p:grpSpPr>
-      <p:pic>
-        <p:nvPicPr>
-          <p:cNvPr id="3" name="Picture 2">
-            <a:extLst>
-              <a:ext uri="{FF2B5EF4-FFF2-40B4-BE49-F238E27FC236}">
-                <a16:creationId xmlns:a16="http://schemas.microsoft.com/office/drawing/2014/main" id="{6CC73594-A10B-3860-D4D6-62F137E8AB4E}"/>
-              </a:ext>
-            </a:extLst>
-          </p:cNvPr>
-          <p:cNvPicPr>
-            <a:picLocks noChangeAspect="1"/>
-          </p:cNvPicPr>
-          <p:nvPr/>
-        </p:nvPicPr>
-        <p:blipFill>
-          <a:blip r:embed="rId2"/>
-          <a:stretch>
-            <a:fillRect/>
-          </a:stretch>
-        </p:blipFill>
-        <p:spPr>
-          <a:xfrm>
-            <a:off x="4121400" y="1454400"/>
-            <a:ext cx="3949200" cy="3949200"/>
-          </a:xfrm>
-          <a:prstGeom prst="rect">
-            <a:avLst/>
-          </a:prstGeom>
-        </p:spPr>
-      </p:pic>
-    </p:spTree>
-    <p:extLst>
-      <p:ext uri="{BB962C8B-B14F-4D97-AF65-F5344CB8AC3E}">
-        <p14:creationId xmlns:p14="http://schemas.microsoft.com/office/powerpoint/2010/main" val="3183569116"/>
-      </p:ext>
-    </p:extLst>
-  </p:cSld>
-  <p:clrMapOvr>
-    <a:masterClrMapping/>
-  </p:clrMapOvr>
-</p:sld>
-</file>
-
-<file path=ppt/slides/slide29.xml><?xml version="1.0" encoding="utf-8"?>
-<p:sld xmlns:a="http://schemas.openxmlformats.org/drawingml/2006/main" xmlns:r="http://schemas.openxmlformats.org/officeDocument/2006/relationships" xmlns:p="http://schemas.openxmlformats.org/presentationml/2006/main">
-  <p:cSld>
-    <p:bg>
-      <p:bgPr>
-        <a:solidFill>
-          <a:srgbClr val="646464"/>
-        </a:solidFill>
-        <a:effectLst/>
-      </p:bgPr>
-    </p:bg>
-    <p:spTree>
-      <p:nvGrpSpPr>
-        <p:cNvPr id="1" name="">
-          <a:extLst>
-            <a:ext uri="{FF2B5EF4-FFF2-40B4-BE49-F238E27FC236}">
-              <a16:creationId xmlns:a16="http://schemas.microsoft.com/office/drawing/2014/main" id="{303A3D60-A86D-2CCD-C6C6-3879243C9D1C}"/>
-            </a:ext>
-          </a:extLst>
-        </p:cNvPr>
-        <p:cNvGrpSpPr/>
-        <p:nvPr/>
-      </p:nvGrpSpPr>
-      <p:grpSpPr>
-        <a:xfrm>
-          <a:off x="0" y="0"/>
-          <a:ext cx="0" cy="0"/>
-          <a:chOff x="0" y="0"/>
-          <a:chExt cx="0" cy="0"/>
-        </a:xfrm>
-      </p:grpSpPr>
-      <p:pic>
-        <p:nvPicPr>
-          <p:cNvPr id="3" name="Picture 2">
-            <a:extLst>
-              <a:ext uri="{FF2B5EF4-FFF2-40B4-BE49-F238E27FC236}">
-                <a16:creationId xmlns:a16="http://schemas.microsoft.com/office/drawing/2014/main" id="{95A24F34-F847-B17F-F6A1-01F39F4357A0}"/>
-              </a:ext>
-            </a:extLst>
-          </p:cNvPr>
-          <p:cNvPicPr>
-            <a:picLocks noChangeAspect="1"/>
-          </p:cNvPicPr>
-          <p:nvPr/>
-        </p:nvPicPr>
-        <p:blipFill>
-          <a:blip r:embed="rId2"/>
-          <a:stretch>
-            <a:fillRect/>
-          </a:stretch>
-        </p:blipFill>
-        <p:spPr>
-          <a:xfrm>
-            <a:off x="4121400" y="1454400"/>
-            <a:ext cx="3949200" cy="3949200"/>
-          </a:xfrm>
-          <a:prstGeom prst="rect">
-            <a:avLst/>
-          </a:prstGeom>
-        </p:spPr>
-      </p:pic>
-    </p:spTree>
-    <p:extLst>
-      <p:ext uri="{BB962C8B-B14F-4D97-AF65-F5344CB8AC3E}">
-        <p14:creationId xmlns:p14="http://schemas.microsoft.com/office/powerpoint/2010/main" val="2117946610"/>
       </p:ext>
     </p:extLst>
   </p:cSld>
@@ -5058,7 +5332,7 @@
         <p:spPr>
           <a:xfrm>
             <a:off x="391886" y="130629"/>
-            <a:ext cx="11614067" cy="4216539"/>
+            <a:ext cx="11614067" cy="5909310"/>
           </a:xfrm>
           <a:prstGeom prst="rect">
             <a:avLst/>
@@ -5104,7 +5378,7 @@
                 <a:latin typeface="Arial" panose="020B0604020202020204" pitchFamily="34" charset="0"/>
                 <a:cs typeface="Arial" panose="020B0604020202020204" pitchFamily="34" charset="0"/>
               </a:rPr>
-              <a:t>Your goal in this task is to buy as many fresh eggs from the egg farmer for your store as possible. You want to get a good variety of eggs but some of them are more sensitive and get rotten more easily. For good eggs you receive money, when you buy bad eggs you loose money.</a:t>
+              <a:t>Your goal in this task is to buy as many fresh eggs from the egg farmer for your store as possible. You want to get a good variety of eggs. Some of the eggs are more sensitive and get rotten more easily however. For good eggs you will receive money when reselling them at your shop. When you buy bad eggs you loose money because you cannot resell them.</a:t>
             </a:r>
           </a:p>
           <a:p>
@@ -5146,7 +5420,28 @@
                 <a:latin typeface="Arial" panose="020B0604020202020204" pitchFamily="34" charset="0"/>
                 <a:cs typeface="Arial" panose="020B0604020202020204" pitchFamily="34" charset="0"/>
               </a:rPr>
-              <a:t>Try to make as much profit as possible.</a:t>
+              <a:t>Try to make as much profit as possible by collecting as many and a high variety of fresh eggs as possible.</a:t>
+            </a:r>
+          </a:p>
+          <a:p>
+            <a:endParaRPr lang="en-GB" sz="2200" dirty="0">
+              <a:solidFill>
+                <a:schemeClr val="bg1"/>
+              </a:solidFill>
+              <a:latin typeface="Arial" panose="020B0604020202020204" pitchFamily="34" charset="0"/>
+              <a:cs typeface="Arial" panose="020B0604020202020204" pitchFamily="34" charset="0"/>
+            </a:endParaRPr>
+          </a:p>
+          <a:p>
+            <a:r>
+              <a:rPr lang="en-GB" sz="2200" dirty="0">
+                <a:solidFill>
+                  <a:schemeClr val="bg1"/>
+                </a:solidFill>
+                <a:latin typeface="Arial" panose="020B0604020202020204" pitchFamily="34" charset="0"/>
+                <a:cs typeface="Arial" panose="020B0604020202020204" pitchFamily="34" charset="0"/>
+              </a:rPr>
+              <a:t>To make it easier to distinguish between the different eggs, we reused some of the faces from the last task you played. The faces have nothing to do with the task itself. This is a profit task.</a:t>
             </a:r>
           </a:p>
           <a:p>
@@ -5189,7 +5484,7 @@
         <p:cNvPr id="1" name="">
           <a:extLst>
             <a:ext uri="{FF2B5EF4-FFF2-40B4-BE49-F238E27FC236}">
-              <a16:creationId xmlns:a16="http://schemas.microsoft.com/office/drawing/2014/main" id="{F09EB5C3-4709-1945-6744-4BDED1C41422}"/>
+              <a16:creationId xmlns:a16="http://schemas.microsoft.com/office/drawing/2014/main" id="{5EA679AB-5074-40AD-E227-B458D93FB644}"/>
             </a:ext>
           </a:extLst>
         </p:cNvPr>
@@ -5206,10 +5501,10 @@
       </p:grpSpPr>
       <p:pic>
         <p:nvPicPr>
-          <p:cNvPr id="3" name="Picture 2">
-            <a:extLst>
-              <a:ext uri="{FF2B5EF4-FFF2-40B4-BE49-F238E27FC236}">
-                <a16:creationId xmlns:a16="http://schemas.microsoft.com/office/drawing/2014/main" id="{A75B7CE9-1802-3529-4D9A-FA4C8DB8E77A}"/>
+          <p:cNvPr id="6" name="Picture 5">
+            <a:extLst>
+              <a:ext uri="{FF2B5EF4-FFF2-40B4-BE49-F238E27FC236}">
+                <a16:creationId xmlns:a16="http://schemas.microsoft.com/office/drawing/2014/main" id="{43EBE4FD-46F5-48A1-F98D-28077AB2F5AE}"/>
               </a:ext>
             </a:extLst>
           </p:cNvPr>
@@ -5219,15 +5514,42 @@
           <p:nvPr/>
         </p:nvPicPr>
         <p:blipFill>
-          <a:blip r:embed="rId2"/>
+          <a:blip r:embed="rId2">
+            <a:extLst>
+              <a:ext uri="{BEBA8EAE-BF5A-486C-A8C5-ECC9F3942E4B}">
+                <a14:imgProps xmlns:a14="http://schemas.microsoft.com/office/drawing/2010/main">
+                  <a14:imgLayer r:embed="rId3">
+                    <a14:imgEffect>
+                      <a14:backgroundRemoval t="1940" b="98922" l="9914" r="89871">
+                        <a14:foregroundMark x1="46552" y1="10345" x2="46552" y2="10345"/>
+                        <a14:foregroundMark x1="50000" y1="3879" x2="50000" y2="3879"/>
+                        <a14:foregroundMark x1="49784" y1="1940" x2="49784" y2="1940"/>
+                        <a14:foregroundMark x1="17672" y1="29957" x2="17672" y2="29957"/>
+                        <a14:foregroundMark x1="37716" y1="25862" x2="39440" y2="38147"/>
+                        <a14:foregroundMark x1="30603" y1="36422" x2="30603" y2="36422"/>
+                        <a14:foregroundMark x1="58836" y1="28017" x2="68966" y2="29310"/>
+                        <a14:foregroundMark x1="68966" y1="29310" x2="78233" y2="28448"/>
+                        <a14:foregroundMark x1="78233" y1="28448" x2="82974" y2="28664"/>
+                        <a14:foregroundMark x1="83836" y1="30388" x2="83836" y2="30388"/>
+                        <a14:foregroundMark x1="52802" y1="95043" x2="52802" y2="95043"/>
+                        <a14:foregroundMark x1="50216" y1="98922" x2="50216" y2="98922"/>
+                        <a14:foregroundMark x1="21121" y1="79741" x2="20259" y2="80172"/>
+                        <a14:foregroundMark x1="19397" y1="79526" x2="19397" y2="79526"/>
+                      </a14:backgroundRemoval>
+                    </a14:imgEffect>
+                  </a14:imgLayer>
+                </a14:imgProps>
+              </a:ext>
+            </a:extLst>
+          </a:blip>
           <a:stretch>
             <a:fillRect/>
           </a:stretch>
         </p:blipFill>
         <p:spPr>
           <a:xfrm>
-            <a:off x="4121400" y="1454400"/>
-            <a:ext cx="3949200" cy="3949200"/>
+            <a:off x="5016000" y="2349000"/>
+            <a:ext cx="2160000" cy="2160000"/>
           </a:xfrm>
           <a:prstGeom prst="rect">
             <a:avLst/>
@@ -5237,7 +5559,7 @@
     </p:spTree>
     <p:extLst>
       <p:ext uri="{BB962C8B-B14F-4D97-AF65-F5344CB8AC3E}">
-        <p14:creationId xmlns:p14="http://schemas.microsoft.com/office/powerpoint/2010/main" val="3128553988"/>
+        <p14:creationId xmlns:p14="http://schemas.microsoft.com/office/powerpoint/2010/main" val="2576971076"/>
       </p:ext>
     </p:extLst>
   </p:cSld>
@@ -5263,7 +5585,7 @@
         <p:cNvPr id="1" name="">
           <a:extLst>
             <a:ext uri="{FF2B5EF4-FFF2-40B4-BE49-F238E27FC236}">
-              <a16:creationId xmlns:a16="http://schemas.microsoft.com/office/drawing/2014/main" id="{2C88D5F1-9287-DE81-223B-7BB36D4EBA37}"/>
+              <a16:creationId xmlns:a16="http://schemas.microsoft.com/office/drawing/2014/main" id="{B7BF8486-D25B-DEDF-A9BC-EA95D7999C45}"/>
             </a:ext>
           </a:extLst>
         </p:cNvPr>
@@ -5283,7 +5605,7 @@
           <p:cNvPr id="3" name="Picture 2">
             <a:extLst>
               <a:ext uri="{FF2B5EF4-FFF2-40B4-BE49-F238E27FC236}">
-                <a16:creationId xmlns:a16="http://schemas.microsoft.com/office/drawing/2014/main" id="{1ACD70A3-D8E2-5C2B-39D5-9F38C0EA8743}"/>
+                <a16:creationId xmlns:a16="http://schemas.microsoft.com/office/drawing/2014/main" id="{2AABF1B2-DDAE-2D78-BB3E-41846F4CA6DF}"/>
               </a:ext>
             </a:extLst>
           </p:cNvPr>
@@ -5293,15 +5615,40 @@
           <p:nvPr/>
         </p:nvPicPr>
         <p:blipFill>
-          <a:blip r:embed="rId2"/>
+          <a:blip r:embed="rId2">
+            <a:extLst>
+              <a:ext uri="{BEBA8EAE-BF5A-486C-A8C5-ECC9F3942E4B}">
+                <a14:imgProps xmlns:a14="http://schemas.microsoft.com/office/drawing/2010/main">
+                  <a14:imgLayer r:embed="rId3">
+                    <a14:imgEffect>
+                      <a14:backgroundRemoval t="2802" b="99569" l="9914" r="89871">
+                        <a14:foregroundMark x1="41810" y1="12284" x2="52371" y2="6466"/>
+                        <a14:foregroundMark x1="52371" y1="6466" x2="56034" y2="2802"/>
+                        <a14:foregroundMark x1="16595" y1="29741" x2="19828" y2="24138"/>
+                        <a14:foregroundMark x1="25862" y1="33621" x2="43319" y2="37069"/>
+                        <a14:foregroundMark x1="43319" y1="37069" x2="49138" y2="40302"/>
+                        <a14:foregroundMark x1="68319" y1="24569" x2="57112" y2="43103"/>
+                        <a14:foregroundMark x1="78664" y1="21767" x2="83836" y2="31250"/>
+                        <a14:foregroundMark x1="72629" y1="32543" x2="69828" y2="32759"/>
+                        <a14:foregroundMark x1="68966" y1="71121" x2="68966" y2="71121"/>
+                        <a14:foregroundMark x1="56466" y1="95043" x2="56466" y2="95043"/>
+                        <a14:foregroundMark x1="51078" y1="99353" x2="51078" y2="99353"/>
+                        <a14:foregroundMark x1="43319" y1="99569" x2="43319" y2="99569"/>
+                      </a14:backgroundRemoval>
+                    </a14:imgEffect>
+                  </a14:imgLayer>
+                </a14:imgProps>
+              </a:ext>
+            </a:extLst>
+          </a:blip>
           <a:stretch>
             <a:fillRect/>
           </a:stretch>
         </p:blipFill>
         <p:spPr>
           <a:xfrm>
-            <a:off x="4121400" y="1454400"/>
-            <a:ext cx="3949200" cy="3949200"/>
+            <a:off x="5016000" y="2349000"/>
+            <a:ext cx="2160000" cy="2160000"/>
           </a:xfrm>
           <a:prstGeom prst="rect">
             <a:avLst/>
@@ -5311,7 +5658,7 @@
     </p:spTree>
     <p:extLst>
       <p:ext uri="{BB962C8B-B14F-4D97-AF65-F5344CB8AC3E}">
-        <p14:creationId xmlns:p14="http://schemas.microsoft.com/office/powerpoint/2010/main" val="2079877518"/>
+        <p14:creationId xmlns:p14="http://schemas.microsoft.com/office/powerpoint/2010/main" val="2743365660"/>
       </p:ext>
     </p:extLst>
   </p:cSld>
@@ -5337,7 +5684,7 @@
         <p:cNvPr id="1" name="">
           <a:extLst>
             <a:ext uri="{FF2B5EF4-FFF2-40B4-BE49-F238E27FC236}">
-              <a16:creationId xmlns:a16="http://schemas.microsoft.com/office/drawing/2014/main" id="{F6B622EE-F23F-D4BD-E824-7D4E4F4EC7FC}"/>
+              <a16:creationId xmlns:a16="http://schemas.microsoft.com/office/drawing/2014/main" id="{1E1F802D-02B9-65F8-6F94-4303786E7154}"/>
             </a:ext>
           </a:extLst>
         </p:cNvPr>
@@ -5357,7 +5704,7 @@
           <p:cNvPr id="4" name="Picture 3">
             <a:extLst>
               <a:ext uri="{FF2B5EF4-FFF2-40B4-BE49-F238E27FC236}">
-                <a16:creationId xmlns:a16="http://schemas.microsoft.com/office/drawing/2014/main" id="{3C69702F-BCE3-3CE8-AB49-46B384A0C11E}"/>
+                <a16:creationId xmlns:a16="http://schemas.microsoft.com/office/drawing/2014/main" id="{9E517BB0-0C03-BAFB-E9F4-27413468A70A}"/>
               </a:ext>
             </a:extLst>
           </p:cNvPr>
@@ -5374,8 +5721,8 @@
         </p:blipFill>
         <p:spPr>
           <a:xfrm>
-            <a:off x="4121400" y="1454400"/>
-            <a:ext cx="3949200" cy="3949200"/>
+            <a:off x="5016000" y="2349000"/>
+            <a:ext cx="2160000" cy="2160000"/>
           </a:xfrm>
           <a:prstGeom prst="rect">
             <a:avLst/>
@@ -5385,7 +5732,7 @@
     </p:spTree>
     <p:extLst>
       <p:ext uri="{BB962C8B-B14F-4D97-AF65-F5344CB8AC3E}">
-        <p14:creationId xmlns:p14="http://schemas.microsoft.com/office/powerpoint/2010/main" val="602917468"/>
+        <p14:creationId xmlns:p14="http://schemas.microsoft.com/office/powerpoint/2010/main" val="1439036244"/>
       </p:ext>
     </p:extLst>
   </p:cSld>
@@ -5401,7 +5748,7 @@
     <p:bg>
       <p:bgPr>
         <a:solidFill>
-          <a:srgbClr val="646464"/>
+          <a:srgbClr val="5C5C5C"/>
         </a:solidFill>
         <a:effectLst/>
       </p:bgPr>
@@ -5411,7 +5758,7 @@
         <p:cNvPr id="1" name="">
           <a:extLst>
             <a:ext uri="{FF2B5EF4-FFF2-40B4-BE49-F238E27FC236}">
-              <a16:creationId xmlns:a16="http://schemas.microsoft.com/office/drawing/2014/main" id="{744107FE-1F9D-EA44-2E78-12F9756D8471}"/>
+              <a16:creationId xmlns:a16="http://schemas.microsoft.com/office/drawing/2014/main" id="{F3F2F404-A47E-A10E-83A1-6BDE7975BF7F}"/>
             </a:ext>
           </a:extLst>
         </p:cNvPr>
@@ -5431,7 +5778,7 @@
           <p:cNvPr id="3" name="Picture 2">
             <a:extLst>
               <a:ext uri="{FF2B5EF4-FFF2-40B4-BE49-F238E27FC236}">
-                <a16:creationId xmlns:a16="http://schemas.microsoft.com/office/drawing/2014/main" id="{89B43FF8-12A2-9A38-FB5F-D8F1CE086B4E}"/>
+                <a16:creationId xmlns:a16="http://schemas.microsoft.com/office/drawing/2014/main" id="{D4FA992D-5DF9-8C9A-88EB-4B32614E1F0F}"/>
               </a:ext>
             </a:extLst>
           </p:cNvPr>
@@ -5448,8 +5795,8 @@
         </p:blipFill>
         <p:spPr>
           <a:xfrm>
-            <a:off x="4121400" y="1454400"/>
-            <a:ext cx="3949200" cy="3949200"/>
+            <a:off x="3501517" y="1449000"/>
+            <a:ext cx="5188966" cy="3960000"/>
           </a:xfrm>
           <a:prstGeom prst="rect">
             <a:avLst/>
@@ -5459,7 +5806,7 @@
     </p:spTree>
     <p:extLst>
       <p:ext uri="{BB962C8B-B14F-4D97-AF65-F5344CB8AC3E}">
-        <p14:creationId xmlns:p14="http://schemas.microsoft.com/office/powerpoint/2010/main" val="2687700712"/>
+        <p14:creationId xmlns:p14="http://schemas.microsoft.com/office/powerpoint/2010/main" val="167649608"/>
       </p:ext>
     </p:extLst>
   </p:cSld>
@@ -5485,7 +5832,7 @@
         <p:cNvPr id="1" name="">
           <a:extLst>
             <a:ext uri="{FF2B5EF4-FFF2-40B4-BE49-F238E27FC236}">
-              <a16:creationId xmlns:a16="http://schemas.microsoft.com/office/drawing/2014/main" id="{50472FFC-7DD5-3ABE-E8BE-9B97926BBAD0}"/>
+              <a16:creationId xmlns:a16="http://schemas.microsoft.com/office/drawing/2014/main" id="{E2549A1B-8A99-F1DE-BF00-5F97CF0A0C30}"/>
             </a:ext>
           </a:extLst>
         </p:cNvPr>
@@ -5502,10 +5849,10 @@
       </p:grpSpPr>
       <p:pic>
         <p:nvPicPr>
-          <p:cNvPr id="3" name="Picture 2">
-            <a:extLst>
-              <a:ext uri="{FF2B5EF4-FFF2-40B4-BE49-F238E27FC236}">
-                <a16:creationId xmlns:a16="http://schemas.microsoft.com/office/drawing/2014/main" id="{0F79E84C-2BA4-4705-BFA4-B576E74F7D13}"/>
+          <p:cNvPr id="5" name="Picture 4">
+            <a:extLst>
+              <a:ext uri="{FF2B5EF4-FFF2-40B4-BE49-F238E27FC236}">
+                <a16:creationId xmlns:a16="http://schemas.microsoft.com/office/drawing/2014/main" id="{6348597B-538C-3C29-21EB-ADFFEF2B4664}"/>
               </a:ext>
             </a:extLst>
           </p:cNvPr>
@@ -5515,15 +5862,41 @@
           <p:nvPr/>
         </p:nvPicPr>
         <p:blipFill>
-          <a:blip r:embed="rId2"/>
+          <a:blip r:embed="rId2">
+            <a:extLst>
+              <a:ext uri="{BEBA8EAE-BF5A-486C-A8C5-ECC9F3942E4B}">
+                <a14:imgProps xmlns:a14="http://schemas.microsoft.com/office/drawing/2010/main">
+                  <a14:imgLayer r:embed="rId3">
+                    <a14:imgEffect>
+                      <a14:backgroundRemoval t="1940" b="98707" l="9914" r="89871">
+                        <a14:foregroundMark x1="51940" y1="4526" x2="51940" y2="4526"/>
+                        <a14:foregroundMark x1="52371" y1="1940" x2="52371" y2="1940"/>
+                        <a14:foregroundMark x1="27371" y1="24784" x2="42457" y2="37284"/>
+                        <a14:foregroundMark x1="28664" y1="35560" x2="28664" y2="35560"/>
+                        <a14:foregroundMark x1="52802" y1="34052" x2="69181" y2="25647"/>
+                        <a14:foregroundMark x1="78233" y1="21983" x2="82759" y2="30819"/>
+                        <a14:foregroundMark x1="82543" y1="27155" x2="82543" y2="27155"/>
+                        <a14:foregroundMark x1="83405" y1="28233" x2="83405" y2="28233"/>
+                        <a14:foregroundMark x1="83405" y1="27155" x2="83405" y2="27155"/>
+                        <a14:foregroundMark x1="83405" y1="29095" x2="83405" y2="29095"/>
+                        <a14:foregroundMark x1="60129" y1="33190" x2="75431" y2="34267"/>
+                        <a14:foregroundMark x1="53664" y1="93534" x2="53664" y2="93534"/>
+                        <a14:foregroundMark x1="50216" y1="98707" x2="50216" y2="98707"/>
+                      </a14:backgroundRemoval>
+                    </a14:imgEffect>
+                  </a14:imgLayer>
+                </a14:imgProps>
+              </a:ext>
+            </a:extLst>
+          </a:blip>
           <a:stretch>
             <a:fillRect/>
           </a:stretch>
         </p:blipFill>
         <p:spPr>
           <a:xfrm>
-            <a:off x="4121400" y="1454400"/>
-            <a:ext cx="3949200" cy="3949200"/>
+            <a:off x="5016000" y="2349000"/>
+            <a:ext cx="2160000" cy="2160000"/>
           </a:xfrm>
           <a:prstGeom prst="rect">
             <a:avLst/>
@@ -5533,7 +5906,7 @@
     </p:spTree>
     <p:extLst>
       <p:ext uri="{BB962C8B-B14F-4D97-AF65-F5344CB8AC3E}">
-        <p14:creationId xmlns:p14="http://schemas.microsoft.com/office/powerpoint/2010/main" val="1004526270"/>
+        <p14:creationId xmlns:p14="http://schemas.microsoft.com/office/powerpoint/2010/main" val="3457798839"/>
       </p:ext>
     </p:extLst>
   </p:cSld>
@@ -5559,7 +5932,7 @@
         <p:cNvPr id="1" name="">
           <a:extLst>
             <a:ext uri="{FF2B5EF4-FFF2-40B4-BE49-F238E27FC236}">
-              <a16:creationId xmlns:a16="http://schemas.microsoft.com/office/drawing/2014/main" id="{BE95D80F-A785-8BCF-10E5-66214C05618D}"/>
+              <a16:creationId xmlns:a16="http://schemas.microsoft.com/office/drawing/2014/main" id="{7B6FF0A2-6479-42A3-F5C6-D535190E5EFA}"/>
             </a:ext>
           </a:extLst>
         </p:cNvPr>
@@ -5576,10 +5949,10 @@
       </p:grpSpPr>
       <p:pic>
         <p:nvPicPr>
-          <p:cNvPr id="4" name="Picture 3">
-            <a:extLst>
-              <a:ext uri="{FF2B5EF4-FFF2-40B4-BE49-F238E27FC236}">
-                <a16:creationId xmlns:a16="http://schemas.microsoft.com/office/drawing/2014/main" id="{B7F0EF7A-A3FD-92EA-555D-F9CFD2883547}"/>
+          <p:cNvPr id="3" name="Picture 2">
+            <a:extLst>
+              <a:ext uri="{FF2B5EF4-FFF2-40B4-BE49-F238E27FC236}">
+                <a16:creationId xmlns:a16="http://schemas.microsoft.com/office/drawing/2014/main" id="{70283889-3B48-14A9-C191-81D2FDB214C3}"/>
               </a:ext>
             </a:extLst>
           </p:cNvPr>
@@ -5589,15 +5962,50 @@
           <p:nvPr/>
         </p:nvPicPr>
         <p:blipFill>
-          <a:blip r:embed="rId2"/>
+          <a:blip r:embed="rId2">
+            <a:extLst>
+              <a:ext uri="{BEBA8EAE-BF5A-486C-A8C5-ECC9F3942E4B}">
+                <a14:imgProps xmlns:a14="http://schemas.microsoft.com/office/drawing/2010/main">
+                  <a14:imgLayer r:embed="rId3">
+                    <a14:imgEffect>
+                      <a14:backgroundRemoval t="1940" b="97414" l="9914" r="89871">
+                        <a14:foregroundMark x1="44612" y1="10560" x2="44612" y2="10560"/>
+                        <a14:foregroundMark x1="50000" y1="6250" x2="50000" y2="6250"/>
+                        <a14:foregroundMark x1="47845" y1="1940" x2="47845" y2="1940"/>
+                        <a14:foregroundMark x1="56466" y1="97414" x2="56466" y2="97414"/>
+                        <a14:foregroundMark x1="61853" y1="29310" x2="61853" y2="29310"/>
+                        <a14:foregroundMark x1="34267" y1="30603" x2="34267" y2="30603"/>
+                        <a14:foregroundMark x1="33621" y1="68966" x2="33621" y2="68966"/>
+                        <a14:foregroundMark x1="51724" y1="56034" x2="51724" y2="56034"/>
+                        <a14:foregroundMark x1="76078" y1="84052" x2="76078" y2="84052"/>
+                        <a14:foregroundMark x1="85991" y1="42457" x2="85991" y2="42457"/>
+                        <a14:foregroundMark x1="85991" y1="41164" x2="85991" y2="41164"/>
+                        <a14:foregroundMark x1="86207" y1="42241" x2="86207" y2="42241"/>
+                        <a14:foregroundMark x1="86207" y1="40302" x2="86207" y2="40302"/>
+                        <a14:foregroundMark x1="76724" y1="84052" x2="76724" y2="84052"/>
+                        <a14:foregroundMark x1="76724" y1="84267" x2="76724" y2="84267"/>
+                        <a14:foregroundMark x1="76724" y1="84914" x2="76724" y2="84914"/>
+                        <a14:foregroundMark x1="76293" y1="84052" x2="76293" y2="84052"/>
+                        <a14:foregroundMark x1="76724" y1="84267" x2="76724" y2="84267"/>
+                        <a14:foregroundMark x1="76724" y1="84267" x2="76724" y2="84483"/>
+                        <a14:foregroundMark x1="79095" y1="76078" x2="79095" y2="76078"/>
+                        <a14:foregroundMark x1="76509" y1="84267" x2="77371" y2="83621"/>
+                        <a14:foregroundMark x1="77371" y1="78017" x2="77371" y2="78017"/>
+                      </a14:backgroundRemoval>
+                    </a14:imgEffect>
+                  </a14:imgLayer>
+                </a14:imgProps>
+              </a:ext>
+            </a:extLst>
+          </a:blip>
           <a:stretch>
             <a:fillRect/>
           </a:stretch>
         </p:blipFill>
         <p:spPr>
           <a:xfrm>
-            <a:off x="4121400" y="1454400"/>
-            <a:ext cx="3949200" cy="3949200"/>
+            <a:off x="5016000" y="2349000"/>
+            <a:ext cx="2160000" cy="2160000"/>
           </a:xfrm>
           <a:prstGeom prst="rect">
             <a:avLst/>
@@ -5607,7 +6015,7 @@
     </p:spTree>
     <p:extLst>
       <p:ext uri="{BB962C8B-B14F-4D97-AF65-F5344CB8AC3E}">
-        <p14:creationId xmlns:p14="http://schemas.microsoft.com/office/powerpoint/2010/main" val="3038090159"/>
+        <p14:creationId xmlns:p14="http://schemas.microsoft.com/office/powerpoint/2010/main" val="1023085850"/>
       </p:ext>
     </p:extLst>
   </p:cSld>
@@ -5633,7 +6041,7 @@
         <p:cNvPr id="1" name="">
           <a:extLst>
             <a:ext uri="{FF2B5EF4-FFF2-40B4-BE49-F238E27FC236}">
-              <a16:creationId xmlns:a16="http://schemas.microsoft.com/office/drawing/2014/main" id="{175B0C43-B8D7-9BFF-40DF-31571A55E235}"/>
+              <a16:creationId xmlns:a16="http://schemas.microsoft.com/office/drawing/2014/main" id="{443C470D-9A5B-91DA-318A-6C272308FB5F}"/>
             </a:ext>
           </a:extLst>
         </p:cNvPr>
@@ -5650,10 +6058,10 @@
       </p:grpSpPr>
       <p:pic>
         <p:nvPicPr>
-          <p:cNvPr id="2" name="Picture 1">
-            <a:extLst>
-              <a:ext uri="{FF2B5EF4-FFF2-40B4-BE49-F238E27FC236}">
-                <a16:creationId xmlns:a16="http://schemas.microsoft.com/office/drawing/2014/main" id="{B1D20682-B213-15A7-E8C8-C2DCAAFE4CD3}"/>
+          <p:cNvPr id="3" name="Picture 2">
+            <a:extLst>
+              <a:ext uri="{FF2B5EF4-FFF2-40B4-BE49-F238E27FC236}">
+                <a16:creationId xmlns:a16="http://schemas.microsoft.com/office/drawing/2014/main" id="{BD1F0431-8318-73F0-8836-CE9DCE2D28FD}"/>
               </a:ext>
             </a:extLst>
           </p:cNvPr>
@@ -5670,8 +6078,8 @@
         </p:blipFill>
         <p:spPr>
           <a:xfrm>
-            <a:off x="4121400" y="1454400"/>
-            <a:ext cx="3949200" cy="3949200"/>
+            <a:off x="5016000" y="2349000"/>
+            <a:ext cx="2160000" cy="2160000"/>
           </a:xfrm>
           <a:prstGeom prst="rect">
             <a:avLst/>
@@ -5681,7 +6089,7 @@
     </p:spTree>
     <p:extLst>
       <p:ext uri="{BB962C8B-B14F-4D97-AF65-F5344CB8AC3E}">
-        <p14:creationId xmlns:p14="http://schemas.microsoft.com/office/powerpoint/2010/main" val="1540355046"/>
+        <p14:creationId xmlns:p14="http://schemas.microsoft.com/office/powerpoint/2010/main" val="1011469499"/>
       </p:ext>
     </p:extLst>
   </p:cSld>
@@ -5707,7 +6115,7 @@
         <p:cNvPr id="1" name="">
           <a:extLst>
             <a:ext uri="{FF2B5EF4-FFF2-40B4-BE49-F238E27FC236}">
-              <a16:creationId xmlns:a16="http://schemas.microsoft.com/office/drawing/2014/main" id="{CC9EF0FA-14BF-1060-87F9-71452158C018}"/>
+              <a16:creationId xmlns:a16="http://schemas.microsoft.com/office/drawing/2014/main" id="{6E54AA87-90A2-FE43-EFA2-56AC519A3F90}"/>
             </a:ext>
           </a:extLst>
         </p:cNvPr>
@@ -5724,10 +6132,10 @@
       </p:grpSpPr>
       <p:pic>
         <p:nvPicPr>
-          <p:cNvPr id="3" name="Picture 2">
-            <a:extLst>
-              <a:ext uri="{FF2B5EF4-FFF2-40B4-BE49-F238E27FC236}">
-                <a16:creationId xmlns:a16="http://schemas.microsoft.com/office/drawing/2014/main" id="{BA94D826-2971-FE60-B8E0-3A1D067CCDF0}"/>
+          <p:cNvPr id="4" name="Picture 3">
+            <a:extLst>
+              <a:ext uri="{FF2B5EF4-FFF2-40B4-BE49-F238E27FC236}">
+                <a16:creationId xmlns:a16="http://schemas.microsoft.com/office/drawing/2014/main" id="{F53509F2-DE82-AE26-7358-5BAE99E7AEA0}"/>
               </a:ext>
             </a:extLst>
           </p:cNvPr>
@@ -5737,15 +6145,27 @@
           <p:nvPr/>
         </p:nvPicPr>
         <p:blipFill>
-          <a:blip r:embed="rId2"/>
+          <a:blip r:embed="rId2">
+            <a:extLst>
+              <a:ext uri="{BEBA8EAE-BF5A-486C-A8C5-ECC9F3942E4B}">
+                <a14:imgProps xmlns:a14="http://schemas.microsoft.com/office/drawing/2010/main">
+                  <a14:imgLayer r:embed="rId3">
+                    <a14:imgEffect>
+                      <a14:backgroundRemoval t="10000" b="90000" l="10000" r="90000"/>
+                    </a14:imgEffect>
+                  </a14:imgLayer>
+                </a14:imgProps>
+              </a:ext>
+            </a:extLst>
+          </a:blip>
           <a:stretch>
             <a:fillRect/>
           </a:stretch>
         </p:blipFill>
         <p:spPr>
           <a:xfrm>
-            <a:off x="4121400" y="1454400"/>
-            <a:ext cx="3949200" cy="3949200"/>
+            <a:off x="4680827" y="2349000"/>
+            <a:ext cx="2830345" cy="2160000"/>
           </a:xfrm>
           <a:prstGeom prst="rect">
             <a:avLst/>
@@ -5755,7 +6175,7 @@
     </p:spTree>
     <p:extLst>
       <p:ext uri="{BB962C8B-B14F-4D97-AF65-F5344CB8AC3E}">
-        <p14:creationId xmlns:p14="http://schemas.microsoft.com/office/powerpoint/2010/main" val="3138369400"/>
+        <p14:creationId xmlns:p14="http://schemas.microsoft.com/office/powerpoint/2010/main" val="621995241"/>
       </p:ext>
     </p:extLst>
   </p:cSld>
@@ -5781,7 +6201,7 @@
         <p:cNvPr id="1" name="">
           <a:extLst>
             <a:ext uri="{FF2B5EF4-FFF2-40B4-BE49-F238E27FC236}">
-              <a16:creationId xmlns:a16="http://schemas.microsoft.com/office/drawing/2014/main" id="{76D4FADA-1D18-D543-8664-E51154FF8FB5}"/>
+              <a16:creationId xmlns:a16="http://schemas.microsoft.com/office/drawing/2014/main" id="{9ECDCAC2-305E-E2C4-69B5-5035E5D5B8D0}"/>
             </a:ext>
           </a:extLst>
         </p:cNvPr>
@@ -5801,7 +6221,7 @@
           <p:cNvPr id="4" name="Picture 3">
             <a:extLst>
               <a:ext uri="{FF2B5EF4-FFF2-40B4-BE49-F238E27FC236}">
-                <a16:creationId xmlns:a16="http://schemas.microsoft.com/office/drawing/2014/main" id="{D2E32F9E-80DE-D59A-F217-30F87E616522}"/>
+                <a16:creationId xmlns:a16="http://schemas.microsoft.com/office/drawing/2014/main" id="{AB5083BC-61B5-79C7-618E-4FE538A0DBD5}"/>
               </a:ext>
             </a:extLst>
           </p:cNvPr>
@@ -5811,25 +6231,76 @@
           <p:nvPr/>
         </p:nvPicPr>
         <p:blipFill>
-          <a:blip r:embed="rId2"/>
+          <a:blip r:embed="rId2">
+            <a:extLst>
+              <a:ext uri="{BEBA8EAE-BF5A-486C-A8C5-ECC9F3942E4B}">
+                <a14:imgProps xmlns:a14="http://schemas.microsoft.com/office/drawing/2010/main">
+                  <a14:imgLayer r:embed="rId3">
+                    <a14:imgEffect>
+                      <a14:backgroundRemoval t="10000" b="90000" l="10000" r="90000"/>
+                    </a14:imgEffect>
+                  </a14:imgLayer>
+                </a14:imgProps>
+              </a:ext>
+            </a:extLst>
+          </a:blip>
           <a:stretch>
             <a:fillRect/>
           </a:stretch>
         </p:blipFill>
         <p:spPr>
           <a:xfrm>
-            <a:off x="4121400" y="1454400"/>
-            <a:ext cx="3949200" cy="3949200"/>
+            <a:off x="4680827" y="2349000"/>
+            <a:ext cx="2830345" cy="2160000"/>
           </a:xfrm>
           <a:prstGeom prst="rect">
             <a:avLst/>
           </a:prstGeom>
         </p:spPr>
       </p:pic>
+      <p:pic>
+        <p:nvPicPr>
+          <p:cNvPr id="12" name="Graphic 11" descr="Close with solid fill">
+            <a:extLst>
+              <a:ext uri="{FF2B5EF4-FFF2-40B4-BE49-F238E27FC236}">
+                <a16:creationId xmlns:a16="http://schemas.microsoft.com/office/drawing/2014/main" id="{585D4A3B-AFE8-09B3-F2B4-EE908C0264BF}"/>
+              </a:ext>
+            </a:extLst>
+          </p:cNvPr>
+          <p:cNvPicPr>
+            <a:picLocks noChangeAspect="1"/>
+          </p:cNvPicPr>
+          <p:nvPr/>
+        </p:nvPicPr>
+        <p:blipFill>
+          <a:blip r:embed="rId4">
+            <a:extLst>
+              <a:ext uri="{96DAC541-7B7A-43D3-8B79-37D633B846F1}">
+                <asvg:svgBlip xmlns:asvg="http://schemas.microsoft.com/office/drawing/2016/SVG/main" r:embed="rId5"/>
+              </a:ext>
+            </a:extLst>
+          </a:blip>
+          <a:stretch>
+            <a:fillRect/>
+          </a:stretch>
+        </p:blipFill>
+        <p:spPr>
+          <a:xfrm>
+            <a:off x="5015999" y="2349000"/>
+            <a:ext cx="2160000" cy="2160000"/>
+          </a:xfrm>
+          <a:prstGeom prst="rect">
+            <a:avLst/>
+          </a:prstGeom>
+          <a:effectLst>
+            <a:softEdge rad="0"/>
+          </a:effectLst>
+        </p:spPr>
+      </p:pic>
     </p:spTree>
     <p:extLst>
       <p:ext uri="{BB962C8B-B14F-4D97-AF65-F5344CB8AC3E}">
-        <p14:creationId xmlns:p14="http://schemas.microsoft.com/office/powerpoint/2010/main" val="3876573207"/>
+        <p14:creationId xmlns:p14="http://schemas.microsoft.com/office/powerpoint/2010/main" val="3112204446"/>
       </p:ext>
     </p:extLst>
   </p:cSld>
@@ -5866,10 +6337,10 @@
       </p:grpSpPr>
       <p:sp>
         <p:nvSpPr>
-          <p:cNvPr id="6" name="TextBox 5">
-            <a:extLst>
-              <a:ext uri="{FF2B5EF4-FFF2-40B4-BE49-F238E27FC236}">
-                <a16:creationId xmlns:a16="http://schemas.microsoft.com/office/drawing/2014/main" id="{D73EA4BC-C794-ADDF-A1A3-B7FC9E83B19C}"/>
+          <p:cNvPr id="5" name="TextBox 4">
+            <a:extLst>
+              <a:ext uri="{FF2B5EF4-FFF2-40B4-BE49-F238E27FC236}">
+                <a16:creationId xmlns:a16="http://schemas.microsoft.com/office/drawing/2014/main" id="{5C3101FE-916F-7AC8-03CF-F8680EC21ADF}"/>
               </a:ext>
             </a:extLst>
           </p:cNvPr>
@@ -5878,8 +6349,8 @@
         </p:nvSpPr>
         <p:spPr>
           <a:xfrm>
-            <a:off x="373853" y="3013501"/>
-            <a:ext cx="11444287" cy="830997"/>
+            <a:off x="373856" y="2510165"/>
+            <a:ext cx="11444287" cy="1569660"/>
           </a:xfrm>
           <a:prstGeom prst="rect">
             <a:avLst/>
@@ -5894,14 +6365,14 @@
           <a:p>
             <a:pPr algn="ctr"/>
             <a:r>
-              <a:rPr lang="en-CH" sz="4800" dirty="0">
+              <a:rPr lang="en-CH" sz="9600" dirty="0">
                 <a:solidFill>
                   <a:schemeClr val="bg1"/>
                 </a:solidFill>
-                <a:latin typeface="Arial" panose="020B0604020202020204" pitchFamily="34" charset="0"/>
+                <a:latin typeface="Avenir Light" panose="020B0402020203020204" pitchFamily="34" charset="77"/>
                 <a:cs typeface="Arial" panose="020B0604020202020204" pitchFamily="34" charset="0"/>
               </a:rPr>
-              <a:t>+ 1</a:t>
+              <a:t>+</a:t>
             </a:r>
           </a:p>
         </p:txBody>
@@ -5909,7 +6380,7 @@
     </p:spTree>
     <p:extLst>
       <p:ext uri="{BB962C8B-B14F-4D97-AF65-F5344CB8AC3E}">
-        <p14:creationId xmlns:p14="http://schemas.microsoft.com/office/powerpoint/2010/main" val="1062932709"/>
+        <p14:creationId xmlns:p14="http://schemas.microsoft.com/office/powerpoint/2010/main" val="3372457678"/>
       </p:ext>
     </p:extLst>
   </p:cSld>
@@ -6114,6 +6585,86 @@
 </file>
 
 <file path=ppt/slides/slide40.xml><?xml version="1.0" encoding="utf-8"?>
+<p:sld xmlns:a="http://schemas.openxmlformats.org/drawingml/2006/main" xmlns:r="http://schemas.openxmlformats.org/officeDocument/2006/relationships" xmlns:p="http://schemas.openxmlformats.org/presentationml/2006/main">
+  <p:cSld>
+    <p:bg>
+      <p:bgPr>
+        <a:solidFill>
+          <a:srgbClr val="5C5C5C"/>
+        </a:solidFill>
+        <a:effectLst/>
+      </p:bgPr>
+    </p:bg>
+    <p:spTree>
+      <p:nvGrpSpPr>
+        <p:cNvPr id="1" name=""/>
+        <p:cNvGrpSpPr/>
+        <p:nvPr/>
+      </p:nvGrpSpPr>
+      <p:grpSpPr>
+        <a:xfrm>
+          <a:off x="0" y="0"/>
+          <a:ext cx="0" cy="0"/>
+          <a:chOff x="0" y="0"/>
+          <a:chExt cx="0" cy="0"/>
+        </a:xfrm>
+      </p:grpSpPr>
+      <p:sp>
+        <p:nvSpPr>
+          <p:cNvPr id="6" name="TextBox 5">
+            <a:extLst>
+              <a:ext uri="{FF2B5EF4-FFF2-40B4-BE49-F238E27FC236}">
+                <a16:creationId xmlns:a16="http://schemas.microsoft.com/office/drawing/2014/main" id="{D73EA4BC-C794-ADDF-A1A3-B7FC9E83B19C}"/>
+              </a:ext>
+            </a:extLst>
+          </p:cNvPr>
+          <p:cNvSpPr txBox="1"/>
+          <p:nvPr/>
+        </p:nvSpPr>
+        <p:spPr>
+          <a:xfrm>
+            <a:off x="373853" y="3013501"/>
+            <a:ext cx="11444287" cy="830997"/>
+          </a:xfrm>
+          <a:prstGeom prst="rect">
+            <a:avLst/>
+          </a:prstGeom>
+          <a:noFill/>
+        </p:spPr>
+        <p:txBody>
+          <a:bodyPr wrap="square" rtlCol="0">
+            <a:spAutoFit/>
+          </a:bodyPr>
+          <a:lstStyle/>
+          <a:p>
+            <a:pPr algn="ctr"/>
+            <a:r>
+              <a:rPr lang="en-CH" sz="4800" dirty="0">
+                <a:solidFill>
+                  <a:schemeClr val="bg1"/>
+                </a:solidFill>
+                <a:latin typeface="Arial" panose="020B0604020202020204" pitchFamily="34" charset="0"/>
+                <a:cs typeface="Arial" panose="020B0604020202020204" pitchFamily="34" charset="0"/>
+              </a:rPr>
+              <a:t>+ 1</a:t>
+            </a:r>
+          </a:p>
+        </p:txBody>
+      </p:sp>
+    </p:spTree>
+    <p:extLst>
+      <p:ext uri="{BB962C8B-B14F-4D97-AF65-F5344CB8AC3E}">
+        <p14:creationId xmlns:p14="http://schemas.microsoft.com/office/powerpoint/2010/main" val="1062932709"/>
+      </p:ext>
+    </p:extLst>
+  </p:cSld>
+  <p:clrMapOvr>
+    <a:masterClrMapping/>
+  </p:clrMapOvr>
+</p:sld>
+</file>
+
+<file path=ppt/slides/slide41.xml><?xml version="1.0" encoding="utf-8"?>
 <p:sld xmlns:a="http://schemas.openxmlformats.org/drawingml/2006/main" xmlns:r="http://schemas.openxmlformats.org/officeDocument/2006/relationships" xmlns:p="http://schemas.openxmlformats.org/presentationml/2006/main">
   <p:cSld>
     <p:bg>
@@ -6294,10 +6845,10 @@
       </p:grpSpPr>
       <p:pic>
         <p:nvPicPr>
-          <p:cNvPr id="3" name="Picture 2">
-            <a:extLst>
-              <a:ext uri="{FF2B5EF4-FFF2-40B4-BE49-F238E27FC236}">
-                <a16:creationId xmlns:a16="http://schemas.microsoft.com/office/drawing/2014/main" id="{7EB2FB4D-C64D-9D3E-1D86-97A662A6A574}"/>
+          <p:cNvPr id="10" name="Picture 9">
+            <a:extLst>
+              <a:ext uri="{FF2B5EF4-FFF2-40B4-BE49-F238E27FC236}">
+                <a16:creationId xmlns:a16="http://schemas.microsoft.com/office/drawing/2014/main" id="{BEF3D65A-5462-E8CF-AC01-B62E2C036211}"/>
               </a:ext>
             </a:extLst>
           </p:cNvPr>
@@ -6307,7 +6858,29 @@
           <p:nvPr/>
         </p:nvPicPr>
         <p:blipFill>
-          <a:blip r:embed="rId2"/>
+          <a:blip r:embed="rId2">
+            <a:extLst>
+              <a:ext uri="{BEBA8EAE-BF5A-486C-A8C5-ECC9F3942E4B}">
+                <a14:imgProps xmlns:a14="http://schemas.microsoft.com/office/drawing/2010/main">
+                  <a14:imgLayer r:embed="rId3">
+                    <a14:imgEffect>
+                      <a14:backgroundRemoval t="1940" b="98060" l="9914" r="89871">
+                        <a14:foregroundMark x1="52586" y1="6250" x2="52586" y2="6250"/>
+                        <a14:foregroundMark x1="52155" y1="1940" x2="52155" y2="1940"/>
+                        <a14:foregroundMark x1="33621" y1="21767" x2="33190" y2="44828"/>
+                        <a14:foregroundMark x1="33190" y1="44828" x2="32759" y2="45043"/>
+                        <a14:foregroundMark x1="65086" y1="19612" x2="71121" y2="43319"/>
+                        <a14:foregroundMark x1="13362" y1="39871" x2="18750" y2="25647"/>
+                        <a14:foregroundMark x1="51293" y1="92241" x2="51293" y2="92241"/>
+                        <a14:foregroundMark x1="50862" y1="98060" x2="50862" y2="98060"/>
+                        <a14:foregroundMark x1="75647" y1="18319" x2="75647" y2="18319"/>
+                      </a14:backgroundRemoval>
+                    </a14:imgEffect>
+                  </a14:imgLayer>
+                </a14:imgProps>
+              </a:ext>
+            </a:extLst>
+          </a:blip>
           <a:stretch>
             <a:fillRect/>
           </a:stretch>
@@ -6341,14 +6914,20 @@
     <p:bg>
       <p:bgPr>
         <a:solidFill>
-          <a:srgbClr val="5C5C5C"/>
+          <a:srgbClr val="646464"/>
         </a:solidFill>
         <a:effectLst/>
       </p:bgPr>
     </p:bg>
     <p:spTree>
       <p:nvGrpSpPr>
-        <p:cNvPr id="1" name=""/>
+        <p:cNvPr id="1" name="">
+          <a:extLst>
+            <a:ext uri="{FF2B5EF4-FFF2-40B4-BE49-F238E27FC236}">
+              <a16:creationId xmlns:a16="http://schemas.microsoft.com/office/drawing/2014/main" id="{F8DB4A07-65F7-C296-104F-8BFCE9B676D3}"/>
+            </a:ext>
+          </a:extLst>
+        </p:cNvPr>
         <p:cNvGrpSpPr/>
         <p:nvPr/>
       </p:nvGrpSpPr>
@@ -6362,10 +6941,10 @@
       </p:grpSpPr>
       <p:pic>
         <p:nvPicPr>
-          <p:cNvPr id="3" name="Picture 2">
-            <a:extLst>
-              <a:ext uri="{FF2B5EF4-FFF2-40B4-BE49-F238E27FC236}">
-                <a16:creationId xmlns:a16="http://schemas.microsoft.com/office/drawing/2014/main" id="{08526774-AD3D-A2BF-8B22-289424073E47}"/>
+          <p:cNvPr id="8" name="Picture 7">
+            <a:extLst>
+              <a:ext uri="{FF2B5EF4-FFF2-40B4-BE49-F238E27FC236}">
+                <a16:creationId xmlns:a16="http://schemas.microsoft.com/office/drawing/2014/main" id="{27FB650C-4E7B-F242-F4CF-1A623EA5452F}"/>
               </a:ext>
             </a:extLst>
           </p:cNvPr>
@@ -6375,15 +6954,37 @@
           <p:nvPr/>
         </p:nvPicPr>
         <p:blipFill>
-          <a:blip r:embed="rId2"/>
+          <a:blip r:embed="rId2">
+            <a:extLst>
+              <a:ext uri="{BEBA8EAE-BF5A-486C-A8C5-ECC9F3942E4B}">
+                <a14:imgProps xmlns:a14="http://schemas.microsoft.com/office/drawing/2010/main">
+                  <a14:imgLayer r:embed="rId3">
+                    <a14:imgEffect>
+                      <a14:backgroundRemoval t="1940" b="99353" l="9914" r="89871">
+                        <a14:foregroundMark x1="44612" y1="6034" x2="44612" y2="6034"/>
+                        <a14:foregroundMark x1="50216" y1="2155" x2="50216" y2="2155"/>
+                        <a14:foregroundMark x1="35129" y1="25000" x2="35776" y2="37069"/>
+                        <a14:foregroundMark x1="27155" y1="35345" x2="27155" y2="35345"/>
+                        <a14:foregroundMark x1="40086" y1="35776" x2="40086" y2="35776"/>
+                        <a14:foregroundMark x1="60991" y1="27802" x2="75000" y2="32974"/>
+                        <a14:foregroundMark x1="31466" y1="68750" x2="36207" y2="72198"/>
+                        <a14:foregroundMark x1="47629" y1="94397" x2="47629" y2="94397"/>
+                        <a14:foregroundMark x1="49784" y1="99353" x2="49784" y2="99353"/>
+                      </a14:backgroundRemoval>
+                    </a14:imgEffect>
+                  </a14:imgLayer>
+                </a14:imgProps>
+              </a:ext>
+            </a:extLst>
+          </a:blip>
           <a:stretch>
             <a:fillRect/>
           </a:stretch>
         </p:blipFill>
         <p:spPr>
           <a:xfrm>
-            <a:off x="3501517" y="1449000"/>
-            <a:ext cx="5188966" cy="3960000"/>
+            <a:off x="5016000" y="2349000"/>
+            <a:ext cx="2160000" cy="2160000"/>
           </a:xfrm>
           <a:prstGeom prst="rect">
             <a:avLst/>
@@ -6393,7 +6994,7 @@
     </p:spTree>
     <p:extLst>
       <p:ext uri="{BB962C8B-B14F-4D97-AF65-F5344CB8AC3E}">
-        <p14:creationId xmlns:p14="http://schemas.microsoft.com/office/powerpoint/2010/main" val="4139463847"/>
+        <p14:creationId xmlns:p14="http://schemas.microsoft.com/office/powerpoint/2010/main" val="2575793716"/>
       </p:ext>
     </p:extLst>
   </p:cSld>
@@ -6419,7 +7020,7 @@
         <p:cNvPr id="1" name="">
           <a:extLst>
             <a:ext uri="{FF2B5EF4-FFF2-40B4-BE49-F238E27FC236}">
-              <a16:creationId xmlns:a16="http://schemas.microsoft.com/office/drawing/2014/main" id="{8E821182-6885-2416-A668-D4183C90ACD1}"/>
+              <a16:creationId xmlns:a16="http://schemas.microsoft.com/office/drawing/2014/main" id="{DE19C48C-AD49-1B80-D533-BE394BE774BD}"/>
             </a:ext>
           </a:extLst>
         </p:cNvPr>
@@ -6436,10 +7037,10 @@
       </p:grpSpPr>
       <p:pic>
         <p:nvPicPr>
-          <p:cNvPr id="4" name="Picture 3">
-            <a:extLst>
-              <a:ext uri="{FF2B5EF4-FFF2-40B4-BE49-F238E27FC236}">
-                <a16:creationId xmlns:a16="http://schemas.microsoft.com/office/drawing/2014/main" id="{8AB7B542-2D53-49EB-869E-3A95B8434C64}"/>
+          <p:cNvPr id="6" name="Picture 5">
+            <a:extLst>
+              <a:ext uri="{FF2B5EF4-FFF2-40B4-BE49-F238E27FC236}">
+                <a16:creationId xmlns:a16="http://schemas.microsoft.com/office/drawing/2014/main" id="{52D5C8F3-9035-6AF3-84E4-F6C9D9B8184F}"/>
               </a:ext>
             </a:extLst>
           </p:cNvPr>
@@ -6467,7 +7068,7 @@
     </p:spTree>
     <p:extLst>
       <p:ext uri="{BB962C8B-B14F-4D97-AF65-F5344CB8AC3E}">
-        <p14:creationId xmlns:p14="http://schemas.microsoft.com/office/powerpoint/2010/main" val="1808002623"/>
+        <p14:creationId xmlns:p14="http://schemas.microsoft.com/office/powerpoint/2010/main" val="1763482391"/>
       </p:ext>
     </p:extLst>
   </p:cSld>
@@ -6507,7 +7108,7 @@
           <p:cNvPr id="3" name="Picture 2">
             <a:extLst>
               <a:ext uri="{FF2B5EF4-FFF2-40B4-BE49-F238E27FC236}">
-                <a16:creationId xmlns:a16="http://schemas.microsoft.com/office/drawing/2014/main" id="{02C3729A-FF3F-F995-3345-DEEDC1FC84C1}"/>
+                <a16:creationId xmlns:a16="http://schemas.microsoft.com/office/drawing/2014/main" id="{08526774-AD3D-A2BF-8B22-289424073E47}"/>
               </a:ext>
             </a:extLst>
           </p:cNvPr>
@@ -6535,7 +7136,7 @@
     </p:spTree>
     <p:extLst>
       <p:ext uri="{BB962C8B-B14F-4D97-AF65-F5344CB8AC3E}">
-        <p14:creationId xmlns:p14="http://schemas.microsoft.com/office/powerpoint/2010/main" val="1313142258"/>
+        <p14:creationId xmlns:p14="http://schemas.microsoft.com/office/powerpoint/2010/main" val="4139463847"/>
       </p:ext>
     </p:extLst>
   </p:cSld>
